--- a/Figures_EP/Arcs/Architecture.pptx
+++ b/Figures_EP/Arcs/Architecture.pptx
@@ -197,7 +197,7 @@
           <a:p>
             <a:fld id="{4F2B3EEC-C8B4-0543-943F-91B3791C5E43}" type="datetimeFigureOut">
               <a:rPr lang="en-US" smtClean="0"/>
-              <a:t>3/4/24</a:t>
+              <a:t>3/6/24</a:t>
             </a:fld>
             <a:endParaRPr lang="en-US"/>
           </a:p>
@@ -734,7 +734,7 @@
           <a:p>
             <a:fld id="{697CBF4A-2AD2-1249-BC5E-D6BCA9656194}" type="datetimeFigureOut">
               <a:rPr lang="en-US" smtClean="0"/>
-              <a:t>3/4/24</a:t>
+              <a:t>3/6/24</a:t>
             </a:fld>
             <a:endParaRPr lang="en-US"/>
           </a:p>
@@ -932,7 +932,7 @@
           <a:p>
             <a:fld id="{697CBF4A-2AD2-1249-BC5E-D6BCA9656194}" type="datetimeFigureOut">
               <a:rPr lang="en-US" smtClean="0"/>
-              <a:t>3/4/24</a:t>
+              <a:t>3/6/24</a:t>
             </a:fld>
             <a:endParaRPr lang="en-US"/>
           </a:p>
@@ -1140,7 +1140,7 @@
           <a:p>
             <a:fld id="{697CBF4A-2AD2-1249-BC5E-D6BCA9656194}" type="datetimeFigureOut">
               <a:rPr lang="en-US" smtClean="0"/>
-              <a:t>3/4/24</a:t>
+              <a:t>3/6/24</a:t>
             </a:fld>
             <a:endParaRPr lang="en-US"/>
           </a:p>
@@ -1338,7 +1338,7 @@
           <a:p>
             <a:fld id="{697CBF4A-2AD2-1249-BC5E-D6BCA9656194}" type="datetimeFigureOut">
               <a:rPr lang="en-US" smtClean="0"/>
-              <a:t>3/4/24</a:t>
+              <a:t>3/6/24</a:t>
             </a:fld>
             <a:endParaRPr lang="en-US"/>
           </a:p>
@@ -1613,7 +1613,7 @@
           <a:p>
             <a:fld id="{697CBF4A-2AD2-1249-BC5E-D6BCA9656194}" type="datetimeFigureOut">
               <a:rPr lang="en-US" smtClean="0"/>
-              <a:t>3/4/24</a:t>
+              <a:t>3/6/24</a:t>
             </a:fld>
             <a:endParaRPr lang="en-US"/>
           </a:p>
@@ -1878,7 +1878,7 @@
           <a:p>
             <a:fld id="{697CBF4A-2AD2-1249-BC5E-D6BCA9656194}" type="datetimeFigureOut">
               <a:rPr lang="en-US" smtClean="0"/>
-              <a:t>3/4/24</a:t>
+              <a:t>3/6/24</a:t>
             </a:fld>
             <a:endParaRPr lang="en-US"/>
           </a:p>
@@ -2290,7 +2290,7 @@
           <a:p>
             <a:fld id="{697CBF4A-2AD2-1249-BC5E-D6BCA9656194}" type="datetimeFigureOut">
               <a:rPr lang="en-US" smtClean="0"/>
-              <a:t>3/4/24</a:t>
+              <a:t>3/6/24</a:t>
             </a:fld>
             <a:endParaRPr lang="en-US"/>
           </a:p>
@@ -2431,7 +2431,7 @@
           <a:p>
             <a:fld id="{697CBF4A-2AD2-1249-BC5E-D6BCA9656194}" type="datetimeFigureOut">
               <a:rPr lang="en-US" smtClean="0"/>
-              <a:t>3/4/24</a:t>
+              <a:t>3/6/24</a:t>
             </a:fld>
             <a:endParaRPr lang="en-US"/>
           </a:p>
@@ -2544,7 +2544,7 @@
           <a:p>
             <a:fld id="{697CBF4A-2AD2-1249-BC5E-D6BCA9656194}" type="datetimeFigureOut">
               <a:rPr lang="en-US" smtClean="0"/>
-              <a:t>3/4/24</a:t>
+              <a:t>3/6/24</a:t>
             </a:fld>
             <a:endParaRPr lang="en-US"/>
           </a:p>
@@ -2855,7 +2855,7 @@
           <a:p>
             <a:fld id="{697CBF4A-2AD2-1249-BC5E-D6BCA9656194}" type="datetimeFigureOut">
               <a:rPr lang="en-US" smtClean="0"/>
-              <a:t>3/4/24</a:t>
+              <a:t>3/6/24</a:t>
             </a:fld>
             <a:endParaRPr lang="en-US"/>
           </a:p>
@@ -3143,7 +3143,7 @@
           <a:p>
             <a:fld id="{697CBF4A-2AD2-1249-BC5E-D6BCA9656194}" type="datetimeFigureOut">
               <a:rPr lang="en-US" smtClean="0"/>
-              <a:t>3/4/24</a:t>
+              <a:t>3/6/24</a:t>
             </a:fld>
             <a:endParaRPr lang="en-US"/>
           </a:p>
@@ -3384,7 +3384,7 @@
           <a:p>
             <a:fld id="{697CBF4A-2AD2-1249-BC5E-D6BCA9656194}" type="datetimeFigureOut">
               <a:rPr lang="en-US" smtClean="0"/>
-              <a:t>3/4/24</a:t>
+              <a:t>3/6/24</a:t>
             </a:fld>
             <a:endParaRPr lang="en-US"/>
           </a:p>
@@ -3815,7 +3815,7 @@
         </p:nvSpPr>
         <p:spPr>
           <a:xfrm>
-            <a:off x="1831240" y="894905"/>
+            <a:off x="1724146" y="894905"/>
             <a:ext cx="4153072" cy="4408940"/>
           </a:xfrm>
           <a:prstGeom prst="roundRect">
@@ -3870,7 +3870,7 @@
         </p:nvSpPr>
         <p:spPr>
           <a:xfrm>
-            <a:off x="8337838" y="2678219"/>
+            <a:off x="11196653" y="3634288"/>
             <a:ext cx="848887" cy="578027"/>
           </a:xfrm>
           <a:prstGeom prst="roundRect">
@@ -3920,15 +3920,15 @@
           </p:cNvPr>
           <p:cNvCxnSpPr>
             <a:cxnSpLocks/>
-            <a:stCxn id="130" idx="3"/>
-            <a:endCxn id="163" idx="1"/>
+            <a:stCxn id="130" idx="2"/>
+            <a:endCxn id="163" idx="0"/>
           </p:cNvCxnSpPr>
           <p:nvPr/>
         </p:nvCxnSpPr>
         <p:spPr>
-          <a:xfrm flipV="1">
-            <a:off x="9186725" y="2967232"/>
-            <a:ext cx="259411" cy="1"/>
+          <a:xfrm>
+            <a:off x="11621097" y="4212315"/>
+            <a:ext cx="3994" cy="311504"/>
           </a:xfrm>
           <a:prstGeom prst="straightConnector1">
             <a:avLst/>
@@ -3973,7 +3973,7 @@
         </p:nvSpPr>
         <p:spPr>
           <a:xfrm>
-            <a:off x="9446136" y="2621229"/>
+            <a:off x="11195464" y="4523819"/>
             <a:ext cx="859253" cy="692005"/>
           </a:xfrm>
           <a:prstGeom prst="rect">
@@ -4042,8 +4042,8 @@
         </p:nvSpPr>
         <p:spPr>
           <a:xfrm>
-            <a:off x="-8250" y="4169763"/>
-            <a:ext cx="875308" cy="461665"/>
+            <a:off x="-56375" y="4169763"/>
+            <a:ext cx="875308" cy="492443"/>
           </a:xfrm>
           <a:prstGeom prst="rect">
             <a:avLst/>
@@ -4058,13 +4058,18 @@
           <a:p>
             <a:pPr algn="ctr"/>
             <a:r>
-              <a:rPr lang="en-US" sz="1200" dirty="0">
+              <a:rPr lang="en-US" sz="1400" dirty="0">
                 <a:latin typeface=""/>
                 <a:ea typeface="Tahoma" panose="020B0604030504040204" pitchFamily="34" charset="0"/>
                 <a:cs typeface="Tahoma" panose="020B0604030504040204" pitchFamily="34" charset="0"/>
               </a:rPr>
               <a:t>Dataset</a:t>
             </a:r>
+            <a:endParaRPr lang="en-US" sz="1200" dirty="0">
+              <a:latin typeface=""/>
+              <a:ea typeface="Tahoma" panose="020B0604030504040204" pitchFamily="34" charset="0"/>
+              <a:cs typeface="Tahoma" panose="020B0604030504040204" pitchFamily="34" charset="0"/>
+            </a:endParaRPr>
           </a:p>
           <a:p>
             <a:pPr algn="ctr"/>
@@ -4093,8 +4098,8 @@
         </p:nvSpPr>
         <p:spPr>
           <a:xfrm>
-            <a:off x="985828" y="1780186"/>
-            <a:ext cx="352803" cy="256860"/>
+            <a:off x="896453" y="1780186"/>
+            <a:ext cx="408700" cy="256860"/>
           </a:xfrm>
           <a:prstGeom prst="can">
             <a:avLst/>
@@ -4129,7 +4134,7 @@
           <a:p>
             <a:pPr algn="ctr"/>
             <a:r>
-              <a:rPr lang="en-US" sz="1200" dirty="0">
+              <a:rPr lang="en-US" sz="1400" dirty="0">
                 <a:solidFill>
                   <a:schemeClr val="bg1"/>
                 </a:solidFill>
@@ -4140,7 +4145,7 @@
               <a:t>S</a:t>
             </a:r>
             <a:r>
-              <a:rPr lang="en-US" sz="1200" baseline="-25000" dirty="0">
+              <a:rPr lang="en-US" sz="1400" baseline="-25000" dirty="0">
                 <a:solidFill>
                   <a:schemeClr val="bg1"/>
                 </a:solidFill>
@@ -4150,7 +4155,7 @@
               </a:rPr>
               <a:t>1</a:t>
             </a:r>
-            <a:endParaRPr lang="en-US" sz="1100" baseline="-25000" dirty="0">
+            <a:endParaRPr lang="en-US" sz="1200" baseline="-25000" dirty="0">
               <a:solidFill>
                 <a:schemeClr val="bg1"/>
               </a:solidFill>
@@ -4175,8 +4180,8 @@
         </p:nvSpPr>
         <p:spPr>
           <a:xfrm>
-            <a:off x="985829" y="2846538"/>
-            <a:ext cx="352803" cy="256860"/>
+            <a:off x="896454" y="2846538"/>
+            <a:ext cx="408700" cy="256860"/>
           </a:xfrm>
           <a:prstGeom prst="can">
             <a:avLst/>
@@ -4211,7 +4216,7 @@
           <a:p>
             <a:pPr algn="ctr"/>
             <a:r>
-              <a:rPr lang="en-US" sz="1200" dirty="0">
+              <a:rPr lang="en-US" sz="1400" dirty="0">
                 <a:solidFill>
                   <a:schemeClr val="bg1"/>
                 </a:solidFill>
@@ -4222,7 +4227,7 @@
               <a:t>S</a:t>
             </a:r>
             <a:r>
-              <a:rPr lang="en-US" sz="1200" baseline="-25000" dirty="0">
+              <a:rPr lang="en-US" sz="1400" baseline="-25000" dirty="0">
                 <a:solidFill>
                   <a:schemeClr val="bg1"/>
                 </a:solidFill>
@@ -4232,7 +4237,7 @@
               </a:rPr>
               <a:t>2</a:t>
             </a:r>
-            <a:endParaRPr lang="en-US" baseline="-25000" dirty="0">
+            <a:endParaRPr lang="en-US" sz="2000" baseline="-25000" dirty="0">
               <a:solidFill>
                 <a:schemeClr val="bg1"/>
               </a:solidFill>
@@ -4257,8 +4262,8 @@
         </p:nvSpPr>
         <p:spPr>
           <a:xfrm>
-            <a:off x="990485" y="4648168"/>
-            <a:ext cx="352803" cy="256860"/>
+            <a:off x="901110" y="4648168"/>
+            <a:ext cx="408700" cy="256860"/>
           </a:xfrm>
           <a:prstGeom prst="can">
             <a:avLst/>
@@ -4293,7 +4298,7 @@
           <a:p>
             <a:pPr algn="ctr"/>
             <a:r>
-              <a:rPr lang="en-US" sz="1200" dirty="0">
+              <a:rPr lang="en-US" sz="1400" dirty="0">
                 <a:solidFill>
                   <a:schemeClr val="bg1"/>
                 </a:solidFill>
@@ -4304,7 +4309,7 @@
               <a:t>S</a:t>
             </a:r>
             <a:r>
-              <a:rPr lang="en-US" sz="1200" baseline="-25000" dirty="0">
+              <a:rPr lang="en-US" sz="1400" baseline="-25000" dirty="0">
                 <a:solidFill>
                   <a:schemeClr val="bg1"/>
                 </a:solidFill>
@@ -4331,8 +4336,8 @@
         </p:nvSpPr>
         <p:spPr>
           <a:xfrm>
-            <a:off x="203072" y="2135422"/>
-            <a:ext cx="352803" cy="1935003"/>
+            <a:off x="113697" y="2135422"/>
+            <a:ext cx="408700" cy="1935003"/>
           </a:xfrm>
           <a:prstGeom prst="can">
             <a:avLst/>
@@ -4391,8 +4396,8 @@
         </p:nvSpPr>
         <p:spPr>
           <a:xfrm>
-            <a:off x="203547" y="2341522"/>
-            <a:ext cx="352803" cy="256860"/>
+            <a:off x="114172" y="2341522"/>
+            <a:ext cx="408700" cy="256860"/>
           </a:xfrm>
           <a:prstGeom prst="can">
             <a:avLst/>
@@ -4451,8 +4456,8 @@
         </p:nvSpPr>
         <p:spPr>
           <a:xfrm>
-            <a:off x="204279" y="2135423"/>
-            <a:ext cx="352803" cy="256860"/>
+            <a:off x="114904" y="2135423"/>
+            <a:ext cx="408700" cy="256860"/>
           </a:xfrm>
           <a:prstGeom prst="can">
             <a:avLst/>
@@ -4512,7 +4517,7 @@
         <p:spPr>
           <a:xfrm>
             <a:off x="54080" y="894905"/>
-            <a:ext cx="1449546" cy="4138552"/>
+            <a:ext cx="1337084" cy="4138552"/>
           </a:xfrm>
           <a:prstGeom prst="roundRect">
             <a:avLst>
@@ -4569,8 +4574,8 @@
         </p:nvSpPr>
         <p:spPr>
           <a:xfrm>
-            <a:off x="203416" y="3804523"/>
-            <a:ext cx="352803" cy="256860"/>
+            <a:off x="114041" y="3804523"/>
+            <a:ext cx="408700" cy="256860"/>
           </a:xfrm>
           <a:prstGeom prst="can">
             <a:avLst/>
@@ -4633,12 +4638,12 @@
         </p:nvCxnSpPr>
         <p:spPr>
           <a:xfrm>
-            <a:off x="556219" y="3932953"/>
-            <a:ext cx="434266" cy="843645"/>
+            <a:off x="522741" y="3932953"/>
+            <a:ext cx="378369" cy="843645"/>
           </a:xfrm>
           <a:prstGeom prst="bentConnector3">
             <a:avLst>
-              <a:gd name="adj1" fmla="val 41796"/>
+              <a:gd name="adj1" fmla="val 50000"/>
             </a:avLst>
           </a:prstGeom>
           <a:ln w="28575" cap="flat" cmpd="sng" algn="ctr">
@@ -4684,8 +4689,8 @@
         </p:nvCxnSpPr>
         <p:spPr>
           <a:xfrm>
-            <a:off x="556350" y="2469952"/>
-            <a:ext cx="429479" cy="505016"/>
+            <a:off x="522872" y="2469952"/>
+            <a:ext cx="373582" cy="505016"/>
           </a:xfrm>
           <a:prstGeom prst="bentConnector3">
             <a:avLst>
@@ -4735,8 +4740,8 @@
         </p:nvCxnSpPr>
         <p:spPr>
           <a:xfrm flipV="1">
-            <a:off x="557082" y="1908616"/>
-            <a:ext cx="428746" cy="355237"/>
+            <a:off x="523604" y="1908616"/>
+            <a:ext cx="372849" cy="355237"/>
           </a:xfrm>
           <a:prstGeom prst="bentConnector3">
             <a:avLst>
@@ -4782,7 +4787,7 @@
         </p:nvSpPr>
         <p:spPr>
           <a:xfrm>
-            <a:off x="339011" y="2742477"/>
+            <a:off x="249636" y="2742477"/>
             <a:ext cx="73705" cy="73705"/>
           </a:xfrm>
           <a:prstGeom prst="ellipse">
@@ -4839,7 +4844,7 @@
         <p:spPr>
           <a:xfrm>
             <a:off x="66099" y="898221"/>
-            <a:ext cx="1425502" cy="492443"/>
+            <a:ext cx="1325065" cy="523220"/>
           </a:xfrm>
           <a:prstGeom prst="rect">
             <a:avLst/>
@@ -4854,7 +4859,7 @@
           <a:p>
             <a:pPr algn="ctr"/>
             <a:r>
-              <a:rPr lang="en-US" sz="1300" b="1" dirty="0">
+              <a:rPr lang="en-US" sz="1400" b="1" dirty="0">
                 <a:latin typeface=""/>
                 <a:ea typeface="Tahoma" panose="020B0604030504040204" pitchFamily="34" charset="0"/>
                 <a:cs typeface="Tahoma" panose="020B0604030504040204" pitchFamily="34" charset="0"/>
@@ -4878,7 +4883,7 @@
         </p:nvSpPr>
         <p:spPr>
           <a:xfrm>
-            <a:off x="340433" y="2837840"/>
+            <a:off x="251058" y="2837840"/>
             <a:ext cx="73705" cy="73705"/>
           </a:xfrm>
           <a:prstGeom prst="ellipse">
@@ -4934,7 +4939,7 @@
         </p:nvSpPr>
         <p:spPr>
           <a:xfrm>
-            <a:off x="339011" y="2938907"/>
+            <a:off x="249636" y="2938907"/>
             <a:ext cx="73705" cy="73705"/>
           </a:xfrm>
           <a:prstGeom prst="ellipse">
@@ -4990,8 +4995,8 @@
         </p:nvSpPr>
         <p:spPr>
           <a:xfrm>
-            <a:off x="1950435" y="1750876"/>
-            <a:ext cx="357725" cy="283781"/>
+            <a:off x="1783921" y="1750876"/>
+            <a:ext cx="395782" cy="283781"/>
           </a:xfrm>
           <a:prstGeom prst="can">
             <a:avLst/>
@@ -5026,7 +5031,7 @@
           <a:p>
             <a:pPr algn="ctr"/>
             <a:r>
-              <a:rPr lang="en-US" sz="1200" dirty="0">
+              <a:rPr lang="en-US" sz="1400" dirty="0">
                 <a:solidFill>
                   <a:schemeClr val="bg1"/>
                 </a:solidFill>
@@ -5037,7 +5042,7 @@
               <a:t>S</a:t>
             </a:r>
             <a:r>
-              <a:rPr lang="en-US" sz="1200" baseline="-25000" dirty="0">
+              <a:rPr lang="en-US" sz="1400" baseline="-25000" dirty="0">
                 <a:solidFill>
                   <a:schemeClr val="bg1"/>
                 </a:solidFill>
@@ -5064,8 +5069,8 @@
         </p:nvSpPr>
         <p:spPr>
           <a:xfrm>
-            <a:off x="1973565" y="2819785"/>
-            <a:ext cx="342672" cy="283781"/>
+            <a:off x="1783921" y="2819785"/>
+            <a:ext cx="396964" cy="283781"/>
           </a:xfrm>
           <a:prstGeom prst="can">
             <a:avLst/>
@@ -5100,7 +5105,7 @@
           <a:p>
             <a:pPr algn="ctr"/>
             <a:r>
-              <a:rPr lang="en-US" sz="1200" dirty="0">
+              <a:rPr lang="en-US" sz="1400" dirty="0">
                 <a:solidFill>
                   <a:schemeClr val="bg1"/>
                 </a:solidFill>
@@ -5111,7 +5116,7 @@
               <a:t>S</a:t>
             </a:r>
             <a:r>
-              <a:rPr lang="en-US" sz="1200" baseline="-25000" dirty="0">
+              <a:rPr lang="en-US" sz="1400" baseline="-25000" dirty="0">
                 <a:solidFill>
                   <a:schemeClr val="bg1"/>
                 </a:solidFill>
@@ -5138,7 +5143,7 @@
         </p:nvSpPr>
         <p:spPr>
           <a:xfrm>
-            <a:off x="2086102" y="3478731"/>
+            <a:off x="1896458" y="3478731"/>
             <a:ext cx="80683" cy="81281"/>
           </a:xfrm>
           <a:prstGeom prst="ellipse">
@@ -5194,7 +5199,7 @@
         </p:nvSpPr>
         <p:spPr>
           <a:xfrm>
-            <a:off x="2086102" y="3625287"/>
+            <a:off x="1896458" y="3625287"/>
             <a:ext cx="80683" cy="83489"/>
           </a:xfrm>
           <a:prstGeom prst="ellipse">
@@ -5250,8 +5255,8 @@
         </p:nvSpPr>
         <p:spPr>
           <a:xfrm flipH="1">
-            <a:off x="2540391" y="2073692"/>
-            <a:ext cx="1098768" cy="283781"/>
+            <a:off x="2433296" y="2073692"/>
+            <a:ext cx="1160203" cy="283781"/>
           </a:xfrm>
           <a:prstGeom prst="flowChartPunchedCard">
             <a:avLst/>
@@ -5286,7 +5291,7 @@
           <a:p>
             <a:pPr algn="ctr"/>
             <a:r>
-              <a:rPr lang="en-US" sz="1300" dirty="0">
+              <a:rPr lang="en-US" sz="1400" dirty="0">
                 <a:solidFill>
                   <a:schemeClr val="tx1"/>
                 </a:solidFill>
@@ -5313,8 +5318,8 @@
         </p:nvSpPr>
         <p:spPr>
           <a:xfrm flipH="1">
-            <a:off x="2547839" y="2457930"/>
-            <a:ext cx="1105410" cy="386824"/>
+            <a:off x="2440745" y="2457930"/>
+            <a:ext cx="1167216" cy="386824"/>
           </a:xfrm>
           <a:prstGeom prst="flowChartPunchedCard">
             <a:avLst/>
@@ -5349,7 +5354,7 @@
           <a:p>
             <a:pPr algn="ctr"/>
             <a:r>
-              <a:rPr lang="en-US" sz="1300" dirty="0">
+              <a:rPr lang="en-US" sz="1400" dirty="0">
                 <a:solidFill>
                   <a:schemeClr val="tx1"/>
                 </a:solidFill>
@@ -5360,7 +5365,7 @@
               <a:t>OI </a:t>
             </a:r>
             <a:r>
-              <a:rPr lang="en-US" sz="1300" b="0" i="0" dirty="0">
+              <a:rPr lang="en-US" sz="1400" b="0" i="0" dirty="0">
                 <a:solidFill>
                   <a:schemeClr val="tx1"/>
                 </a:solidFill>
@@ -5372,7 +5377,7 @@
               <a:t>⊨</a:t>
             </a:r>
             <a:r>
-              <a:rPr lang="en-US" sz="1300" b="0" i="0" dirty="0">
+              <a:rPr lang="en-US" sz="1400" b="0" i="0" dirty="0">
                 <a:solidFill>
                   <a:srgbClr val="4D5156"/>
                 </a:solidFill>
@@ -5384,7 +5389,7 @@
               <a:t> </a:t>
             </a:r>
             <a:r>
-              <a:rPr lang="en-US" sz="1300" dirty="0">
+              <a:rPr lang="en-US" sz="1400" dirty="0">
                 <a:solidFill>
                   <a:schemeClr val="tx1"/>
                 </a:solidFill>
@@ -5395,7 +5400,7 @@
               <a:t>P</a:t>
             </a:r>
             <a:r>
-              <a:rPr lang="en-US" sz="1300" baseline="-25000" dirty="0">
+              <a:rPr lang="en-US" sz="1400" baseline="-25000" dirty="0">
                 <a:solidFill>
                   <a:schemeClr val="tx1"/>
                 </a:solidFill>
@@ -5406,7 +5411,7 @@
               <a:t>1</a:t>
             </a:r>
             <a:r>
-              <a:rPr lang="en-US" sz="1300" dirty="0">
+              <a:rPr lang="en-US" sz="1400" dirty="0">
                 <a:solidFill>
                   <a:schemeClr val="tx1"/>
                 </a:solidFill>
@@ -5417,7 +5422,7 @@
               <a:t>:v</a:t>
             </a:r>
             <a:r>
-              <a:rPr lang="en-US" sz="1300" baseline="-25000" dirty="0">
+              <a:rPr lang="en-US" sz="1400" baseline="-25000" dirty="0">
                 <a:solidFill>
                   <a:schemeClr val="tx1"/>
                 </a:solidFill>
@@ -5444,8 +5449,8 @@
         </p:nvSpPr>
         <p:spPr>
           <a:xfrm flipH="1">
-            <a:off x="2540390" y="3315619"/>
-            <a:ext cx="1097956" cy="300300"/>
+            <a:off x="2433296" y="3315619"/>
+            <a:ext cx="1159346" cy="300300"/>
           </a:xfrm>
           <a:prstGeom prst="flowChartPunchedCard">
             <a:avLst/>
@@ -5480,7 +5485,7 @@
           <a:p>
             <a:pPr algn="ctr"/>
             <a:r>
-              <a:rPr lang="en-US" sz="1300" dirty="0">
+              <a:rPr lang="en-US" sz="1400" dirty="0">
                 <a:solidFill>
                   <a:schemeClr val="tx1"/>
                 </a:solidFill>
@@ -5511,11 +5516,13 @@
         </p:nvCxnSpPr>
         <p:spPr>
           <a:xfrm flipV="1">
-            <a:off x="2316237" y="2651342"/>
-            <a:ext cx="231602" cy="310334"/>
+            <a:off x="2180885" y="2651342"/>
+            <a:ext cx="259860" cy="310334"/>
           </a:xfrm>
           <a:prstGeom prst="bentConnector3">
-            <a:avLst/>
+            <a:avLst>
+              <a:gd name="adj1" fmla="val 50000"/>
+            </a:avLst>
           </a:prstGeom>
           <a:ln w="19050" cap="flat" cmpd="sng" algn="ctr">
             <a:solidFill>
@@ -5560,8 +5567,8 @@
         </p:nvCxnSpPr>
         <p:spPr>
           <a:xfrm>
-            <a:off x="2316237" y="2961676"/>
-            <a:ext cx="224153" cy="504093"/>
+            <a:off x="2180885" y="2961676"/>
+            <a:ext cx="252411" cy="504093"/>
           </a:xfrm>
           <a:prstGeom prst="bentConnector3">
             <a:avLst>
@@ -5611,8 +5618,8 @@
         </p:nvCxnSpPr>
         <p:spPr>
           <a:xfrm flipV="1">
-            <a:off x="2308160" y="1407187"/>
-            <a:ext cx="233364" cy="485580"/>
+            <a:off x="2179703" y="1407187"/>
+            <a:ext cx="254726" cy="485580"/>
           </a:xfrm>
           <a:prstGeom prst="bentConnector3">
             <a:avLst/>
@@ -5660,8 +5667,8 @@
         </p:nvCxnSpPr>
         <p:spPr>
           <a:xfrm>
-            <a:off x="2308160" y="1892767"/>
-            <a:ext cx="232231" cy="322816"/>
+            <a:off x="2179703" y="1892767"/>
+            <a:ext cx="253593" cy="322816"/>
           </a:xfrm>
           <a:prstGeom prst="bentConnector3">
             <a:avLst>
@@ -5693,104 +5700,6 @@
           </a:fontRef>
         </p:style>
       </p:cxnSp>
-      <p:cxnSp>
-        <p:nvCxnSpPr>
-          <p:cNvPr id="86" name="Elbow Connector 85">
-            <a:extLst>
-              <a:ext uri="{FF2B5EF4-FFF2-40B4-BE49-F238E27FC236}">
-                <a16:creationId xmlns:a16="http://schemas.microsoft.com/office/drawing/2014/main" id="{1EE25752-D53A-E7C8-E679-6F0A01425BE7}"/>
-              </a:ext>
-            </a:extLst>
-          </p:cNvPr>
-          <p:cNvCxnSpPr>
-            <a:cxnSpLocks/>
-            <a:stCxn id="69" idx="1"/>
-            <a:endCxn id="508" idx="2"/>
-          </p:cNvCxnSpPr>
-          <p:nvPr/>
-        </p:nvCxnSpPr>
-        <p:spPr>
-          <a:xfrm flipV="1">
-            <a:off x="3638346" y="3327340"/>
-            <a:ext cx="640466" cy="138429"/>
-          </a:xfrm>
-          <a:prstGeom prst="bentConnector2">
-            <a:avLst/>
-          </a:prstGeom>
-          <a:ln w="19050" cap="flat" cmpd="sng" algn="ctr">
-            <a:solidFill>
-              <a:schemeClr val="dk1"/>
-            </a:solidFill>
-            <a:prstDash val="solid"/>
-            <a:round/>
-            <a:headEnd type="none" w="med" len="med"/>
-            <a:tailEnd type="arrow" w="med" len="med"/>
-          </a:ln>
-        </p:spPr>
-        <p:style>
-          <a:lnRef idx="0">
-            <a:scrgbClr r="0" g="0" b="0"/>
-          </a:lnRef>
-          <a:fillRef idx="0">
-            <a:scrgbClr r="0" g="0" b="0"/>
-          </a:fillRef>
-          <a:effectRef idx="0">
-            <a:scrgbClr r="0" g="0" b="0"/>
-          </a:effectRef>
-          <a:fontRef idx="minor">
-            <a:schemeClr val="tx1"/>
-          </a:fontRef>
-        </p:style>
-      </p:cxnSp>
-      <p:cxnSp>
-        <p:nvCxnSpPr>
-          <p:cNvPr id="87" name="Elbow Connector 86">
-            <a:extLst>
-              <a:ext uri="{FF2B5EF4-FFF2-40B4-BE49-F238E27FC236}">
-                <a16:creationId xmlns:a16="http://schemas.microsoft.com/office/drawing/2014/main" id="{53611628-1F3B-8424-3228-FC43B6C3CC3A}"/>
-              </a:ext>
-            </a:extLst>
-          </p:cNvPr>
-          <p:cNvCxnSpPr>
-            <a:cxnSpLocks/>
-            <a:stCxn id="64" idx="1"/>
-            <a:endCxn id="508" idx="0"/>
-          </p:cNvCxnSpPr>
-          <p:nvPr/>
-        </p:nvCxnSpPr>
-        <p:spPr>
-          <a:xfrm>
-            <a:off x="3653249" y="2651342"/>
-            <a:ext cx="625563" cy="144589"/>
-          </a:xfrm>
-          <a:prstGeom prst="bentConnector2">
-            <a:avLst/>
-          </a:prstGeom>
-          <a:ln w="19050" cap="flat" cmpd="sng" algn="ctr">
-            <a:solidFill>
-              <a:schemeClr val="dk1"/>
-            </a:solidFill>
-            <a:prstDash val="solid"/>
-            <a:round/>
-            <a:headEnd type="none" w="med" len="med"/>
-            <a:tailEnd type="arrow" w="med" len="med"/>
-          </a:ln>
-        </p:spPr>
-        <p:style>
-          <a:lnRef idx="0">
-            <a:scrgbClr r="0" g="0" b="0"/>
-          </a:lnRef>
-          <a:fillRef idx="0">
-            <a:scrgbClr r="0" g="0" b="0"/>
-          </a:fillRef>
-          <a:effectRef idx="0">
-            <a:scrgbClr r="0" g="0" b="0"/>
-          </a:effectRef>
-          <a:fontRef idx="minor">
-            <a:schemeClr val="tx1"/>
-          </a:fontRef>
-        </p:style>
-      </p:cxnSp>
       <p:sp>
         <p:nvSpPr>
           <p:cNvPr id="90" name="Oval 89">
@@ -5805,7 +5714,7 @@
         </p:nvSpPr>
         <p:spPr>
           <a:xfrm>
-            <a:off x="2086102" y="3327765"/>
+            <a:off x="1896458" y="3327765"/>
             <a:ext cx="80683" cy="85691"/>
           </a:xfrm>
           <a:prstGeom prst="ellipse">
@@ -5861,8 +5770,8 @@
         </p:nvSpPr>
         <p:spPr>
           <a:xfrm flipH="1">
-            <a:off x="2541524" y="1221481"/>
-            <a:ext cx="1093434" cy="371411"/>
+            <a:off x="2434429" y="1221481"/>
+            <a:ext cx="1154571" cy="371411"/>
           </a:xfrm>
           <a:prstGeom prst="flowChartPunchedCard">
             <a:avLst/>
@@ -5897,7 +5806,7 @@
           <a:p>
             <a:pPr algn="ctr"/>
             <a:r>
-              <a:rPr lang="en-US" sz="1300" dirty="0">
+              <a:rPr lang="en-US" sz="1400" dirty="0">
                 <a:solidFill>
                   <a:schemeClr val="tx1"/>
                 </a:solidFill>
@@ -5908,7 +5817,7 @@
               <a:t>OI </a:t>
             </a:r>
             <a:r>
-              <a:rPr lang="en-US" sz="1300" b="0" i="0" dirty="0">
+              <a:rPr lang="en-US" sz="1400" b="0" i="0" dirty="0">
                 <a:solidFill>
                   <a:schemeClr val="tx1"/>
                 </a:solidFill>
@@ -5920,7 +5829,7 @@
               <a:t>⊨</a:t>
             </a:r>
             <a:r>
-              <a:rPr lang="en-US" sz="1300" b="0" i="0" dirty="0">
+              <a:rPr lang="en-US" sz="1400" b="0" i="0" dirty="0">
                 <a:solidFill>
                   <a:srgbClr val="4D5156"/>
                 </a:solidFill>
@@ -5932,7 +5841,7 @@
               <a:t> </a:t>
             </a:r>
             <a:r>
-              <a:rPr lang="en-US" sz="1300" dirty="0">
+              <a:rPr lang="en-US" sz="1400" dirty="0">
                 <a:solidFill>
                   <a:schemeClr val="tx1"/>
                 </a:solidFill>
@@ -5943,7 +5852,7 @@
               <a:t>P</a:t>
             </a:r>
             <a:r>
-              <a:rPr lang="en-US" sz="1300" baseline="-25000" dirty="0">
+              <a:rPr lang="en-US" sz="1400" baseline="-25000" dirty="0">
                 <a:solidFill>
                   <a:schemeClr val="tx1"/>
                 </a:solidFill>
@@ -5954,7 +5863,7 @@
               <a:t>1</a:t>
             </a:r>
             <a:r>
-              <a:rPr lang="en-US" sz="1300" dirty="0">
+              <a:rPr lang="en-US" sz="1400" dirty="0">
                 <a:solidFill>
                   <a:schemeClr val="tx1"/>
                 </a:solidFill>
@@ -5965,7 +5874,7 @@
               <a:t>:v</a:t>
             </a:r>
             <a:r>
-              <a:rPr lang="en-US" sz="1300" baseline="-25000" dirty="0">
+              <a:rPr lang="en-US" sz="1400" baseline="-25000" dirty="0">
                 <a:solidFill>
                   <a:schemeClr val="tx1"/>
                 </a:solidFill>
@@ -5992,8 +5901,8 @@
         </p:nvSpPr>
         <p:spPr>
           <a:xfrm>
-            <a:off x="3653250" y="1549906"/>
-            <a:ext cx="1249093" cy="531409"/>
+            <a:off x="3546156" y="1407187"/>
+            <a:ext cx="1249093" cy="808396"/>
           </a:xfrm>
           <a:prstGeom prst="flowChartDecision">
             <a:avLst/>
@@ -6041,8 +5950,8 @@
         </p:nvSpPr>
         <p:spPr>
           <a:xfrm>
-            <a:off x="3725634" y="1661503"/>
-            <a:ext cx="1046954" cy="276999"/>
+            <a:off x="3537978" y="1628503"/>
+            <a:ext cx="1257270" cy="307777"/>
           </a:xfrm>
           <a:prstGeom prst="rect">
             <a:avLst/>
@@ -6057,7 +5966,7 @@
           <a:p>
             <a:pPr algn="ctr"/>
             <a:r>
-              <a:rPr lang="en-US" sz="1200" dirty="0">
+              <a:rPr lang="en-US" sz="1400" dirty="0">
                 <a:latin typeface=""/>
                 <a:ea typeface="Tahoma" panose="020B0604030504040204" pitchFamily="34" charset="0"/>
                 <a:cs typeface="Tahoma" panose="020B0604030504040204" pitchFamily="34" charset="0"/>
@@ -6065,7 +5974,7 @@
               <a:t>Similarity</a:t>
             </a:r>
             <a:r>
-              <a:rPr lang="en-US" sz="1200" baseline="-25000" dirty="0">
+              <a:rPr lang="en-US" sz="1400" baseline="-25000" dirty="0">
                 <a:latin typeface=""/>
                 <a:ea typeface="Tahoma" panose="020B0604030504040204" pitchFamily="34" charset="0"/>
                 <a:cs typeface="Tahoma" panose="020B0604030504040204" pitchFamily="34" charset="0"/>
@@ -6077,47 +5986,48 @@
       </p:sp>
       <p:cxnSp>
         <p:nvCxnSpPr>
-          <p:cNvPr id="96" name="Elbow Connector 95">
-            <a:extLst>
-              <a:ext uri="{FF2B5EF4-FFF2-40B4-BE49-F238E27FC236}">
-                <a16:creationId xmlns:a16="http://schemas.microsoft.com/office/drawing/2014/main" id="{01EA3497-5451-3C27-0C2B-54F6CAB41461}"/>
+          <p:cNvPr id="195" name="Straight Arrow Connector 194">
+            <a:extLst>
+              <a:ext uri="{FF2B5EF4-FFF2-40B4-BE49-F238E27FC236}">
+                <a16:creationId xmlns:a16="http://schemas.microsoft.com/office/drawing/2014/main" id="{A417EC42-B088-CC5A-6672-FDBA61184381}"/>
               </a:ext>
             </a:extLst>
           </p:cNvPr>
           <p:cNvCxnSpPr>
             <a:cxnSpLocks/>
-            <a:stCxn id="63" idx="1"/>
-            <a:endCxn id="94" idx="2"/>
+            <a:stCxn id="218" idx="4"/>
+            <a:endCxn id="197" idx="1"/>
           </p:cNvCxnSpPr>
           <p:nvPr/>
         </p:nvCxnSpPr>
         <p:spPr>
           <a:xfrm flipV="1">
-            <a:off x="3639159" y="2081315"/>
-            <a:ext cx="638638" cy="134268"/>
-          </a:xfrm>
-          <a:prstGeom prst="bentConnector2">
+            <a:off x="8863762" y="1923054"/>
+            <a:ext cx="83090" cy="674"/>
+          </a:xfrm>
+          <a:prstGeom prst="straightConnector1">
             <a:avLst/>
           </a:prstGeom>
           <a:ln w="19050" cap="flat" cmpd="sng" algn="ctr">
             <a:solidFill>
-              <a:schemeClr val="dk1"/>
+              <a:schemeClr val="tx1"/>
             </a:solidFill>
             <a:prstDash val="solid"/>
             <a:round/>
             <a:headEnd type="none" w="med" len="med"/>
             <a:tailEnd type="arrow" w="med" len="med"/>
           </a:ln>
+          <a:effectLst/>
         </p:spPr>
         <p:style>
-          <a:lnRef idx="0">
-            <a:scrgbClr r="0" g="0" b="0"/>
+          <a:lnRef idx="2">
+            <a:schemeClr val="accent1"/>
           </a:lnRef>
           <a:fillRef idx="0">
-            <a:scrgbClr r="0" g="0" b="0"/>
+            <a:schemeClr val="accent1"/>
           </a:fillRef>
-          <a:effectRef idx="0">
-            <a:scrgbClr r="0" g="0" b="0"/>
+          <a:effectRef idx="1">
+            <a:schemeClr val="accent1"/>
           </a:effectRef>
           <a:fontRef idx="minor">
             <a:schemeClr val="tx1"/>
@@ -6126,47 +6036,48 @@
       </p:cxnSp>
       <p:cxnSp>
         <p:nvCxnSpPr>
-          <p:cNvPr id="97" name="Elbow Connector 96">
-            <a:extLst>
-              <a:ext uri="{FF2B5EF4-FFF2-40B4-BE49-F238E27FC236}">
-                <a16:creationId xmlns:a16="http://schemas.microsoft.com/office/drawing/2014/main" id="{B5DA0813-A462-F7D3-154E-E5B6853D6010}"/>
+          <p:cNvPr id="196" name="Straight Arrow Connector 195">
+            <a:extLst>
+              <a:ext uri="{FF2B5EF4-FFF2-40B4-BE49-F238E27FC236}">
+                <a16:creationId xmlns:a16="http://schemas.microsoft.com/office/drawing/2014/main" id="{621A4216-640B-A298-F672-B6EE706C6841}"/>
               </a:ext>
             </a:extLst>
           </p:cNvPr>
           <p:cNvCxnSpPr>
             <a:cxnSpLocks/>
-            <a:stCxn id="91" idx="1"/>
-            <a:endCxn id="94" idx="0"/>
+            <a:stCxn id="27" idx="1"/>
+            <a:endCxn id="209" idx="1"/>
           </p:cNvCxnSpPr>
           <p:nvPr/>
         </p:nvCxnSpPr>
         <p:spPr>
-          <a:xfrm>
-            <a:off x="3634958" y="1407187"/>
-            <a:ext cx="642839" cy="142719"/>
-          </a:xfrm>
-          <a:prstGeom prst="bentConnector2">
+          <a:xfrm flipV="1">
+            <a:off x="7109973" y="1923177"/>
+            <a:ext cx="208383" cy="339"/>
+          </a:xfrm>
+          <a:prstGeom prst="straightConnector1">
             <a:avLst/>
           </a:prstGeom>
           <a:ln w="19050" cap="flat" cmpd="sng" algn="ctr">
             <a:solidFill>
-              <a:schemeClr val="dk1"/>
+              <a:schemeClr val="tx1"/>
             </a:solidFill>
             <a:prstDash val="solid"/>
             <a:round/>
             <a:headEnd type="none" w="med" len="med"/>
             <a:tailEnd type="arrow" w="med" len="med"/>
           </a:ln>
+          <a:effectLst/>
         </p:spPr>
         <p:style>
-          <a:lnRef idx="0">
-            <a:scrgbClr r="0" g="0" b="0"/>
+          <a:lnRef idx="2">
+            <a:schemeClr val="accent1"/>
           </a:lnRef>
           <a:fillRef idx="0">
-            <a:scrgbClr r="0" g="0" b="0"/>
+            <a:schemeClr val="accent1"/>
           </a:fillRef>
-          <a:effectRef idx="0">
-            <a:scrgbClr r="0" g="0" b="0"/>
+          <a:effectRef idx="1">
+            <a:schemeClr val="accent1"/>
           </a:effectRef>
           <a:fontRef idx="minor">
             <a:schemeClr val="tx1"/>
@@ -6175,10 +6086,10 @@
       </p:cxnSp>
       <p:sp>
         <p:nvSpPr>
-          <p:cNvPr id="199" name="Rectangle 198">
-            <a:extLst>
-              <a:ext uri="{FF2B5EF4-FFF2-40B4-BE49-F238E27FC236}">
-                <a16:creationId xmlns:a16="http://schemas.microsoft.com/office/drawing/2014/main" id="{18DE1EC9-B683-F262-F13E-47AB0666BFE8}"/>
+          <p:cNvPr id="197" name="Rectangle 196">
+            <a:extLst>
+              <a:ext uri="{FF2B5EF4-FFF2-40B4-BE49-F238E27FC236}">
+                <a16:creationId xmlns:a16="http://schemas.microsoft.com/office/drawing/2014/main" id="{45D37B7C-9685-A28C-ADE6-222C1237DC45}"/>
               </a:ext>
             </a:extLst>
           </p:cNvPr>
@@ -6187,8 +6098,8 @@
         </p:nvSpPr>
         <p:spPr>
           <a:xfrm>
-            <a:off x="7434484" y="1778873"/>
-            <a:ext cx="396543" cy="287121"/>
+            <a:off x="8946852" y="1776939"/>
+            <a:ext cx="1534500" cy="292230"/>
           </a:xfrm>
           <a:prstGeom prst="rect">
             <a:avLst/>
@@ -6216,7 +6127,15 @@
           <a:p>
             <a:pPr algn="ctr"/>
             <a:r>
-              <a:rPr lang="en-US" sz="1600" i="1" dirty="0">
+              <a:rPr lang="en-US" sz="1400" dirty="0">
+                <a:latin typeface=""/>
+                <a:ea typeface="Tahoma" panose="020B0604030504040204" pitchFamily="34" charset="0"/>
+                <a:cs typeface="Tahoma" panose="020B0604030504040204" pitchFamily="34" charset="0"/>
+              </a:rPr>
+              <a:t>[</a:t>
+            </a:r>
+            <a:r>
+              <a:rPr lang="en-US" sz="1400" i="1" dirty="0">
                 <a:latin typeface="Times New Roman" panose="02020603050405020304" pitchFamily="18" charset="0"/>
                 <a:ea typeface="Tahoma" panose="020B0604030504040204" pitchFamily="34" charset="0"/>
                 <a:cs typeface="Times New Roman" panose="02020603050405020304" pitchFamily="18" charset="0"/>
@@ -6224,72 +6143,54 @@
               <a:t>l</a:t>
             </a:r>
             <a:r>
-              <a:rPr lang="en-US" sz="1600" i="1" baseline="-25000" dirty="0">
+              <a:rPr lang="en-US" sz="1400" baseline="-25000" dirty="0">
                 <a:latin typeface=""/>
                 <a:ea typeface="Tahoma" panose="020B0604030504040204" pitchFamily="34" charset="0"/>
                 <a:cs typeface="Tahoma" panose="020B0604030504040204" pitchFamily="34" charset="0"/>
               </a:rPr>
-              <a:t>1</a:t>
-            </a:r>
-          </a:p>
-        </p:txBody>
-      </p:sp>
-      <p:cxnSp>
-        <p:nvCxnSpPr>
-          <p:cNvPr id="200" name="Straight Arrow Connector 199">
-            <a:extLst>
-              <a:ext uri="{FF2B5EF4-FFF2-40B4-BE49-F238E27FC236}">
-                <a16:creationId xmlns:a16="http://schemas.microsoft.com/office/drawing/2014/main" id="{C46CF357-8AD8-CC46-6F22-F10657947B70}"/>
-              </a:ext>
-            </a:extLst>
-          </p:cNvPr>
-          <p:cNvCxnSpPr>
-            <a:cxnSpLocks/>
-            <a:stCxn id="60" idx="1"/>
-            <a:endCxn id="201" idx="1"/>
-          </p:cNvCxnSpPr>
-          <p:nvPr/>
-        </p:nvCxnSpPr>
-        <p:spPr>
-          <a:xfrm flipV="1">
-            <a:off x="7216880" y="2925626"/>
-            <a:ext cx="214871" cy="2854"/>
-          </a:xfrm>
-          <a:prstGeom prst="straightConnector1">
-            <a:avLst/>
-          </a:prstGeom>
-          <a:ln w="19050" cap="flat" cmpd="sng" algn="ctr">
-            <a:solidFill>
-              <a:schemeClr val="tx1"/>
-            </a:solidFill>
-            <a:prstDash val="solid"/>
-            <a:round/>
-            <a:headEnd type="none" w="med" len="med"/>
-            <a:tailEnd type="arrow" w="med" len="med"/>
-          </a:ln>
-          <a:effectLst/>
-        </p:spPr>
-        <p:style>
-          <a:lnRef idx="2">
-            <a:schemeClr val="accent1"/>
-          </a:lnRef>
-          <a:fillRef idx="0">
-            <a:schemeClr val="accent1"/>
-          </a:fillRef>
-          <a:effectRef idx="1">
-            <a:schemeClr val="accent1"/>
-          </a:effectRef>
-          <a:fontRef idx="minor">
-            <a:schemeClr val="tx1"/>
-          </a:fontRef>
-        </p:style>
-      </p:cxnSp>
-      <p:sp>
-        <p:nvSpPr>
-          <p:cNvPr id="201" name="Rectangle 200">
-            <a:extLst>
-              <a:ext uri="{FF2B5EF4-FFF2-40B4-BE49-F238E27FC236}">
-                <a16:creationId xmlns:a16="http://schemas.microsoft.com/office/drawing/2014/main" id="{9D74EFCB-F77E-3EFA-F3F4-0938ABD321FA}"/>
+              <a:t>S1_M1</a:t>
+            </a:r>
+            <a:r>
+              <a:rPr lang="en-US" sz="1400" dirty="0">
+                <a:latin typeface=""/>
+                <a:ea typeface="Tahoma" panose="020B0604030504040204" pitchFamily="34" charset="0"/>
+                <a:cs typeface="Tahoma" panose="020B0604030504040204" pitchFamily="34" charset="0"/>
+              </a:rPr>
+              <a:t>, </a:t>
+            </a:r>
+            <a:r>
+              <a:rPr lang="en-US" sz="1400" i="1" dirty="0">
+                <a:latin typeface="Times New Roman" panose="02020603050405020304" pitchFamily="18" charset="0"/>
+                <a:ea typeface="Tahoma" panose="020B0604030504040204" pitchFamily="34" charset="0"/>
+                <a:cs typeface="Times New Roman" panose="02020603050405020304" pitchFamily="18" charset="0"/>
+              </a:rPr>
+              <a:t>l</a:t>
+            </a:r>
+            <a:r>
+              <a:rPr lang="en-US" sz="1400" baseline="-25000" dirty="0">
+                <a:latin typeface=""/>
+                <a:ea typeface="Tahoma" panose="020B0604030504040204" pitchFamily="34" charset="0"/>
+                <a:cs typeface="Tahoma" panose="020B0604030504040204" pitchFamily="34" charset="0"/>
+              </a:rPr>
+              <a:t>S1_M2</a:t>
+            </a:r>
+            <a:r>
+              <a:rPr lang="en-US" sz="1400" dirty="0">
+                <a:latin typeface=""/>
+                <a:ea typeface="Tahoma" panose="020B0604030504040204" pitchFamily="34" charset="0"/>
+                <a:cs typeface="Tahoma" panose="020B0604030504040204" pitchFamily="34" charset="0"/>
+              </a:rPr>
+              <a:t>,…]</a:t>
+            </a:r>
+          </a:p>
+        </p:txBody>
+      </p:sp>
+      <p:sp>
+        <p:nvSpPr>
+          <p:cNvPr id="198" name="Rectangle 197">
+            <a:extLst>
+              <a:ext uri="{FF2B5EF4-FFF2-40B4-BE49-F238E27FC236}">
+                <a16:creationId xmlns:a16="http://schemas.microsoft.com/office/drawing/2014/main" id="{43C7E377-2E4B-D673-819E-07E8E6B9E62A}"/>
               </a:ext>
             </a:extLst>
           </p:cNvPr>
@@ -6298,8 +6199,8 @@
         </p:nvSpPr>
         <p:spPr>
           <a:xfrm>
-            <a:off x="7431751" y="2782065"/>
-            <a:ext cx="396543" cy="287121"/>
+            <a:off x="8945602" y="2781211"/>
+            <a:ext cx="1536944" cy="292230"/>
           </a:xfrm>
           <a:prstGeom prst="rect">
             <a:avLst/>
@@ -6327,7 +6228,15 @@
           <a:p>
             <a:pPr algn="ctr"/>
             <a:r>
-              <a:rPr lang="en-US" sz="1600" i="1" dirty="0">
+              <a:rPr lang="en-US" sz="1400" dirty="0">
+                <a:latin typeface=""/>
+                <a:ea typeface="Tahoma" panose="020B0604030504040204" pitchFamily="34" charset="0"/>
+                <a:cs typeface="Tahoma" panose="020B0604030504040204" pitchFamily="34" charset="0"/>
+              </a:rPr>
+              <a:t>[</a:t>
+            </a:r>
+            <a:r>
+              <a:rPr lang="en-US" sz="1400" i="1" dirty="0">
                 <a:latin typeface="Times New Roman" panose="02020603050405020304" pitchFamily="18" charset="0"/>
                 <a:ea typeface="Tahoma" panose="020B0604030504040204" pitchFamily="34" charset="0"/>
                 <a:cs typeface="Times New Roman" panose="02020603050405020304" pitchFamily="18" charset="0"/>
@@ -6335,220 +6244,54 @@
               <a:t>l</a:t>
             </a:r>
             <a:r>
-              <a:rPr lang="en-US" sz="1600" i="1" baseline="-25000" dirty="0">
+              <a:rPr lang="en-US" sz="1400" baseline="-25000" dirty="0">
                 <a:latin typeface=""/>
                 <a:ea typeface="Tahoma" panose="020B0604030504040204" pitchFamily="34" charset="0"/>
                 <a:cs typeface="Tahoma" panose="020B0604030504040204" pitchFamily="34" charset="0"/>
               </a:rPr>
-              <a:t>2</a:t>
-            </a:r>
-          </a:p>
-        </p:txBody>
-      </p:sp>
-      <p:sp>
-        <p:nvSpPr>
-          <p:cNvPr id="205" name="Can 204">
-            <a:extLst>
-              <a:ext uri="{FF2B5EF4-FFF2-40B4-BE49-F238E27FC236}">
-                <a16:creationId xmlns:a16="http://schemas.microsoft.com/office/drawing/2014/main" id="{F07E0133-6040-396E-EA8D-7115CE32F6E1}"/>
-              </a:ext>
-            </a:extLst>
-          </p:cNvPr>
-          <p:cNvSpPr/>
-          <p:nvPr/>
-        </p:nvSpPr>
-        <p:spPr>
-          <a:xfrm>
-            <a:off x="6671684" y="1808671"/>
-            <a:ext cx="352803" cy="275242"/>
-          </a:xfrm>
-          <a:prstGeom prst="can">
-            <a:avLst/>
-          </a:prstGeom>
-          <a:solidFill>
-            <a:srgbClr val="00B0F0"/>
-          </a:solidFill>
-          <a:ln w="28575" cmpd="sng">
-            <a:solidFill>
-              <a:schemeClr val="tx1"/>
-            </a:solidFill>
-          </a:ln>
-          <a:effectLst/>
-        </p:spPr>
-        <p:style>
-          <a:lnRef idx="1">
-            <a:schemeClr val="accent1"/>
-          </a:lnRef>
-          <a:fillRef idx="3">
-            <a:schemeClr val="accent1"/>
-          </a:fillRef>
-          <a:effectRef idx="2">
-            <a:schemeClr val="accent1"/>
-          </a:effectRef>
-          <a:fontRef idx="minor">
-            <a:schemeClr val="lt1"/>
-          </a:fontRef>
-        </p:style>
-        <p:txBody>
-          <a:bodyPr rtlCol="0" anchor="ctr"/>
-          <a:lstStyle/>
-          <a:p>
-            <a:pPr algn="ctr"/>
-            <a:r>
-              <a:rPr lang="en-US" sz="1200" dirty="0">
-                <a:solidFill>
-                  <a:schemeClr val="bg1"/>
-                </a:solidFill>
+              <a:t>S2_M1</a:t>
+            </a:r>
+            <a:r>
+              <a:rPr lang="en-US" sz="1400" dirty="0">
                 <a:latin typeface=""/>
                 <a:ea typeface="Tahoma" panose="020B0604030504040204" pitchFamily="34" charset="0"/>
                 <a:cs typeface="Tahoma" panose="020B0604030504040204" pitchFamily="34" charset="0"/>
               </a:rPr>
-              <a:t>S</a:t>
-            </a:r>
-            <a:r>
-              <a:rPr lang="en-US" sz="1200" baseline="-25000" dirty="0">
-                <a:solidFill>
-                  <a:schemeClr val="bg1"/>
-                </a:solidFill>
+              <a:t>, </a:t>
+            </a:r>
+            <a:r>
+              <a:rPr lang="en-US" sz="1400" i="1" dirty="0">
+                <a:latin typeface="Times New Roman" panose="02020603050405020304" pitchFamily="18" charset="0"/>
+                <a:ea typeface="Tahoma" panose="020B0604030504040204" pitchFamily="34" charset="0"/>
+                <a:cs typeface="Times New Roman" panose="02020603050405020304" pitchFamily="18" charset="0"/>
+              </a:rPr>
+              <a:t>l</a:t>
+            </a:r>
+            <a:r>
+              <a:rPr lang="en-US" sz="1400" baseline="-25000" dirty="0">
                 <a:latin typeface=""/>
                 <a:ea typeface="Tahoma" panose="020B0604030504040204" pitchFamily="34" charset="0"/>
                 <a:cs typeface="Tahoma" panose="020B0604030504040204" pitchFamily="34" charset="0"/>
               </a:rPr>
-              <a:t>1</a:t>
-            </a:r>
-          </a:p>
-        </p:txBody>
-      </p:sp>
-      <p:sp>
-        <p:nvSpPr>
-          <p:cNvPr id="213" name="Can 212">
-            <a:extLst>
-              <a:ext uri="{FF2B5EF4-FFF2-40B4-BE49-F238E27FC236}">
-                <a16:creationId xmlns:a16="http://schemas.microsoft.com/office/drawing/2014/main" id="{948AB922-8365-1148-6D3D-5648667643BE}"/>
-              </a:ext>
-            </a:extLst>
-          </p:cNvPr>
-          <p:cNvSpPr/>
-          <p:nvPr/>
-        </p:nvSpPr>
-        <p:spPr>
-          <a:xfrm>
-            <a:off x="6677261" y="2810134"/>
-            <a:ext cx="352803" cy="282764"/>
-          </a:xfrm>
-          <a:prstGeom prst="can">
-            <a:avLst/>
-          </a:prstGeom>
-          <a:solidFill>
-            <a:srgbClr val="0070C0"/>
-          </a:solidFill>
-          <a:ln w="28575" cmpd="sng">
-            <a:solidFill>
-              <a:schemeClr val="tx1"/>
-            </a:solidFill>
-          </a:ln>
-          <a:effectLst/>
-        </p:spPr>
-        <p:style>
-          <a:lnRef idx="1">
-            <a:schemeClr val="accent1"/>
-          </a:lnRef>
-          <a:fillRef idx="3">
-            <a:schemeClr val="accent1"/>
-          </a:fillRef>
-          <a:effectRef idx="2">
-            <a:schemeClr val="accent1"/>
-          </a:effectRef>
-          <a:fontRef idx="minor">
-            <a:schemeClr val="lt1"/>
-          </a:fontRef>
-        </p:style>
-        <p:txBody>
-          <a:bodyPr rtlCol="0" anchor="ctr"/>
-          <a:lstStyle/>
-          <a:p>
-            <a:pPr algn="ctr"/>
-            <a:r>
-              <a:rPr lang="en-US" sz="1200" dirty="0">
-                <a:solidFill>
-                  <a:schemeClr val="bg1"/>
-                </a:solidFill>
+              <a:t>S2_M2</a:t>
+            </a:r>
+            <a:r>
+              <a:rPr lang="en-US" sz="1400" dirty="0">
                 <a:latin typeface=""/>
                 <a:ea typeface="Tahoma" panose="020B0604030504040204" pitchFamily="34" charset="0"/>
                 <a:cs typeface="Tahoma" panose="020B0604030504040204" pitchFamily="34" charset="0"/>
               </a:rPr>
-              <a:t>S</a:t>
-            </a:r>
-            <a:r>
-              <a:rPr lang="en-US" sz="1200" baseline="-25000" dirty="0">
-                <a:solidFill>
-                  <a:schemeClr val="bg1"/>
-                </a:solidFill>
-                <a:latin typeface=""/>
-                <a:ea typeface="Tahoma" panose="020B0604030504040204" pitchFamily="34" charset="0"/>
-                <a:cs typeface="Tahoma" panose="020B0604030504040204" pitchFamily="34" charset="0"/>
-              </a:rPr>
-              <a:t>2</a:t>
-            </a:r>
-          </a:p>
-        </p:txBody>
-      </p:sp>
-      <p:cxnSp>
-        <p:nvCxnSpPr>
-          <p:cNvPr id="240" name="Straight Arrow Connector 239">
-            <a:extLst>
-              <a:ext uri="{FF2B5EF4-FFF2-40B4-BE49-F238E27FC236}">
-                <a16:creationId xmlns:a16="http://schemas.microsoft.com/office/drawing/2014/main" id="{2D9EBBED-8436-44D0-7827-933B975A08A8}"/>
-              </a:ext>
-            </a:extLst>
-          </p:cNvPr>
-          <p:cNvCxnSpPr>
-            <a:cxnSpLocks/>
-            <a:stCxn id="27" idx="1"/>
-            <a:endCxn id="199" idx="1"/>
-          </p:cNvCxnSpPr>
-          <p:nvPr/>
-        </p:nvCxnSpPr>
-        <p:spPr>
-          <a:xfrm flipV="1">
-            <a:off x="7214148" y="1922434"/>
-            <a:ext cx="220336" cy="1082"/>
-          </a:xfrm>
-          <a:prstGeom prst="straightConnector1">
-            <a:avLst/>
-          </a:prstGeom>
-          <a:ln w="19050" cap="flat" cmpd="sng" algn="ctr">
-            <a:solidFill>
-              <a:schemeClr val="tx1"/>
-            </a:solidFill>
-            <a:prstDash val="solid"/>
-            <a:round/>
-            <a:headEnd type="none" w="med" len="med"/>
-            <a:tailEnd type="arrow" w="med" len="med"/>
-          </a:ln>
-          <a:effectLst/>
-        </p:spPr>
-        <p:style>
-          <a:lnRef idx="2">
-            <a:schemeClr val="accent1"/>
-          </a:lnRef>
-          <a:fillRef idx="0">
-            <a:schemeClr val="accent1"/>
-          </a:fillRef>
-          <a:effectRef idx="1">
-            <a:schemeClr val="accent1"/>
-          </a:effectRef>
-          <a:fontRef idx="minor">
-            <a:schemeClr val="tx1"/>
-          </a:fontRef>
-        </p:style>
-      </p:cxnSp>
-      <p:sp>
-        <p:nvSpPr>
-          <p:cNvPr id="241" name="Rounded Rectangle 240">
-            <a:extLst>
-              <a:ext uri="{FF2B5EF4-FFF2-40B4-BE49-F238E27FC236}">
-                <a16:creationId xmlns:a16="http://schemas.microsoft.com/office/drawing/2014/main" id="{9CCA7D4B-CD33-B966-2932-114F4A55BACE}"/>
+              <a:t>,…]</a:t>
+            </a:r>
+          </a:p>
+        </p:txBody>
+      </p:sp>
+      <p:sp>
+        <p:nvSpPr>
+          <p:cNvPr id="199" name="Rectangle 198">
+            <a:extLst>
+              <a:ext uri="{FF2B5EF4-FFF2-40B4-BE49-F238E27FC236}">
+                <a16:creationId xmlns:a16="http://schemas.microsoft.com/office/drawing/2014/main" id="{18DE1EC9-B683-F262-F13E-47AB0666BFE8}"/>
               </a:ext>
             </a:extLst>
           </p:cNvPr>
@@ -6557,16 +6300,14 @@
         </p:nvSpPr>
         <p:spPr>
           <a:xfrm>
-            <a:off x="6289464" y="894904"/>
-            <a:ext cx="1722385" cy="4928953"/>
-          </a:xfrm>
-          <a:prstGeom prst="roundRect">
-            <a:avLst>
-              <a:gd name="adj" fmla="val 7066"/>
-            </a:avLst>
+            <a:off x="10617788" y="1778873"/>
+            <a:ext cx="396543" cy="287121"/>
+          </a:xfrm>
+          <a:prstGeom prst="rect">
+            <a:avLst/>
           </a:prstGeom>
           <a:noFill/>
-          <a:ln w="38100"/>
+          <a:ln w="19050"/>
         </p:spPr>
         <p:style>
           <a:lnRef idx="2">
@@ -6588,6 +6329,1046 @@
           <a:p>
             <a:pPr algn="ctr"/>
             <a:r>
+              <a:rPr lang="en-US" sz="1600" i="1" dirty="0">
+                <a:latin typeface="Times New Roman" panose="02020603050405020304" pitchFamily="18" charset="0"/>
+                <a:ea typeface="Tahoma" panose="020B0604030504040204" pitchFamily="34" charset="0"/>
+                <a:cs typeface="Times New Roman" panose="02020603050405020304" pitchFamily="18" charset="0"/>
+              </a:rPr>
+              <a:t>l</a:t>
+            </a:r>
+            <a:r>
+              <a:rPr lang="en-US" sz="1600" i="1" baseline="-25000" dirty="0">
+                <a:latin typeface=""/>
+                <a:ea typeface="Tahoma" panose="020B0604030504040204" pitchFamily="34" charset="0"/>
+                <a:cs typeface="Tahoma" panose="020B0604030504040204" pitchFamily="34" charset="0"/>
+              </a:rPr>
+              <a:t>1</a:t>
+            </a:r>
+          </a:p>
+        </p:txBody>
+      </p:sp>
+      <p:cxnSp>
+        <p:nvCxnSpPr>
+          <p:cNvPr id="200" name="Straight Arrow Connector 199">
+            <a:extLst>
+              <a:ext uri="{FF2B5EF4-FFF2-40B4-BE49-F238E27FC236}">
+                <a16:creationId xmlns:a16="http://schemas.microsoft.com/office/drawing/2014/main" id="{C46CF357-8AD8-CC46-6F22-F10657947B70}"/>
+              </a:ext>
+            </a:extLst>
+          </p:cNvPr>
+          <p:cNvCxnSpPr>
+            <a:cxnSpLocks/>
+            <a:stCxn id="198" idx="3"/>
+            <a:endCxn id="201" idx="1"/>
+          </p:cNvCxnSpPr>
+          <p:nvPr/>
+        </p:nvCxnSpPr>
+        <p:spPr>
+          <a:xfrm flipV="1">
+            <a:off x="10482546" y="2925626"/>
+            <a:ext cx="132509" cy="1700"/>
+          </a:xfrm>
+          <a:prstGeom prst="straightConnector1">
+            <a:avLst/>
+          </a:prstGeom>
+          <a:ln w="19050" cap="flat" cmpd="sng" algn="ctr">
+            <a:solidFill>
+              <a:schemeClr val="tx1"/>
+            </a:solidFill>
+            <a:prstDash val="solid"/>
+            <a:round/>
+            <a:headEnd type="none" w="med" len="med"/>
+            <a:tailEnd type="arrow" w="med" len="med"/>
+          </a:ln>
+          <a:effectLst/>
+        </p:spPr>
+        <p:style>
+          <a:lnRef idx="2">
+            <a:schemeClr val="accent1"/>
+          </a:lnRef>
+          <a:fillRef idx="0">
+            <a:schemeClr val="accent1"/>
+          </a:fillRef>
+          <a:effectRef idx="1">
+            <a:schemeClr val="accent1"/>
+          </a:effectRef>
+          <a:fontRef idx="minor">
+            <a:schemeClr val="tx1"/>
+          </a:fontRef>
+        </p:style>
+      </p:cxnSp>
+      <p:sp>
+        <p:nvSpPr>
+          <p:cNvPr id="201" name="Rectangle 200">
+            <a:extLst>
+              <a:ext uri="{FF2B5EF4-FFF2-40B4-BE49-F238E27FC236}">
+                <a16:creationId xmlns:a16="http://schemas.microsoft.com/office/drawing/2014/main" id="{9D74EFCB-F77E-3EFA-F3F4-0938ABD321FA}"/>
+              </a:ext>
+            </a:extLst>
+          </p:cNvPr>
+          <p:cNvSpPr/>
+          <p:nvPr/>
+        </p:nvSpPr>
+        <p:spPr>
+          <a:xfrm>
+            <a:off x="10615055" y="2782065"/>
+            <a:ext cx="396543" cy="287121"/>
+          </a:xfrm>
+          <a:prstGeom prst="rect">
+            <a:avLst/>
+          </a:prstGeom>
+          <a:noFill/>
+          <a:ln w="19050"/>
+        </p:spPr>
+        <p:style>
+          <a:lnRef idx="2">
+            <a:schemeClr val="dk1"/>
+          </a:lnRef>
+          <a:fillRef idx="1">
+            <a:schemeClr val="lt1"/>
+          </a:fillRef>
+          <a:effectRef idx="0">
+            <a:schemeClr val="dk1"/>
+          </a:effectRef>
+          <a:fontRef idx="minor">
+            <a:schemeClr val="dk1"/>
+          </a:fontRef>
+        </p:style>
+        <p:txBody>
+          <a:bodyPr rtlCol="0" anchor="ctr"/>
+          <a:lstStyle/>
+          <a:p>
+            <a:pPr algn="ctr"/>
+            <a:r>
+              <a:rPr lang="en-US" sz="1600" i="1" dirty="0">
+                <a:latin typeface="Times New Roman" panose="02020603050405020304" pitchFamily="18" charset="0"/>
+                <a:ea typeface="Tahoma" panose="020B0604030504040204" pitchFamily="34" charset="0"/>
+                <a:cs typeface="Times New Roman" panose="02020603050405020304" pitchFamily="18" charset="0"/>
+              </a:rPr>
+              <a:t>l</a:t>
+            </a:r>
+            <a:r>
+              <a:rPr lang="en-US" sz="1600" i="1" baseline="-25000" dirty="0">
+                <a:latin typeface=""/>
+                <a:ea typeface="Tahoma" panose="020B0604030504040204" pitchFamily="34" charset="0"/>
+                <a:cs typeface="Tahoma" panose="020B0604030504040204" pitchFamily="34" charset="0"/>
+              </a:rPr>
+              <a:t>2</a:t>
+            </a:r>
+          </a:p>
+        </p:txBody>
+      </p:sp>
+      <p:sp>
+        <p:nvSpPr>
+          <p:cNvPr id="205" name="Can 204">
+            <a:extLst>
+              <a:ext uri="{FF2B5EF4-FFF2-40B4-BE49-F238E27FC236}">
+                <a16:creationId xmlns:a16="http://schemas.microsoft.com/office/drawing/2014/main" id="{F07E0133-6040-396E-EA8D-7115CE32F6E1}"/>
+              </a:ext>
+            </a:extLst>
+          </p:cNvPr>
+          <p:cNvSpPr/>
+          <p:nvPr/>
+        </p:nvSpPr>
+        <p:spPr>
+          <a:xfrm>
+            <a:off x="6567509" y="1808671"/>
+            <a:ext cx="408700" cy="275242"/>
+          </a:xfrm>
+          <a:prstGeom prst="can">
+            <a:avLst/>
+          </a:prstGeom>
+          <a:solidFill>
+            <a:srgbClr val="00B0F0"/>
+          </a:solidFill>
+          <a:ln w="28575" cmpd="sng">
+            <a:solidFill>
+              <a:schemeClr val="tx1"/>
+            </a:solidFill>
+          </a:ln>
+          <a:effectLst/>
+        </p:spPr>
+        <p:style>
+          <a:lnRef idx="1">
+            <a:schemeClr val="accent1"/>
+          </a:lnRef>
+          <a:fillRef idx="3">
+            <a:schemeClr val="accent1"/>
+          </a:fillRef>
+          <a:effectRef idx="2">
+            <a:schemeClr val="accent1"/>
+          </a:effectRef>
+          <a:fontRef idx="minor">
+            <a:schemeClr val="lt1"/>
+          </a:fontRef>
+        </p:style>
+        <p:txBody>
+          <a:bodyPr rtlCol="0" anchor="ctr"/>
+          <a:lstStyle/>
+          <a:p>
+            <a:pPr algn="ctr"/>
+            <a:r>
+              <a:rPr lang="en-US" sz="1400" dirty="0">
+                <a:solidFill>
+                  <a:schemeClr val="bg1"/>
+                </a:solidFill>
+                <a:latin typeface=""/>
+                <a:ea typeface="Tahoma" panose="020B0604030504040204" pitchFamily="34" charset="0"/>
+                <a:cs typeface="Tahoma" panose="020B0604030504040204" pitchFamily="34" charset="0"/>
+              </a:rPr>
+              <a:t>S</a:t>
+            </a:r>
+            <a:r>
+              <a:rPr lang="en-US" sz="1400" baseline="-25000" dirty="0">
+                <a:solidFill>
+                  <a:schemeClr val="bg1"/>
+                </a:solidFill>
+                <a:latin typeface=""/>
+                <a:ea typeface="Tahoma" panose="020B0604030504040204" pitchFamily="34" charset="0"/>
+                <a:cs typeface="Tahoma" panose="020B0604030504040204" pitchFamily="34" charset="0"/>
+              </a:rPr>
+              <a:t>1</a:t>
+            </a:r>
+          </a:p>
+        </p:txBody>
+      </p:sp>
+      <p:sp>
+        <p:nvSpPr>
+          <p:cNvPr id="209" name="Rectangle 208">
+            <a:extLst>
+              <a:ext uri="{FF2B5EF4-FFF2-40B4-BE49-F238E27FC236}">
+                <a16:creationId xmlns:a16="http://schemas.microsoft.com/office/drawing/2014/main" id="{6869D400-A8E0-5AC0-42D5-11121DFE82D0}"/>
+              </a:ext>
+            </a:extLst>
+          </p:cNvPr>
+          <p:cNvSpPr/>
+          <p:nvPr/>
+        </p:nvSpPr>
+        <p:spPr>
+          <a:xfrm>
+            <a:off x="7318356" y="1796877"/>
+            <a:ext cx="494963" cy="252599"/>
+          </a:xfrm>
+          <a:prstGeom prst="rect">
+            <a:avLst/>
+          </a:prstGeom>
+          <a:noFill/>
+          <a:ln w="19050"/>
+        </p:spPr>
+        <p:style>
+          <a:lnRef idx="2">
+            <a:schemeClr val="dk1"/>
+          </a:lnRef>
+          <a:fillRef idx="1">
+            <a:schemeClr val="lt1"/>
+          </a:fillRef>
+          <a:effectRef idx="0">
+            <a:schemeClr val="dk1"/>
+          </a:effectRef>
+          <a:fontRef idx="minor">
+            <a:schemeClr val="dk1"/>
+          </a:fontRef>
+        </p:style>
+        <p:txBody>
+          <a:bodyPr rtlCol="0" anchor="ctr"/>
+          <a:lstStyle/>
+          <a:p>
+            <a:pPr algn="ctr"/>
+            <a:r>
+              <a:rPr lang="en-US" sz="1400" dirty="0">
+                <a:latin typeface=""/>
+                <a:ea typeface="Tahoma" panose="020B0604030504040204" pitchFamily="34" charset="0"/>
+                <a:cs typeface="Tahoma" panose="020B0604030504040204" pitchFamily="34" charset="0"/>
+              </a:rPr>
+              <a:t>M</a:t>
+            </a:r>
+            <a:r>
+              <a:rPr lang="en-US" sz="1400" baseline="-25000" dirty="0">
+                <a:latin typeface=""/>
+                <a:ea typeface="Tahoma" panose="020B0604030504040204" pitchFamily="34" charset="0"/>
+                <a:cs typeface="Tahoma" panose="020B0604030504040204" pitchFamily="34" charset="0"/>
+              </a:rPr>
+              <a:t>1</a:t>
+            </a:r>
+          </a:p>
+        </p:txBody>
+      </p:sp>
+      <p:cxnSp>
+        <p:nvCxnSpPr>
+          <p:cNvPr id="210" name="Straight Arrow Connector 209">
+            <a:extLst>
+              <a:ext uri="{FF2B5EF4-FFF2-40B4-BE49-F238E27FC236}">
+                <a16:creationId xmlns:a16="http://schemas.microsoft.com/office/drawing/2014/main" id="{BDA337A8-50BA-D9EA-6BDD-EFE25AEFEC77}"/>
+              </a:ext>
+            </a:extLst>
+          </p:cNvPr>
+          <p:cNvCxnSpPr>
+            <a:cxnSpLocks/>
+            <a:stCxn id="60" idx="1"/>
+            <a:endCxn id="217" idx="1"/>
+          </p:cNvCxnSpPr>
+          <p:nvPr/>
+        </p:nvCxnSpPr>
+        <p:spPr>
+          <a:xfrm flipV="1">
+            <a:off x="7112705" y="2927837"/>
+            <a:ext cx="205651" cy="643"/>
+          </a:xfrm>
+          <a:prstGeom prst="straightConnector1">
+            <a:avLst/>
+          </a:prstGeom>
+          <a:ln w="19050" cap="flat" cmpd="sng" algn="ctr">
+            <a:solidFill>
+              <a:schemeClr val="tx1"/>
+            </a:solidFill>
+            <a:prstDash val="solid"/>
+            <a:round/>
+            <a:headEnd type="none" w="med" len="med"/>
+            <a:tailEnd type="arrow" w="med" len="med"/>
+          </a:ln>
+          <a:effectLst/>
+        </p:spPr>
+        <p:style>
+          <a:lnRef idx="2">
+            <a:schemeClr val="accent1"/>
+          </a:lnRef>
+          <a:fillRef idx="0">
+            <a:schemeClr val="accent1"/>
+          </a:fillRef>
+          <a:effectRef idx="1">
+            <a:schemeClr val="accent1"/>
+          </a:effectRef>
+          <a:fontRef idx="minor">
+            <a:schemeClr val="tx1"/>
+          </a:fontRef>
+        </p:style>
+      </p:cxnSp>
+      <p:sp>
+        <p:nvSpPr>
+          <p:cNvPr id="213" name="Can 212">
+            <a:extLst>
+              <a:ext uri="{FF2B5EF4-FFF2-40B4-BE49-F238E27FC236}">
+                <a16:creationId xmlns:a16="http://schemas.microsoft.com/office/drawing/2014/main" id="{948AB922-8365-1148-6D3D-5648667643BE}"/>
+              </a:ext>
+            </a:extLst>
+          </p:cNvPr>
+          <p:cNvSpPr/>
+          <p:nvPr/>
+        </p:nvSpPr>
+        <p:spPr>
+          <a:xfrm>
+            <a:off x="6573086" y="2810134"/>
+            <a:ext cx="408700" cy="282764"/>
+          </a:xfrm>
+          <a:prstGeom prst="can">
+            <a:avLst/>
+          </a:prstGeom>
+          <a:solidFill>
+            <a:srgbClr val="0070C0"/>
+          </a:solidFill>
+          <a:ln w="28575" cmpd="sng">
+            <a:solidFill>
+              <a:schemeClr val="tx1"/>
+            </a:solidFill>
+          </a:ln>
+          <a:effectLst/>
+        </p:spPr>
+        <p:style>
+          <a:lnRef idx="1">
+            <a:schemeClr val="accent1"/>
+          </a:lnRef>
+          <a:fillRef idx="3">
+            <a:schemeClr val="accent1"/>
+          </a:fillRef>
+          <a:effectRef idx="2">
+            <a:schemeClr val="accent1"/>
+          </a:effectRef>
+          <a:fontRef idx="minor">
+            <a:schemeClr val="lt1"/>
+          </a:fontRef>
+        </p:style>
+        <p:txBody>
+          <a:bodyPr rtlCol="0" anchor="ctr"/>
+          <a:lstStyle/>
+          <a:p>
+            <a:pPr algn="ctr"/>
+            <a:r>
+              <a:rPr lang="en-US" sz="1400" dirty="0">
+                <a:solidFill>
+                  <a:schemeClr val="bg1"/>
+                </a:solidFill>
+                <a:latin typeface=""/>
+                <a:ea typeface="Tahoma" panose="020B0604030504040204" pitchFamily="34" charset="0"/>
+                <a:cs typeface="Tahoma" panose="020B0604030504040204" pitchFamily="34" charset="0"/>
+              </a:rPr>
+              <a:t>S</a:t>
+            </a:r>
+            <a:r>
+              <a:rPr lang="en-US" sz="1400" baseline="-25000" dirty="0">
+                <a:solidFill>
+                  <a:schemeClr val="bg1"/>
+                </a:solidFill>
+                <a:latin typeface=""/>
+                <a:ea typeface="Tahoma" panose="020B0604030504040204" pitchFamily="34" charset="0"/>
+                <a:cs typeface="Tahoma" panose="020B0604030504040204" pitchFamily="34" charset="0"/>
+              </a:rPr>
+              <a:t>2</a:t>
+            </a:r>
+          </a:p>
+        </p:txBody>
+      </p:sp>
+      <p:sp>
+        <p:nvSpPr>
+          <p:cNvPr id="217" name="Rectangle 216">
+            <a:extLst>
+              <a:ext uri="{FF2B5EF4-FFF2-40B4-BE49-F238E27FC236}">
+                <a16:creationId xmlns:a16="http://schemas.microsoft.com/office/drawing/2014/main" id="{F2183143-BB99-2894-2DE1-435397E65887}"/>
+              </a:ext>
+            </a:extLst>
+          </p:cNvPr>
+          <p:cNvSpPr/>
+          <p:nvPr/>
+        </p:nvSpPr>
+        <p:spPr>
+          <a:xfrm>
+            <a:off x="7318356" y="2802616"/>
+            <a:ext cx="494963" cy="250442"/>
+          </a:xfrm>
+          <a:prstGeom prst="rect">
+            <a:avLst/>
+          </a:prstGeom>
+          <a:noFill/>
+          <a:ln w="19050"/>
+        </p:spPr>
+        <p:style>
+          <a:lnRef idx="2">
+            <a:schemeClr val="dk1"/>
+          </a:lnRef>
+          <a:fillRef idx="1">
+            <a:schemeClr val="lt1"/>
+          </a:fillRef>
+          <a:effectRef idx="0">
+            <a:schemeClr val="dk1"/>
+          </a:effectRef>
+          <a:fontRef idx="minor">
+            <a:schemeClr val="dk1"/>
+          </a:fontRef>
+        </p:style>
+        <p:txBody>
+          <a:bodyPr rtlCol="0" anchor="ctr"/>
+          <a:lstStyle/>
+          <a:p>
+            <a:pPr algn="ctr"/>
+            <a:r>
+              <a:rPr lang="en-US" sz="1400" dirty="0">
+                <a:latin typeface=""/>
+                <a:ea typeface="Tahoma" panose="020B0604030504040204" pitchFamily="34" charset="0"/>
+                <a:cs typeface="Tahoma" panose="020B0604030504040204" pitchFamily="34" charset="0"/>
+              </a:rPr>
+              <a:t>M</a:t>
+            </a:r>
+            <a:r>
+              <a:rPr lang="en-US" sz="1400" baseline="-25000" dirty="0">
+                <a:latin typeface=""/>
+                <a:ea typeface="Tahoma" panose="020B0604030504040204" pitchFamily="34" charset="0"/>
+                <a:cs typeface="Tahoma" panose="020B0604030504040204" pitchFamily="34" charset="0"/>
+              </a:rPr>
+              <a:t>2</a:t>
+            </a:r>
+          </a:p>
+        </p:txBody>
+      </p:sp>
+      <p:sp>
+        <p:nvSpPr>
+          <p:cNvPr id="218" name="Can 217">
+            <a:extLst>
+              <a:ext uri="{FF2B5EF4-FFF2-40B4-BE49-F238E27FC236}">
+                <a16:creationId xmlns:a16="http://schemas.microsoft.com/office/drawing/2014/main" id="{89283C21-F9B1-F2B9-49E7-998E7841FC9E}"/>
+              </a:ext>
+            </a:extLst>
+          </p:cNvPr>
+          <p:cNvSpPr/>
+          <p:nvPr/>
+        </p:nvSpPr>
+        <p:spPr>
+          <a:xfrm>
+            <a:off x="8455062" y="1769507"/>
+            <a:ext cx="408700" cy="308442"/>
+          </a:xfrm>
+          <a:prstGeom prst="can">
+            <a:avLst/>
+          </a:prstGeom>
+          <a:solidFill>
+            <a:srgbClr val="00B0F0"/>
+          </a:solidFill>
+          <a:ln w="28575" cmpd="sng">
+            <a:solidFill>
+              <a:schemeClr val="tx1"/>
+            </a:solidFill>
+          </a:ln>
+          <a:effectLst/>
+        </p:spPr>
+        <p:style>
+          <a:lnRef idx="1">
+            <a:schemeClr val="accent1"/>
+          </a:lnRef>
+          <a:fillRef idx="3">
+            <a:schemeClr val="accent1"/>
+          </a:fillRef>
+          <a:effectRef idx="2">
+            <a:schemeClr val="accent1"/>
+          </a:effectRef>
+          <a:fontRef idx="minor">
+            <a:schemeClr val="lt1"/>
+          </a:fontRef>
+        </p:style>
+        <p:txBody>
+          <a:bodyPr rtlCol="0" anchor="ctr"/>
+          <a:lstStyle/>
+          <a:p>
+            <a:pPr algn="ctr"/>
+            <a:r>
+              <a:rPr lang="en-US" sz="1400" dirty="0">
+                <a:solidFill>
+                  <a:schemeClr val="bg1"/>
+                </a:solidFill>
+                <a:latin typeface=""/>
+                <a:ea typeface="Tahoma" panose="020B0604030504040204" pitchFamily="34" charset="0"/>
+                <a:cs typeface="Tahoma" panose="020B0604030504040204" pitchFamily="34" charset="0"/>
+              </a:rPr>
+              <a:t>S</a:t>
+            </a:r>
+            <a:r>
+              <a:rPr lang="en-US" sz="1400" baseline="-25000" dirty="0">
+                <a:solidFill>
+                  <a:schemeClr val="bg1"/>
+                </a:solidFill>
+                <a:latin typeface=""/>
+                <a:ea typeface="Tahoma" panose="020B0604030504040204" pitchFamily="34" charset="0"/>
+                <a:cs typeface="Tahoma" panose="020B0604030504040204" pitchFamily="34" charset="0"/>
+              </a:rPr>
+              <a:t>1</a:t>
+            </a:r>
+          </a:p>
+        </p:txBody>
+      </p:sp>
+      <p:sp>
+        <p:nvSpPr>
+          <p:cNvPr id="220" name="Can 219">
+            <a:extLst>
+              <a:ext uri="{FF2B5EF4-FFF2-40B4-BE49-F238E27FC236}">
+                <a16:creationId xmlns:a16="http://schemas.microsoft.com/office/drawing/2014/main" id="{9068FE81-5EBC-E381-B5C6-D1996A0AB17E}"/>
+              </a:ext>
+            </a:extLst>
+          </p:cNvPr>
+          <p:cNvSpPr/>
+          <p:nvPr/>
+        </p:nvSpPr>
+        <p:spPr>
+          <a:xfrm>
+            <a:off x="8451512" y="2771916"/>
+            <a:ext cx="408700" cy="308442"/>
+          </a:xfrm>
+          <a:prstGeom prst="can">
+            <a:avLst/>
+          </a:prstGeom>
+          <a:solidFill>
+            <a:srgbClr val="0070C0"/>
+          </a:solidFill>
+          <a:ln w="28575" cmpd="sng">
+            <a:solidFill>
+              <a:schemeClr val="tx1"/>
+            </a:solidFill>
+          </a:ln>
+          <a:effectLst/>
+        </p:spPr>
+        <p:style>
+          <a:lnRef idx="1">
+            <a:schemeClr val="accent1"/>
+          </a:lnRef>
+          <a:fillRef idx="3">
+            <a:schemeClr val="accent1"/>
+          </a:fillRef>
+          <a:effectRef idx="2">
+            <a:schemeClr val="accent1"/>
+          </a:effectRef>
+          <a:fontRef idx="minor">
+            <a:schemeClr val="lt1"/>
+          </a:fontRef>
+        </p:style>
+        <p:txBody>
+          <a:bodyPr rtlCol="0" anchor="ctr"/>
+          <a:lstStyle/>
+          <a:p>
+            <a:pPr algn="ctr"/>
+            <a:r>
+              <a:rPr lang="en-US" sz="1400" dirty="0">
+                <a:solidFill>
+                  <a:schemeClr val="bg1"/>
+                </a:solidFill>
+                <a:latin typeface=""/>
+                <a:ea typeface="Tahoma" panose="020B0604030504040204" pitchFamily="34" charset="0"/>
+                <a:cs typeface="Tahoma" panose="020B0604030504040204" pitchFamily="34" charset="0"/>
+              </a:rPr>
+              <a:t>S</a:t>
+            </a:r>
+            <a:r>
+              <a:rPr lang="en-US" sz="1400" baseline="-25000" dirty="0">
+                <a:solidFill>
+                  <a:schemeClr val="bg1"/>
+                </a:solidFill>
+                <a:latin typeface=""/>
+                <a:ea typeface="Tahoma" panose="020B0604030504040204" pitchFamily="34" charset="0"/>
+                <a:cs typeface="Tahoma" panose="020B0604030504040204" pitchFamily="34" charset="0"/>
+              </a:rPr>
+              <a:t>2</a:t>
+            </a:r>
+          </a:p>
+        </p:txBody>
+      </p:sp>
+      <p:cxnSp>
+        <p:nvCxnSpPr>
+          <p:cNvPr id="222" name="Straight Arrow Connector 221">
+            <a:extLst>
+              <a:ext uri="{FF2B5EF4-FFF2-40B4-BE49-F238E27FC236}">
+                <a16:creationId xmlns:a16="http://schemas.microsoft.com/office/drawing/2014/main" id="{390BDDCA-FA99-8EAD-EFA2-F55702C2B8D2}"/>
+              </a:ext>
+            </a:extLst>
+          </p:cNvPr>
+          <p:cNvCxnSpPr>
+            <a:cxnSpLocks/>
+            <a:stCxn id="209" idx="3"/>
+            <a:endCxn id="220" idx="2"/>
+          </p:cNvCxnSpPr>
+          <p:nvPr/>
+        </p:nvCxnSpPr>
+        <p:spPr>
+          <a:xfrm>
+            <a:off x="7813319" y="1923177"/>
+            <a:ext cx="638193" cy="1002960"/>
+          </a:xfrm>
+          <a:prstGeom prst="straightConnector1">
+            <a:avLst/>
+          </a:prstGeom>
+          <a:ln w="19050" cap="flat" cmpd="sng" algn="ctr">
+            <a:solidFill>
+              <a:schemeClr val="tx1"/>
+            </a:solidFill>
+            <a:prstDash val="solid"/>
+            <a:round/>
+            <a:headEnd type="none" w="med" len="med"/>
+            <a:tailEnd type="arrow" w="med" len="med"/>
+          </a:ln>
+          <a:effectLst/>
+        </p:spPr>
+        <p:style>
+          <a:lnRef idx="2">
+            <a:schemeClr val="accent1"/>
+          </a:lnRef>
+          <a:fillRef idx="0">
+            <a:schemeClr val="accent1"/>
+          </a:fillRef>
+          <a:effectRef idx="1">
+            <a:schemeClr val="accent1"/>
+          </a:effectRef>
+          <a:fontRef idx="minor">
+            <a:schemeClr val="tx1"/>
+          </a:fontRef>
+        </p:style>
+      </p:cxnSp>
+      <p:cxnSp>
+        <p:nvCxnSpPr>
+          <p:cNvPr id="223" name="Straight Arrow Connector 222">
+            <a:extLst>
+              <a:ext uri="{FF2B5EF4-FFF2-40B4-BE49-F238E27FC236}">
+                <a16:creationId xmlns:a16="http://schemas.microsoft.com/office/drawing/2014/main" id="{EEF3FF39-F0A1-8FB6-5188-1BED4A751DE7}"/>
+              </a:ext>
+            </a:extLst>
+          </p:cNvPr>
+          <p:cNvCxnSpPr>
+            <a:cxnSpLocks/>
+            <a:stCxn id="209" idx="3"/>
+            <a:endCxn id="218" idx="2"/>
+          </p:cNvCxnSpPr>
+          <p:nvPr/>
+        </p:nvCxnSpPr>
+        <p:spPr>
+          <a:xfrm>
+            <a:off x="7813319" y="1923177"/>
+            <a:ext cx="641743" cy="551"/>
+          </a:xfrm>
+          <a:prstGeom prst="straightConnector1">
+            <a:avLst/>
+          </a:prstGeom>
+          <a:ln w="19050" cap="flat" cmpd="sng" algn="ctr">
+            <a:solidFill>
+              <a:schemeClr val="tx1"/>
+            </a:solidFill>
+            <a:prstDash val="solid"/>
+            <a:round/>
+            <a:headEnd type="none" w="med" len="med"/>
+            <a:tailEnd type="arrow" w="med" len="med"/>
+          </a:ln>
+          <a:effectLst/>
+        </p:spPr>
+        <p:style>
+          <a:lnRef idx="2">
+            <a:schemeClr val="accent1"/>
+          </a:lnRef>
+          <a:fillRef idx="0">
+            <a:schemeClr val="accent1"/>
+          </a:fillRef>
+          <a:effectRef idx="1">
+            <a:schemeClr val="accent1"/>
+          </a:effectRef>
+          <a:fontRef idx="minor">
+            <a:schemeClr val="tx1"/>
+          </a:fontRef>
+        </p:style>
+      </p:cxnSp>
+      <p:cxnSp>
+        <p:nvCxnSpPr>
+          <p:cNvPr id="224" name="Straight Arrow Connector 223">
+            <a:extLst>
+              <a:ext uri="{FF2B5EF4-FFF2-40B4-BE49-F238E27FC236}">
+                <a16:creationId xmlns:a16="http://schemas.microsoft.com/office/drawing/2014/main" id="{1CFA48A5-7FD3-8634-B04E-9F7CD10D3BF0}"/>
+              </a:ext>
+            </a:extLst>
+          </p:cNvPr>
+          <p:cNvCxnSpPr>
+            <a:cxnSpLocks/>
+            <a:stCxn id="217" idx="3"/>
+            <a:endCxn id="220" idx="2"/>
+          </p:cNvCxnSpPr>
+          <p:nvPr/>
+        </p:nvCxnSpPr>
+        <p:spPr>
+          <a:xfrm flipV="1">
+            <a:off x="7813319" y="2926137"/>
+            <a:ext cx="638193" cy="1700"/>
+          </a:xfrm>
+          <a:prstGeom prst="straightConnector1">
+            <a:avLst/>
+          </a:prstGeom>
+          <a:ln w="19050" cap="flat" cmpd="sng" algn="ctr">
+            <a:solidFill>
+              <a:schemeClr val="tx1"/>
+            </a:solidFill>
+            <a:prstDash val="solid"/>
+            <a:round/>
+            <a:headEnd type="none" w="med" len="med"/>
+            <a:tailEnd type="arrow" w="med" len="med"/>
+          </a:ln>
+          <a:effectLst/>
+        </p:spPr>
+        <p:style>
+          <a:lnRef idx="2">
+            <a:schemeClr val="accent1"/>
+          </a:lnRef>
+          <a:fillRef idx="0">
+            <a:schemeClr val="accent1"/>
+          </a:fillRef>
+          <a:effectRef idx="1">
+            <a:schemeClr val="accent1"/>
+          </a:effectRef>
+          <a:fontRef idx="minor">
+            <a:schemeClr val="tx1"/>
+          </a:fontRef>
+        </p:style>
+      </p:cxnSp>
+      <p:cxnSp>
+        <p:nvCxnSpPr>
+          <p:cNvPr id="225" name="Straight Arrow Connector 224">
+            <a:extLst>
+              <a:ext uri="{FF2B5EF4-FFF2-40B4-BE49-F238E27FC236}">
+                <a16:creationId xmlns:a16="http://schemas.microsoft.com/office/drawing/2014/main" id="{3A163F04-F0E5-8D80-1AF7-4342631E26F5}"/>
+              </a:ext>
+            </a:extLst>
+          </p:cNvPr>
+          <p:cNvCxnSpPr>
+            <a:cxnSpLocks/>
+            <a:stCxn id="217" idx="3"/>
+            <a:endCxn id="218" idx="2"/>
+          </p:cNvCxnSpPr>
+          <p:nvPr/>
+        </p:nvCxnSpPr>
+        <p:spPr>
+          <a:xfrm flipV="1">
+            <a:off x="7813319" y="1923728"/>
+            <a:ext cx="641743" cy="1004109"/>
+          </a:xfrm>
+          <a:prstGeom prst="straightConnector1">
+            <a:avLst/>
+          </a:prstGeom>
+          <a:ln w="19050" cap="flat" cmpd="sng" algn="ctr">
+            <a:solidFill>
+              <a:schemeClr val="tx1"/>
+            </a:solidFill>
+            <a:prstDash val="solid"/>
+            <a:round/>
+            <a:headEnd type="none" w="med" len="med"/>
+            <a:tailEnd type="arrow" w="med" len="med"/>
+          </a:ln>
+          <a:effectLst/>
+        </p:spPr>
+        <p:style>
+          <a:lnRef idx="2">
+            <a:schemeClr val="accent1"/>
+          </a:lnRef>
+          <a:fillRef idx="0">
+            <a:schemeClr val="accent1"/>
+          </a:fillRef>
+          <a:effectRef idx="1">
+            <a:schemeClr val="accent1"/>
+          </a:effectRef>
+          <a:fontRef idx="minor">
+            <a:schemeClr val="tx1"/>
+          </a:fontRef>
+        </p:style>
+      </p:cxnSp>
+      <p:cxnSp>
+        <p:nvCxnSpPr>
+          <p:cNvPr id="226" name="Straight Arrow Connector 225">
+            <a:extLst>
+              <a:ext uri="{FF2B5EF4-FFF2-40B4-BE49-F238E27FC236}">
+                <a16:creationId xmlns:a16="http://schemas.microsoft.com/office/drawing/2014/main" id="{FFDA63F1-AF9A-1624-85E2-B25A4DCA400C}"/>
+              </a:ext>
+            </a:extLst>
+          </p:cNvPr>
+          <p:cNvCxnSpPr>
+            <a:cxnSpLocks/>
+            <a:stCxn id="220" idx="4"/>
+            <a:endCxn id="198" idx="1"/>
+          </p:cNvCxnSpPr>
+          <p:nvPr/>
+        </p:nvCxnSpPr>
+        <p:spPr>
+          <a:xfrm>
+            <a:off x="8860212" y="2926137"/>
+            <a:ext cx="85390" cy="1189"/>
+          </a:xfrm>
+          <a:prstGeom prst="straightConnector1">
+            <a:avLst/>
+          </a:prstGeom>
+          <a:ln w="19050" cap="flat" cmpd="sng" algn="ctr">
+            <a:solidFill>
+              <a:schemeClr val="tx1"/>
+            </a:solidFill>
+            <a:prstDash val="solid"/>
+            <a:round/>
+            <a:headEnd type="none" w="med" len="med"/>
+            <a:tailEnd type="arrow" w="med" len="med"/>
+          </a:ln>
+          <a:effectLst/>
+        </p:spPr>
+        <p:style>
+          <a:lnRef idx="2">
+            <a:schemeClr val="accent1"/>
+          </a:lnRef>
+          <a:fillRef idx="0">
+            <a:schemeClr val="accent1"/>
+          </a:fillRef>
+          <a:effectRef idx="1">
+            <a:schemeClr val="accent1"/>
+          </a:effectRef>
+          <a:fontRef idx="minor">
+            <a:schemeClr val="tx1"/>
+          </a:fontRef>
+        </p:style>
+      </p:cxnSp>
+      <p:cxnSp>
+        <p:nvCxnSpPr>
+          <p:cNvPr id="238" name="Straight Arrow Connector 237">
+            <a:extLst>
+              <a:ext uri="{FF2B5EF4-FFF2-40B4-BE49-F238E27FC236}">
+                <a16:creationId xmlns:a16="http://schemas.microsoft.com/office/drawing/2014/main" id="{B020543D-3E2D-1FD5-0E69-921FF0111E87}"/>
+              </a:ext>
+            </a:extLst>
+          </p:cNvPr>
+          <p:cNvCxnSpPr>
+            <a:cxnSpLocks/>
+            <a:endCxn id="218" idx="2"/>
+          </p:cNvCxnSpPr>
+          <p:nvPr/>
+        </p:nvCxnSpPr>
+        <p:spPr>
+          <a:xfrm flipV="1">
+            <a:off x="7773992" y="1923728"/>
+            <a:ext cx="681070" cy="1839387"/>
+          </a:xfrm>
+          <a:prstGeom prst="straightConnector1">
+            <a:avLst/>
+          </a:prstGeom>
+          <a:ln w="19050" cap="flat" cmpd="sng" algn="ctr">
+            <a:solidFill>
+              <a:schemeClr val="tx1"/>
+            </a:solidFill>
+            <a:prstDash val="lgDash"/>
+            <a:round/>
+            <a:headEnd type="none" w="med" len="med"/>
+            <a:tailEnd type="arrow" w="med" len="med"/>
+          </a:ln>
+          <a:effectLst/>
+        </p:spPr>
+        <p:style>
+          <a:lnRef idx="2">
+            <a:schemeClr val="accent1"/>
+          </a:lnRef>
+          <a:fillRef idx="0">
+            <a:schemeClr val="accent1"/>
+          </a:fillRef>
+          <a:effectRef idx="1">
+            <a:schemeClr val="accent1"/>
+          </a:effectRef>
+          <a:fontRef idx="minor">
+            <a:schemeClr val="tx1"/>
+          </a:fontRef>
+        </p:style>
+      </p:cxnSp>
+      <p:cxnSp>
+        <p:nvCxnSpPr>
+          <p:cNvPr id="239" name="Straight Arrow Connector 238">
+            <a:extLst>
+              <a:ext uri="{FF2B5EF4-FFF2-40B4-BE49-F238E27FC236}">
+                <a16:creationId xmlns:a16="http://schemas.microsoft.com/office/drawing/2014/main" id="{FE8042C3-4B00-7BA1-E4EF-7CDB47F02DE7}"/>
+              </a:ext>
+            </a:extLst>
+          </p:cNvPr>
+          <p:cNvCxnSpPr>
+            <a:cxnSpLocks/>
+            <a:endCxn id="220" idx="2"/>
+          </p:cNvCxnSpPr>
+          <p:nvPr/>
+        </p:nvCxnSpPr>
+        <p:spPr>
+          <a:xfrm flipV="1">
+            <a:off x="7773992" y="2926137"/>
+            <a:ext cx="677520" cy="931220"/>
+          </a:xfrm>
+          <a:prstGeom prst="straightConnector1">
+            <a:avLst/>
+          </a:prstGeom>
+          <a:ln w="19050" cap="flat" cmpd="sng" algn="ctr">
+            <a:solidFill>
+              <a:schemeClr val="tx1"/>
+            </a:solidFill>
+            <a:prstDash val="lgDash"/>
+            <a:round/>
+            <a:headEnd type="none" w="med" len="med"/>
+            <a:tailEnd type="arrow" w="med" len="med"/>
+          </a:ln>
+          <a:effectLst/>
+        </p:spPr>
+        <p:style>
+          <a:lnRef idx="2">
+            <a:schemeClr val="accent1"/>
+          </a:lnRef>
+          <a:fillRef idx="0">
+            <a:schemeClr val="accent1"/>
+          </a:fillRef>
+          <a:effectRef idx="1">
+            <a:schemeClr val="accent1"/>
+          </a:effectRef>
+          <a:fontRef idx="minor">
+            <a:schemeClr val="tx1"/>
+          </a:fontRef>
+        </p:style>
+      </p:cxnSp>
+      <p:cxnSp>
+        <p:nvCxnSpPr>
+          <p:cNvPr id="240" name="Straight Arrow Connector 239">
+            <a:extLst>
+              <a:ext uri="{FF2B5EF4-FFF2-40B4-BE49-F238E27FC236}">
+                <a16:creationId xmlns:a16="http://schemas.microsoft.com/office/drawing/2014/main" id="{2D9EBBED-8436-44D0-7827-933B975A08A8}"/>
+              </a:ext>
+            </a:extLst>
+          </p:cNvPr>
+          <p:cNvCxnSpPr>
+            <a:cxnSpLocks/>
+            <a:stCxn id="197" idx="3"/>
+            <a:endCxn id="199" idx="1"/>
+          </p:cNvCxnSpPr>
+          <p:nvPr/>
+        </p:nvCxnSpPr>
+        <p:spPr>
+          <a:xfrm flipV="1">
+            <a:off x="10481352" y="1922434"/>
+            <a:ext cx="136436" cy="620"/>
+          </a:xfrm>
+          <a:prstGeom prst="straightConnector1">
+            <a:avLst/>
+          </a:prstGeom>
+          <a:ln w="19050" cap="flat" cmpd="sng" algn="ctr">
+            <a:solidFill>
+              <a:schemeClr val="tx1"/>
+            </a:solidFill>
+            <a:prstDash val="solid"/>
+            <a:round/>
+            <a:headEnd type="none" w="med" len="med"/>
+            <a:tailEnd type="arrow" w="med" len="med"/>
+          </a:ln>
+          <a:effectLst/>
+        </p:spPr>
+        <p:style>
+          <a:lnRef idx="2">
+            <a:schemeClr val="accent1"/>
+          </a:lnRef>
+          <a:fillRef idx="0">
+            <a:schemeClr val="accent1"/>
+          </a:fillRef>
+          <a:effectRef idx="1">
+            <a:schemeClr val="accent1"/>
+          </a:effectRef>
+          <a:fontRef idx="minor">
+            <a:schemeClr val="tx1"/>
+          </a:fontRef>
+        </p:style>
+      </p:cxnSp>
+      <p:sp>
+        <p:nvSpPr>
+          <p:cNvPr id="241" name="Rounded Rectangle 240">
+            <a:extLst>
+              <a:ext uri="{FF2B5EF4-FFF2-40B4-BE49-F238E27FC236}">
+                <a16:creationId xmlns:a16="http://schemas.microsoft.com/office/drawing/2014/main" id="{9CCA7D4B-CD33-B966-2932-114F4A55BACE}"/>
+              </a:ext>
+            </a:extLst>
+          </p:cNvPr>
+          <p:cNvSpPr/>
+          <p:nvPr/>
+        </p:nvSpPr>
+        <p:spPr>
+          <a:xfrm>
+            <a:off x="6185289" y="894904"/>
+            <a:ext cx="4900283" cy="4835335"/>
+          </a:xfrm>
+          <a:prstGeom prst="roundRect">
+            <a:avLst>
+              <a:gd name="adj" fmla="val 7066"/>
+            </a:avLst>
+          </a:prstGeom>
+          <a:noFill/>
+          <a:ln w="38100"/>
+        </p:spPr>
+        <p:style>
+          <a:lnRef idx="2">
+            <a:schemeClr val="dk1"/>
+          </a:lnRef>
+          <a:fillRef idx="1">
+            <a:schemeClr val="lt1"/>
+          </a:fillRef>
+          <a:effectRef idx="0">
+            <a:schemeClr val="dk1"/>
+          </a:effectRef>
+          <a:fontRef idx="minor">
+            <a:schemeClr val="dk1"/>
+          </a:fontRef>
+        </p:style>
+        <p:txBody>
+          <a:bodyPr rtlCol="0" anchor="ctr"/>
+          <a:lstStyle/>
+          <a:p>
+            <a:pPr algn="ctr"/>
+            <a:r>
               <a:rPr lang="en-US" dirty="0">
                 <a:latin typeface=""/>
                 <a:ea typeface="Tahoma" panose="020B0604030504040204" pitchFamily="34" charset="0"/>
@@ -6612,8 +7393,8 @@
         </p:nvSpPr>
         <p:spPr>
           <a:xfrm>
-            <a:off x="1655942" y="887004"/>
-            <a:ext cx="4466787" cy="276999"/>
+            <a:off x="1548848" y="887004"/>
+            <a:ext cx="4466787" cy="307777"/>
           </a:xfrm>
           <a:prstGeom prst="rect">
             <a:avLst/>
@@ -6628,12 +7409,52 @@
           <a:p>
             <a:pPr algn="ctr"/>
             <a:r>
-              <a:rPr lang="en-US" sz="1200" b="1" dirty="0">
+              <a:rPr lang="en-US" sz="1400" b="1" dirty="0">
                 <a:latin typeface=""/>
                 <a:ea typeface="Tahoma" panose="020B0604030504040204" pitchFamily="34" charset="0"/>
                 <a:cs typeface="Tahoma" panose="020B0604030504040204" pitchFamily="34" charset="0"/>
               </a:rPr>
-              <a:t>Determine Hyper-Parameters with Highest ARI (HAPV)</a:t>
+              <a:t>Tune Parameters with Highest ARI (HAPV)</a:t>
+            </a:r>
+          </a:p>
+        </p:txBody>
+      </p:sp>
+      <p:sp>
+        <p:nvSpPr>
+          <p:cNvPr id="381" name="TextBox 380">
+            <a:extLst>
+              <a:ext uri="{FF2B5EF4-FFF2-40B4-BE49-F238E27FC236}">
+                <a16:creationId xmlns:a16="http://schemas.microsoft.com/office/drawing/2014/main" id="{B817BA91-5C19-C98E-3BE9-E075A7AE70AA}"/>
+              </a:ext>
+            </a:extLst>
+          </p:cNvPr>
+          <p:cNvSpPr txBox="1"/>
+          <p:nvPr/>
+        </p:nvSpPr>
+        <p:spPr>
+          <a:xfrm>
+            <a:off x="7810587" y="902156"/>
+            <a:ext cx="3274985" cy="523220"/>
+          </a:xfrm>
+          <a:prstGeom prst="rect">
+            <a:avLst/>
+          </a:prstGeom>
+          <a:noFill/>
+        </p:spPr>
+        <p:txBody>
+          <a:bodyPr wrap="square">
+            <a:spAutoFit/>
+          </a:bodyPr>
+          <a:lstStyle/>
+          <a:p>
+            <a:pPr algn="ctr"/>
+            <a:r>
+              <a:rPr lang="en-US" sz="1400" b="1" dirty="0">
+                <a:latin typeface=""/>
+                <a:ea typeface="Tahoma" panose="020B0604030504040204" pitchFamily="34" charset="0"/>
+                <a:cs typeface="Tahoma" panose="020B0604030504040204" pitchFamily="34" charset="0"/>
+              </a:rPr>
+              <a:t>Apply Models on Partitions to Generate Labels</a:t>
             </a:r>
           </a:p>
         </p:txBody>
@@ -6652,8 +7473,8 @@
         </p:nvSpPr>
         <p:spPr>
           <a:xfrm>
-            <a:off x="1981017" y="4070425"/>
-            <a:ext cx="335220" cy="283781"/>
+            <a:off x="1791372" y="4070425"/>
+            <a:ext cx="388331" cy="283781"/>
           </a:xfrm>
           <a:prstGeom prst="can">
             <a:avLst/>
@@ -6690,7 +7511,7 @@
           <a:p>
             <a:pPr algn="ctr"/>
             <a:r>
-              <a:rPr lang="en-US" sz="1200" dirty="0">
+              <a:rPr lang="en-US" sz="1400" dirty="0">
                 <a:solidFill>
                   <a:schemeClr val="bg1"/>
                 </a:solidFill>
@@ -6701,7 +7522,7 @@
               <a:t>S</a:t>
             </a:r>
             <a:r>
-              <a:rPr lang="en-US" sz="1200" baseline="-25000" dirty="0">
+              <a:rPr lang="en-US" sz="1400" baseline="-25000" dirty="0">
                 <a:solidFill>
                   <a:schemeClr val="bg1"/>
                 </a:solidFill>
@@ -6728,8 +7549,8 @@
         </p:nvSpPr>
         <p:spPr>
           <a:xfrm flipH="1">
-            <a:off x="2539262" y="3686200"/>
-            <a:ext cx="1097957" cy="386824"/>
+            <a:off x="2432167" y="3686200"/>
+            <a:ext cx="1159347" cy="386824"/>
           </a:xfrm>
           <a:prstGeom prst="flowChartPunchedCard">
             <a:avLst/>
@@ -6764,7 +7585,7 @@
           <a:p>
             <a:pPr algn="ctr"/>
             <a:r>
-              <a:rPr lang="en-US" sz="1300" dirty="0">
+              <a:rPr lang="en-US" sz="1400" dirty="0">
                 <a:solidFill>
                   <a:schemeClr val="tx1"/>
                 </a:solidFill>
@@ -6775,7 +7596,7 @@
               <a:t>OI </a:t>
             </a:r>
             <a:r>
-              <a:rPr lang="en-US" sz="1300" b="0" i="0" dirty="0">
+              <a:rPr lang="en-US" sz="1400" b="0" i="0" dirty="0">
                 <a:solidFill>
                   <a:schemeClr val="tx1"/>
                 </a:solidFill>
@@ -6787,7 +7608,7 @@
               <a:t>⊨</a:t>
             </a:r>
             <a:r>
-              <a:rPr lang="en-US" sz="1300" b="0" i="0" dirty="0">
+              <a:rPr lang="en-US" sz="1400" b="0" i="0" dirty="0">
                 <a:solidFill>
                   <a:srgbClr val="4D5156"/>
                 </a:solidFill>
@@ -6799,7 +7620,7 @@
               <a:t> </a:t>
             </a:r>
             <a:r>
-              <a:rPr lang="en-US" sz="1300" dirty="0" err="1">
+              <a:rPr lang="en-US" sz="1400" dirty="0" err="1">
                 <a:solidFill>
                   <a:schemeClr val="tx1"/>
                 </a:solidFill>
@@ -6810,7 +7631,7 @@
               <a:t>P</a:t>
             </a:r>
             <a:r>
-              <a:rPr lang="en-US" sz="1300" baseline="-25000" dirty="0" err="1">
+              <a:rPr lang="en-US" sz="1400" baseline="-25000" dirty="0" err="1">
                 <a:solidFill>
                   <a:schemeClr val="tx1"/>
                 </a:solidFill>
@@ -6821,7 +7642,7 @@
               <a:t>r</a:t>
             </a:r>
             <a:r>
-              <a:rPr lang="en-US" sz="1300" dirty="0" err="1">
+              <a:rPr lang="en-US" sz="1400" dirty="0" err="1">
                 <a:solidFill>
                   <a:schemeClr val="tx1"/>
                 </a:solidFill>
@@ -6832,7 +7653,7 @@
               <a:t>:v</a:t>
             </a:r>
             <a:r>
-              <a:rPr lang="en-US" sz="1300" baseline="-25000" dirty="0" err="1">
+              <a:rPr lang="en-US" sz="1400" baseline="-25000" dirty="0" err="1">
                 <a:solidFill>
                   <a:schemeClr val="tx1"/>
                 </a:solidFill>
@@ -6842,7 +7663,7 @@
               </a:rPr>
               <a:t>r_h</a:t>
             </a:r>
-            <a:endParaRPr lang="en-US" sz="1300" baseline="-25000" dirty="0">
+            <a:endParaRPr lang="en-US" sz="1400" baseline="-25000" dirty="0">
               <a:solidFill>
                 <a:schemeClr val="tx1"/>
               </a:solidFill>
@@ -6867,8 +7688,8 @@
         </p:nvSpPr>
         <p:spPr>
           <a:xfrm flipH="1">
-            <a:off x="2547842" y="4517560"/>
-            <a:ext cx="1097956" cy="300300"/>
+            <a:off x="2440748" y="4517560"/>
+            <a:ext cx="1159346" cy="300300"/>
           </a:xfrm>
           <a:prstGeom prst="flowChartPunchedCard">
             <a:avLst/>
@@ -6903,7 +7724,7 @@
           <a:p>
             <a:pPr algn="ctr"/>
             <a:r>
-              <a:rPr lang="en-US" sz="1300">
+              <a:rPr lang="en-US" sz="1400">
                 <a:solidFill>
                   <a:schemeClr val="tx1"/>
                 </a:solidFill>
@@ -6913,7 +7734,7 @@
               </a:rPr>
               <a:t>Validator</a:t>
             </a:r>
-            <a:endParaRPr lang="en-US" sz="1300" dirty="0">
+            <a:endParaRPr lang="en-US" sz="1400" dirty="0">
               <a:solidFill>
                 <a:schemeClr val="tx1"/>
               </a:solidFill>
@@ -6942,8 +7763,8 @@
         </p:nvCxnSpPr>
         <p:spPr>
           <a:xfrm flipV="1">
-            <a:off x="2316237" y="3879612"/>
-            <a:ext cx="223025" cy="332704"/>
+            <a:off x="2179703" y="3879612"/>
+            <a:ext cx="252464" cy="332704"/>
           </a:xfrm>
           <a:prstGeom prst="bentConnector3">
             <a:avLst/>
@@ -6991,8 +7812,8 @@
         </p:nvCxnSpPr>
         <p:spPr>
           <a:xfrm>
-            <a:off x="2316237" y="4212316"/>
-            <a:ext cx="231605" cy="455394"/>
+            <a:off x="2179703" y="4212316"/>
+            <a:ext cx="261045" cy="455394"/>
           </a:xfrm>
           <a:prstGeom prst="bentConnector3">
             <a:avLst>
@@ -7024,104 +7845,6 @@
           </a:fontRef>
         </p:style>
       </p:cxnSp>
-      <p:cxnSp>
-        <p:nvCxnSpPr>
-          <p:cNvPr id="25" name="Elbow Connector 24">
-            <a:extLst>
-              <a:ext uri="{FF2B5EF4-FFF2-40B4-BE49-F238E27FC236}">
-                <a16:creationId xmlns:a16="http://schemas.microsoft.com/office/drawing/2014/main" id="{097B7661-3C3A-AFA2-3CEB-928AB256F0D4}"/>
-              </a:ext>
-            </a:extLst>
-          </p:cNvPr>
-          <p:cNvCxnSpPr>
-            <a:cxnSpLocks/>
-            <a:stCxn id="21" idx="1"/>
-            <a:endCxn id="510" idx="2"/>
-          </p:cNvCxnSpPr>
-          <p:nvPr/>
-        </p:nvCxnSpPr>
-        <p:spPr>
-          <a:xfrm flipV="1">
-            <a:off x="3645798" y="4540612"/>
-            <a:ext cx="629034" cy="127098"/>
-          </a:xfrm>
-          <a:prstGeom prst="bentConnector2">
-            <a:avLst/>
-          </a:prstGeom>
-          <a:ln w="19050" cap="flat" cmpd="sng" algn="ctr">
-            <a:solidFill>
-              <a:schemeClr val="dk1"/>
-            </a:solidFill>
-            <a:prstDash val="solid"/>
-            <a:round/>
-            <a:headEnd type="none" w="med" len="med"/>
-            <a:tailEnd type="arrow" w="med" len="med"/>
-          </a:ln>
-        </p:spPr>
-        <p:style>
-          <a:lnRef idx="0">
-            <a:scrgbClr r="0" g="0" b="0"/>
-          </a:lnRef>
-          <a:fillRef idx="0">
-            <a:scrgbClr r="0" g="0" b="0"/>
-          </a:fillRef>
-          <a:effectRef idx="0">
-            <a:scrgbClr r="0" g="0" b="0"/>
-          </a:effectRef>
-          <a:fontRef idx="minor">
-            <a:schemeClr val="tx1"/>
-          </a:fontRef>
-        </p:style>
-      </p:cxnSp>
-      <p:cxnSp>
-        <p:nvCxnSpPr>
-          <p:cNvPr id="26" name="Elbow Connector 25">
-            <a:extLst>
-              <a:ext uri="{FF2B5EF4-FFF2-40B4-BE49-F238E27FC236}">
-                <a16:creationId xmlns:a16="http://schemas.microsoft.com/office/drawing/2014/main" id="{8195336C-38EC-0BBA-2ED0-7F3DB2DD1AB0}"/>
-              </a:ext>
-            </a:extLst>
-          </p:cNvPr>
-          <p:cNvCxnSpPr>
-            <a:cxnSpLocks/>
-            <a:stCxn id="18" idx="1"/>
-            <a:endCxn id="510" idx="0"/>
-          </p:cNvCxnSpPr>
-          <p:nvPr/>
-        </p:nvCxnSpPr>
-        <p:spPr>
-          <a:xfrm>
-            <a:off x="3637219" y="3879612"/>
-            <a:ext cx="637613" cy="129591"/>
-          </a:xfrm>
-          <a:prstGeom prst="bentConnector2">
-            <a:avLst/>
-          </a:prstGeom>
-          <a:ln w="19050" cap="flat" cmpd="sng" algn="ctr">
-            <a:solidFill>
-              <a:schemeClr val="dk1"/>
-            </a:solidFill>
-            <a:prstDash val="solid"/>
-            <a:round/>
-            <a:headEnd type="none" w="med" len="med"/>
-            <a:tailEnd type="arrow" w="med" len="med"/>
-          </a:ln>
-        </p:spPr>
-        <p:style>
-          <a:lnRef idx="0">
-            <a:scrgbClr r="0" g="0" b="0"/>
-          </a:lnRef>
-          <a:fillRef idx="0">
-            <a:scrgbClr r="0" g="0" b="0"/>
-          </a:fillRef>
-          <a:effectRef idx="0">
-            <a:scrgbClr r="0" g="0" b="0"/>
-          </a:effectRef>
-          <a:fontRef idx="minor">
-            <a:schemeClr val="tx1"/>
-          </a:fontRef>
-        </p:style>
-      </p:cxnSp>
       <p:sp>
         <p:nvSpPr>
           <p:cNvPr id="42" name="Rectangle 41">
@@ -7136,7 +7859,7 @@
         </p:nvSpPr>
         <p:spPr>
           <a:xfrm>
-            <a:off x="5050832" y="1341535"/>
+            <a:off x="4943738" y="1341535"/>
             <a:ext cx="827403" cy="3216635"/>
           </a:xfrm>
           <a:prstGeom prst="rect">
@@ -7192,8 +7915,8 @@
         </p:nvSpPr>
         <p:spPr>
           <a:xfrm>
-            <a:off x="5136013" y="2924277"/>
-            <a:ext cx="655943" cy="276999"/>
+            <a:off x="5001915" y="2905227"/>
+            <a:ext cx="722611" cy="307777"/>
           </a:xfrm>
           <a:prstGeom prst="rect">
             <a:avLst/>
@@ -7208,7 +7931,7 @@
           <a:p>
             <a:pPr algn="ctr"/>
             <a:r>
-              <a:rPr lang="en-US" sz="1200" dirty="0">
+              <a:rPr lang="en-US" sz="1400" dirty="0">
                 <a:solidFill>
                   <a:schemeClr val="tx1"/>
                 </a:solidFill>
@@ -7219,7 +7942,7 @@
               <a:t>P</a:t>
             </a:r>
             <a:r>
-              <a:rPr lang="en-US" sz="1200" baseline="-25000" dirty="0">
+              <a:rPr lang="en-US" sz="1400" baseline="-25000" dirty="0">
                 <a:solidFill>
                   <a:schemeClr val="tx1"/>
                 </a:solidFill>
@@ -7230,7 +7953,7 @@
               <a:t>1</a:t>
             </a:r>
             <a:r>
-              <a:rPr lang="en-US" sz="1200" dirty="0">
+              <a:rPr lang="en-US" sz="1400" dirty="0">
                 <a:solidFill>
                   <a:schemeClr val="tx1"/>
                 </a:solidFill>
@@ -7241,7 +7964,7 @@
               <a:t>:v</a:t>
             </a:r>
             <a:r>
-              <a:rPr lang="en-US" sz="1200" baseline="-25000" dirty="0">
+              <a:rPr lang="en-US" sz="1400" baseline="-25000" dirty="0">
                 <a:solidFill>
                   <a:schemeClr val="tx1"/>
                 </a:solidFill>
@@ -7268,7 +7991,7 @@
         </p:nvSpPr>
         <p:spPr>
           <a:xfrm>
-            <a:off x="4976537" y="1360882"/>
+            <a:off x="4869443" y="1360882"/>
             <a:ext cx="967003" cy="1384995"/>
           </a:xfrm>
           <a:prstGeom prst="rect">
@@ -7299,6 +8022,57 @@
       </p:sp>
       <p:sp>
         <p:nvSpPr>
+          <p:cNvPr id="467" name="TextBox 466">
+            <a:extLst>
+              <a:ext uri="{FF2B5EF4-FFF2-40B4-BE49-F238E27FC236}">
+                <a16:creationId xmlns:a16="http://schemas.microsoft.com/office/drawing/2014/main" id="{09475D5B-6CAD-5641-4AC6-2CC6E82BDAB9}"/>
+              </a:ext>
+            </a:extLst>
+          </p:cNvPr>
+          <p:cNvSpPr txBox="1"/>
+          <p:nvPr/>
+        </p:nvSpPr>
+        <p:spPr>
+          <a:xfrm>
+            <a:off x="7144788" y="5146319"/>
+            <a:ext cx="867790" cy="261610"/>
+          </a:xfrm>
+          <a:prstGeom prst="rect">
+            <a:avLst/>
+          </a:prstGeom>
+          <a:noFill/>
+        </p:spPr>
+        <p:txBody>
+          <a:bodyPr wrap="square">
+            <a:spAutoFit/>
+          </a:bodyPr>
+          <a:lstStyle/>
+          <a:p>
+            <a:pPr algn="ctr"/>
+            <a:r>
+              <a:rPr lang="en-US" sz="1100" i="1" dirty="0">
+                <a:solidFill>
+                  <a:schemeClr val="tx2"/>
+                </a:solidFill>
+                <a:latin typeface=""/>
+                <a:ea typeface="Tahoma" panose="020B0604030504040204" pitchFamily="34" charset="0"/>
+                <a:cs typeface="Tahoma" panose="020B0604030504040204" pitchFamily="34" charset="0"/>
+              </a:rPr>
+              <a:t>Models</a:t>
+            </a:r>
+            <a:endParaRPr lang="en-US" sz="1200" i="1" baseline="-25000" dirty="0">
+              <a:solidFill>
+                <a:schemeClr val="tx2"/>
+              </a:solidFill>
+              <a:latin typeface=""/>
+              <a:ea typeface="Tahoma" panose="020B0604030504040204" pitchFamily="34" charset="0"/>
+              <a:cs typeface="Tahoma" panose="020B0604030504040204" pitchFamily="34" charset="0"/>
+            </a:endParaRPr>
+          </a:p>
+        </p:txBody>
+      </p:sp>
+      <p:sp>
+        <p:nvSpPr>
           <p:cNvPr id="469" name="TextBox 468">
             <a:extLst>
               <a:ext uri="{FF2B5EF4-FFF2-40B4-BE49-F238E27FC236}">
@@ -7311,7 +8085,7 @@
         </p:nvSpPr>
         <p:spPr>
           <a:xfrm>
-            <a:off x="6861550" y="5146318"/>
+            <a:off x="8942870" y="5146318"/>
             <a:ext cx="1536944" cy="261610"/>
           </a:xfrm>
           <a:prstGeom prst="rect">
@@ -7364,7 +8138,7 @@
         </p:nvCxnSpPr>
         <p:spPr>
           <a:xfrm>
-            <a:off x="5131515" y="3441003"/>
+            <a:off x="5024421" y="3441003"/>
             <a:ext cx="650135" cy="0"/>
           </a:xfrm>
           <a:prstGeom prst="line">
@@ -7407,7 +8181,7 @@
         </p:nvCxnSpPr>
         <p:spPr>
           <a:xfrm>
-            <a:off x="5131515" y="3947110"/>
+            <a:off x="5024421" y="3947110"/>
             <a:ext cx="658749" cy="0"/>
           </a:xfrm>
           <a:prstGeom prst="line">
@@ -7448,8 +8222,8 @@
         </p:nvSpPr>
         <p:spPr>
           <a:xfrm>
-            <a:off x="5131515" y="4137335"/>
-            <a:ext cx="658749" cy="276999"/>
+            <a:off x="5024421" y="4118285"/>
+            <a:ext cx="658749" cy="307777"/>
           </a:xfrm>
           <a:prstGeom prst="rect">
             <a:avLst/>
@@ -7464,7 +8238,7 @@
           <a:p>
             <a:pPr algn="ctr"/>
             <a:r>
-              <a:rPr lang="en-US" sz="1200" dirty="0" err="1">
+              <a:rPr lang="en-US" sz="1400" dirty="0" err="1">
                 <a:solidFill>
                   <a:schemeClr val="tx1"/>
                 </a:solidFill>
@@ -7475,7 +8249,7 @@
               <a:t>P</a:t>
             </a:r>
             <a:r>
-              <a:rPr lang="en-US" sz="1200" baseline="-25000" dirty="0" err="1">
+              <a:rPr lang="en-US" sz="1400" baseline="-25000" dirty="0" err="1">
                 <a:latin typeface=""/>
                 <a:ea typeface="Tahoma" panose="020B0604030504040204" pitchFamily="34" charset="0"/>
                 <a:cs typeface="Tahoma" panose="020B0604030504040204" pitchFamily="34" charset="0"/>
@@ -7483,7 +8257,7 @@
               <a:t>r</a:t>
             </a:r>
             <a:r>
-              <a:rPr lang="en-US" sz="1200" dirty="0" err="1">
+              <a:rPr lang="en-US" sz="1400" dirty="0" err="1">
                 <a:solidFill>
                   <a:schemeClr val="tx1"/>
                 </a:solidFill>
@@ -7494,7 +8268,7 @@
               <a:t>:v</a:t>
             </a:r>
             <a:r>
-              <a:rPr lang="en-US" sz="1200" baseline="-25000" dirty="0" err="1">
+              <a:rPr lang="en-US" sz="1400" baseline="-25000" dirty="0" err="1">
                 <a:solidFill>
                   <a:schemeClr val="tx1"/>
                 </a:solidFill>
@@ -7504,7 +8278,7 @@
               </a:rPr>
               <a:t>r_h</a:t>
             </a:r>
-            <a:endParaRPr lang="en-US" sz="1200" baseline="-25000" dirty="0">
+            <a:endParaRPr lang="en-US" sz="1400" baseline="-25000" dirty="0">
               <a:solidFill>
                 <a:schemeClr val="tx1"/>
               </a:solidFill>
@@ -7529,7 +8303,7 @@
         </p:nvSpPr>
         <p:spPr>
           <a:xfrm>
-            <a:off x="5430306" y="3647692"/>
+            <a:off x="5323212" y="3647692"/>
             <a:ext cx="80683" cy="73581"/>
           </a:xfrm>
           <a:prstGeom prst="ellipse">
@@ -7585,7 +8359,7 @@
         </p:nvSpPr>
         <p:spPr>
           <a:xfrm>
-            <a:off x="5430306" y="3796456"/>
+            <a:off x="5323212" y="3796456"/>
             <a:ext cx="80683" cy="73581"/>
           </a:xfrm>
           <a:prstGeom prst="ellipse">
@@ -7641,7 +8415,7 @@
         </p:nvSpPr>
         <p:spPr>
           <a:xfrm>
-            <a:off x="5430306" y="3501136"/>
+            <a:off x="5323212" y="3501136"/>
             <a:ext cx="80683" cy="73581"/>
           </a:xfrm>
           <a:prstGeom prst="ellipse">
@@ -7701,12 +8475,12 @@
         </p:nvCxnSpPr>
         <p:spPr>
           <a:xfrm>
-            <a:off x="4902343" y="1815611"/>
-            <a:ext cx="233670" cy="1247166"/>
+            <a:off x="4795249" y="1811385"/>
+            <a:ext cx="206666" cy="1247731"/>
           </a:xfrm>
           <a:prstGeom prst="bentConnector3">
             <a:avLst>
-              <a:gd name="adj1" fmla="val 16031"/>
+              <a:gd name="adj1" fmla="val 25419"/>
             </a:avLst>
           </a:prstGeom>
           <a:ln w="19050" cap="flat" cmpd="sng" algn="ctr">
@@ -7748,7 +8522,7 @@
         </p:nvSpPr>
         <p:spPr>
           <a:xfrm>
-            <a:off x="5133544" y="2837840"/>
+            <a:off x="5026450" y="2837840"/>
             <a:ext cx="658749" cy="1597284"/>
           </a:xfrm>
           <a:prstGeom prst="rect">
@@ -7807,9 +8581,9 @@
           <p:nvPr/>
         </p:nvCxnSpPr>
         <p:spPr>
-          <a:xfrm>
-            <a:off x="4899378" y="4274908"/>
-            <a:ext cx="304702" cy="928"/>
+          <a:xfrm flipV="1">
+            <a:off x="4792284" y="4272174"/>
+            <a:ext cx="232137" cy="1487"/>
           </a:xfrm>
           <a:prstGeom prst="bentConnector3">
             <a:avLst>
@@ -7855,7 +8629,7 @@
         </p:nvSpPr>
         <p:spPr>
           <a:xfrm flipH="1">
-            <a:off x="6468552" y="1624441"/>
+            <a:off x="6364377" y="1624441"/>
             <a:ext cx="745596" cy="598150"/>
           </a:xfrm>
           <a:prstGeom prst="flowChartPunchedCard">
@@ -7913,7 +8687,7 @@
         </p:nvSpPr>
         <p:spPr>
           <a:xfrm>
-            <a:off x="6316994" y="5053987"/>
+            <a:off x="6212819" y="5053987"/>
             <a:ext cx="1013482" cy="430887"/>
           </a:xfrm>
           <a:prstGeom prst="rect">
@@ -7986,7 +8760,7 @@
         </p:nvSpPr>
         <p:spPr>
           <a:xfrm flipH="1">
-            <a:off x="6471284" y="2629405"/>
+            <a:off x="6367109" y="2629405"/>
             <a:ext cx="745596" cy="598150"/>
           </a:xfrm>
           <a:prstGeom prst="flowChartPunchedCard">
@@ -8044,8 +8818,8 @@
         </p:nvSpPr>
         <p:spPr>
           <a:xfrm>
-            <a:off x="215840" y="3154152"/>
-            <a:ext cx="335220" cy="283781"/>
+            <a:off x="126464" y="3154152"/>
+            <a:ext cx="388331" cy="283781"/>
           </a:xfrm>
           <a:prstGeom prst="can">
             <a:avLst/>
@@ -8106,8 +8880,8 @@
         </p:nvSpPr>
         <p:spPr>
           <a:xfrm>
-            <a:off x="998259" y="4073085"/>
-            <a:ext cx="335220" cy="283781"/>
+            <a:off x="908883" y="4073085"/>
+            <a:ext cx="388331" cy="283781"/>
           </a:xfrm>
           <a:prstGeom prst="can">
             <a:avLst/>
@@ -8144,7 +8918,7 @@
           <a:p>
             <a:pPr algn="ctr"/>
             <a:r>
-              <a:rPr lang="en-US" sz="1200" dirty="0">
+              <a:rPr lang="en-US" sz="1400" dirty="0">
                 <a:solidFill>
                   <a:schemeClr val="bg1"/>
                 </a:solidFill>
@@ -8155,7 +8929,7 @@
               <a:t>S</a:t>
             </a:r>
             <a:r>
-              <a:rPr lang="en-US" sz="1200" baseline="-25000" dirty="0">
+              <a:rPr lang="en-US" sz="1400" baseline="-25000" dirty="0">
                 <a:solidFill>
                   <a:schemeClr val="bg1"/>
                 </a:solidFill>
@@ -8182,7 +8956,7 @@
         </p:nvSpPr>
         <p:spPr>
           <a:xfrm>
-            <a:off x="340419" y="3492980"/>
+            <a:off x="251044" y="3492980"/>
             <a:ext cx="73705" cy="73705"/>
           </a:xfrm>
           <a:prstGeom prst="ellipse">
@@ -8238,7 +9012,7 @@
         </p:nvSpPr>
         <p:spPr>
           <a:xfrm>
-            <a:off x="340419" y="3590818"/>
+            <a:off x="251044" y="3590818"/>
             <a:ext cx="73705" cy="73705"/>
           </a:xfrm>
           <a:prstGeom prst="ellipse">
@@ -8294,7 +9068,7 @@
         </p:nvSpPr>
         <p:spPr>
           <a:xfrm>
-            <a:off x="340419" y="3689410"/>
+            <a:off x="251044" y="3689410"/>
             <a:ext cx="73705" cy="73705"/>
           </a:xfrm>
           <a:prstGeom prst="ellipse">
@@ -8354,12 +9128,12 @@
         </p:nvCxnSpPr>
         <p:spPr>
           <a:xfrm>
-            <a:off x="551060" y="3296043"/>
-            <a:ext cx="447199" cy="918933"/>
+            <a:off x="514795" y="3296043"/>
+            <a:ext cx="394088" cy="918933"/>
           </a:xfrm>
           <a:prstGeom prst="bentConnector3">
             <a:avLst>
-              <a:gd name="adj1" fmla="val 64910"/>
+              <a:gd name="adj1" fmla="val 63957"/>
             </a:avLst>
           </a:prstGeom>
           <a:ln w="28575" cap="flat" cmpd="sng" algn="ctr">
@@ -8401,7 +9175,7 @@
         </p:nvSpPr>
         <p:spPr>
           <a:xfrm>
-            <a:off x="1132349" y="4478855"/>
+            <a:off x="1042974" y="4478855"/>
             <a:ext cx="66001" cy="62611"/>
           </a:xfrm>
           <a:prstGeom prst="ellipse">
@@ -8457,7 +9231,7 @@
         </p:nvSpPr>
         <p:spPr>
           <a:xfrm>
-            <a:off x="1132349" y="4564115"/>
+            <a:off x="1042974" y="4564115"/>
             <a:ext cx="65999" cy="62611"/>
           </a:xfrm>
           <a:prstGeom prst="ellipse">
@@ -8513,7 +9287,7 @@
         </p:nvSpPr>
         <p:spPr>
           <a:xfrm>
-            <a:off x="1134442" y="4394803"/>
+            <a:off x="1045067" y="4394803"/>
             <a:ext cx="63907" cy="62006"/>
           </a:xfrm>
           <a:prstGeom prst="ellipse">
@@ -8569,7 +9343,7 @@
         </p:nvSpPr>
         <p:spPr>
           <a:xfrm>
-            <a:off x="1129460" y="3555854"/>
+            <a:off x="1040085" y="3555854"/>
             <a:ext cx="60924" cy="60637"/>
           </a:xfrm>
           <a:prstGeom prst="ellipse">
@@ -8625,7 +9399,7 @@
         </p:nvSpPr>
         <p:spPr>
           <a:xfrm>
-            <a:off x="1129460" y="3640510"/>
+            <a:off x="1040085" y="3640510"/>
             <a:ext cx="62006" cy="62006"/>
           </a:xfrm>
           <a:prstGeom prst="ellipse">
@@ -8681,7 +9455,7 @@
         </p:nvSpPr>
         <p:spPr>
           <a:xfrm>
-            <a:off x="1128378" y="3471197"/>
+            <a:off x="1039003" y="3471197"/>
             <a:ext cx="62006" cy="62006"/>
           </a:xfrm>
           <a:prstGeom prst="ellipse">
@@ -8737,8 +9511,8 @@
         </p:nvSpPr>
         <p:spPr>
           <a:xfrm>
-            <a:off x="3654265" y="2795931"/>
-            <a:ext cx="1249093" cy="531409"/>
+            <a:off x="3547171" y="2651341"/>
+            <a:ext cx="1249093" cy="814427"/>
           </a:xfrm>
           <a:prstGeom prst="flowChartDecision">
             <a:avLst/>
@@ -8786,8 +9560,8 @@
         </p:nvSpPr>
         <p:spPr>
           <a:xfrm>
-            <a:off x="3702366" y="2912883"/>
-            <a:ext cx="1089891" cy="276999"/>
+            <a:off x="3554620" y="2872777"/>
+            <a:ext cx="1247831" cy="307777"/>
           </a:xfrm>
           <a:prstGeom prst="rect">
             <a:avLst/>
@@ -8802,7 +9576,7 @@
           <a:p>
             <a:pPr algn="ctr"/>
             <a:r>
-              <a:rPr lang="en-US" sz="1200" b="1" dirty="0">
+              <a:rPr lang="en-US" sz="1400" b="1" dirty="0">
                 <a:latin typeface=""/>
                 <a:ea typeface="Tahoma" panose="020B0604030504040204" pitchFamily="34" charset="0"/>
                 <a:cs typeface="Tahoma" panose="020B0604030504040204" pitchFamily="34" charset="0"/>
@@ -8810,7 +9584,7 @@
               <a:t>Similarity</a:t>
             </a:r>
             <a:r>
-              <a:rPr lang="en-US" sz="1200" b="1" baseline="-25000" dirty="0">
+              <a:rPr lang="en-US" sz="1400" b="1" baseline="-25000" dirty="0">
                 <a:latin typeface=""/>
                 <a:ea typeface="Tahoma" panose="020B0604030504040204" pitchFamily="34" charset="0"/>
                 <a:cs typeface="Tahoma" panose="020B0604030504040204" pitchFamily="34" charset="0"/>
@@ -8834,8 +9608,8 @@
         </p:nvSpPr>
         <p:spPr>
           <a:xfrm>
-            <a:off x="3650285" y="4009203"/>
-            <a:ext cx="1249093" cy="531409"/>
+            <a:off x="3543191" y="3879613"/>
+            <a:ext cx="1249093" cy="788096"/>
           </a:xfrm>
           <a:prstGeom prst="flowChartDecision">
             <a:avLst/>
@@ -8883,8 +9657,8 @@
         </p:nvSpPr>
         <p:spPr>
           <a:xfrm>
-            <a:off x="3704855" y="4120800"/>
-            <a:ext cx="1087402" cy="276999"/>
+            <a:off x="3551772" y="4090320"/>
+            <a:ext cx="1240512" cy="307777"/>
           </a:xfrm>
           <a:prstGeom prst="rect">
             <a:avLst/>
@@ -8899,7 +9673,7 @@
           <a:p>
             <a:pPr algn="ctr"/>
             <a:r>
-              <a:rPr lang="en-US" sz="1200" b="1" dirty="0" err="1">
+              <a:rPr lang="en-US" sz="1400" b="1" dirty="0" err="1">
                 <a:latin typeface=""/>
                 <a:ea typeface="Tahoma" panose="020B0604030504040204" pitchFamily="34" charset="0"/>
                 <a:cs typeface="Tahoma" panose="020B0604030504040204" pitchFamily="34" charset="0"/>
@@ -8907,14 +9681,14 @@
               <a:t>Similarity</a:t>
             </a:r>
             <a:r>
-              <a:rPr lang="en-US" sz="1200" b="1" baseline="-25000" dirty="0" err="1">
+              <a:rPr lang="en-US" sz="1400" b="1" baseline="-25000" dirty="0" err="1">
                 <a:latin typeface=""/>
                 <a:ea typeface="Tahoma" panose="020B0604030504040204" pitchFamily="34" charset="0"/>
                 <a:cs typeface="Tahoma" panose="020B0604030504040204" pitchFamily="34" charset="0"/>
               </a:rPr>
               <a:t>r_h</a:t>
             </a:r>
-            <a:endParaRPr lang="en-US" sz="1200" b="1" baseline="-25000" dirty="0">
+            <a:endParaRPr lang="en-US" sz="1400" b="1" baseline="-25000" dirty="0">
               <a:latin typeface=""/>
               <a:ea typeface="Tahoma" panose="020B0604030504040204" pitchFamily="34" charset="0"/>
               <a:cs typeface="Tahoma" panose="020B0604030504040204" pitchFamily="34" charset="0"/>
@@ -8936,8 +9710,8 @@
         </p:nvSpPr>
         <p:spPr>
           <a:xfrm>
-            <a:off x="6349563" y="899424"/>
-            <a:ext cx="1333295" cy="692497"/>
+            <a:off x="6245388" y="899424"/>
+            <a:ext cx="1498911" cy="738664"/>
           </a:xfrm>
           <a:prstGeom prst="rect">
             <a:avLst/>
@@ -8952,7 +9726,7 @@
           <a:p>
             <a:pPr algn="ctr"/>
             <a:r>
-              <a:rPr lang="en-US" sz="1300" b="1" dirty="0">
+              <a:rPr lang="en-US" sz="1400" b="1" dirty="0">
                 <a:latin typeface=""/>
                 <a:ea typeface="Tahoma" panose="020B0604030504040204" pitchFamily="34" charset="0"/>
                 <a:cs typeface="Tahoma" panose="020B0604030504040204" pitchFamily="34" charset="0"/>
@@ -8960,14 +9734,14 @@
               <a:t>Generate Models Using OI</a:t>
             </a:r>
             <a:r>
-              <a:rPr lang="en-US" sz="1300" b="1" baseline="-25000" dirty="0">
+              <a:rPr lang="en-US" sz="1400" b="1" baseline="-25000" dirty="0">
                 <a:latin typeface=""/>
                 <a:ea typeface="Tahoma" panose="020B0604030504040204" pitchFamily="34" charset="0"/>
                 <a:cs typeface="Tahoma" panose="020B0604030504040204" pitchFamily="34" charset="0"/>
               </a:rPr>
               <a:t>HAPV</a:t>
             </a:r>
-            <a:endParaRPr lang="en-US" sz="1300" b="1" dirty="0">
+            <a:endParaRPr lang="en-US" sz="1400" b="1" dirty="0">
               <a:latin typeface=""/>
               <a:ea typeface="Tahoma" panose="020B0604030504040204" pitchFamily="34" charset="0"/>
               <a:cs typeface="Tahoma" panose="020B0604030504040204" pitchFamily="34" charset="0"/>
@@ -8989,8 +9763,8 @@
         </p:nvSpPr>
         <p:spPr>
           <a:xfrm>
-            <a:off x="1831238" y="4980003"/>
-            <a:ext cx="4207043" cy="276999"/>
+            <a:off x="1724144" y="4980003"/>
+            <a:ext cx="4207043" cy="307777"/>
           </a:xfrm>
           <a:prstGeom prst="rect">
             <a:avLst/>
@@ -9005,7 +9779,7 @@
           <a:p>
             <a:pPr algn="ctr"/>
             <a:r>
-              <a:rPr lang="en-US" sz="1200" i="1" dirty="0" err="1">
+              <a:rPr lang="en-US" sz="1400" i="1" dirty="0" err="1">
                 <a:latin typeface=""/>
                 <a:ea typeface="Tahoma" panose="020B0604030504040204" pitchFamily="34" charset="0"/>
                 <a:cs typeface="Tahoma" panose="020B0604030504040204" pitchFamily="34" charset="0"/>
@@ -9013,7 +9787,7 @@
               <a:t>i</a:t>
             </a:r>
             <a:r>
-              <a:rPr lang="en-US" sz="1200" dirty="0">
+              <a:rPr lang="en-US" sz="1400" dirty="0">
                 <a:latin typeface=""/>
                 <a:ea typeface="Tahoma" panose="020B0604030504040204" pitchFamily="34" charset="0"/>
                 <a:cs typeface="Tahoma" panose="020B0604030504040204" pitchFamily="34" charset="0"/>
@@ -9037,7 +9811,7 @@
         </p:nvSpPr>
         <p:spPr>
           <a:xfrm>
-            <a:off x="6803143" y="3863242"/>
+            <a:off x="6698968" y="3863242"/>
             <a:ext cx="80683" cy="73581"/>
           </a:xfrm>
           <a:prstGeom prst="ellipse">
@@ -9093,7 +9867,7 @@
         </p:nvSpPr>
         <p:spPr>
           <a:xfrm>
-            <a:off x="6803143" y="4012006"/>
+            <a:off x="6698968" y="4012006"/>
             <a:ext cx="80683" cy="73581"/>
           </a:xfrm>
           <a:prstGeom prst="ellipse">
@@ -9149,7 +9923,7 @@
         </p:nvSpPr>
         <p:spPr>
           <a:xfrm>
-            <a:off x="6803143" y="3716686"/>
+            <a:off x="6698968" y="3716686"/>
             <a:ext cx="80683" cy="73581"/>
           </a:xfrm>
           <a:prstGeom prst="ellipse">
@@ -9191,512 +9965,32 @@
           </a:p>
         </p:txBody>
       </p:sp>
-      <p:cxnSp>
-        <p:nvCxnSpPr>
-          <p:cNvPr id="506" name="Straight Arrow Connector 505">
-            <a:extLst>
-              <a:ext uri="{FF2B5EF4-FFF2-40B4-BE49-F238E27FC236}">
-                <a16:creationId xmlns:a16="http://schemas.microsoft.com/office/drawing/2014/main" id="{3D41F33F-0666-4492-BCD0-51E7298DCAA7}"/>
-              </a:ext>
-            </a:extLst>
-          </p:cNvPr>
-          <p:cNvCxnSpPr>
-            <a:cxnSpLocks/>
-            <a:stCxn id="81" idx="1"/>
-            <a:endCxn id="507" idx="1"/>
-          </p:cNvCxnSpPr>
-          <p:nvPr/>
-        </p:nvCxnSpPr>
-        <p:spPr>
-          <a:xfrm>
-            <a:off x="7214148" y="4756312"/>
-            <a:ext cx="217604" cy="321"/>
-          </a:xfrm>
-          <a:prstGeom prst="straightConnector1">
-            <a:avLst/>
-          </a:prstGeom>
-          <a:ln w="19050" cap="flat" cmpd="sng" algn="ctr">
-            <a:solidFill>
-              <a:schemeClr val="tx1"/>
-            </a:solidFill>
-            <a:prstDash val="solid"/>
-            <a:round/>
-            <a:headEnd type="none" w="med" len="med"/>
-            <a:tailEnd type="arrow" w="med" len="med"/>
+      <p:sp>
+        <p:nvSpPr>
+          <p:cNvPr id="103" name="Oval 102">
+            <a:extLst>
+              <a:ext uri="{FF2B5EF4-FFF2-40B4-BE49-F238E27FC236}">
+                <a16:creationId xmlns:a16="http://schemas.microsoft.com/office/drawing/2014/main" id="{F49A9E20-B821-F825-B8B1-AE8A9305F764}"/>
+              </a:ext>
+            </a:extLst>
+          </p:cNvPr>
+          <p:cNvSpPr/>
+          <p:nvPr/>
+        </p:nvSpPr>
+        <p:spPr>
+          <a:xfrm>
+            <a:off x="7498000" y="3863242"/>
+            <a:ext cx="80683" cy="73581"/>
+          </a:xfrm>
+          <a:prstGeom prst="ellipse">
+            <a:avLst/>
+          </a:prstGeom>
+          <a:solidFill>
+            <a:schemeClr val="tx1"/>
+          </a:solidFill>
+          <a:ln>
+            <a:noFill/>
           </a:ln>
-          <a:effectLst/>
-        </p:spPr>
-        <p:style>
-          <a:lnRef idx="2">
-            <a:schemeClr val="accent1"/>
-          </a:lnRef>
-          <a:fillRef idx="0">
-            <a:schemeClr val="accent1"/>
-          </a:fillRef>
-          <a:effectRef idx="1">
-            <a:schemeClr val="accent1"/>
-          </a:effectRef>
-          <a:fontRef idx="minor">
-            <a:schemeClr val="tx1"/>
-          </a:fontRef>
-        </p:style>
-      </p:cxnSp>
-      <p:sp>
-        <p:nvSpPr>
-          <p:cNvPr id="507" name="Rectangle 506">
-            <a:extLst>
-              <a:ext uri="{FF2B5EF4-FFF2-40B4-BE49-F238E27FC236}">
-                <a16:creationId xmlns:a16="http://schemas.microsoft.com/office/drawing/2014/main" id="{A8FF0C9B-EFD3-14DA-68B8-833CCB6BA4E2}"/>
-              </a:ext>
-            </a:extLst>
-          </p:cNvPr>
-          <p:cNvSpPr/>
-          <p:nvPr/>
-        </p:nvSpPr>
-        <p:spPr>
-          <a:xfrm>
-            <a:off x="7431752" y="4613072"/>
-            <a:ext cx="396543" cy="287121"/>
-          </a:xfrm>
-          <a:prstGeom prst="rect">
-            <a:avLst/>
-          </a:prstGeom>
-          <a:noFill/>
-          <a:ln w="19050"/>
-        </p:spPr>
-        <p:style>
-          <a:lnRef idx="2">
-            <a:schemeClr val="dk1"/>
-          </a:lnRef>
-          <a:fillRef idx="1">
-            <a:schemeClr val="lt1"/>
-          </a:fillRef>
-          <a:effectRef idx="0">
-            <a:schemeClr val="dk1"/>
-          </a:effectRef>
-          <a:fontRef idx="minor">
-            <a:schemeClr val="dk1"/>
-          </a:fontRef>
-        </p:style>
-        <p:txBody>
-          <a:bodyPr rtlCol="0" anchor="ctr"/>
-          <a:lstStyle/>
-          <a:p>
-            <a:pPr algn="ctr"/>
-            <a:r>
-              <a:rPr lang="en-US" sz="1600" i="1" dirty="0">
-                <a:latin typeface="Times New Roman" panose="02020603050405020304" pitchFamily="18" charset="0"/>
-                <a:ea typeface="Tahoma" panose="020B0604030504040204" pitchFamily="34" charset="0"/>
-                <a:cs typeface="Times New Roman" panose="02020603050405020304" pitchFamily="18" charset="0"/>
-              </a:rPr>
-              <a:t>l</a:t>
-            </a:r>
-            <a:r>
-              <a:rPr lang="en-US" sz="1600" i="1" baseline="-25000" dirty="0">
-                <a:latin typeface=""/>
-                <a:ea typeface="Tahoma" panose="020B0604030504040204" pitchFamily="34" charset="0"/>
-                <a:cs typeface="Tahoma" panose="020B0604030504040204" pitchFamily="34" charset="0"/>
-              </a:rPr>
-              <a:t>n</a:t>
-            </a:r>
-          </a:p>
-        </p:txBody>
-      </p:sp>
-      <p:sp>
-        <p:nvSpPr>
-          <p:cNvPr id="70" name="Can 69">
-            <a:extLst>
-              <a:ext uri="{FF2B5EF4-FFF2-40B4-BE49-F238E27FC236}">
-                <a16:creationId xmlns:a16="http://schemas.microsoft.com/office/drawing/2014/main" id="{BC8AD193-A11A-0D9F-636F-7C5C9DF55CA4}"/>
-              </a:ext>
-            </a:extLst>
-          </p:cNvPr>
-          <p:cNvSpPr/>
-          <p:nvPr/>
-        </p:nvSpPr>
-        <p:spPr>
-          <a:xfrm>
-            <a:off x="6674529" y="4637966"/>
-            <a:ext cx="352803" cy="282764"/>
-          </a:xfrm>
-          <a:prstGeom prst="can">
-            <a:avLst/>
-          </a:prstGeom>
-          <a:solidFill>
-            <a:srgbClr val="0070C0"/>
-          </a:solidFill>
-          <a:ln w="28575" cmpd="sng">
-            <a:solidFill>
-              <a:schemeClr val="tx1"/>
-            </a:solidFill>
-          </a:ln>
-          <a:effectLst/>
-        </p:spPr>
-        <p:style>
-          <a:lnRef idx="1">
-            <a:schemeClr val="accent1"/>
-          </a:lnRef>
-          <a:fillRef idx="3">
-            <a:schemeClr val="accent1"/>
-          </a:fillRef>
-          <a:effectRef idx="2">
-            <a:schemeClr val="accent1"/>
-          </a:effectRef>
-          <a:fontRef idx="minor">
-            <a:schemeClr val="lt1"/>
-          </a:fontRef>
-        </p:style>
-        <p:txBody>
-          <a:bodyPr rtlCol="0" anchor="ctr"/>
-          <a:lstStyle/>
-          <a:p>
-            <a:pPr algn="ctr"/>
-            <a:r>
-              <a:rPr lang="en-US" sz="1200" dirty="0">
-                <a:solidFill>
-                  <a:schemeClr val="bg1"/>
-                </a:solidFill>
-                <a:latin typeface=""/>
-                <a:ea typeface="Tahoma" panose="020B0604030504040204" pitchFamily="34" charset="0"/>
-                <a:cs typeface="Tahoma" panose="020B0604030504040204" pitchFamily="34" charset="0"/>
-              </a:rPr>
-              <a:t>S</a:t>
-            </a:r>
-            <a:r>
-              <a:rPr lang="en-US" sz="1200" baseline="-25000" dirty="0">
-                <a:solidFill>
-                  <a:schemeClr val="bg1"/>
-                </a:solidFill>
-                <a:latin typeface=""/>
-                <a:ea typeface="Tahoma" panose="020B0604030504040204" pitchFamily="34" charset="0"/>
-                <a:cs typeface="Tahoma" panose="020B0604030504040204" pitchFamily="34" charset="0"/>
-              </a:rPr>
-              <a:t>n</a:t>
-            </a:r>
-          </a:p>
-        </p:txBody>
-      </p:sp>
-      <p:sp>
-        <p:nvSpPr>
-          <p:cNvPr id="81" name="Card 80">
-            <a:extLst>
-              <a:ext uri="{FF2B5EF4-FFF2-40B4-BE49-F238E27FC236}">
-                <a16:creationId xmlns:a16="http://schemas.microsoft.com/office/drawing/2014/main" id="{2815B818-DA75-9EBD-06BE-83000F81CE69}"/>
-              </a:ext>
-            </a:extLst>
-          </p:cNvPr>
-          <p:cNvSpPr/>
-          <p:nvPr/>
-        </p:nvSpPr>
-        <p:spPr>
-          <a:xfrm flipH="1">
-            <a:off x="6468552" y="4457237"/>
-            <a:ext cx="745596" cy="598150"/>
-          </a:xfrm>
-          <a:prstGeom prst="flowChartPunchedCard">
-            <a:avLst/>
-          </a:prstGeom>
-          <a:noFill/>
-          <a:ln w="19050">
-            <a:solidFill>
-              <a:schemeClr val="tx1"/>
-            </a:solidFill>
-          </a:ln>
-          <a:effectLst/>
-        </p:spPr>
-        <p:style>
-          <a:lnRef idx="1">
-            <a:schemeClr val="accent1"/>
-          </a:lnRef>
-          <a:fillRef idx="3">
-            <a:schemeClr val="accent1"/>
-          </a:fillRef>
-          <a:effectRef idx="2">
-            <a:schemeClr val="accent1"/>
-          </a:effectRef>
-          <a:fontRef idx="minor">
-            <a:schemeClr val="lt1"/>
-          </a:fontRef>
-        </p:style>
-        <p:txBody>
-          <a:bodyPr rtlCol="0" anchor="ctr"/>
-          <a:lstStyle/>
-          <a:p>
-            <a:pPr algn="ctr"/>
-            <a:endParaRPr lang="en-US" sz="1400" dirty="0">
-              <a:solidFill>
-                <a:schemeClr val="tx1"/>
-              </a:solidFill>
-              <a:latin typeface=""/>
-              <a:ea typeface="Tahoma" panose="020B0604030504040204" pitchFamily="34" charset="0"/>
-              <a:cs typeface="Tahoma" panose="020B0604030504040204" pitchFamily="34" charset="0"/>
-            </a:endParaRPr>
-          </a:p>
-        </p:txBody>
-      </p:sp>
-      <p:sp>
-        <p:nvSpPr>
-          <p:cNvPr id="14" name="TextBox 13">
-            <a:extLst>
-              <a:ext uri="{FF2B5EF4-FFF2-40B4-BE49-F238E27FC236}">
-                <a16:creationId xmlns:a16="http://schemas.microsoft.com/office/drawing/2014/main" id="{8C6740A8-9A58-9170-B266-F49DD8244147}"/>
-              </a:ext>
-            </a:extLst>
-          </p:cNvPr>
-          <p:cNvSpPr txBox="1"/>
-          <p:nvPr/>
-        </p:nvSpPr>
-        <p:spPr>
-          <a:xfrm>
-            <a:off x="1923564" y="448362"/>
-            <a:ext cx="2160751" cy="276999"/>
-          </a:xfrm>
-          <a:prstGeom prst="rect">
-            <a:avLst/>
-          </a:prstGeom>
-          <a:noFill/>
-          <a:ln w="19050">
-            <a:solidFill>
-              <a:schemeClr val="tx1"/>
-            </a:solidFill>
-          </a:ln>
-        </p:spPr>
-        <p:txBody>
-          <a:bodyPr wrap="square">
-            <a:spAutoFit/>
-          </a:bodyPr>
-          <a:lstStyle/>
-          <a:p>
-            <a:pPr algn="ctr"/>
-            <a:r>
-              <a:rPr lang="en-US" sz="1200" dirty="0">
-                <a:latin typeface=""/>
-                <a:ea typeface="Tahoma" panose="020B0604030504040204" pitchFamily="34" charset="0"/>
-                <a:cs typeface="Tahoma" panose="020B0604030504040204" pitchFamily="34" charset="0"/>
-              </a:rPr>
-              <a:t>Original Implementation (OI)</a:t>
-            </a:r>
-          </a:p>
-        </p:txBody>
-      </p:sp>
-      <p:sp>
-        <p:nvSpPr>
-          <p:cNvPr id="15" name="TextBox 14">
-            <a:extLst>
-              <a:ext uri="{FF2B5EF4-FFF2-40B4-BE49-F238E27FC236}">
-                <a16:creationId xmlns:a16="http://schemas.microsoft.com/office/drawing/2014/main" id="{B5A01F6C-FAA1-900A-BAAC-0EF44BA56707}"/>
-              </a:ext>
-            </a:extLst>
-          </p:cNvPr>
-          <p:cNvSpPr txBox="1"/>
-          <p:nvPr/>
-        </p:nvSpPr>
-        <p:spPr>
-          <a:xfrm>
-            <a:off x="4200469" y="446650"/>
-            <a:ext cx="1153847" cy="276999"/>
-          </a:xfrm>
-          <a:prstGeom prst="rect">
-            <a:avLst/>
-          </a:prstGeom>
-          <a:noFill/>
-          <a:ln w="19050">
-            <a:solidFill>
-              <a:schemeClr val="tx1"/>
-            </a:solidFill>
-          </a:ln>
-        </p:spPr>
-        <p:txBody>
-          <a:bodyPr wrap="square">
-            <a:spAutoFit/>
-          </a:bodyPr>
-          <a:lstStyle/>
-          <a:p>
-            <a:pPr algn="ctr"/>
-            <a:r>
-              <a:rPr lang="en-US" sz="1200" dirty="0">
-                <a:latin typeface=""/>
-                <a:ea typeface="Tahoma" panose="020B0604030504040204" pitchFamily="34" charset="0"/>
-                <a:cs typeface="Tahoma" panose="020B0604030504040204" pitchFamily="34" charset="0"/>
-              </a:rPr>
-              <a:t>Validator</a:t>
-            </a:r>
-            <a:endParaRPr lang="en-US" sz="1300" dirty="0">
-              <a:latin typeface=""/>
-              <a:ea typeface="Tahoma" panose="020B0604030504040204" pitchFamily="34" charset="0"/>
-              <a:cs typeface="Tahoma" panose="020B0604030504040204" pitchFamily="34" charset="0"/>
-            </a:endParaRPr>
-          </a:p>
-        </p:txBody>
-      </p:sp>
-      <p:cxnSp>
-        <p:nvCxnSpPr>
-          <p:cNvPr id="45" name="Straight Arrow Connector 44">
-            <a:extLst>
-              <a:ext uri="{FF2B5EF4-FFF2-40B4-BE49-F238E27FC236}">
-                <a16:creationId xmlns:a16="http://schemas.microsoft.com/office/drawing/2014/main" id="{934E2B06-A75E-285D-1ACC-2B1CC22AB7F2}"/>
-              </a:ext>
-            </a:extLst>
-          </p:cNvPr>
-          <p:cNvCxnSpPr>
-            <a:cxnSpLocks/>
-            <a:stCxn id="508" idx="3"/>
-            <a:endCxn id="453" idx="1"/>
-          </p:cNvCxnSpPr>
-          <p:nvPr/>
-        </p:nvCxnSpPr>
-        <p:spPr>
-          <a:xfrm>
-            <a:off x="4903358" y="3061636"/>
-            <a:ext cx="232655" cy="1141"/>
-          </a:xfrm>
-          <a:prstGeom prst="straightConnector1">
-            <a:avLst/>
-          </a:prstGeom>
-          <a:ln w="28575" cap="flat" cmpd="sng" algn="ctr">
-            <a:solidFill>
-              <a:schemeClr val="tx1"/>
-            </a:solidFill>
-            <a:prstDash val="solid"/>
-            <a:round/>
-            <a:headEnd type="none" w="med" len="med"/>
-            <a:tailEnd type="arrow" w="med" len="med"/>
-          </a:ln>
-          <a:effectLst/>
-        </p:spPr>
-        <p:style>
-          <a:lnRef idx="2">
-            <a:schemeClr val="accent1"/>
-          </a:lnRef>
-          <a:fillRef idx="0">
-            <a:schemeClr val="accent1"/>
-          </a:fillRef>
-          <a:effectRef idx="1">
-            <a:schemeClr val="accent1"/>
-          </a:effectRef>
-          <a:fontRef idx="minor">
-            <a:schemeClr val="tx1"/>
-          </a:fontRef>
-        </p:style>
-      </p:cxnSp>
-      <p:cxnSp>
-        <p:nvCxnSpPr>
-          <p:cNvPr id="56" name="Straight Arrow Connector 55">
-            <a:extLst>
-              <a:ext uri="{FF2B5EF4-FFF2-40B4-BE49-F238E27FC236}">
-                <a16:creationId xmlns:a16="http://schemas.microsoft.com/office/drawing/2014/main" id="{40FEA2B7-56C5-CA5B-E5D2-60E2F20D265B}"/>
-              </a:ext>
-            </a:extLst>
-          </p:cNvPr>
-          <p:cNvCxnSpPr>
-            <a:cxnSpLocks/>
-            <a:stCxn id="15" idx="2"/>
-          </p:cNvCxnSpPr>
-          <p:nvPr/>
-        </p:nvCxnSpPr>
-        <p:spPr>
-          <a:xfrm>
-            <a:off x="4777393" y="723649"/>
-            <a:ext cx="0" cy="178507"/>
-          </a:xfrm>
-          <a:prstGeom prst="straightConnector1">
-            <a:avLst/>
-          </a:prstGeom>
-          <a:ln w="28575" cap="flat" cmpd="sng" algn="ctr">
-            <a:solidFill>
-              <a:schemeClr val="tx1"/>
-            </a:solidFill>
-            <a:prstDash val="solid"/>
-            <a:round/>
-            <a:headEnd type="none" w="med" len="med"/>
-            <a:tailEnd type="arrow" w="med" len="med"/>
-          </a:ln>
-          <a:effectLst/>
-        </p:spPr>
-        <p:style>
-          <a:lnRef idx="2">
-            <a:schemeClr val="accent1"/>
-          </a:lnRef>
-          <a:fillRef idx="0">
-            <a:schemeClr val="accent1"/>
-          </a:fillRef>
-          <a:effectRef idx="1">
-            <a:schemeClr val="accent1"/>
-          </a:effectRef>
-          <a:fontRef idx="minor">
-            <a:schemeClr val="tx1"/>
-          </a:fontRef>
-        </p:style>
-      </p:cxnSp>
-      <p:cxnSp>
-        <p:nvCxnSpPr>
-          <p:cNvPr id="450" name="Straight Arrow Connector 449">
-            <a:extLst>
-              <a:ext uri="{FF2B5EF4-FFF2-40B4-BE49-F238E27FC236}">
-                <a16:creationId xmlns:a16="http://schemas.microsoft.com/office/drawing/2014/main" id="{5872FBC8-00A6-F450-7C6E-6CB04B5D2A8F}"/>
-              </a:ext>
-            </a:extLst>
-          </p:cNvPr>
-          <p:cNvCxnSpPr>
-            <a:cxnSpLocks/>
-            <a:stCxn id="14" idx="2"/>
-          </p:cNvCxnSpPr>
-          <p:nvPr/>
-        </p:nvCxnSpPr>
-        <p:spPr>
-          <a:xfrm>
-            <a:off x="3003940" y="725361"/>
-            <a:ext cx="0" cy="176795"/>
-          </a:xfrm>
-          <a:prstGeom prst="straightConnector1">
-            <a:avLst/>
-          </a:prstGeom>
-          <a:ln w="28575" cap="flat" cmpd="sng" algn="ctr">
-            <a:solidFill>
-              <a:schemeClr val="tx1"/>
-            </a:solidFill>
-            <a:prstDash val="solid"/>
-            <a:round/>
-            <a:headEnd type="none" w="med" len="med"/>
-            <a:tailEnd type="arrow" w="med" len="med"/>
-          </a:ln>
-          <a:effectLst/>
-        </p:spPr>
-        <p:style>
-          <a:lnRef idx="2">
-            <a:schemeClr val="accent1"/>
-          </a:lnRef>
-          <a:fillRef idx="0">
-            <a:schemeClr val="accent1"/>
-          </a:fillRef>
-          <a:effectRef idx="1">
-            <a:schemeClr val="accent1"/>
-          </a:effectRef>
-          <a:fontRef idx="minor">
-            <a:schemeClr val="tx1"/>
-          </a:fontRef>
-        </p:style>
-      </p:cxnSp>
-      <p:sp>
-        <p:nvSpPr>
-          <p:cNvPr id="4" name="Right Arrow 3">
-            <a:extLst>
-              <a:ext uri="{FF2B5EF4-FFF2-40B4-BE49-F238E27FC236}">
-                <a16:creationId xmlns:a16="http://schemas.microsoft.com/office/drawing/2014/main" id="{A8147DDC-9B54-ADEC-65F7-B64ADC4B3240}"/>
-              </a:ext>
-            </a:extLst>
-          </p:cNvPr>
-          <p:cNvSpPr/>
-          <p:nvPr/>
-        </p:nvSpPr>
-        <p:spPr>
-          <a:xfrm>
-            <a:off x="1525449" y="2725068"/>
-            <a:ext cx="288796" cy="468085"/>
-          </a:xfrm>
-          <a:prstGeom prst="rightArrow">
-            <a:avLst/>
-          </a:prstGeom>
         </p:spPr>
         <p:style>
           <a:lnRef idx="2">
@@ -9719,25 +10013,20 @@
           <a:lstStyle/>
           <a:p>
             <a:pPr algn="ctr"/>
-            <a:endParaRPr lang="en-US">
-              <a:ln>
-                <a:solidFill>
-                  <a:sysClr val="windowText" lastClr="000000"/>
-                </a:solidFill>
-              </a:ln>
-              <a:solidFill>
-                <a:sysClr val="windowText" lastClr="000000"/>
-              </a:solidFill>
+            <a:endParaRPr lang="en-US" sz="1200">
+              <a:latin typeface=""/>
+              <a:ea typeface="Tahoma" panose="020B0604030504040204" pitchFamily="34" charset="0"/>
+              <a:cs typeface="Tahoma" panose="020B0604030504040204" pitchFamily="34" charset="0"/>
             </a:endParaRPr>
           </a:p>
         </p:txBody>
       </p:sp>
       <p:sp>
         <p:nvSpPr>
-          <p:cNvPr id="16" name="Right Arrow 15">
-            <a:extLst>
-              <a:ext uri="{FF2B5EF4-FFF2-40B4-BE49-F238E27FC236}">
-                <a16:creationId xmlns:a16="http://schemas.microsoft.com/office/drawing/2014/main" id="{B400B1F8-AABE-921D-E6DF-9749A4A7CCA7}"/>
+          <p:cNvPr id="104" name="Oval 103">
+            <a:extLst>
+              <a:ext uri="{FF2B5EF4-FFF2-40B4-BE49-F238E27FC236}">
+                <a16:creationId xmlns:a16="http://schemas.microsoft.com/office/drawing/2014/main" id="{BC4DBED8-5D7E-AF8B-880A-2C59B3840EEA}"/>
               </a:ext>
             </a:extLst>
           </p:cNvPr>
@@ -9746,12 +10035,18 @@
         </p:nvSpPr>
         <p:spPr>
           <a:xfrm>
-            <a:off x="5992490" y="2733191"/>
-            <a:ext cx="288796" cy="468085"/>
-          </a:xfrm>
-          <a:prstGeom prst="rightArrow">
-            <a:avLst/>
-          </a:prstGeom>
+            <a:off x="7498000" y="4012006"/>
+            <a:ext cx="80683" cy="73581"/>
+          </a:xfrm>
+          <a:prstGeom prst="ellipse">
+            <a:avLst/>
+          </a:prstGeom>
+          <a:solidFill>
+            <a:schemeClr val="tx1"/>
+          </a:solidFill>
+          <a:ln>
+            <a:noFill/>
+          </a:ln>
         </p:spPr>
         <p:style>
           <a:lnRef idx="2">
@@ -9774,73 +10069,20 @@
           <a:lstStyle/>
           <a:p>
             <a:pPr algn="ctr"/>
-            <a:endParaRPr lang="en-US">
-              <a:ln>
-                <a:solidFill>
-                  <a:sysClr val="windowText" lastClr="000000"/>
-                </a:solidFill>
-              </a:ln>
-              <a:solidFill>
-                <a:sysClr val="windowText" lastClr="000000"/>
-              </a:solidFill>
+            <a:endParaRPr lang="en-US" sz="1200">
+              <a:latin typeface=""/>
+              <a:ea typeface="Tahoma" panose="020B0604030504040204" pitchFamily="34" charset="0"/>
+              <a:cs typeface="Tahoma" panose="020B0604030504040204" pitchFamily="34" charset="0"/>
             </a:endParaRPr>
           </a:p>
         </p:txBody>
       </p:sp>
       <p:sp>
         <p:nvSpPr>
-          <p:cNvPr id="46" name="TextBox 45">
-            <a:extLst>
-              <a:ext uri="{FF2B5EF4-FFF2-40B4-BE49-F238E27FC236}">
-                <a16:creationId xmlns:a16="http://schemas.microsoft.com/office/drawing/2014/main" id="{BDF0E088-F5AB-4A93-938A-B2A47ECAE7AC}"/>
-              </a:ext>
-            </a:extLst>
-          </p:cNvPr>
-          <p:cNvSpPr txBox="1"/>
-          <p:nvPr/>
-        </p:nvSpPr>
-        <p:spPr>
-          <a:xfrm>
-            <a:off x="6289465" y="5483373"/>
-            <a:ext cx="1730562" cy="276999"/>
-          </a:xfrm>
-          <a:prstGeom prst="rect">
-            <a:avLst/>
-          </a:prstGeom>
-          <a:noFill/>
-        </p:spPr>
-        <p:txBody>
-          <a:bodyPr wrap="square">
-            <a:spAutoFit/>
-          </a:bodyPr>
-          <a:lstStyle/>
-          <a:p>
-            <a:pPr algn="ctr"/>
-            <a:r>
-              <a:rPr lang="en-US" sz="1200" i="1" dirty="0">
-                <a:latin typeface=""/>
-                <a:ea typeface="Tahoma" panose="020B0604030504040204" pitchFamily="34" charset="0"/>
-                <a:cs typeface="Tahoma" panose="020B0604030504040204" pitchFamily="34" charset="0"/>
-              </a:rPr>
-              <a:t>n</a:t>
-            </a:r>
-            <a:r>
-              <a:rPr lang="en-US" sz="1200" dirty="0">
-                <a:latin typeface=""/>
-                <a:ea typeface="Tahoma" panose="020B0604030504040204" pitchFamily="34" charset="0"/>
-                <a:cs typeface="Tahoma" panose="020B0604030504040204" pitchFamily="34" charset="0"/>
-              </a:rPr>
-              <a:t>-way parallelism</a:t>
-            </a:r>
-          </a:p>
-        </p:txBody>
-      </p:sp>
-      <p:sp>
-        <p:nvSpPr>
-          <p:cNvPr id="28" name="Right Arrow 27">
-            <a:extLst>
-              <a:ext uri="{FF2B5EF4-FFF2-40B4-BE49-F238E27FC236}">
-                <a16:creationId xmlns:a16="http://schemas.microsoft.com/office/drawing/2014/main" id="{58959547-94DB-D6E2-AB88-968514FCC663}"/>
+          <p:cNvPr id="105" name="Oval 104">
+            <a:extLst>
+              <a:ext uri="{FF2B5EF4-FFF2-40B4-BE49-F238E27FC236}">
+                <a16:creationId xmlns:a16="http://schemas.microsoft.com/office/drawing/2014/main" id="{4E02FDAD-6088-A9B3-AFD5-6B8F47F8B5CD}"/>
               </a:ext>
             </a:extLst>
           </p:cNvPr>
@@ -9849,12 +10091,18 @@
         </p:nvSpPr>
         <p:spPr>
           <a:xfrm>
-            <a:off x="8028205" y="2743832"/>
-            <a:ext cx="288796" cy="468085"/>
-          </a:xfrm>
-          <a:prstGeom prst="rightArrow">
-            <a:avLst/>
-          </a:prstGeom>
+            <a:off x="7498000" y="3716686"/>
+            <a:ext cx="80683" cy="73581"/>
+          </a:xfrm>
+          <a:prstGeom prst="ellipse">
+            <a:avLst/>
+          </a:prstGeom>
+          <a:solidFill>
+            <a:schemeClr val="tx1"/>
+          </a:solidFill>
+          <a:ln>
+            <a:noFill/>
+          </a:ln>
         </p:spPr>
         <p:style>
           <a:lnRef idx="2">
@@ -9877,6 +10125,1431 @@
           <a:lstStyle/>
           <a:p>
             <a:pPr algn="ctr"/>
+            <a:endParaRPr lang="en-US" sz="1200">
+              <a:latin typeface=""/>
+              <a:ea typeface="Tahoma" panose="020B0604030504040204" pitchFamily="34" charset="0"/>
+              <a:cs typeface="Tahoma" panose="020B0604030504040204" pitchFamily="34" charset="0"/>
+            </a:endParaRPr>
+          </a:p>
+        </p:txBody>
+      </p:sp>
+      <p:sp>
+        <p:nvSpPr>
+          <p:cNvPr id="106" name="Oval 105">
+            <a:extLst>
+              <a:ext uri="{FF2B5EF4-FFF2-40B4-BE49-F238E27FC236}">
+                <a16:creationId xmlns:a16="http://schemas.microsoft.com/office/drawing/2014/main" id="{A713E234-E375-C191-8184-28AC91232BEC}"/>
+              </a:ext>
+            </a:extLst>
+          </p:cNvPr>
+          <p:cNvSpPr/>
+          <p:nvPr/>
+        </p:nvSpPr>
+        <p:spPr>
+          <a:xfrm>
+            <a:off x="8585797" y="3855827"/>
+            <a:ext cx="80683" cy="73581"/>
+          </a:xfrm>
+          <a:prstGeom prst="ellipse">
+            <a:avLst/>
+          </a:prstGeom>
+          <a:solidFill>
+            <a:schemeClr val="tx1"/>
+          </a:solidFill>
+          <a:ln>
+            <a:noFill/>
+          </a:ln>
+        </p:spPr>
+        <p:style>
+          <a:lnRef idx="2">
+            <a:schemeClr val="dk1">
+              <a:shade val="15000"/>
+            </a:schemeClr>
+          </a:lnRef>
+          <a:fillRef idx="1">
+            <a:schemeClr val="dk1"/>
+          </a:fillRef>
+          <a:effectRef idx="0">
+            <a:schemeClr val="dk1"/>
+          </a:effectRef>
+          <a:fontRef idx="minor">
+            <a:schemeClr val="lt1"/>
+          </a:fontRef>
+        </p:style>
+        <p:txBody>
+          <a:bodyPr rtlCol="0" anchor="ctr"/>
+          <a:lstStyle/>
+          <a:p>
+            <a:pPr algn="ctr"/>
+            <a:endParaRPr lang="en-US" sz="1200">
+              <a:latin typeface=""/>
+              <a:ea typeface="Tahoma" panose="020B0604030504040204" pitchFamily="34" charset="0"/>
+              <a:cs typeface="Tahoma" panose="020B0604030504040204" pitchFamily="34" charset="0"/>
+            </a:endParaRPr>
+          </a:p>
+        </p:txBody>
+      </p:sp>
+      <p:sp>
+        <p:nvSpPr>
+          <p:cNvPr id="107" name="Oval 106">
+            <a:extLst>
+              <a:ext uri="{FF2B5EF4-FFF2-40B4-BE49-F238E27FC236}">
+                <a16:creationId xmlns:a16="http://schemas.microsoft.com/office/drawing/2014/main" id="{6ED7A977-AD5E-D1A7-B660-4B21984B1C2C}"/>
+              </a:ext>
+            </a:extLst>
+          </p:cNvPr>
+          <p:cNvSpPr/>
+          <p:nvPr/>
+        </p:nvSpPr>
+        <p:spPr>
+          <a:xfrm>
+            <a:off x="8585797" y="4004591"/>
+            <a:ext cx="80683" cy="73581"/>
+          </a:xfrm>
+          <a:prstGeom prst="ellipse">
+            <a:avLst/>
+          </a:prstGeom>
+          <a:solidFill>
+            <a:schemeClr val="tx1"/>
+          </a:solidFill>
+          <a:ln>
+            <a:noFill/>
+          </a:ln>
+        </p:spPr>
+        <p:style>
+          <a:lnRef idx="2">
+            <a:schemeClr val="dk1">
+              <a:shade val="15000"/>
+            </a:schemeClr>
+          </a:lnRef>
+          <a:fillRef idx="1">
+            <a:schemeClr val="dk1"/>
+          </a:fillRef>
+          <a:effectRef idx="0">
+            <a:schemeClr val="dk1"/>
+          </a:effectRef>
+          <a:fontRef idx="minor">
+            <a:schemeClr val="lt1"/>
+          </a:fontRef>
+        </p:style>
+        <p:txBody>
+          <a:bodyPr rtlCol="0" anchor="ctr"/>
+          <a:lstStyle/>
+          <a:p>
+            <a:pPr algn="ctr"/>
+            <a:endParaRPr lang="en-US" sz="1200">
+              <a:latin typeface=""/>
+              <a:ea typeface="Tahoma" panose="020B0604030504040204" pitchFamily="34" charset="0"/>
+              <a:cs typeface="Tahoma" panose="020B0604030504040204" pitchFamily="34" charset="0"/>
+            </a:endParaRPr>
+          </a:p>
+        </p:txBody>
+      </p:sp>
+      <p:sp>
+        <p:nvSpPr>
+          <p:cNvPr id="108" name="Oval 107">
+            <a:extLst>
+              <a:ext uri="{FF2B5EF4-FFF2-40B4-BE49-F238E27FC236}">
+                <a16:creationId xmlns:a16="http://schemas.microsoft.com/office/drawing/2014/main" id="{362860FC-22B5-8E7C-41D3-BD39F3895F49}"/>
+              </a:ext>
+            </a:extLst>
+          </p:cNvPr>
+          <p:cNvSpPr/>
+          <p:nvPr/>
+        </p:nvSpPr>
+        <p:spPr>
+          <a:xfrm>
+            <a:off x="8585797" y="3709271"/>
+            <a:ext cx="80683" cy="73581"/>
+          </a:xfrm>
+          <a:prstGeom prst="ellipse">
+            <a:avLst/>
+          </a:prstGeom>
+          <a:solidFill>
+            <a:schemeClr val="tx1"/>
+          </a:solidFill>
+          <a:ln>
+            <a:noFill/>
+          </a:ln>
+        </p:spPr>
+        <p:style>
+          <a:lnRef idx="2">
+            <a:schemeClr val="dk1">
+              <a:shade val="15000"/>
+            </a:schemeClr>
+          </a:lnRef>
+          <a:fillRef idx="1">
+            <a:schemeClr val="dk1"/>
+          </a:fillRef>
+          <a:effectRef idx="0">
+            <a:schemeClr val="dk1"/>
+          </a:effectRef>
+          <a:fontRef idx="minor">
+            <a:schemeClr val="lt1"/>
+          </a:fontRef>
+        </p:style>
+        <p:txBody>
+          <a:bodyPr rtlCol="0" anchor="ctr"/>
+          <a:lstStyle/>
+          <a:p>
+            <a:pPr algn="ctr"/>
+            <a:endParaRPr lang="en-US" sz="1200">
+              <a:latin typeface=""/>
+              <a:ea typeface="Tahoma" panose="020B0604030504040204" pitchFamily="34" charset="0"/>
+              <a:cs typeface="Tahoma" panose="020B0604030504040204" pitchFamily="34" charset="0"/>
+            </a:endParaRPr>
+          </a:p>
+        </p:txBody>
+      </p:sp>
+      <p:sp>
+        <p:nvSpPr>
+          <p:cNvPr id="112" name="Oval 111">
+            <a:extLst>
+              <a:ext uri="{FF2B5EF4-FFF2-40B4-BE49-F238E27FC236}">
+                <a16:creationId xmlns:a16="http://schemas.microsoft.com/office/drawing/2014/main" id="{57789AB4-520F-5F08-7B9E-9F8D58C92918}"/>
+              </a:ext>
+            </a:extLst>
+          </p:cNvPr>
+          <p:cNvSpPr/>
+          <p:nvPr/>
+        </p:nvSpPr>
+        <p:spPr>
+          <a:xfrm>
+            <a:off x="9766290" y="3863242"/>
+            <a:ext cx="80683" cy="73581"/>
+          </a:xfrm>
+          <a:prstGeom prst="ellipse">
+            <a:avLst/>
+          </a:prstGeom>
+          <a:solidFill>
+            <a:schemeClr val="tx1"/>
+          </a:solidFill>
+          <a:ln>
+            <a:noFill/>
+          </a:ln>
+        </p:spPr>
+        <p:style>
+          <a:lnRef idx="2">
+            <a:schemeClr val="dk1">
+              <a:shade val="15000"/>
+            </a:schemeClr>
+          </a:lnRef>
+          <a:fillRef idx="1">
+            <a:schemeClr val="dk1"/>
+          </a:fillRef>
+          <a:effectRef idx="0">
+            <a:schemeClr val="dk1"/>
+          </a:effectRef>
+          <a:fontRef idx="minor">
+            <a:schemeClr val="lt1"/>
+          </a:fontRef>
+        </p:style>
+        <p:txBody>
+          <a:bodyPr rtlCol="0" anchor="ctr"/>
+          <a:lstStyle/>
+          <a:p>
+            <a:pPr algn="ctr"/>
+            <a:endParaRPr lang="en-US" sz="1200">
+              <a:latin typeface=""/>
+              <a:ea typeface="Tahoma" panose="020B0604030504040204" pitchFamily="34" charset="0"/>
+              <a:cs typeface="Tahoma" panose="020B0604030504040204" pitchFamily="34" charset="0"/>
+            </a:endParaRPr>
+          </a:p>
+        </p:txBody>
+      </p:sp>
+      <p:sp>
+        <p:nvSpPr>
+          <p:cNvPr id="113" name="Oval 112">
+            <a:extLst>
+              <a:ext uri="{FF2B5EF4-FFF2-40B4-BE49-F238E27FC236}">
+                <a16:creationId xmlns:a16="http://schemas.microsoft.com/office/drawing/2014/main" id="{AC2AA9CB-A535-E6ED-5930-6A52D53A7495}"/>
+              </a:ext>
+            </a:extLst>
+          </p:cNvPr>
+          <p:cNvSpPr/>
+          <p:nvPr/>
+        </p:nvSpPr>
+        <p:spPr>
+          <a:xfrm>
+            <a:off x="9766290" y="4012006"/>
+            <a:ext cx="80683" cy="73581"/>
+          </a:xfrm>
+          <a:prstGeom prst="ellipse">
+            <a:avLst/>
+          </a:prstGeom>
+          <a:solidFill>
+            <a:schemeClr val="tx1"/>
+          </a:solidFill>
+          <a:ln>
+            <a:noFill/>
+          </a:ln>
+        </p:spPr>
+        <p:style>
+          <a:lnRef idx="2">
+            <a:schemeClr val="dk1">
+              <a:shade val="15000"/>
+            </a:schemeClr>
+          </a:lnRef>
+          <a:fillRef idx="1">
+            <a:schemeClr val="dk1"/>
+          </a:fillRef>
+          <a:effectRef idx="0">
+            <a:schemeClr val="dk1"/>
+          </a:effectRef>
+          <a:fontRef idx="minor">
+            <a:schemeClr val="lt1"/>
+          </a:fontRef>
+        </p:style>
+        <p:txBody>
+          <a:bodyPr rtlCol="0" anchor="ctr"/>
+          <a:lstStyle/>
+          <a:p>
+            <a:pPr algn="ctr"/>
+            <a:endParaRPr lang="en-US" sz="1200">
+              <a:latin typeface=""/>
+              <a:ea typeface="Tahoma" panose="020B0604030504040204" pitchFamily="34" charset="0"/>
+              <a:cs typeface="Tahoma" panose="020B0604030504040204" pitchFamily="34" charset="0"/>
+            </a:endParaRPr>
+          </a:p>
+        </p:txBody>
+      </p:sp>
+      <p:sp>
+        <p:nvSpPr>
+          <p:cNvPr id="114" name="Oval 113">
+            <a:extLst>
+              <a:ext uri="{FF2B5EF4-FFF2-40B4-BE49-F238E27FC236}">
+                <a16:creationId xmlns:a16="http://schemas.microsoft.com/office/drawing/2014/main" id="{D32A9209-0C63-92B5-4DEB-25B41E29A35B}"/>
+              </a:ext>
+            </a:extLst>
+          </p:cNvPr>
+          <p:cNvSpPr/>
+          <p:nvPr/>
+        </p:nvSpPr>
+        <p:spPr>
+          <a:xfrm>
+            <a:off x="9766290" y="3716686"/>
+            <a:ext cx="80683" cy="73581"/>
+          </a:xfrm>
+          <a:prstGeom prst="ellipse">
+            <a:avLst/>
+          </a:prstGeom>
+          <a:solidFill>
+            <a:schemeClr val="tx1"/>
+          </a:solidFill>
+          <a:ln>
+            <a:noFill/>
+          </a:ln>
+        </p:spPr>
+        <p:style>
+          <a:lnRef idx="2">
+            <a:schemeClr val="dk1">
+              <a:shade val="15000"/>
+            </a:schemeClr>
+          </a:lnRef>
+          <a:fillRef idx="1">
+            <a:schemeClr val="dk1"/>
+          </a:fillRef>
+          <a:effectRef idx="0">
+            <a:schemeClr val="dk1"/>
+          </a:effectRef>
+          <a:fontRef idx="minor">
+            <a:schemeClr val="lt1"/>
+          </a:fontRef>
+        </p:style>
+        <p:txBody>
+          <a:bodyPr rtlCol="0" anchor="ctr"/>
+          <a:lstStyle/>
+          <a:p>
+            <a:pPr algn="ctr"/>
+            <a:endParaRPr lang="en-US" sz="1200">
+              <a:latin typeface=""/>
+              <a:ea typeface="Tahoma" panose="020B0604030504040204" pitchFamily="34" charset="0"/>
+              <a:cs typeface="Tahoma" panose="020B0604030504040204" pitchFamily="34" charset="0"/>
+            </a:endParaRPr>
+          </a:p>
+        </p:txBody>
+      </p:sp>
+      <p:sp>
+        <p:nvSpPr>
+          <p:cNvPr id="505" name="Rectangle 504">
+            <a:extLst>
+              <a:ext uri="{FF2B5EF4-FFF2-40B4-BE49-F238E27FC236}">
+                <a16:creationId xmlns:a16="http://schemas.microsoft.com/office/drawing/2014/main" id="{CF9953E2-D9BC-A300-D1CA-4B0BBAB2CAF7}"/>
+              </a:ext>
+            </a:extLst>
+          </p:cNvPr>
+          <p:cNvSpPr/>
+          <p:nvPr/>
+        </p:nvSpPr>
+        <p:spPr>
+          <a:xfrm>
+            <a:off x="8942870" y="4609043"/>
+            <a:ext cx="1536944" cy="292230"/>
+          </a:xfrm>
+          <a:prstGeom prst="rect">
+            <a:avLst/>
+          </a:prstGeom>
+          <a:noFill/>
+          <a:ln w="19050"/>
+        </p:spPr>
+        <p:style>
+          <a:lnRef idx="2">
+            <a:schemeClr val="dk1"/>
+          </a:lnRef>
+          <a:fillRef idx="1">
+            <a:schemeClr val="lt1"/>
+          </a:fillRef>
+          <a:effectRef idx="0">
+            <a:schemeClr val="dk1"/>
+          </a:effectRef>
+          <a:fontRef idx="minor">
+            <a:schemeClr val="dk1"/>
+          </a:fontRef>
+        </p:style>
+        <p:txBody>
+          <a:bodyPr rtlCol="0" anchor="ctr"/>
+          <a:lstStyle/>
+          <a:p>
+            <a:pPr algn="ctr"/>
+            <a:r>
+              <a:rPr lang="en-US" sz="1400" dirty="0">
+                <a:latin typeface=""/>
+                <a:ea typeface="Tahoma" panose="020B0604030504040204" pitchFamily="34" charset="0"/>
+                <a:cs typeface="Tahoma" panose="020B0604030504040204" pitchFamily="34" charset="0"/>
+              </a:rPr>
+              <a:t>[…,</a:t>
+            </a:r>
+            <a:r>
+              <a:rPr lang="en-US" sz="1400" i="1" dirty="0">
+                <a:latin typeface="Times New Roman" panose="02020603050405020304" pitchFamily="18" charset="0"/>
+                <a:ea typeface="Tahoma" panose="020B0604030504040204" pitchFamily="34" charset="0"/>
+                <a:cs typeface="Times New Roman" panose="02020603050405020304" pitchFamily="18" charset="0"/>
+              </a:rPr>
+              <a:t> </a:t>
+            </a:r>
+            <a:r>
+              <a:rPr lang="en-US" sz="1400" i="1" dirty="0" err="1">
+                <a:latin typeface="Times New Roman" panose="02020603050405020304" pitchFamily="18" charset="0"/>
+                <a:ea typeface="Tahoma" panose="020B0604030504040204" pitchFamily="34" charset="0"/>
+                <a:cs typeface="Times New Roman" panose="02020603050405020304" pitchFamily="18" charset="0"/>
+              </a:rPr>
+              <a:t>l</a:t>
+            </a:r>
+            <a:r>
+              <a:rPr lang="en-US" sz="1400" baseline="-25000" dirty="0" err="1">
+                <a:latin typeface=""/>
+                <a:ea typeface="Tahoma" panose="020B0604030504040204" pitchFamily="34" charset="0"/>
+                <a:cs typeface="Tahoma" panose="020B0604030504040204" pitchFamily="34" charset="0"/>
+              </a:rPr>
+              <a:t>Sn_Mm</a:t>
+            </a:r>
+            <a:r>
+              <a:rPr lang="en-US" sz="1400" dirty="0">
+                <a:latin typeface=""/>
+                <a:ea typeface="Tahoma" panose="020B0604030504040204" pitchFamily="34" charset="0"/>
+                <a:cs typeface="Tahoma" panose="020B0604030504040204" pitchFamily="34" charset="0"/>
+              </a:rPr>
+              <a:t>,</a:t>
+            </a:r>
+            <a:r>
+              <a:rPr lang="en-US" sz="1400" i="1" dirty="0">
+                <a:latin typeface="Times New Roman" panose="02020603050405020304" pitchFamily="18" charset="0"/>
+                <a:ea typeface="Tahoma" panose="020B0604030504040204" pitchFamily="34" charset="0"/>
+                <a:cs typeface="Times New Roman" panose="02020603050405020304" pitchFamily="18" charset="0"/>
+              </a:rPr>
+              <a:t> </a:t>
+            </a:r>
+            <a:r>
+              <a:rPr lang="en-US" sz="1400" i="1" dirty="0" err="1">
+                <a:latin typeface="Times New Roman" panose="02020603050405020304" pitchFamily="18" charset="0"/>
+                <a:ea typeface="Tahoma" panose="020B0604030504040204" pitchFamily="34" charset="0"/>
+                <a:cs typeface="Times New Roman" panose="02020603050405020304" pitchFamily="18" charset="0"/>
+              </a:rPr>
+              <a:t>l</a:t>
+            </a:r>
+            <a:r>
+              <a:rPr lang="en-US" sz="1400" baseline="-25000" dirty="0" err="1">
+                <a:latin typeface=""/>
+                <a:ea typeface="Tahoma" panose="020B0604030504040204" pitchFamily="34" charset="0"/>
+                <a:cs typeface="Tahoma" panose="020B0604030504040204" pitchFamily="34" charset="0"/>
+              </a:rPr>
+              <a:t>Sn_Mn</a:t>
+            </a:r>
+            <a:r>
+              <a:rPr lang="en-US" sz="1400" dirty="0">
+                <a:latin typeface=""/>
+                <a:ea typeface="Tahoma" panose="020B0604030504040204" pitchFamily="34" charset="0"/>
+                <a:cs typeface="Tahoma" panose="020B0604030504040204" pitchFamily="34" charset="0"/>
+              </a:rPr>
+              <a:t>]</a:t>
+            </a:r>
+          </a:p>
+        </p:txBody>
+      </p:sp>
+      <p:cxnSp>
+        <p:nvCxnSpPr>
+          <p:cNvPr id="506" name="Straight Arrow Connector 505">
+            <a:extLst>
+              <a:ext uri="{FF2B5EF4-FFF2-40B4-BE49-F238E27FC236}">
+                <a16:creationId xmlns:a16="http://schemas.microsoft.com/office/drawing/2014/main" id="{3D41F33F-0666-4492-BCD0-51E7298DCAA7}"/>
+              </a:ext>
+            </a:extLst>
+          </p:cNvPr>
+          <p:cNvCxnSpPr>
+            <a:cxnSpLocks/>
+            <a:stCxn id="505" idx="3"/>
+            <a:endCxn id="507" idx="1"/>
+          </p:cNvCxnSpPr>
+          <p:nvPr/>
+        </p:nvCxnSpPr>
+        <p:spPr>
+          <a:xfrm>
+            <a:off x="10479814" y="4755158"/>
+            <a:ext cx="135242" cy="1475"/>
+          </a:xfrm>
+          <a:prstGeom prst="straightConnector1">
+            <a:avLst/>
+          </a:prstGeom>
+          <a:ln w="19050" cap="flat" cmpd="sng" algn="ctr">
+            <a:solidFill>
+              <a:schemeClr val="tx1"/>
+            </a:solidFill>
+            <a:prstDash val="solid"/>
+            <a:round/>
+            <a:headEnd type="none" w="med" len="med"/>
+            <a:tailEnd type="arrow" w="med" len="med"/>
+          </a:ln>
+          <a:effectLst/>
+        </p:spPr>
+        <p:style>
+          <a:lnRef idx="2">
+            <a:schemeClr val="accent1"/>
+          </a:lnRef>
+          <a:fillRef idx="0">
+            <a:schemeClr val="accent1"/>
+          </a:fillRef>
+          <a:effectRef idx="1">
+            <a:schemeClr val="accent1"/>
+          </a:effectRef>
+          <a:fontRef idx="minor">
+            <a:schemeClr val="tx1"/>
+          </a:fontRef>
+        </p:style>
+      </p:cxnSp>
+      <p:sp>
+        <p:nvSpPr>
+          <p:cNvPr id="507" name="Rectangle 506">
+            <a:extLst>
+              <a:ext uri="{FF2B5EF4-FFF2-40B4-BE49-F238E27FC236}">
+                <a16:creationId xmlns:a16="http://schemas.microsoft.com/office/drawing/2014/main" id="{A8FF0C9B-EFD3-14DA-68B8-833CCB6BA4E2}"/>
+              </a:ext>
+            </a:extLst>
+          </p:cNvPr>
+          <p:cNvSpPr/>
+          <p:nvPr/>
+        </p:nvSpPr>
+        <p:spPr>
+          <a:xfrm>
+            <a:off x="10615056" y="4613072"/>
+            <a:ext cx="396543" cy="287121"/>
+          </a:xfrm>
+          <a:prstGeom prst="rect">
+            <a:avLst/>
+          </a:prstGeom>
+          <a:noFill/>
+          <a:ln w="19050"/>
+        </p:spPr>
+        <p:style>
+          <a:lnRef idx="2">
+            <a:schemeClr val="dk1"/>
+          </a:lnRef>
+          <a:fillRef idx="1">
+            <a:schemeClr val="lt1"/>
+          </a:fillRef>
+          <a:effectRef idx="0">
+            <a:schemeClr val="dk1"/>
+          </a:effectRef>
+          <a:fontRef idx="minor">
+            <a:schemeClr val="dk1"/>
+          </a:fontRef>
+        </p:style>
+        <p:txBody>
+          <a:bodyPr rtlCol="0" anchor="ctr"/>
+          <a:lstStyle/>
+          <a:p>
+            <a:pPr algn="ctr"/>
+            <a:r>
+              <a:rPr lang="en-US" sz="1600" i="1" dirty="0">
+                <a:latin typeface="Times New Roman" panose="02020603050405020304" pitchFamily="18" charset="0"/>
+                <a:ea typeface="Tahoma" panose="020B0604030504040204" pitchFamily="34" charset="0"/>
+                <a:cs typeface="Times New Roman" panose="02020603050405020304" pitchFamily="18" charset="0"/>
+              </a:rPr>
+              <a:t>l</a:t>
+            </a:r>
+            <a:r>
+              <a:rPr lang="en-US" sz="1600" i="1" baseline="-25000" dirty="0">
+                <a:latin typeface=""/>
+                <a:ea typeface="Tahoma" panose="020B0604030504040204" pitchFamily="34" charset="0"/>
+                <a:cs typeface="Tahoma" panose="020B0604030504040204" pitchFamily="34" charset="0"/>
+              </a:rPr>
+              <a:t>n</a:t>
+            </a:r>
+          </a:p>
+        </p:txBody>
+      </p:sp>
+      <p:cxnSp>
+        <p:nvCxnSpPr>
+          <p:cNvPr id="67" name="Straight Arrow Connector 66">
+            <a:extLst>
+              <a:ext uri="{FF2B5EF4-FFF2-40B4-BE49-F238E27FC236}">
+                <a16:creationId xmlns:a16="http://schemas.microsoft.com/office/drawing/2014/main" id="{30CDE95B-4B86-57CD-7669-0AB4904A70BD}"/>
+              </a:ext>
+            </a:extLst>
+          </p:cNvPr>
+          <p:cNvCxnSpPr>
+            <a:cxnSpLocks/>
+            <a:stCxn id="81" idx="1"/>
+            <a:endCxn id="74" idx="1"/>
+          </p:cNvCxnSpPr>
+          <p:nvPr/>
+        </p:nvCxnSpPr>
+        <p:spPr>
+          <a:xfrm flipV="1">
+            <a:off x="7109973" y="4755669"/>
+            <a:ext cx="205651" cy="643"/>
+          </a:xfrm>
+          <a:prstGeom prst="straightConnector1">
+            <a:avLst/>
+          </a:prstGeom>
+          <a:ln w="19050" cap="flat" cmpd="sng" algn="ctr">
+            <a:solidFill>
+              <a:schemeClr val="tx1"/>
+            </a:solidFill>
+            <a:prstDash val="solid"/>
+            <a:round/>
+            <a:headEnd type="none" w="med" len="med"/>
+            <a:tailEnd type="arrow" w="med" len="med"/>
+          </a:ln>
+          <a:effectLst/>
+        </p:spPr>
+        <p:style>
+          <a:lnRef idx="2">
+            <a:schemeClr val="accent1"/>
+          </a:lnRef>
+          <a:fillRef idx="0">
+            <a:schemeClr val="accent1"/>
+          </a:fillRef>
+          <a:effectRef idx="1">
+            <a:schemeClr val="accent1"/>
+          </a:effectRef>
+          <a:fontRef idx="minor">
+            <a:schemeClr val="tx1"/>
+          </a:fontRef>
+        </p:style>
+      </p:cxnSp>
+      <p:sp>
+        <p:nvSpPr>
+          <p:cNvPr id="70" name="Can 69">
+            <a:extLst>
+              <a:ext uri="{FF2B5EF4-FFF2-40B4-BE49-F238E27FC236}">
+                <a16:creationId xmlns:a16="http://schemas.microsoft.com/office/drawing/2014/main" id="{BC8AD193-A11A-0D9F-636F-7C5C9DF55CA4}"/>
+              </a:ext>
+            </a:extLst>
+          </p:cNvPr>
+          <p:cNvSpPr/>
+          <p:nvPr/>
+        </p:nvSpPr>
+        <p:spPr>
+          <a:xfrm>
+            <a:off x="6570354" y="4637966"/>
+            <a:ext cx="408700" cy="282764"/>
+          </a:xfrm>
+          <a:prstGeom prst="can">
+            <a:avLst/>
+          </a:prstGeom>
+          <a:solidFill>
+            <a:srgbClr val="0070C0"/>
+          </a:solidFill>
+          <a:ln w="28575" cmpd="sng">
+            <a:solidFill>
+              <a:schemeClr val="tx1"/>
+            </a:solidFill>
+          </a:ln>
+          <a:effectLst/>
+        </p:spPr>
+        <p:style>
+          <a:lnRef idx="1">
+            <a:schemeClr val="accent1"/>
+          </a:lnRef>
+          <a:fillRef idx="3">
+            <a:schemeClr val="accent1"/>
+          </a:fillRef>
+          <a:effectRef idx="2">
+            <a:schemeClr val="accent1"/>
+          </a:effectRef>
+          <a:fontRef idx="minor">
+            <a:schemeClr val="lt1"/>
+          </a:fontRef>
+        </p:style>
+        <p:txBody>
+          <a:bodyPr rtlCol="0" anchor="ctr"/>
+          <a:lstStyle/>
+          <a:p>
+            <a:pPr algn="ctr"/>
+            <a:r>
+              <a:rPr lang="en-US" sz="1400" dirty="0">
+                <a:solidFill>
+                  <a:schemeClr val="bg1"/>
+                </a:solidFill>
+                <a:latin typeface=""/>
+                <a:ea typeface="Tahoma" panose="020B0604030504040204" pitchFamily="34" charset="0"/>
+                <a:cs typeface="Tahoma" panose="020B0604030504040204" pitchFamily="34" charset="0"/>
+              </a:rPr>
+              <a:t>S</a:t>
+            </a:r>
+            <a:r>
+              <a:rPr lang="en-US" sz="1400" baseline="-25000" dirty="0">
+                <a:solidFill>
+                  <a:schemeClr val="bg1"/>
+                </a:solidFill>
+                <a:latin typeface=""/>
+                <a:ea typeface="Tahoma" panose="020B0604030504040204" pitchFamily="34" charset="0"/>
+                <a:cs typeface="Tahoma" panose="020B0604030504040204" pitchFamily="34" charset="0"/>
+              </a:rPr>
+              <a:t>n</a:t>
+            </a:r>
+          </a:p>
+        </p:txBody>
+      </p:sp>
+      <p:sp>
+        <p:nvSpPr>
+          <p:cNvPr id="74" name="Rectangle 73">
+            <a:extLst>
+              <a:ext uri="{FF2B5EF4-FFF2-40B4-BE49-F238E27FC236}">
+                <a16:creationId xmlns:a16="http://schemas.microsoft.com/office/drawing/2014/main" id="{4FFBA12A-4CE8-86B0-F9BF-B51519D9775E}"/>
+              </a:ext>
+            </a:extLst>
+          </p:cNvPr>
+          <p:cNvSpPr/>
+          <p:nvPr/>
+        </p:nvSpPr>
+        <p:spPr>
+          <a:xfrm>
+            <a:off x="7315624" y="4630448"/>
+            <a:ext cx="494963" cy="250442"/>
+          </a:xfrm>
+          <a:prstGeom prst="rect">
+            <a:avLst/>
+          </a:prstGeom>
+          <a:noFill/>
+          <a:ln w="19050"/>
+        </p:spPr>
+        <p:style>
+          <a:lnRef idx="2">
+            <a:schemeClr val="dk1"/>
+          </a:lnRef>
+          <a:fillRef idx="1">
+            <a:schemeClr val="lt1"/>
+          </a:fillRef>
+          <a:effectRef idx="0">
+            <a:schemeClr val="dk1"/>
+          </a:effectRef>
+          <a:fontRef idx="minor">
+            <a:schemeClr val="dk1"/>
+          </a:fontRef>
+        </p:style>
+        <p:txBody>
+          <a:bodyPr rtlCol="0" anchor="ctr"/>
+          <a:lstStyle/>
+          <a:p>
+            <a:pPr algn="ctr"/>
+            <a:r>
+              <a:rPr lang="en-US" sz="1400" dirty="0">
+                <a:latin typeface=""/>
+                <a:ea typeface="Tahoma" panose="020B0604030504040204" pitchFamily="34" charset="0"/>
+                <a:cs typeface="Tahoma" panose="020B0604030504040204" pitchFamily="34" charset="0"/>
+              </a:rPr>
+              <a:t>M</a:t>
+            </a:r>
+            <a:r>
+              <a:rPr lang="en-US" sz="1400" baseline="-25000" dirty="0">
+                <a:latin typeface=""/>
+                <a:ea typeface="Tahoma" panose="020B0604030504040204" pitchFamily="34" charset="0"/>
+                <a:cs typeface="Tahoma" panose="020B0604030504040204" pitchFamily="34" charset="0"/>
+              </a:rPr>
+              <a:t>n</a:t>
+            </a:r>
+          </a:p>
+        </p:txBody>
+      </p:sp>
+      <p:sp>
+        <p:nvSpPr>
+          <p:cNvPr id="75" name="Can 74">
+            <a:extLst>
+              <a:ext uri="{FF2B5EF4-FFF2-40B4-BE49-F238E27FC236}">
+                <a16:creationId xmlns:a16="http://schemas.microsoft.com/office/drawing/2014/main" id="{2A90B5DA-9CA6-18F5-4C0A-FCDFD1EC6154}"/>
+              </a:ext>
+            </a:extLst>
+          </p:cNvPr>
+          <p:cNvSpPr/>
+          <p:nvPr/>
+        </p:nvSpPr>
+        <p:spPr>
+          <a:xfrm>
+            <a:off x="8448780" y="4599748"/>
+            <a:ext cx="408700" cy="308442"/>
+          </a:xfrm>
+          <a:prstGeom prst="can">
+            <a:avLst/>
+          </a:prstGeom>
+          <a:solidFill>
+            <a:srgbClr val="0070C0"/>
+          </a:solidFill>
+          <a:ln w="28575" cmpd="sng">
+            <a:solidFill>
+              <a:schemeClr val="tx1"/>
+            </a:solidFill>
+          </a:ln>
+          <a:effectLst/>
+        </p:spPr>
+        <p:style>
+          <a:lnRef idx="1">
+            <a:schemeClr val="accent1"/>
+          </a:lnRef>
+          <a:fillRef idx="3">
+            <a:schemeClr val="accent1"/>
+          </a:fillRef>
+          <a:effectRef idx="2">
+            <a:schemeClr val="accent1"/>
+          </a:effectRef>
+          <a:fontRef idx="minor">
+            <a:schemeClr val="lt1"/>
+          </a:fontRef>
+        </p:style>
+        <p:txBody>
+          <a:bodyPr rtlCol="0" anchor="ctr"/>
+          <a:lstStyle/>
+          <a:p>
+            <a:pPr algn="ctr"/>
+            <a:r>
+              <a:rPr lang="en-US" sz="1400" dirty="0">
+                <a:solidFill>
+                  <a:schemeClr val="bg1"/>
+                </a:solidFill>
+                <a:latin typeface=""/>
+                <a:ea typeface="Tahoma" panose="020B0604030504040204" pitchFamily="34" charset="0"/>
+                <a:cs typeface="Tahoma" panose="020B0604030504040204" pitchFamily="34" charset="0"/>
+              </a:rPr>
+              <a:t>S</a:t>
+            </a:r>
+            <a:r>
+              <a:rPr lang="en-US" sz="1400" baseline="-25000" dirty="0">
+                <a:solidFill>
+                  <a:schemeClr val="bg1"/>
+                </a:solidFill>
+                <a:latin typeface=""/>
+                <a:ea typeface="Tahoma" panose="020B0604030504040204" pitchFamily="34" charset="0"/>
+                <a:cs typeface="Tahoma" panose="020B0604030504040204" pitchFamily="34" charset="0"/>
+              </a:rPr>
+              <a:t>n</a:t>
+            </a:r>
+          </a:p>
+        </p:txBody>
+      </p:sp>
+      <p:cxnSp>
+        <p:nvCxnSpPr>
+          <p:cNvPr id="79" name="Straight Arrow Connector 78">
+            <a:extLst>
+              <a:ext uri="{FF2B5EF4-FFF2-40B4-BE49-F238E27FC236}">
+                <a16:creationId xmlns:a16="http://schemas.microsoft.com/office/drawing/2014/main" id="{0B57DCE9-AF73-F49B-E85D-FBC770A55999}"/>
+              </a:ext>
+            </a:extLst>
+          </p:cNvPr>
+          <p:cNvCxnSpPr>
+            <a:cxnSpLocks/>
+            <a:stCxn id="74" idx="3"/>
+            <a:endCxn id="75" idx="2"/>
+          </p:cNvCxnSpPr>
+          <p:nvPr/>
+        </p:nvCxnSpPr>
+        <p:spPr>
+          <a:xfrm flipV="1">
+            <a:off x="7810587" y="4753969"/>
+            <a:ext cx="638193" cy="1700"/>
+          </a:xfrm>
+          <a:prstGeom prst="straightConnector1">
+            <a:avLst/>
+          </a:prstGeom>
+          <a:ln w="19050" cap="flat" cmpd="sng" algn="ctr">
+            <a:solidFill>
+              <a:schemeClr val="tx1"/>
+            </a:solidFill>
+            <a:prstDash val="solid"/>
+            <a:round/>
+            <a:headEnd type="none" w="med" len="med"/>
+            <a:tailEnd type="arrow" w="med" len="med"/>
+          </a:ln>
+          <a:effectLst/>
+        </p:spPr>
+        <p:style>
+          <a:lnRef idx="2">
+            <a:schemeClr val="accent1"/>
+          </a:lnRef>
+          <a:fillRef idx="0">
+            <a:schemeClr val="accent1"/>
+          </a:fillRef>
+          <a:effectRef idx="1">
+            <a:schemeClr val="accent1"/>
+          </a:effectRef>
+          <a:fontRef idx="minor">
+            <a:schemeClr val="tx1"/>
+          </a:fontRef>
+        </p:style>
+      </p:cxnSp>
+      <p:cxnSp>
+        <p:nvCxnSpPr>
+          <p:cNvPr id="80" name="Straight Arrow Connector 79">
+            <a:extLst>
+              <a:ext uri="{FF2B5EF4-FFF2-40B4-BE49-F238E27FC236}">
+                <a16:creationId xmlns:a16="http://schemas.microsoft.com/office/drawing/2014/main" id="{83243296-9143-B0EC-453F-A8DB765EC302}"/>
+              </a:ext>
+            </a:extLst>
+          </p:cNvPr>
+          <p:cNvCxnSpPr>
+            <a:cxnSpLocks/>
+            <a:stCxn id="75" idx="4"/>
+            <a:endCxn id="505" idx="1"/>
+          </p:cNvCxnSpPr>
+          <p:nvPr/>
+        </p:nvCxnSpPr>
+        <p:spPr>
+          <a:xfrm>
+            <a:off x="8857480" y="4753969"/>
+            <a:ext cx="85390" cy="1189"/>
+          </a:xfrm>
+          <a:prstGeom prst="straightConnector1">
+            <a:avLst/>
+          </a:prstGeom>
+          <a:ln w="19050" cap="flat" cmpd="sng" algn="ctr">
+            <a:solidFill>
+              <a:schemeClr val="tx1"/>
+            </a:solidFill>
+            <a:prstDash val="solid"/>
+            <a:round/>
+            <a:headEnd type="none" w="med" len="med"/>
+            <a:tailEnd type="arrow" w="med" len="med"/>
+          </a:ln>
+          <a:effectLst/>
+        </p:spPr>
+        <p:style>
+          <a:lnRef idx="2">
+            <a:schemeClr val="accent1"/>
+          </a:lnRef>
+          <a:fillRef idx="0">
+            <a:schemeClr val="accent1"/>
+          </a:fillRef>
+          <a:effectRef idx="1">
+            <a:schemeClr val="accent1"/>
+          </a:effectRef>
+          <a:fontRef idx="minor">
+            <a:schemeClr val="tx1"/>
+          </a:fontRef>
+        </p:style>
+      </p:cxnSp>
+      <p:sp>
+        <p:nvSpPr>
+          <p:cNvPr id="81" name="Card 80">
+            <a:extLst>
+              <a:ext uri="{FF2B5EF4-FFF2-40B4-BE49-F238E27FC236}">
+                <a16:creationId xmlns:a16="http://schemas.microsoft.com/office/drawing/2014/main" id="{2815B818-DA75-9EBD-06BE-83000F81CE69}"/>
+              </a:ext>
+            </a:extLst>
+          </p:cNvPr>
+          <p:cNvSpPr/>
+          <p:nvPr/>
+        </p:nvSpPr>
+        <p:spPr>
+          <a:xfrm flipH="1">
+            <a:off x="6364377" y="4457237"/>
+            <a:ext cx="745596" cy="598150"/>
+          </a:xfrm>
+          <a:prstGeom prst="flowChartPunchedCard">
+            <a:avLst/>
+          </a:prstGeom>
+          <a:noFill/>
+          <a:ln w="19050">
+            <a:solidFill>
+              <a:schemeClr val="tx1"/>
+            </a:solidFill>
+          </a:ln>
+          <a:effectLst/>
+        </p:spPr>
+        <p:style>
+          <a:lnRef idx="1">
+            <a:schemeClr val="accent1"/>
+          </a:lnRef>
+          <a:fillRef idx="3">
+            <a:schemeClr val="accent1"/>
+          </a:fillRef>
+          <a:effectRef idx="2">
+            <a:schemeClr val="accent1"/>
+          </a:effectRef>
+          <a:fontRef idx="minor">
+            <a:schemeClr val="lt1"/>
+          </a:fontRef>
+        </p:style>
+        <p:txBody>
+          <a:bodyPr rtlCol="0" anchor="ctr"/>
+          <a:lstStyle/>
+          <a:p>
+            <a:pPr algn="ctr"/>
+            <a:endParaRPr lang="en-US" sz="1400" dirty="0">
+              <a:solidFill>
+                <a:schemeClr val="tx1"/>
+              </a:solidFill>
+              <a:latin typeface=""/>
+              <a:ea typeface="Tahoma" panose="020B0604030504040204" pitchFamily="34" charset="0"/>
+              <a:cs typeface="Tahoma" panose="020B0604030504040204" pitchFamily="34" charset="0"/>
+            </a:endParaRPr>
+          </a:p>
+        </p:txBody>
+      </p:sp>
+      <p:cxnSp>
+        <p:nvCxnSpPr>
+          <p:cNvPr id="84" name="Straight Arrow Connector 83">
+            <a:extLst>
+              <a:ext uri="{FF2B5EF4-FFF2-40B4-BE49-F238E27FC236}">
+                <a16:creationId xmlns:a16="http://schemas.microsoft.com/office/drawing/2014/main" id="{8AC2F4AF-E1F1-4980-1E91-59E5CED49A79}"/>
+              </a:ext>
+            </a:extLst>
+          </p:cNvPr>
+          <p:cNvCxnSpPr>
+            <a:cxnSpLocks/>
+            <a:endCxn id="75" idx="2"/>
+          </p:cNvCxnSpPr>
+          <p:nvPr/>
+        </p:nvCxnSpPr>
+        <p:spPr>
+          <a:xfrm>
+            <a:off x="7773992" y="4050694"/>
+            <a:ext cx="674788" cy="703275"/>
+          </a:xfrm>
+          <a:prstGeom prst="straightConnector1">
+            <a:avLst/>
+          </a:prstGeom>
+          <a:ln w="19050" cap="flat" cmpd="sng" algn="ctr">
+            <a:solidFill>
+              <a:schemeClr val="tx1"/>
+            </a:solidFill>
+            <a:prstDash val="lgDash"/>
+            <a:round/>
+            <a:headEnd type="none" w="med" len="med"/>
+            <a:tailEnd type="arrow" w="med" len="med"/>
+          </a:ln>
+          <a:effectLst/>
+        </p:spPr>
+        <p:style>
+          <a:lnRef idx="2">
+            <a:schemeClr val="accent1"/>
+          </a:lnRef>
+          <a:fillRef idx="0">
+            <a:schemeClr val="accent1"/>
+          </a:fillRef>
+          <a:effectRef idx="1">
+            <a:schemeClr val="accent1"/>
+          </a:effectRef>
+          <a:fontRef idx="minor">
+            <a:schemeClr val="tx1"/>
+          </a:fontRef>
+        </p:style>
+      </p:cxnSp>
+      <p:cxnSp>
+        <p:nvCxnSpPr>
+          <p:cNvPr id="116" name="Elbow Connector 115">
+            <a:extLst>
+              <a:ext uri="{FF2B5EF4-FFF2-40B4-BE49-F238E27FC236}">
+                <a16:creationId xmlns:a16="http://schemas.microsoft.com/office/drawing/2014/main" id="{BF2E0A54-B5DB-40AA-176F-F5480FDA75F8}"/>
+              </a:ext>
+            </a:extLst>
+          </p:cNvPr>
+          <p:cNvCxnSpPr>
+            <a:cxnSpLocks/>
+            <a:stCxn id="241" idx="3"/>
+            <a:endCxn id="130" idx="0"/>
+          </p:cNvCxnSpPr>
+          <p:nvPr/>
+        </p:nvCxnSpPr>
+        <p:spPr>
+          <a:xfrm>
+            <a:off x="11085572" y="3312572"/>
+            <a:ext cx="535525" cy="321716"/>
+          </a:xfrm>
+          <a:prstGeom prst="bentConnector2">
+            <a:avLst/>
+          </a:prstGeom>
+          <a:ln w="38100" cap="flat" cmpd="sng" algn="ctr">
+            <a:solidFill>
+              <a:schemeClr val="dk1"/>
+            </a:solidFill>
+            <a:prstDash val="solid"/>
+            <a:round/>
+            <a:headEnd type="none" w="med" len="med"/>
+            <a:tailEnd type="arrow" w="med" len="med"/>
+          </a:ln>
+        </p:spPr>
+        <p:style>
+          <a:lnRef idx="0">
+            <a:scrgbClr r="0" g="0" b="0"/>
+          </a:lnRef>
+          <a:fillRef idx="0">
+            <a:scrgbClr r="0" g="0" b="0"/>
+          </a:fillRef>
+          <a:effectRef idx="0">
+            <a:scrgbClr r="0" g="0" b="0"/>
+          </a:effectRef>
+          <a:fontRef idx="minor">
+            <a:schemeClr val="tx1"/>
+          </a:fontRef>
+        </p:style>
+      </p:cxnSp>
+      <p:sp>
+        <p:nvSpPr>
+          <p:cNvPr id="14" name="TextBox 13">
+            <a:extLst>
+              <a:ext uri="{FF2B5EF4-FFF2-40B4-BE49-F238E27FC236}">
+                <a16:creationId xmlns:a16="http://schemas.microsoft.com/office/drawing/2014/main" id="{8C6740A8-9A58-9170-B266-F49DD8244147}"/>
+              </a:ext>
+            </a:extLst>
+          </p:cNvPr>
+          <p:cNvSpPr txBox="1"/>
+          <p:nvPr/>
+        </p:nvSpPr>
+        <p:spPr>
+          <a:xfrm>
+            <a:off x="1781035" y="448362"/>
+            <a:ext cx="2705589" cy="307777"/>
+          </a:xfrm>
+          <a:prstGeom prst="rect">
+            <a:avLst/>
+          </a:prstGeom>
+          <a:noFill/>
+          <a:ln w="19050">
+            <a:solidFill>
+              <a:schemeClr val="tx1"/>
+            </a:solidFill>
+          </a:ln>
+        </p:spPr>
+        <p:txBody>
+          <a:bodyPr wrap="square">
+            <a:spAutoFit/>
+          </a:bodyPr>
+          <a:lstStyle/>
+          <a:p>
+            <a:pPr algn="ctr"/>
+            <a:r>
+              <a:rPr lang="en-US" sz="1400" dirty="0">
+                <a:latin typeface=""/>
+                <a:ea typeface="Tahoma" panose="020B0604030504040204" pitchFamily="34" charset="0"/>
+                <a:cs typeface="Tahoma" panose="020B0604030504040204" pitchFamily="34" charset="0"/>
+              </a:rPr>
+              <a:t>Original Implementation (OI)</a:t>
+            </a:r>
+          </a:p>
+        </p:txBody>
+      </p:sp>
+      <p:sp>
+        <p:nvSpPr>
+          <p:cNvPr id="15" name="TextBox 14">
+            <a:extLst>
+              <a:ext uri="{FF2B5EF4-FFF2-40B4-BE49-F238E27FC236}">
+                <a16:creationId xmlns:a16="http://schemas.microsoft.com/office/drawing/2014/main" id="{B5A01F6C-FAA1-900A-BAAC-0EF44BA56707}"/>
+              </a:ext>
+            </a:extLst>
+          </p:cNvPr>
+          <p:cNvSpPr txBox="1"/>
+          <p:nvPr/>
+        </p:nvSpPr>
+        <p:spPr>
+          <a:xfrm>
+            <a:off x="4608591" y="446650"/>
+            <a:ext cx="1153847" cy="307777"/>
+          </a:xfrm>
+          <a:prstGeom prst="rect">
+            <a:avLst/>
+          </a:prstGeom>
+          <a:noFill/>
+          <a:ln w="19050">
+            <a:solidFill>
+              <a:schemeClr val="tx1"/>
+            </a:solidFill>
+          </a:ln>
+        </p:spPr>
+        <p:txBody>
+          <a:bodyPr wrap="square">
+            <a:spAutoFit/>
+          </a:bodyPr>
+          <a:lstStyle/>
+          <a:p>
+            <a:pPr algn="ctr"/>
+            <a:r>
+              <a:rPr lang="en-US" sz="1400" dirty="0">
+                <a:latin typeface=""/>
+                <a:ea typeface="Tahoma" panose="020B0604030504040204" pitchFamily="34" charset="0"/>
+                <a:cs typeface="Tahoma" panose="020B0604030504040204" pitchFamily="34" charset="0"/>
+              </a:rPr>
+              <a:t>Validator</a:t>
+            </a:r>
+          </a:p>
+        </p:txBody>
+      </p:sp>
+      <p:cxnSp>
+        <p:nvCxnSpPr>
+          <p:cNvPr id="45" name="Straight Arrow Connector 44">
+            <a:extLst>
+              <a:ext uri="{FF2B5EF4-FFF2-40B4-BE49-F238E27FC236}">
+                <a16:creationId xmlns:a16="http://schemas.microsoft.com/office/drawing/2014/main" id="{934E2B06-A75E-285D-1ACC-2B1CC22AB7F2}"/>
+              </a:ext>
+            </a:extLst>
+          </p:cNvPr>
+          <p:cNvCxnSpPr>
+            <a:cxnSpLocks/>
+            <a:stCxn id="508" idx="3"/>
+            <a:endCxn id="453" idx="1"/>
+          </p:cNvCxnSpPr>
+          <p:nvPr/>
+        </p:nvCxnSpPr>
+        <p:spPr>
+          <a:xfrm>
+            <a:off x="4796264" y="3058555"/>
+            <a:ext cx="205651" cy="561"/>
+          </a:xfrm>
+          <a:prstGeom prst="straightConnector1">
+            <a:avLst/>
+          </a:prstGeom>
+          <a:ln w="28575" cap="flat" cmpd="sng" algn="ctr">
+            <a:solidFill>
+              <a:schemeClr val="tx1"/>
+            </a:solidFill>
+            <a:prstDash val="solid"/>
+            <a:round/>
+            <a:headEnd type="none" w="med" len="med"/>
+            <a:tailEnd type="arrow" w="med" len="med"/>
+          </a:ln>
+          <a:effectLst/>
+        </p:spPr>
+        <p:style>
+          <a:lnRef idx="2">
+            <a:schemeClr val="accent1"/>
+          </a:lnRef>
+          <a:fillRef idx="0">
+            <a:schemeClr val="accent1"/>
+          </a:fillRef>
+          <a:effectRef idx="1">
+            <a:schemeClr val="accent1"/>
+          </a:effectRef>
+          <a:fontRef idx="minor">
+            <a:schemeClr val="tx1"/>
+          </a:fontRef>
+        </p:style>
+      </p:cxnSp>
+      <p:cxnSp>
+        <p:nvCxnSpPr>
+          <p:cNvPr id="56" name="Straight Arrow Connector 55">
+            <a:extLst>
+              <a:ext uri="{FF2B5EF4-FFF2-40B4-BE49-F238E27FC236}">
+                <a16:creationId xmlns:a16="http://schemas.microsoft.com/office/drawing/2014/main" id="{40FEA2B7-56C5-CA5B-E5D2-60E2F20D265B}"/>
+              </a:ext>
+            </a:extLst>
+          </p:cNvPr>
+          <p:cNvCxnSpPr>
+            <a:cxnSpLocks/>
+            <a:stCxn id="15" idx="2"/>
+          </p:cNvCxnSpPr>
+          <p:nvPr/>
+        </p:nvCxnSpPr>
+        <p:spPr>
+          <a:xfrm>
+            <a:off x="5185515" y="754427"/>
+            <a:ext cx="0" cy="147729"/>
+          </a:xfrm>
+          <a:prstGeom prst="straightConnector1">
+            <a:avLst/>
+          </a:prstGeom>
+          <a:ln w="28575" cap="flat" cmpd="sng" algn="ctr">
+            <a:solidFill>
+              <a:schemeClr val="tx1"/>
+            </a:solidFill>
+            <a:prstDash val="solid"/>
+            <a:round/>
+            <a:headEnd type="none" w="med" len="med"/>
+            <a:tailEnd type="arrow" w="med" len="med"/>
+          </a:ln>
+          <a:effectLst/>
+        </p:spPr>
+        <p:style>
+          <a:lnRef idx="2">
+            <a:schemeClr val="accent1"/>
+          </a:lnRef>
+          <a:fillRef idx="0">
+            <a:schemeClr val="accent1"/>
+          </a:fillRef>
+          <a:effectRef idx="1">
+            <a:schemeClr val="accent1"/>
+          </a:effectRef>
+          <a:fontRef idx="minor">
+            <a:schemeClr val="tx1"/>
+          </a:fontRef>
+        </p:style>
+      </p:cxnSp>
+      <p:cxnSp>
+        <p:nvCxnSpPr>
+          <p:cNvPr id="450" name="Straight Arrow Connector 449">
+            <a:extLst>
+              <a:ext uri="{FF2B5EF4-FFF2-40B4-BE49-F238E27FC236}">
+                <a16:creationId xmlns:a16="http://schemas.microsoft.com/office/drawing/2014/main" id="{5872FBC8-00A6-F450-7C6E-6CB04B5D2A8F}"/>
+              </a:ext>
+            </a:extLst>
+          </p:cNvPr>
+          <p:cNvCxnSpPr>
+            <a:cxnSpLocks/>
+            <a:stCxn id="14" idx="2"/>
+          </p:cNvCxnSpPr>
+          <p:nvPr/>
+        </p:nvCxnSpPr>
+        <p:spPr>
+          <a:xfrm flipH="1">
+            <a:off x="3129033" y="756139"/>
+            <a:ext cx="4797" cy="146017"/>
+          </a:xfrm>
+          <a:prstGeom prst="straightConnector1">
+            <a:avLst/>
+          </a:prstGeom>
+          <a:ln w="28575" cap="flat" cmpd="sng" algn="ctr">
+            <a:solidFill>
+              <a:schemeClr val="tx1"/>
+            </a:solidFill>
+            <a:prstDash val="solid"/>
+            <a:round/>
+            <a:headEnd type="none" w="med" len="med"/>
+            <a:tailEnd type="arrow" w="med" len="med"/>
+          </a:ln>
+          <a:effectLst/>
+        </p:spPr>
+        <p:style>
+          <a:lnRef idx="2">
+            <a:schemeClr val="accent1"/>
+          </a:lnRef>
+          <a:fillRef idx="0">
+            <a:schemeClr val="accent1"/>
+          </a:fillRef>
+          <a:effectRef idx="1">
+            <a:schemeClr val="accent1"/>
+          </a:effectRef>
+          <a:fontRef idx="minor">
+            <a:schemeClr val="tx1"/>
+          </a:fontRef>
+        </p:style>
+      </p:cxnSp>
+      <p:sp>
+        <p:nvSpPr>
+          <p:cNvPr id="4" name="Right Arrow 3">
+            <a:extLst>
+              <a:ext uri="{FF2B5EF4-FFF2-40B4-BE49-F238E27FC236}">
+                <a16:creationId xmlns:a16="http://schemas.microsoft.com/office/drawing/2014/main" id="{A8147DDC-9B54-ADEC-65F7-B64ADC4B3240}"/>
+              </a:ext>
+            </a:extLst>
+          </p:cNvPr>
+          <p:cNvSpPr/>
+          <p:nvPr/>
+        </p:nvSpPr>
+        <p:spPr>
+          <a:xfrm>
+            <a:off x="1415449" y="2725068"/>
+            <a:ext cx="288796" cy="468085"/>
+          </a:xfrm>
+          <a:prstGeom prst="rightArrow">
+            <a:avLst/>
+          </a:prstGeom>
+        </p:spPr>
+        <p:style>
+          <a:lnRef idx="2">
+            <a:schemeClr val="dk1">
+              <a:shade val="15000"/>
+            </a:schemeClr>
+          </a:lnRef>
+          <a:fillRef idx="1">
+            <a:schemeClr val="dk1"/>
+          </a:fillRef>
+          <a:effectRef idx="0">
+            <a:schemeClr val="dk1"/>
+          </a:effectRef>
+          <a:fontRef idx="minor">
+            <a:schemeClr val="lt1"/>
+          </a:fontRef>
+        </p:style>
+        <p:txBody>
+          <a:bodyPr rtlCol="0" anchor="ctr"/>
+          <a:lstStyle/>
+          <a:p>
+            <a:pPr algn="ctr"/>
+            <a:r>
+              <a:rPr lang="en-US" dirty="0">
+                <a:ln>
+                  <a:solidFill>
+                    <a:sysClr val="windowText" lastClr="000000"/>
+                  </a:solidFill>
+                </a:ln>
+                <a:solidFill>
+                  <a:sysClr val="windowText" lastClr="000000"/>
+                </a:solidFill>
+              </a:rPr>
+              <a:t>_</a:t>
+            </a:r>
+          </a:p>
+        </p:txBody>
+      </p:sp>
+      <p:sp>
+        <p:nvSpPr>
+          <p:cNvPr id="16" name="Right Arrow 15">
+            <a:extLst>
+              <a:ext uri="{FF2B5EF4-FFF2-40B4-BE49-F238E27FC236}">
+                <a16:creationId xmlns:a16="http://schemas.microsoft.com/office/drawing/2014/main" id="{B400B1F8-AABE-921D-E6DF-9749A4A7CCA7}"/>
+              </a:ext>
+            </a:extLst>
+          </p:cNvPr>
+          <p:cNvSpPr/>
+          <p:nvPr/>
+        </p:nvSpPr>
+        <p:spPr>
+          <a:xfrm>
+            <a:off x="5888315" y="2733191"/>
+            <a:ext cx="288796" cy="468085"/>
+          </a:xfrm>
+          <a:prstGeom prst="rightArrow">
+            <a:avLst/>
+          </a:prstGeom>
+        </p:spPr>
+        <p:style>
+          <a:lnRef idx="2">
+            <a:schemeClr val="dk1">
+              <a:shade val="15000"/>
+            </a:schemeClr>
+          </a:lnRef>
+          <a:fillRef idx="1">
+            <a:schemeClr val="dk1"/>
+          </a:fillRef>
+          <a:effectRef idx="0">
+            <a:schemeClr val="dk1"/>
+          </a:effectRef>
+          <a:fontRef idx="minor">
+            <a:schemeClr val="lt1"/>
+          </a:fontRef>
+        </p:style>
+        <p:txBody>
+          <a:bodyPr rtlCol="0" anchor="ctr"/>
+          <a:lstStyle/>
+          <a:p>
+            <a:pPr algn="ctr"/>
             <a:endParaRPr lang="en-US">
               <a:ln>
                 <a:solidFill>
@@ -9890,6 +11563,354 @@
           </a:p>
         </p:txBody>
       </p:sp>
+      <p:sp>
+        <p:nvSpPr>
+          <p:cNvPr id="46" name="TextBox 45">
+            <a:extLst>
+              <a:ext uri="{FF2B5EF4-FFF2-40B4-BE49-F238E27FC236}">
+                <a16:creationId xmlns:a16="http://schemas.microsoft.com/office/drawing/2014/main" id="{BDF0E088-F5AB-4A93-938A-B2A47ECAE7AC}"/>
+              </a:ext>
+            </a:extLst>
+          </p:cNvPr>
+          <p:cNvSpPr txBox="1"/>
+          <p:nvPr/>
+        </p:nvSpPr>
+        <p:spPr>
+          <a:xfrm>
+            <a:off x="6185289" y="5396285"/>
+            <a:ext cx="4966571" cy="307777"/>
+          </a:xfrm>
+          <a:prstGeom prst="rect">
+            <a:avLst/>
+          </a:prstGeom>
+          <a:noFill/>
+        </p:spPr>
+        <p:txBody>
+          <a:bodyPr wrap="square">
+            <a:spAutoFit/>
+          </a:bodyPr>
+          <a:lstStyle/>
+          <a:p>
+            <a:pPr algn="ctr"/>
+            <a:r>
+              <a:rPr lang="en-US" sz="1400" i="1" dirty="0">
+                <a:latin typeface=""/>
+                <a:ea typeface="Tahoma" panose="020B0604030504040204" pitchFamily="34" charset="0"/>
+                <a:cs typeface="Tahoma" panose="020B0604030504040204" pitchFamily="34" charset="0"/>
+              </a:rPr>
+              <a:t>n</a:t>
+            </a:r>
+            <a:r>
+              <a:rPr lang="en-US" sz="1400" dirty="0">
+                <a:latin typeface=""/>
+                <a:ea typeface="Tahoma" panose="020B0604030504040204" pitchFamily="34" charset="0"/>
+                <a:cs typeface="Tahoma" panose="020B0604030504040204" pitchFamily="34" charset="0"/>
+              </a:rPr>
+              <a:t>-way parallelism</a:t>
+            </a:r>
+          </a:p>
+        </p:txBody>
+      </p:sp>
+      <p:cxnSp>
+        <p:nvCxnSpPr>
+          <p:cNvPr id="468" name="Straight Arrow Connector 467">
+            <a:extLst>
+              <a:ext uri="{FF2B5EF4-FFF2-40B4-BE49-F238E27FC236}">
+                <a16:creationId xmlns:a16="http://schemas.microsoft.com/office/drawing/2014/main" id="{5F6DC0E3-80C5-24C7-17A8-DA898E7D0818}"/>
+              </a:ext>
+            </a:extLst>
+          </p:cNvPr>
+          <p:cNvCxnSpPr>
+            <a:cxnSpLocks/>
+            <a:stCxn id="91" idx="1"/>
+            <a:endCxn id="94" idx="0"/>
+          </p:cNvCxnSpPr>
+          <p:nvPr/>
+        </p:nvCxnSpPr>
+        <p:spPr>
+          <a:xfrm>
+            <a:off x="3589000" y="1407187"/>
+            <a:ext cx="581703" cy="0"/>
+          </a:xfrm>
+          <a:prstGeom prst="straightConnector1">
+            <a:avLst/>
+          </a:prstGeom>
+          <a:ln w="19050" cap="flat" cmpd="sng" algn="ctr">
+            <a:solidFill>
+              <a:schemeClr val="tx1"/>
+            </a:solidFill>
+            <a:prstDash val="solid"/>
+            <a:round/>
+            <a:headEnd type="none" w="med" len="med"/>
+            <a:tailEnd type="arrow" w="med" len="med"/>
+          </a:ln>
+          <a:effectLst/>
+        </p:spPr>
+        <p:style>
+          <a:lnRef idx="2">
+            <a:schemeClr val="accent1"/>
+          </a:lnRef>
+          <a:fillRef idx="0">
+            <a:schemeClr val="accent1"/>
+          </a:fillRef>
+          <a:effectRef idx="1">
+            <a:schemeClr val="accent1"/>
+          </a:effectRef>
+          <a:fontRef idx="minor">
+            <a:schemeClr val="tx1"/>
+          </a:fontRef>
+        </p:style>
+      </p:cxnSp>
+      <p:cxnSp>
+        <p:nvCxnSpPr>
+          <p:cNvPr id="477" name="Straight Arrow Connector 476">
+            <a:extLst>
+              <a:ext uri="{FF2B5EF4-FFF2-40B4-BE49-F238E27FC236}">
+                <a16:creationId xmlns:a16="http://schemas.microsoft.com/office/drawing/2014/main" id="{882A3672-A134-557D-8B56-5AC62E376C77}"/>
+              </a:ext>
+            </a:extLst>
+          </p:cNvPr>
+          <p:cNvCxnSpPr>
+            <a:cxnSpLocks/>
+            <a:stCxn id="63" idx="1"/>
+            <a:endCxn id="94" idx="2"/>
+          </p:cNvCxnSpPr>
+          <p:nvPr/>
+        </p:nvCxnSpPr>
+        <p:spPr>
+          <a:xfrm>
+            <a:off x="3593499" y="2215583"/>
+            <a:ext cx="577204" cy="0"/>
+          </a:xfrm>
+          <a:prstGeom prst="straightConnector1">
+            <a:avLst/>
+          </a:prstGeom>
+          <a:ln w="19050" cap="flat" cmpd="sng" algn="ctr">
+            <a:solidFill>
+              <a:schemeClr val="tx1"/>
+            </a:solidFill>
+            <a:prstDash val="solid"/>
+            <a:round/>
+            <a:headEnd type="none" w="med" len="med"/>
+            <a:tailEnd type="arrow" w="med" len="med"/>
+          </a:ln>
+          <a:effectLst/>
+        </p:spPr>
+        <p:style>
+          <a:lnRef idx="2">
+            <a:schemeClr val="accent1"/>
+          </a:lnRef>
+          <a:fillRef idx="0">
+            <a:schemeClr val="accent1"/>
+          </a:fillRef>
+          <a:effectRef idx="1">
+            <a:schemeClr val="accent1"/>
+          </a:effectRef>
+          <a:fontRef idx="minor">
+            <a:schemeClr val="tx1"/>
+          </a:fontRef>
+        </p:style>
+      </p:cxnSp>
+      <p:cxnSp>
+        <p:nvCxnSpPr>
+          <p:cNvPr id="486" name="Straight Arrow Connector 485">
+            <a:extLst>
+              <a:ext uri="{FF2B5EF4-FFF2-40B4-BE49-F238E27FC236}">
+                <a16:creationId xmlns:a16="http://schemas.microsoft.com/office/drawing/2014/main" id="{C08BEECF-0FEB-D290-FFB1-745DFD516C69}"/>
+              </a:ext>
+            </a:extLst>
+          </p:cNvPr>
+          <p:cNvCxnSpPr>
+            <a:cxnSpLocks/>
+            <a:stCxn id="64" idx="1"/>
+            <a:endCxn id="508" idx="0"/>
+          </p:cNvCxnSpPr>
+          <p:nvPr/>
+        </p:nvCxnSpPr>
+        <p:spPr>
+          <a:xfrm flipV="1">
+            <a:off x="3607961" y="2651341"/>
+            <a:ext cx="563757" cy="1"/>
+          </a:xfrm>
+          <a:prstGeom prst="straightConnector1">
+            <a:avLst/>
+          </a:prstGeom>
+          <a:ln w="19050" cap="flat" cmpd="sng" algn="ctr">
+            <a:solidFill>
+              <a:schemeClr val="tx1"/>
+            </a:solidFill>
+            <a:prstDash val="solid"/>
+            <a:round/>
+            <a:headEnd type="none" w="med" len="med"/>
+            <a:tailEnd type="arrow" w="med" len="med"/>
+          </a:ln>
+          <a:effectLst/>
+        </p:spPr>
+        <p:style>
+          <a:lnRef idx="2">
+            <a:schemeClr val="accent1"/>
+          </a:lnRef>
+          <a:fillRef idx="0">
+            <a:schemeClr val="accent1"/>
+          </a:fillRef>
+          <a:effectRef idx="1">
+            <a:schemeClr val="accent1"/>
+          </a:effectRef>
+          <a:fontRef idx="minor">
+            <a:schemeClr val="tx1"/>
+          </a:fontRef>
+        </p:style>
+      </p:cxnSp>
+      <p:cxnSp>
+        <p:nvCxnSpPr>
+          <p:cNvPr id="487" name="Straight Arrow Connector 486">
+            <a:extLst>
+              <a:ext uri="{FF2B5EF4-FFF2-40B4-BE49-F238E27FC236}">
+                <a16:creationId xmlns:a16="http://schemas.microsoft.com/office/drawing/2014/main" id="{4E8A845D-C3FC-D19E-D3ED-EA1DA55C56F2}"/>
+              </a:ext>
+            </a:extLst>
+          </p:cNvPr>
+          <p:cNvCxnSpPr>
+            <a:cxnSpLocks/>
+            <a:stCxn id="69" idx="1"/>
+            <a:endCxn id="508" idx="2"/>
+          </p:cNvCxnSpPr>
+          <p:nvPr/>
+        </p:nvCxnSpPr>
+        <p:spPr>
+          <a:xfrm flipV="1">
+            <a:off x="3592642" y="3465768"/>
+            <a:ext cx="579076" cy="1"/>
+          </a:xfrm>
+          <a:prstGeom prst="straightConnector1">
+            <a:avLst/>
+          </a:prstGeom>
+          <a:ln w="19050" cap="flat" cmpd="sng" algn="ctr">
+            <a:solidFill>
+              <a:schemeClr val="tx1"/>
+            </a:solidFill>
+            <a:prstDash val="solid"/>
+            <a:round/>
+            <a:headEnd type="none" w="med" len="med"/>
+            <a:tailEnd type="arrow" w="med" len="med"/>
+          </a:ln>
+          <a:effectLst/>
+        </p:spPr>
+        <p:style>
+          <a:lnRef idx="2">
+            <a:schemeClr val="accent1"/>
+          </a:lnRef>
+          <a:fillRef idx="0">
+            <a:schemeClr val="accent1"/>
+          </a:fillRef>
+          <a:effectRef idx="1">
+            <a:schemeClr val="accent1"/>
+          </a:effectRef>
+          <a:fontRef idx="minor">
+            <a:schemeClr val="tx1"/>
+          </a:fontRef>
+        </p:style>
+      </p:cxnSp>
+      <p:cxnSp>
+        <p:nvCxnSpPr>
+          <p:cNvPr id="488" name="Straight Arrow Connector 487">
+            <a:extLst>
+              <a:ext uri="{FF2B5EF4-FFF2-40B4-BE49-F238E27FC236}">
+                <a16:creationId xmlns:a16="http://schemas.microsoft.com/office/drawing/2014/main" id="{F9AAB5EA-E410-C7B4-6BD9-02F84580EA53}"/>
+              </a:ext>
+            </a:extLst>
+          </p:cNvPr>
+          <p:cNvCxnSpPr>
+            <a:cxnSpLocks/>
+            <a:stCxn id="18" idx="1"/>
+            <a:endCxn id="510" idx="0"/>
+          </p:cNvCxnSpPr>
+          <p:nvPr/>
+        </p:nvCxnSpPr>
+        <p:spPr>
+          <a:xfrm>
+            <a:off x="3591514" y="3879612"/>
+            <a:ext cx="576224" cy="1"/>
+          </a:xfrm>
+          <a:prstGeom prst="straightConnector1">
+            <a:avLst/>
+          </a:prstGeom>
+          <a:ln w="19050" cap="flat" cmpd="sng" algn="ctr">
+            <a:solidFill>
+              <a:schemeClr val="tx1"/>
+            </a:solidFill>
+            <a:prstDash val="solid"/>
+            <a:round/>
+            <a:headEnd type="none" w="med" len="med"/>
+            <a:tailEnd type="arrow" w="med" len="med"/>
+          </a:ln>
+          <a:effectLst/>
+        </p:spPr>
+        <p:style>
+          <a:lnRef idx="2">
+            <a:schemeClr val="accent1"/>
+          </a:lnRef>
+          <a:fillRef idx="0">
+            <a:schemeClr val="accent1"/>
+          </a:fillRef>
+          <a:effectRef idx="1">
+            <a:schemeClr val="accent1"/>
+          </a:effectRef>
+          <a:fontRef idx="minor">
+            <a:schemeClr val="tx1"/>
+          </a:fontRef>
+        </p:style>
+      </p:cxnSp>
+      <p:cxnSp>
+        <p:nvCxnSpPr>
+          <p:cNvPr id="500" name="Straight Arrow Connector 499">
+            <a:extLst>
+              <a:ext uri="{FF2B5EF4-FFF2-40B4-BE49-F238E27FC236}">
+                <a16:creationId xmlns:a16="http://schemas.microsoft.com/office/drawing/2014/main" id="{EA7DA790-8EFC-0332-A8F1-0CC358E759AA}"/>
+              </a:ext>
+            </a:extLst>
+          </p:cNvPr>
+          <p:cNvCxnSpPr>
+            <a:cxnSpLocks/>
+            <a:stCxn id="21" idx="1"/>
+            <a:endCxn id="510" idx="2"/>
+          </p:cNvCxnSpPr>
+          <p:nvPr/>
+        </p:nvCxnSpPr>
+        <p:spPr>
+          <a:xfrm flipV="1">
+            <a:off x="3600094" y="4667709"/>
+            <a:ext cx="567644" cy="1"/>
+          </a:xfrm>
+          <a:prstGeom prst="straightConnector1">
+            <a:avLst/>
+          </a:prstGeom>
+          <a:ln w="19050" cap="flat" cmpd="sng" algn="ctr">
+            <a:solidFill>
+              <a:schemeClr val="tx1"/>
+            </a:solidFill>
+            <a:prstDash val="solid"/>
+            <a:round/>
+            <a:headEnd type="none" w="med" len="med"/>
+            <a:tailEnd type="arrow" w="med" len="med"/>
+          </a:ln>
+          <a:effectLst/>
+        </p:spPr>
+        <p:style>
+          <a:lnRef idx="2">
+            <a:schemeClr val="accent1"/>
+          </a:lnRef>
+          <a:fillRef idx="0">
+            <a:schemeClr val="accent1"/>
+          </a:fillRef>
+          <a:effectRef idx="1">
+            <a:schemeClr val="accent1"/>
+          </a:effectRef>
+          <a:fontRef idx="minor">
+            <a:schemeClr val="tx1"/>
+          </a:fontRef>
+        </p:style>
+      </p:cxnSp>
     </p:spTree>
     <p:extLst>
       <p:ext uri="{BB962C8B-B14F-4D97-AF65-F5344CB8AC3E}">

--- a/Figures_EP/Arcs/Architecture.pptx
+++ b/Figures_EP/Arcs/Architecture.pptx
@@ -197,7 +197,7 @@
           <a:p>
             <a:fld id="{4F2B3EEC-C8B4-0543-943F-91B3791C5E43}" type="datetimeFigureOut">
               <a:rPr lang="en-US" smtClean="0"/>
-              <a:t>3/6/24</a:t>
+              <a:t>3/12/24</a:t>
             </a:fld>
             <a:endParaRPr lang="en-US"/>
           </a:p>
@@ -734,7 +734,7 @@
           <a:p>
             <a:fld id="{697CBF4A-2AD2-1249-BC5E-D6BCA9656194}" type="datetimeFigureOut">
               <a:rPr lang="en-US" smtClean="0"/>
-              <a:t>3/6/24</a:t>
+              <a:t>3/12/24</a:t>
             </a:fld>
             <a:endParaRPr lang="en-US"/>
           </a:p>
@@ -932,7 +932,7 @@
           <a:p>
             <a:fld id="{697CBF4A-2AD2-1249-BC5E-D6BCA9656194}" type="datetimeFigureOut">
               <a:rPr lang="en-US" smtClean="0"/>
-              <a:t>3/6/24</a:t>
+              <a:t>3/12/24</a:t>
             </a:fld>
             <a:endParaRPr lang="en-US"/>
           </a:p>
@@ -1140,7 +1140,7 @@
           <a:p>
             <a:fld id="{697CBF4A-2AD2-1249-BC5E-D6BCA9656194}" type="datetimeFigureOut">
               <a:rPr lang="en-US" smtClean="0"/>
-              <a:t>3/6/24</a:t>
+              <a:t>3/12/24</a:t>
             </a:fld>
             <a:endParaRPr lang="en-US"/>
           </a:p>
@@ -1338,7 +1338,7 @@
           <a:p>
             <a:fld id="{697CBF4A-2AD2-1249-BC5E-D6BCA9656194}" type="datetimeFigureOut">
               <a:rPr lang="en-US" smtClean="0"/>
-              <a:t>3/6/24</a:t>
+              <a:t>3/12/24</a:t>
             </a:fld>
             <a:endParaRPr lang="en-US"/>
           </a:p>
@@ -1613,7 +1613,7 @@
           <a:p>
             <a:fld id="{697CBF4A-2AD2-1249-BC5E-D6BCA9656194}" type="datetimeFigureOut">
               <a:rPr lang="en-US" smtClean="0"/>
-              <a:t>3/6/24</a:t>
+              <a:t>3/12/24</a:t>
             </a:fld>
             <a:endParaRPr lang="en-US"/>
           </a:p>
@@ -1878,7 +1878,7 @@
           <a:p>
             <a:fld id="{697CBF4A-2AD2-1249-BC5E-D6BCA9656194}" type="datetimeFigureOut">
               <a:rPr lang="en-US" smtClean="0"/>
-              <a:t>3/6/24</a:t>
+              <a:t>3/12/24</a:t>
             </a:fld>
             <a:endParaRPr lang="en-US"/>
           </a:p>
@@ -2290,7 +2290,7 @@
           <a:p>
             <a:fld id="{697CBF4A-2AD2-1249-BC5E-D6BCA9656194}" type="datetimeFigureOut">
               <a:rPr lang="en-US" smtClean="0"/>
-              <a:t>3/6/24</a:t>
+              <a:t>3/12/24</a:t>
             </a:fld>
             <a:endParaRPr lang="en-US"/>
           </a:p>
@@ -2431,7 +2431,7 @@
           <a:p>
             <a:fld id="{697CBF4A-2AD2-1249-BC5E-D6BCA9656194}" type="datetimeFigureOut">
               <a:rPr lang="en-US" smtClean="0"/>
-              <a:t>3/6/24</a:t>
+              <a:t>3/12/24</a:t>
             </a:fld>
             <a:endParaRPr lang="en-US"/>
           </a:p>
@@ -2544,7 +2544,7 @@
           <a:p>
             <a:fld id="{697CBF4A-2AD2-1249-BC5E-D6BCA9656194}" type="datetimeFigureOut">
               <a:rPr lang="en-US" smtClean="0"/>
-              <a:t>3/6/24</a:t>
+              <a:t>3/12/24</a:t>
             </a:fld>
             <a:endParaRPr lang="en-US"/>
           </a:p>
@@ -2855,7 +2855,7 @@
           <a:p>
             <a:fld id="{697CBF4A-2AD2-1249-BC5E-D6BCA9656194}" type="datetimeFigureOut">
               <a:rPr lang="en-US" smtClean="0"/>
-              <a:t>3/6/24</a:t>
+              <a:t>3/12/24</a:t>
             </a:fld>
             <a:endParaRPr lang="en-US"/>
           </a:p>
@@ -3143,7 +3143,7 @@
           <a:p>
             <a:fld id="{697CBF4A-2AD2-1249-BC5E-D6BCA9656194}" type="datetimeFigureOut">
               <a:rPr lang="en-US" smtClean="0"/>
-              <a:t>3/6/24</a:t>
+              <a:t>3/12/24</a:t>
             </a:fld>
             <a:endParaRPr lang="en-US"/>
           </a:p>
@@ -3384,7 +3384,7 @@
           <a:p>
             <a:fld id="{697CBF4A-2AD2-1249-BC5E-D6BCA9656194}" type="datetimeFigureOut">
               <a:rPr lang="en-US" smtClean="0"/>
-              <a:t>3/6/24</a:t>
+              <a:t>3/12/24</a:t>
             </a:fld>
             <a:endParaRPr lang="en-US"/>
           </a:p>
@@ -3815,8 +3815,8 @@
         </p:nvSpPr>
         <p:spPr>
           <a:xfrm>
-            <a:off x="1724146" y="894905"/>
-            <a:ext cx="4153072" cy="4408940"/>
+            <a:off x="1546012" y="894905"/>
+            <a:ext cx="3806778" cy="4408940"/>
           </a:xfrm>
           <a:prstGeom prst="roundRect">
             <a:avLst>
@@ -3870,7 +3870,7 @@
         </p:nvSpPr>
         <p:spPr>
           <a:xfrm>
-            <a:off x="11196653" y="3634288"/>
+            <a:off x="10035772" y="3634288"/>
             <a:ext cx="848887" cy="578027"/>
           </a:xfrm>
           <a:prstGeom prst="roundRect">
@@ -3927,7 +3927,7 @@
         </p:nvCxnSpPr>
         <p:spPr>
           <a:xfrm>
-            <a:off x="11621097" y="4212315"/>
+            <a:off x="10460216" y="4212315"/>
             <a:ext cx="3994" cy="311504"/>
           </a:xfrm>
           <a:prstGeom prst="straightConnector1">
@@ -3973,7 +3973,7 @@
         </p:nvSpPr>
         <p:spPr>
           <a:xfrm>
-            <a:off x="11195464" y="4523819"/>
+            <a:off x="10034583" y="4523819"/>
             <a:ext cx="859253" cy="692005"/>
           </a:xfrm>
           <a:prstGeom prst="rect">
@@ -4093,13 +4093,15 @@
               </a:ext>
             </a:extLst>
           </p:cNvPr>
-          <p:cNvSpPr/>
-          <p:nvPr/>
-        </p:nvSpPr>
-        <p:spPr>
-          <a:xfrm>
-            <a:off x="896453" y="1780186"/>
-            <a:ext cx="408700" cy="256860"/>
+          <p:cNvSpPr>
+            <a:spLocks/>
+          </p:cNvSpPr>
+          <p:nvPr/>
+        </p:nvSpPr>
+        <p:spPr>
+          <a:xfrm>
+            <a:off x="939144" y="1780186"/>
+            <a:ext cx="274320" cy="292608"/>
           </a:xfrm>
           <a:prstGeom prst="can">
             <a:avLst/>
@@ -4133,28 +4135,6 @@
           <a:lstStyle/>
           <a:p>
             <a:pPr algn="ctr"/>
-            <a:r>
-              <a:rPr lang="en-US" sz="1400" dirty="0">
-                <a:solidFill>
-                  <a:schemeClr val="bg1"/>
-                </a:solidFill>
-                <a:latin typeface=""/>
-                <a:ea typeface="Tahoma" panose="020B0604030504040204" pitchFamily="34" charset="0"/>
-                <a:cs typeface="Tahoma" panose="020B0604030504040204" pitchFamily="34" charset="0"/>
-              </a:rPr>
-              <a:t>S</a:t>
-            </a:r>
-            <a:r>
-              <a:rPr lang="en-US" sz="1400" baseline="-25000" dirty="0">
-                <a:solidFill>
-                  <a:schemeClr val="bg1"/>
-                </a:solidFill>
-                <a:latin typeface=""/>
-                <a:ea typeface="Tahoma" panose="020B0604030504040204" pitchFamily="34" charset="0"/>
-                <a:cs typeface="Tahoma" panose="020B0604030504040204" pitchFamily="34" charset="0"/>
-              </a:rPr>
-              <a:t>1</a:t>
-            </a:r>
             <a:endParaRPr lang="en-US" sz="1200" baseline="-25000" dirty="0">
               <a:solidFill>
                 <a:schemeClr val="bg1"/>
@@ -4175,13 +4155,15 @@
               </a:ext>
             </a:extLst>
           </p:cNvPr>
-          <p:cNvSpPr/>
-          <p:nvPr/>
-        </p:nvSpPr>
-        <p:spPr>
-          <a:xfrm>
-            <a:off x="896454" y="2846538"/>
-            <a:ext cx="408700" cy="256860"/>
+          <p:cNvSpPr>
+            <a:spLocks/>
+          </p:cNvSpPr>
+          <p:nvPr/>
+        </p:nvSpPr>
+        <p:spPr>
+          <a:xfrm>
+            <a:off x="939760" y="2834640"/>
+            <a:ext cx="274320" cy="292608"/>
           </a:xfrm>
           <a:prstGeom prst="can">
             <a:avLst/>
@@ -4215,28 +4197,6 @@
           <a:lstStyle/>
           <a:p>
             <a:pPr algn="ctr"/>
-            <a:r>
-              <a:rPr lang="en-US" sz="1400" dirty="0">
-                <a:solidFill>
-                  <a:schemeClr val="bg1"/>
-                </a:solidFill>
-                <a:latin typeface=""/>
-                <a:ea typeface="Tahoma" panose="020B0604030504040204" pitchFamily="34" charset="0"/>
-                <a:cs typeface="Tahoma" panose="020B0604030504040204" pitchFamily="34" charset="0"/>
-              </a:rPr>
-              <a:t>S</a:t>
-            </a:r>
-            <a:r>
-              <a:rPr lang="en-US" sz="1400" baseline="-25000" dirty="0">
-                <a:solidFill>
-                  <a:schemeClr val="bg1"/>
-                </a:solidFill>
-                <a:latin typeface=""/>
-                <a:ea typeface="Tahoma" panose="020B0604030504040204" pitchFamily="34" charset="0"/>
-                <a:cs typeface="Tahoma" panose="020B0604030504040204" pitchFamily="34" charset="0"/>
-              </a:rPr>
-              <a:t>2</a:t>
-            </a:r>
             <a:endParaRPr lang="en-US" sz="2000" baseline="-25000" dirty="0">
               <a:solidFill>
                 <a:schemeClr val="bg1"/>
@@ -4257,13 +4217,15 @@
               </a:ext>
             </a:extLst>
           </p:cNvPr>
-          <p:cNvSpPr/>
-          <p:nvPr/>
-        </p:nvSpPr>
-        <p:spPr>
-          <a:xfrm>
-            <a:off x="901110" y="4648168"/>
-            <a:ext cx="408700" cy="256860"/>
+          <p:cNvSpPr>
+            <a:spLocks/>
+          </p:cNvSpPr>
+          <p:nvPr/>
+        </p:nvSpPr>
+        <p:spPr>
+          <a:xfrm>
+            <a:off x="939144" y="4645152"/>
+            <a:ext cx="274320" cy="292608"/>
           </a:xfrm>
           <a:prstGeom prst="can">
             <a:avLst/>
@@ -4297,28 +4259,14 @@
           <a:lstStyle/>
           <a:p>
             <a:pPr algn="ctr"/>
-            <a:r>
-              <a:rPr lang="en-US" sz="1400" dirty="0">
-                <a:solidFill>
-                  <a:schemeClr val="bg1"/>
-                </a:solidFill>
-                <a:latin typeface=""/>
-                <a:ea typeface="Tahoma" panose="020B0604030504040204" pitchFamily="34" charset="0"/>
-                <a:cs typeface="Tahoma" panose="020B0604030504040204" pitchFamily="34" charset="0"/>
-              </a:rPr>
-              <a:t>S</a:t>
-            </a:r>
-            <a:r>
-              <a:rPr lang="en-US" sz="1400" baseline="-25000" dirty="0">
-                <a:solidFill>
-                  <a:schemeClr val="bg1"/>
-                </a:solidFill>
-                <a:latin typeface=""/>
-                <a:ea typeface="Tahoma" panose="020B0604030504040204" pitchFamily="34" charset="0"/>
-                <a:cs typeface="Tahoma" panose="020B0604030504040204" pitchFamily="34" charset="0"/>
-              </a:rPr>
-              <a:t>n</a:t>
-            </a:r>
+            <a:endParaRPr lang="en-US" sz="1400" baseline="-25000" dirty="0">
+              <a:solidFill>
+                <a:schemeClr val="bg1"/>
+              </a:solidFill>
+              <a:latin typeface=""/>
+              <a:ea typeface="Tahoma" panose="020B0604030504040204" pitchFamily="34" charset="0"/>
+              <a:cs typeface="Tahoma" panose="020B0604030504040204" pitchFamily="34" charset="0"/>
+            </a:endParaRPr>
           </a:p>
         </p:txBody>
       </p:sp>
@@ -4331,13 +4279,15 @@
               </a:ext>
             </a:extLst>
           </p:cNvPr>
-          <p:cNvSpPr/>
-          <p:nvPr/>
-        </p:nvSpPr>
-        <p:spPr>
-          <a:xfrm>
-            <a:off x="113697" y="2135422"/>
-            <a:ext cx="408700" cy="1935003"/>
+          <p:cNvSpPr>
+            <a:spLocks/>
+          </p:cNvSpPr>
+          <p:nvPr/>
+        </p:nvSpPr>
+        <p:spPr>
+          <a:xfrm>
+            <a:off x="108030" y="2135422"/>
+            <a:ext cx="274320" cy="1935003"/>
           </a:xfrm>
           <a:prstGeom prst="can">
             <a:avLst/>
@@ -4391,13 +4341,15 @@
               </a:ext>
             </a:extLst>
           </p:cNvPr>
-          <p:cNvSpPr/>
-          <p:nvPr/>
-        </p:nvSpPr>
-        <p:spPr>
-          <a:xfrm>
-            <a:off x="114172" y="2341522"/>
-            <a:ext cx="408700" cy="256860"/>
+          <p:cNvSpPr>
+            <a:spLocks/>
+          </p:cNvSpPr>
+          <p:nvPr/>
+        </p:nvSpPr>
+        <p:spPr>
+          <a:xfrm>
+            <a:off x="108505" y="2341522"/>
+            <a:ext cx="274320" cy="256860"/>
           </a:xfrm>
           <a:prstGeom prst="can">
             <a:avLst/>
@@ -4451,13 +4403,15 @@
               </a:ext>
             </a:extLst>
           </p:cNvPr>
-          <p:cNvSpPr/>
-          <p:nvPr/>
-        </p:nvSpPr>
-        <p:spPr>
-          <a:xfrm>
-            <a:off x="114904" y="2135423"/>
-            <a:ext cx="408700" cy="256860"/>
+          <p:cNvSpPr>
+            <a:spLocks/>
+          </p:cNvSpPr>
+          <p:nvPr/>
+        </p:nvSpPr>
+        <p:spPr>
+          <a:xfrm>
+            <a:off x="109805" y="2135912"/>
+            <a:ext cx="274320" cy="256860"/>
           </a:xfrm>
           <a:prstGeom prst="can">
             <a:avLst/>
@@ -4517,7 +4471,7 @@
         <p:spPr>
           <a:xfrm>
             <a:off x="54080" y="894905"/>
-            <a:ext cx="1337084" cy="4138552"/>
+            <a:ext cx="1247172" cy="4138552"/>
           </a:xfrm>
           <a:prstGeom prst="roundRect">
             <a:avLst>
@@ -4569,13 +4523,15 @@
               </a:ext>
             </a:extLst>
           </p:cNvPr>
-          <p:cNvSpPr/>
-          <p:nvPr/>
-        </p:nvSpPr>
-        <p:spPr>
-          <a:xfrm>
-            <a:off x="114041" y="3804523"/>
-            <a:ext cx="408700" cy="256860"/>
+          <p:cNvSpPr>
+            <a:spLocks/>
+          </p:cNvSpPr>
+          <p:nvPr/>
+        </p:nvSpPr>
+        <p:spPr>
+          <a:xfrm>
+            <a:off x="108374" y="3804523"/>
+            <a:ext cx="274320" cy="256860"/>
           </a:xfrm>
           <a:prstGeom prst="can">
             <a:avLst/>
@@ -4638,12 +4594,12 @@
         </p:nvCxnSpPr>
         <p:spPr>
           <a:xfrm>
-            <a:off x="522741" y="3932953"/>
-            <a:ext cx="378369" cy="843645"/>
+            <a:off x="382694" y="3932953"/>
+            <a:ext cx="556450" cy="858503"/>
           </a:xfrm>
           <a:prstGeom prst="bentConnector3">
             <a:avLst>
-              <a:gd name="adj1" fmla="val 50000"/>
+              <a:gd name="adj1" fmla="val 61600"/>
             </a:avLst>
           </a:prstGeom>
           <a:ln w="28575" cap="flat" cmpd="sng" algn="ctr">
@@ -4689,8 +4645,8 @@
         </p:nvCxnSpPr>
         <p:spPr>
           <a:xfrm>
-            <a:off x="522872" y="2469952"/>
-            <a:ext cx="373582" cy="505016"/>
+            <a:off x="382825" y="2469952"/>
+            <a:ext cx="556935" cy="510992"/>
           </a:xfrm>
           <a:prstGeom prst="bentConnector3">
             <a:avLst>
@@ -4740,8 +4696,8 @@
         </p:nvCxnSpPr>
         <p:spPr>
           <a:xfrm flipV="1">
-            <a:off x="523604" y="1908616"/>
-            <a:ext cx="372849" cy="355237"/>
+            <a:off x="384125" y="1926490"/>
+            <a:ext cx="555019" cy="337852"/>
           </a:xfrm>
           <a:prstGeom prst="bentConnector3">
             <a:avLst>
@@ -4787,7 +4743,7 @@
         </p:nvSpPr>
         <p:spPr>
           <a:xfrm>
-            <a:off x="249636" y="2742477"/>
+            <a:off x="201168" y="2742477"/>
             <a:ext cx="73705" cy="73705"/>
           </a:xfrm>
           <a:prstGeom prst="ellipse">
@@ -4843,8 +4799,8 @@
         </p:nvSpPr>
         <p:spPr>
           <a:xfrm>
-            <a:off x="66099" y="898221"/>
-            <a:ext cx="1325065" cy="523220"/>
+            <a:off x="66100" y="898221"/>
+            <a:ext cx="1188618" cy="523220"/>
           </a:xfrm>
           <a:prstGeom prst="rect">
             <a:avLst/>
@@ -4883,7 +4839,7 @@
         </p:nvSpPr>
         <p:spPr>
           <a:xfrm>
-            <a:off x="251058" y="2837840"/>
+            <a:off x="201168" y="2834640"/>
             <a:ext cx="73705" cy="73705"/>
           </a:xfrm>
           <a:prstGeom prst="ellipse">
@@ -4939,7 +4895,7 @@
         </p:nvSpPr>
         <p:spPr>
           <a:xfrm>
-            <a:off x="249636" y="2938907"/>
+            <a:off x="202132" y="2926080"/>
             <a:ext cx="73705" cy="73705"/>
           </a:xfrm>
           <a:prstGeom prst="ellipse">
@@ -4990,13 +4946,15 @@
               </a:ext>
             </a:extLst>
           </p:cNvPr>
-          <p:cNvSpPr/>
-          <p:nvPr/>
-        </p:nvSpPr>
-        <p:spPr>
-          <a:xfrm>
-            <a:off x="1783921" y="1750876"/>
-            <a:ext cx="395782" cy="283781"/>
+          <p:cNvSpPr>
+            <a:spLocks/>
+          </p:cNvSpPr>
+          <p:nvPr/>
+        </p:nvSpPr>
+        <p:spPr>
+          <a:xfrm>
+            <a:off x="1585795" y="1783080"/>
+            <a:ext cx="274320" cy="292608"/>
           </a:xfrm>
           <a:prstGeom prst="can">
             <a:avLst/>
@@ -5030,28 +4988,14 @@
           <a:lstStyle/>
           <a:p>
             <a:pPr algn="ctr"/>
-            <a:r>
-              <a:rPr lang="en-US" sz="1400" dirty="0">
-                <a:solidFill>
-                  <a:schemeClr val="bg1"/>
-                </a:solidFill>
-                <a:latin typeface=""/>
-                <a:ea typeface="Tahoma" panose="020B0604030504040204" pitchFamily="34" charset="0"/>
-                <a:cs typeface="Tahoma" panose="020B0604030504040204" pitchFamily="34" charset="0"/>
-              </a:rPr>
-              <a:t>S</a:t>
-            </a:r>
-            <a:r>
-              <a:rPr lang="en-US" sz="1400" baseline="-25000" dirty="0">
-                <a:solidFill>
-                  <a:schemeClr val="bg1"/>
-                </a:solidFill>
-                <a:latin typeface=""/>
-                <a:ea typeface="Tahoma" panose="020B0604030504040204" pitchFamily="34" charset="0"/>
-                <a:cs typeface="Tahoma" panose="020B0604030504040204" pitchFamily="34" charset="0"/>
-              </a:rPr>
-              <a:t>1</a:t>
-            </a:r>
+            <a:endParaRPr lang="en-US" sz="1400" baseline="-25000" dirty="0">
+              <a:solidFill>
+                <a:schemeClr val="bg1"/>
+              </a:solidFill>
+              <a:latin typeface=""/>
+              <a:ea typeface="Tahoma" panose="020B0604030504040204" pitchFamily="34" charset="0"/>
+              <a:cs typeface="Tahoma" panose="020B0604030504040204" pitchFamily="34" charset="0"/>
+            </a:endParaRPr>
           </a:p>
         </p:txBody>
       </p:sp>
@@ -5064,13 +5008,15 @@
               </a:ext>
             </a:extLst>
           </p:cNvPr>
-          <p:cNvSpPr/>
-          <p:nvPr/>
-        </p:nvSpPr>
-        <p:spPr>
-          <a:xfrm>
-            <a:off x="1783921" y="2819785"/>
-            <a:ext cx="396964" cy="283781"/>
+          <p:cNvSpPr>
+            <a:spLocks/>
+          </p:cNvSpPr>
+          <p:nvPr/>
+        </p:nvSpPr>
+        <p:spPr>
+          <a:xfrm>
+            <a:off x="1586019" y="2834640"/>
+            <a:ext cx="274320" cy="292608"/>
           </a:xfrm>
           <a:prstGeom prst="can">
             <a:avLst/>
@@ -5104,28 +5050,14 @@
           <a:lstStyle/>
           <a:p>
             <a:pPr algn="ctr"/>
-            <a:r>
-              <a:rPr lang="en-US" sz="1400" dirty="0">
-                <a:solidFill>
-                  <a:schemeClr val="bg1"/>
-                </a:solidFill>
-                <a:latin typeface=""/>
-                <a:ea typeface="Tahoma" panose="020B0604030504040204" pitchFamily="34" charset="0"/>
-                <a:cs typeface="Tahoma" panose="020B0604030504040204" pitchFamily="34" charset="0"/>
-              </a:rPr>
-              <a:t>S</a:t>
-            </a:r>
-            <a:r>
-              <a:rPr lang="en-US" sz="1400" baseline="-25000" dirty="0">
-                <a:solidFill>
-                  <a:schemeClr val="bg1"/>
-                </a:solidFill>
-                <a:latin typeface=""/>
-                <a:ea typeface="Tahoma" panose="020B0604030504040204" pitchFamily="34" charset="0"/>
-                <a:cs typeface="Tahoma" panose="020B0604030504040204" pitchFamily="34" charset="0"/>
-              </a:rPr>
-              <a:t>2</a:t>
-            </a:r>
+            <a:endParaRPr lang="en-US" sz="1400" baseline="-25000" dirty="0">
+              <a:solidFill>
+                <a:schemeClr val="bg1"/>
+              </a:solidFill>
+              <a:latin typeface=""/>
+              <a:ea typeface="Tahoma" panose="020B0604030504040204" pitchFamily="34" charset="0"/>
+              <a:cs typeface="Tahoma" panose="020B0604030504040204" pitchFamily="34" charset="0"/>
+            </a:endParaRPr>
           </a:p>
         </p:txBody>
       </p:sp>
@@ -5143,7 +5075,7 @@
         </p:nvSpPr>
         <p:spPr>
           <a:xfrm>
-            <a:off x="1896458" y="3478731"/>
+            <a:off x="1623316" y="3478731"/>
             <a:ext cx="80683" cy="81281"/>
           </a:xfrm>
           <a:prstGeom prst="ellipse">
@@ -5199,7 +5131,7 @@
         </p:nvSpPr>
         <p:spPr>
           <a:xfrm>
-            <a:off x="1896458" y="3625287"/>
+            <a:off x="1623316" y="3625287"/>
             <a:ext cx="80683" cy="83489"/>
           </a:xfrm>
           <a:prstGeom prst="ellipse">
@@ -5255,8 +5187,8 @@
         </p:nvSpPr>
         <p:spPr>
           <a:xfrm flipH="1">
-            <a:off x="2433296" y="2073692"/>
-            <a:ext cx="1160203" cy="283781"/>
+            <a:off x="2024859" y="2073692"/>
+            <a:ext cx="997235" cy="283781"/>
           </a:xfrm>
           <a:prstGeom prst="flowChartPunchedCard">
             <a:avLst/>
@@ -5318,8 +5250,8 @@
         </p:nvSpPr>
         <p:spPr>
           <a:xfrm flipH="1">
-            <a:off x="2440745" y="2457930"/>
-            <a:ext cx="1167216" cy="386824"/>
+            <a:off x="2032628" y="2457930"/>
+            <a:ext cx="1003262" cy="386824"/>
           </a:xfrm>
           <a:prstGeom prst="flowChartPunchedCard">
             <a:avLst/>
@@ -5353,85 +5285,14 @@
           <a:lstStyle/>
           <a:p>
             <a:pPr algn="ctr"/>
-            <a:r>
-              <a:rPr lang="en-US" sz="1400" dirty="0">
-                <a:solidFill>
-                  <a:schemeClr val="tx1"/>
-                </a:solidFill>
-                <a:latin typeface=""/>
-                <a:ea typeface="Tahoma" panose="020B0604030504040204" pitchFamily="34" charset="0"/>
-                <a:cs typeface="Tahoma" panose="020B0604030504040204" pitchFamily="34" charset="0"/>
-              </a:rPr>
-              <a:t>OI </a:t>
-            </a:r>
-            <a:r>
-              <a:rPr lang="en-US" sz="1400" b="0" i="0" dirty="0">
-                <a:solidFill>
-                  <a:schemeClr val="tx1"/>
-                </a:solidFill>
-                <a:effectLst/>
-                <a:latin typeface=""/>
-                <a:ea typeface="Tahoma" panose="020B0604030504040204" pitchFamily="34" charset="0"/>
-                <a:cs typeface="Tahoma" panose="020B0604030504040204" pitchFamily="34" charset="0"/>
-              </a:rPr>
-              <a:t>⊨</a:t>
-            </a:r>
-            <a:r>
-              <a:rPr lang="en-US" sz="1400" b="0" i="0" dirty="0">
-                <a:solidFill>
-                  <a:srgbClr val="4D5156"/>
-                </a:solidFill>
-                <a:effectLst/>
-                <a:latin typeface=""/>
-                <a:ea typeface="Tahoma" panose="020B0604030504040204" pitchFamily="34" charset="0"/>
-                <a:cs typeface="Tahoma" panose="020B0604030504040204" pitchFamily="34" charset="0"/>
-              </a:rPr>
-              <a:t> </a:t>
-            </a:r>
-            <a:r>
-              <a:rPr lang="en-US" sz="1400" dirty="0">
-                <a:solidFill>
-                  <a:schemeClr val="tx1"/>
-                </a:solidFill>
-                <a:latin typeface=""/>
-                <a:ea typeface="Tahoma" panose="020B0604030504040204" pitchFamily="34" charset="0"/>
-                <a:cs typeface="Tahoma" panose="020B0604030504040204" pitchFamily="34" charset="0"/>
-              </a:rPr>
-              <a:t>P</a:t>
-            </a:r>
-            <a:r>
-              <a:rPr lang="en-US" sz="1400" baseline="-25000" dirty="0">
-                <a:solidFill>
-                  <a:schemeClr val="tx1"/>
-                </a:solidFill>
-                <a:latin typeface=""/>
-                <a:ea typeface="Tahoma" panose="020B0604030504040204" pitchFamily="34" charset="0"/>
-                <a:cs typeface="Tahoma" panose="020B0604030504040204" pitchFamily="34" charset="0"/>
-              </a:rPr>
-              <a:t>1</a:t>
-            </a:r>
-            <a:r>
-              <a:rPr lang="en-US" sz="1400" dirty="0">
-                <a:solidFill>
-                  <a:schemeClr val="tx1"/>
-                </a:solidFill>
-                <a:latin typeface=""/>
-                <a:ea typeface="Tahoma" panose="020B0604030504040204" pitchFamily="34" charset="0"/>
-                <a:cs typeface="Tahoma" panose="020B0604030504040204" pitchFamily="34" charset="0"/>
-              </a:rPr>
-              <a:t>:v</a:t>
-            </a:r>
-            <a:r>
-              <a:rPr lang="en-US" sz="1400" baseline="-25000" dirty="0">
-                <a:solidFill>
-                  <a:schemeClr val="tx1"/>
-                </a:solidFill>
-                <a:latin typeface=""/>
-                <a:ea typeface="Tahoma" panose="020B0604030504040204" pitchFamily="34" charset="0"/>
-                <a:cs typeface="Tahoma" panose="020B0604030504040204" pitchFamily="34" charset="0"/>
-              </a:rPr>
-              <a:t>1_2</a:t>
-            </a:r>
+            <a:endParaRPr lang="en-US" sz="1400" baseline="-25000" dirty="0">
+              <a:solidFill>
+                <a:schemeClr val="tx1"/>
+              </a:solidFill>
+              <a:latin typeface=""/>
+              <a:ea typeface="Tahoma" panose="020B0604030504040204" pitchFamily="34" charset="0"/>
+              <a:cs typeface="Tahoma" panose="020B0604030504040204" pitchFamily="34" charset="0"/>
+            </a:endParaRPr>
           </a:p>
         </p:txBody>
       </p:sp>
@@ -5449,8 +5310,8 @@
         </p:nvSpPr>
         <p:spPr>
           <a:xfrm flipH="1">
-            <a:off x="2433296" y="3315619"/>
-            <a:ext cx="1159346" cy="300300"/>
+            <a:off x="2024821" y="3315619"/>
+            <a:ext cx="996498" cy="300300"/>
           </a:xfrm>
           <a:prstGeom prst="flowChartPunchedCard">
             <a:avLst/>
@@ -5516,12 +5377,12 @@
         </p:nvCxnSpPr>
         <p:spPr>
           <a:xfrm flipV="1">
-            <a:off x="2180885" y="2651342"/>
-            <a:ext cx="259860" cy="310334"/>
+            <a:off x="1860339" y="2651342"/>
+            <a:ext cx="172289" cy="329602"/>
           </a:xfrm>
           <a:prstGeom prst="bentConnector3">
             <a:avLst>
-              <a:gd name="adj1" fmla="val 50000"/>
+              <a:gd name="adj1" fmla="val 25876"/>
             </a:avLst>
           </a:prstGeom>
           <a:ln w="19050" cap="flat" cmpd="sng" algn="ctr">
@@ -5567,12 +5428,12 @@
         </p:nvCxnSpPr>
         <p:spPr>
           <a:xfrm>
-            <a:off x="2180885" y="2961676"/>
-            <a:ext cx="252411" cy="504093"/>
+            <a:off x="1860339" y="2980944"/>
+            <a:ext cx="164482" cy="484825"/>
           </a:xfrm>
           <a:prstGeom prst="bentConnector3">
             <a:avLst>
-              <a:gd name="adj1" fmla="val 50000"/>
+              <a:gd name="adj1" fmla="val 28340"/>
             </a:avLst>
           </a:prstGeom>
           <a:ln w="19050" cap="flat" cmpd="sng" algn="ctr">
@@ -5618,11 +5479,13 @@
         </p:nvCxnSpPr>
         <p:spPr>
           <a:xfrm flipV="1">
-            <a:off x="2179703" y="1407187"/>
-            <a:ext cx="254726" cy="485580"/>
+            <a:off x="1860115" y="1407187"/>
+            <a:ext cx="165735" cy="522197"/>
           </a:xfrm>
           <a:prstGeom prst="bentConnector3">
-            <a:avLst/>
+            <a:avLst>
+              <a:gd name="adj1" fmla="val 24922"/>
+            </a:avLst>
           </a:prstGeom>
           <a:ln w="19050" cap="flat" cmpd="sng" algn="ctr">
             <a:solidFill>
@@ -5667,12 +5530,12 @@
         </p:nvCxnSpPr>
         <p:spPr>
           <a:xfrm>
-            <a:off x="2179703" y="1892767"/>
-            <a:ext cx="253593" cy="322816"/>
+            <a:off x="1860115" y="1929384"/>
+            <a:ext cx="164744" cy="286199"/>
           </a:xfrm>
           <a:prstGeom prst="bentConnector3">
             <a:avLst>
-              <a:gd name="adj1" fmla="val 50000"/>
+              <a:gd name="adj1" fmla="val 24771"/>
             </a:avLst>
           </a:prstGeom>
           <a:ln w="19050" cap="flat" cmpd="sng" algn="ctr">
@@ -5714,7 +5577,7 @@
         </p:nvSpPr>
         <p:spPr>
           <a:xfrm>
-            <a:off x="1896458" y="3327765"/>
+            <a:off x="1623316" y="3327765"/>
             <a:ext cx="80683" cy="85691"/>
           </a:xfrm>
           <a:prstGeom prst="ellipse">
@@ -5770,8 +5633,8 @@
         </p:nvSpPr>
         <p:spPr>
           <a:xfrm flipH="1">
-            <a:off x="2434429" y="1221481"/>
-            <a:ext cx="1154571" cy="371411"/>
+            <a:off x="2025850" y="1221481"/>
+            <a:ext cx="994554" cy="371411"/>
           </a:xfrm>
           <a:prstGeom prst="flowChartPunchedCard">
             <a:avLst/>
@@ -5805,79 +5668,56 @@
           <a:lstStyle/>
           <a:p>
             <a:pPr algn="ctr"/>
+            <a:endParaRPr lang="en-US" sz="1400" baseline="-25000" dirty="0">
+              <a:solidFill>
+                <a:schemeClr val="tx1"/>
+              </a:solidFill>
+              <a:latin typeface=""/>
+              <a:ea typeface="Tahoma" panose="020B0604030504040204" pitchFamily="34" charset="0"/>
+              <a:cs typeface="Tahoma" panose="020B0604030504040204" pitchFamily="34" charset="0"/>
+            </a:endParaRPr>
+          </a:p>
+        </p:txBody>
+      </p:sp>
+      <p:sp>
+        <p:nvSpPr>
+          <p:cNvPr id="95" name="TextBox 94">
+            <a:extLst>
+              <a:ext uri="{FF2B5EF4-FFF2-40B4-BE49-F238E27FC236}">
+                <a16:creationId xmlns:a16="http://schemas.microsoft.com/office/drawing/2014/main" id="{77A415E4-6818-0098-65BE-59033244D805}"/>
+              </a:ext>
+            </a:extLst>
+          </p:cNvPr>
+          <p:cNvSpPr txBox="1"/>
+          <p:nvPr/>
+        </p:nvSpPr>
+        <p:spPr>
+          <a:xfrm>
+            <a:off x="3004775" y="1674290"/>
+            <a:ext cx="1257270" cy="307777"/>
+          </a:xfrm>
+          <a:prstGeom prst="rect">
+            <a:avLst/>
+          </a:prstGeom>
+          <a:noFill/>
+        </p:spPr>
+        <p:txBody>
+          <a:bodyPr wrap="square" rtlCol="0">
+            <a:spAutoFit/>
+          </a:bodyPr>
+          <a:lstStyle/>
+          <a:p>
+            <a:pPr algn="ctr"/>
             <a:r>
               <a:rPr lang="en-US" sz="1400" dirty="0">
-                <a:solidFill>
-                  <a:schemeClr val="tx1"/>
-                </a:solidFill>
                 <a:latin typeface=""/>
                 <a:ea typeface="Tahoma" panose="020B0604030504040204" pitchFamily="34" charset="0"/>
                 <a:cs typeface="Tahoma" panose="020B0604030504040204" pitchFamily="34" charset="0"/>
               </a:rPr>
-              <a:t>OI </a:t>
-            </a:r>
-            <a:r>
-              <a:rPr lang="en-US" sz="1400" b="0" i="0" dirty="0">
-                <a:solidFill>
-                  <a:schemeClr val="tx1"/>
-                </a:solidFill>
-                <a:effectLst/>
-                <a:latin typeface=""/>
-                <a:ea typeface="Tahoma" panose="020B0604030504040204" pitchFamily="34" charset="0"/>
-                <a:cs typeface="Tahoma" panose="020B0604030504040204" pitchFamily="34" charset="0"/>
-              </a:rPr>
-              <a:t>⊨</a:t>
-            </a:r>
-            <a:r>
-              <a:rPr lang="en-US" sz="1400" b="0" i="0" dirty="0">
-                <a:solidFill>
-                  <a:srgbClr val="4D5156"/>
-                </a:solidFill>
-                <a:effectLst/>
-                <a:latin typeface=""/>
-                <a:ea typeface="Tahoma" panose="020B0604030504040204" pitchFamily="34" charset="0"/>
-                <a:cs typeface="Tahoma" panose="020B0604030504040204" pitchFamily="34" charset="0"/>
-              </a:rPr>
-              <a:t> </a:t>
-            </a:r>
-            <a:r>
-              <a:rPr lang="en-US" sz="1400" dirty="0">
-                <a:solidFill>
-                  <a:schemeClr val="tx1"/>
-                </a:solidFill>
-                <a:latin typeface=""/>
-                <a:ea typeface="Tahoma" panose="020B0604030504040204" pitchFamily="34" charset="0"/>
-                <a:cs typeface="Tahoma" panose="020B0604030504040204" pitchFamily="34" charset="0"/>
-              </a:rPr>
-              <a:t>P</a:t>
+              <a:t>Similarity</a:t>
             </a:r>
             <a:r>
               <a:rPr lang="en-US" sz="1400" baseline="-25000" dirty="0">
-                <a:solidFill>
-                  <a:schemeClr val="tx1"/>
-                </a:solidFill>
-                <a:latin typeface=""/>
-                <a:ea typeface="Tahoma" panose="020B0604030504040204" pitchFamily="34" charset="0"/>
-                <a:cs typeface="Tahoma" panose="020B0604030504040204" pitchFamily="34" charset="0"/>
-              </a:rPr>
-              <a:t>1</a:t>
-            </a:r>
-            <a:r>
-              <a:rPr lang="en-US" sz="1400" dirty="0">
-                <a:solidFill>
-                  <a:schemeClr val="tx1"/>
-                </a:solidFill>
-                <a:latin typeface=""/>
-                <a:ea typeface="Tahoma" panose="020B0604030504040204" pitchFamily="34" charset="0"/>
-                <a:cs typeface="Tahoma" panose="020B0604030504040204" pitchFamily="34" charset="0"/>
-              </a:rPr>
-              <a:t>:v</a:t>
-            </a:r>
-            <a:r>
-              <a:rPr lang="en-US" sz="1400" baseline="-25000" dirty="0">
-                <a:solidFill>
-                  <a:schemeClr val="tx1"/>
-                </a:solidFill>
                 <a:latin typeface=""/>
                 <a:ea typeface="Tahoma" panose="020B0604030504040204" pitchFamily="34" charset="0"/>
                 <a:cs typeface="Tahoma" panose="020B0604030504040204" pitchFamily="34" charset="0"/>
@@ -5887,12 +5727,112 @@
           </a:p>
         </p:txBody>
       </p:sp>
-      <p:sp>
-        <p:nvSpPr>
-          <p:cNvPr id="94" name="Decision 93">
-            <a:extLst>
-              <a:ext uri="{FF2B5EF4-FFF2-40B4-BE49-F238E27FC236}">
-                <a16:creationId xmlns:a16="http://schemas.microsoft.com/office/drawing/2014/main" id="{FEA9941F-5037-6063-5D11-A8AF16CD47D2}"/>
+      <p:cxnSp>
+        <p:nvCxnSpPr>
+          <p:cNvPr id="195" name="Straight Arrow Connector 194">
+            <a:extLst>
+              <a:ext uri="{FF2B5EF4-FFF2-40B4-BE49-F238E27FC236}">
+                <a16:creationId xmlns:a16="http://schemas.microsoft.com/office/drawing/2014/main" id="{A417EC42-B088-CC5A-6672-FDBA61184381}"/>
+              </a:ext>
+            </a:extLst>
+          </p:cNvPr>
+          <p:cNvCxnSpPr>
+            <a:cxnSpLocks/>
+            <a:stCxn id="218" idx="4"/>
+            <a:endCxn id="197" idx="1"/>
+          </p:cNvCxnSpPr>
+          <p:nvPr/>
+        </p:nvCxnSpPr>
+        <p:spPr>
+          <a:xfrm flipV="1">
+            <a:off x="7722166" y="1928134"/>
+            <a:ext cx="145085" cy="1250"/>
+          </a:xfrm>
+          <a:prstGeom prst="straightConnector1">
+            <a:avLst/>
+          </a:prstGeom>
+          <a:ln w="19050" cap="flat" cmpd="sng" algn="ctr">
+            <a:solidFill>
+              <a:schemeClr val="tx1"/>
+            </a:solidFill>
+            <a:prstDash val="solid"/>
+            <a:round/>
+            <a:headEnd type="none" w="med" len="med"/>
+            <a:tailEnd type="arrow" w="med" len="med"/>
+          </a:ln>
+          <a:effectLst/>
+        </p:spPr>
+        <p:style>
+          <a:lnRef idx="2">
+            <a:schemeClr val="accent1"/>
+          </a:lnRef>
+          <a:fillRef idx="0">
+            <a:schemeClr val="accent1"/>
+          </a:fillRef>
+          <a:effectRef idx="1">
+            <a:schemeClr val="accent1"/>
+          </a:effectRef>
+          <a:fontRef idx="minor">
+            <a:schemeClr val="tx1"/>
+          </a:fontRef>
+        </p:style>
+      </p:cxnSp>
+      <p:cxnSp>
+        <p:nvCxnSpPr>
+          <p:cNvPr id="196" name="Straight Arrow Connector 195">
+            <a:extLst>
+              <a:ext uri="{FF2B5EF4-FFF2-40B4-BE49-F238E27FC236}">
+                <a16:creationId xmlns:a16="http://schemas.microsoft.com/office/drawing/2014/main" id="{621A4216-640B-A298-F672-B6EE706C6841}"/>
+              </a:ext>
+            </a:extLst>
+          </p:cNvPr>
+          <p:cNvCxnSpPr>
+            <a:cxnSpLocks/>
+            <a:stCxn id="27" idx="1"/>
+            <a:endCxn id="209" idx="1"/>
+          </p:cNvCxnSpPr>
+          <p:nvPr/>
+        </p:nvCxnSpPr>
+        <p:spPr>
+          <a:xfrm>
+            <a:off x="6193120" y="1927530"/>
+            <a:ext cx="157395" cy="1854"/>
+          </a:xfrm>
+          <a:prstGeom prst="straightConnector1">
+            <a:avLst/>
+          </a:prstGeom>
+          <a:ln w="19050" cap="flat" cmpd="sng" algn="ctr">
+            <a:solidFill>
+              <a:schemeClr val="tx1"/>
+            </a:solidFill>
+            <a:prstDash val="solid"/>
+            <a:round/>
+            <a:headEnd type="none" w="med" len="med"/>
+            <a:tailEnd type="arrow" w="med" len="med"/>
+          </a:ln>
+          <a:effectLst/>
+        </p:spPr>
+        <p:style>
+          <a:lnRef idx="2">
+            <a:schemeClr val="accent1"/>
+          </a:lnRef>
+          <a:fillRef idx="0">
+            <a:schemeClr val="accent1"/>
+          </a:fillRef>
+          <a:effectRef idx="1">
+            <a:schemeClr val="accent1"/>
+          </a:effectRef>
+          <a:fontRef idx="minor">
+            <a:schemeClr val="tx1"/>
+          </a:fontRef>
+        </p:style>
+      </p:cxnSp>
+      <p:sp>
+        <p:nvSpPr>
+          <p:cNvPr id="197" name="Rectangle 196">
+            <a:extLst>
+              <a:ext uri="{FF2B5EF4-FFF2-40B4-BE49-F238E27FC236}">
+                <a16:creationId xmlns:a16="http://schemas.microsoft.com/office/drawing/2014/main" id="{45D37B7C-9685-A28C-ADE6-222C1237DC45}"/>
               </a:ext>
             </a:extLst>
           </p:cNvPr>
@@ -5901,12 +5841,13 @@
         </p:nvSpPr>
         <p:spPr>
           <a:xfrm>
-            <a:off x="3546156" y="1407187"/>
-            <a:ext cx="1249093" cy="808396"/>
-          </a:xfrm>
-          <a:prstGeom prst="flowChartDecision">
-            <a:avLst/>
-          </a:prstGeom>
+            <a:off x="7867251" y="1782019"/>
+            <a:ext cx="1534500" cy="292230"/>
+          </a:xfrm>
+          <a:prstGeom prst="rect">
+            <a:avLst/>
+          </a:prstGeom>
+          <a:noFill/>
           <a:ln w="19050"/>
         </p:spPr>
         <p:style>
@@ -5928,50 +5869,21 @@
           <a:lstStyle/>
           <a:p>
             <a:pPr algn="ctr"/>
-            <a:endParaRPr lang="en-US" sz="1200" dirty="0">
-              <a:latin typeface=""/>
-              <a:ea typeface="Tahoma" panose="020B0604030504040204" pitchFamily="34" charset="0"/>
-              <a:cs typeface="Tahoma" panose="020B0604030504040204" pitchFamily="34" charset="0"/>
-            </a:endParaRPr>
-          </a:p>
-        </p:txBody>
-      </p:sp>
-      <p:sp>
-        <p:nvSpPr>
-          <p:cNvPr id="95" name="TextBox 94">
-            <a:extLst>
-              <a:ext uri="{FF2B5EF4-FFF2-40B4-BE49-F238E27FC236}">
-                <a16:creationId xmlns:a16="http://schemas.microsoft.com/office/drawing/2014/main" id="{77A415E4-6818-0098-65BE-59033244D805}"/>
-              </a:ext>
-            </a:extLst>
-          </p:cNvPr>
-          <p:cNvSpPr txBox="1"/>
-          <p:nvPr/>
-        </p:nvSpPr>
-        <p:spPr>
-          <a:xfrm>
-            <a:off x="3537978" y="1628503"/>
-            <a:ext cx="1257270" cy="307777"/>
-          </a:xfrm>
-          <a:prstGeom prst="rect">
-            <a:avLst/>
-          </a:prstGeom>
-          <a:noFill/>
-        </p:spPr>
-        <p:txBody>
-          <a:bodyPr wrap="square" rtlCol="0">
-            <a:spAutoFit/>
-          </a:bodyPr>
-          <a:lstStyle/>
-          <a:p>
-            <a:pPr algn="ctr"/>
             <a:r>
               <a:rPr lang="en-US" sz="1400" dirty="0">
                 <a:latin typeface=""/>
                 <a:ea typeface="Tahoma" panose="020B0604030504040204" pitchFamily="34" charset="0"/>
                 <a:cs typeface="Tahoma" panose="020B0604030504040204" pitchFamily="34" charset="0"/>
               </a:rPr>
-              <a:t>Similarity</a:t>
+              <a:t>[</a:t>
+            </a:r>
+            <a:r>
+              <a:rPr lang="en-US" sz="1400" i="1" dirty="0">
+                <a:latin typeface="Times New Roman" panose="02020603050405020304" pitchFamily="18" charset="0"/>
+                <a:ea typeface="Tahoma" panose="020B0604030504040204" pitchFamily="34" charset="0"/>
+                <a:cs typeface="Times New Roman" panose="02020603050405020304" pitchFamily="18" charset="0"/>
+              </a:rPr>
+              <a:t>l</a:t>
             </a:r>
             <a:r>
               <a:rPr lang="en-US" sz="1400" baseline="-25000" dirty="0">
@@ -5979,117 +5891,49 @@
                 <a:ea typeface="Tahoma" panose="020B0604030504040204" pitchFamily="34" charset="0"/>
                 <a:cs typeface="Tahoma" panose="020B0604030504040204" pitchFamily="34" charset="0"/>
               </a:rPr>
-              <a:t>1_1</a:t>
-            </a:r>
-          </a:p>
-        </p:txBody>
-      </p:sp>
-      <p:cxnSp>
-        <p:nvCxnSpPr>
-          <p:cNvPr id="195" name="Straight Arrow Connector 194">
-            <a:extLst>
-              <a:ext uri="{FF2B5EF4-FFF2-40B4-BE49-F238E27FC236}">
-                <a16:creationId xmlns:a16="http://schemas.microsoft.com/office/drawing/2014/main" id="{A417EC42-B088-CC5A-6672-FDBA61184381}"/>
-              </a:ext>
-            </a:extLst>
-          </p:cNvPr>
-          <p:cNvCxnSpPr>
-            <a:cxnSpLocks/>
-            <a:stCxn id="218" idx="4"/>
-            <a:endCxn id="197" idx="1"/>
-          </p:cNvCxnSpPr>
-          <p:nvPr/>
-        </p:nvCxnSpPr>
-        <p:spPr>
-          <a:xfrm flipV="1">
-            <a:off x="8863762" y="1923054"/>
-            <a:ext cx="83090" cy="674"/>
-          </a:xfrm>
-          <a:prstGeom prst="straightConnector1">
-            <a:avLst/>
-          </a:prstGeom>
-          <a:ln w="19050" cap="flat" cmpd="sng" algn="ctr">
-            <a:solidFill>
-              <a:schemeClr val="tx1"/>
-            </a:solidFill>
-            <a:prstDash val="solid"/>
-            <a:round/>
-            <a:headEnd type="none" w="med" len="med"/>
-            <a:tailEnd type="arrow" w="med" len="med"/>
-          </a:ln>
-          <a:effectLst/>
-        </p:spPr>
-        <p:style>
-          <a:lnRef idx="2">
-            <a:schemeClr val="accent1"/>
-          </a:lnRef>
-          <a:fillRef idx="0">
-            <a:schemeClr val="accent1"/>
-          </a:fillRef>
-          <a:effectRef idx="1">
-            <a:schemeClr val="accent1"/>
-          </a:effectRef>
-          <a:fontRef idx="minor">
-            <a:schemeClr val="tx1"/>
-          </a:fontRef>
-        </p:style>
-      </p:cxnSp>
-      <p:cxnSp>
-        <p:nvCxnSpPr>
-          <p:cNvPr id="196" name="Straight Arrow Connector 195">
-            <a:extLst>
-              <a:ext uri="{FF2B5EF4-FFF2-40B4-BE49-F238E27FC236}">
-                <a16:creationId xmlns:a16="http://schemas.microsoft.com/office/drawing/2014/main" id="{621A4216-640B-A298-F672-B6EE706C6841}"/>
-              </a:ext>
-            </a:extLst>
-          </p:cNvPr>
-          <p:cNvCxnSpPr>
-            <a:cxnSpLocks/>
-            <a:stCxn id="27" idx="1"/>
-            <a:endCxn id="209" idx="1"/>
-          </p:cNvCxnSpPr>
-          <p:nvPr/>
-        </p:nvCxnSpPr>
-        <p:spPr>
-          <a:xfrm flipV="1">
-            <a:off x="7109973" y="1923177"/>
-            <a:ext cx="208383" cy="339"/>
-          </a:xfrm>
-          <a:prstGeom prst="straightConnector1">
-            <a:avLst/>
-          </a:prstGeom>
-          <a:ln w="19050" cap="flat" cmpd="sng" algn="ctr">
-            <a:solidFill>
-              <a:schemeClr val="tx1"/>
-            </a:solidFill>
-            <a:prstDash val="solid"/>
-            <a:round/>
-            <a:headEnd type="none" w="med" len="med"/>
-            <a:tailEnd type="arrow" w="med" len="med"/>
-          </a:ln>
-          <a:effectLst/>
-        </p:spPr>
-        <p:style>
-          <a:lnRef idx="2">
-            <a:schemeClr val="accent1"/>
-          </a:lnRef>
-          <a:fillRef idx="0">
-            <a:schemeClr val="accent1"/>
-          </a:fillRef>
-          <a:effectRef idx="1">
-            <a:schemeClr val="accent1"/>
-          </a:effectRef>
-          <a:fontRef idx="minor">
-            <a:schemeClr val="tx1"/>
-          </a:fontRef>
-        </p:style>
-      </p:cxnSp>
-      <p:sp>
-        <p:nvSpPr>
-          <p:cNvPr id="197" name="Rectangle 196">
-            <a:extLst>
-              <a:ext uri="{FF2B5EF4-FFF2-40B4-BE49-F238E27FC236}">
-                <a16:creationId xmlns:a16="http://schemas.microsoft.com/office/drawing/2014/main" id="{45D37B7C-9685-A28C-ADE6-222C1237DC45}"/>
+              <a:t>S1_M1</a:t>
+            </a:r>
+            <a:r>
+              <a:rPr lang="en-US" sz="1400" dirty="0">
+                <a:latin typeface=""/>
+                <a:ea typeface="Tahoma" panose="020B0604030504040204" pitchFamily="34" charset="0"/>
+                <a:cs typeface="Tahoma" panose="020B0604030504040204" pitchFamily="34" charset="0"/>
+              </a:rPr>
+              <a:t>, </a:t>
+            </a:r>
+            <a:r>
+              <a:rPr lang="en-US" sz="1400" i="1" dirty="0">
+                <a:latin typeface="Times New Roman" panose="02020603050405020304" pitchFamily="18" charset="0"/>
+                <a:ea typeface="Tahoma" panose="020B0604030504040204" pitchFamily="34" charset="0"/>
+                <a:cs typeface="Times New Roman" panose="02020603050405020304" pitchFamily="18" charset="0"/>
+              </a:rPr>
+              <a:t>l</a:t>
+            </a:r>
+            <a:r>
+              <a:rPr lang="en-US" sz="1400" baseline="-25000" dirty="0">
+                <a:latin typeface=""/>
+                <a:ea typeface="Tahoma" panose="020B0604030504040204" pitchFamily="34" charset="0"/>
+                <a:cs typeface="Tahoma" panose="020B0604030504040204" pitchFamily="34" charset="0"/>
+              </a:rPr>
+              <a:t>S1_M2</a:t>
+            </a:r>
+            <a:r>
+              <a:rPr lang="en-US" sz="1400" dirty="0">
+                <a:latin typeface=""/>
+                <a:ea typeface="Tahoma" panose="020B0604030504040204" pitchFamily="34" charset="0"/>
+                <a:cs typeface="Tahoma" panose="020B0604030504040204" pitchFamily="34" charset="0"/>
+              </a:rPr>
+              <a:t>,…]</a:t>
+            </a:r>
+          </a:p>
+        </p:txBody>
+      </p:sp>
+      <p:sp>
+        <p:nvSpPr>
+          <p:cNvPr id="198" name="Rectangle 197">
+            <a:extLst>
+              <a:ext uri="{FF2B5EF4-FFF2-40B4-BE49-F238E27FC236}">
+                <a16:creationId xmlns:a16="http://schemas.microsoft.com/office/drawing/2014/main" id="{43C7E377-2E4B-D673-819E-07E8E6B9E62A}"/>
               </a:ext>
             </a:extLst>
           </p:cNvPr>
@@ -6098,8 +5942,8 @@
         </p:nvSpPr>
         <p:spPr>
           <a:xfrm>
-            <a:off x="8946852" y="1776939"/>
-            <a:ext cx="1534500" cy="292230"/>
+            <a:off x="7866001" y="2837091"/>
+            <a:ext cx="1536944" cy="292230"/>
           </a:xfrm>
           <a:prstGeom prst="rect">
             <a:avLst/>
@@ -6148,7 +5992,7 @@
                 <a:ea typeface="Tahoma" panose="020B0604030504040204" pitchFamily="34" charset="0"/>
                 <a:cs typeface="Tahoma" panose="020B0604030504040204" pitchFamily="34" charset="0"/>
               </a:rPr>
-              <a:t>S1_M1</a:t>
+              <a:t>S2_M1</a:t>
             </a:r>
             <a:r>
               <a:rPr lang="en-US" sz="1400" dirty="0">
@@ -6172,7 +6016,7 @@
                 <a:ea typeface="Tahoma" panose="020B0604030504040204" pitchFamily="34" charset="0"/>
                 <a:cs typeface="Tahoma" panose="020B0604030504040204" pitchFamily="34" charset="0"/>
               </a:rPr>
-              <a:t>S1_M2</a:t>
+              <a:t>S2_M2</a:t>
             </a:r>
             <a:r>
               <a:rPr lang="en-US" sz="1400" dirty="0">
@@ -6187,10 +6031,10 @@
       </p:sp>
       <p:sp>
         <p:nvSpPr>
-          <p:cNvPr id="198" name="Rectangle 197">
-            <a:extLst>
-              <a:ext uri="{FF2B5EF4-FFF2-40B4-BE49-F238E27FC236}">
-                <a16:creationId xmlns:a16="http://schemas.microsoft.com/office/drawing/2014/main" id="{43C7E377-2E4B-D673-819E-07E8E6B9E62A}"/>
+          <p:cNvPr id="199" name="Rectangle 198">
+            <a:extLst>
+              <a:ext uri="{FF2B5EF4-FFF2-40B4-BE49-F238E27FC236}">
+                <a16:creationId xmlns:a16="http://schemas.microsoft.com/office/drawing/2014/main" id="{18DE1EC9-B683-F262-F13E-47AB0666BFE8}"/>
               </a:ext>
             </a:extLst>
           </p:cNvPr>
@@ -6199,8 +6043,8 @@
         </p:nvSpPr>
         <p:spPr>
           <a:xfrm>
-            <a:off x="8945602" y="2781211"/>
-            <a:ext cx="1536944" cy="292230"/>
+            <a:off x="9538187" y="1783953"/>
+            <a:ext cx="396543" cy="287121"/>
           </a:xfrm>
           <a:prstGeom prst="rect">
             <a:avLst/>
@@ -6228,15 +6072,7 @@
           <a:p>
             <a:pPr algn="ctr"/>
             <a:r>
-              <a:rPr lang="en-US" sz="1400" dirty="0">
-                <a:latin typeface=""/>
-                <a:ea typeface="Tahoma" panose="020B0604030504040204" pitchFamily="34" charset="0"/>
-                <a:cs typeface="Tahoma" panose="020B0604030504040204" pitchFamily="34" charset="0"/>
-              </a:rPr>
-              <a:t>[</a:t>
-            </a:r>
-            <a:r>
-              <a:rPr lang="en-US" sz="1400" i="1" dirty="0">
+              <a:rPr lang="en-US" sz="1600" i="1" dirty="0">
                 <a:latin typeface="Times New Roman" panose="02020603050405020304" pitchFamily="18" charset="0"/>
                 <a:ea typeface="Tahoma" panose="020B0604030504040204" pitchFamily="34" charset="0"/>
                 <a:cs typeface="Times New Roman" panose="02020603050405020304" pitchFamily="18" charset="0"/>
@@ -6244,54 +6080,72 @@
               <a:t>l</a:t>
             </a:r>
             <a:r>
-              <a:rPr lang="en-US" sz="1400" baseline="-25000" dirty="0">
+              <a:rPr lang="en-US" sz="1600" i="1" baseline="-25000" dirty="0">
                 <a:latin typeface=""/>
                 <a:ea typeface="Tahoma" panose="020B0604030504040204" pitchFamily="34" charset="0"/>
                 <a:cs typeface="Tahoma" panose="020B0604030504040204" pitchFamily="34" charset="0"/>
               </a:rPr>
-              <a:t>S2_M1</a:t>
-            </a:r>
-            <a:r>
-              <a:rPr lang="en-US" sz="1400" dirty="0">
-                <a:latin typeface=""/>
-                <a:ea typeface="Tahoma" panose="020B0604030504040204" pitchFamily="34" charset="0"/>
-                <a:cs typeface="Tahoma" panose="020B0604030504040204" pitchFamily="34" charset="0"/>
-              </a:rPr>
-              <a:t>, </a:t>
-            </a:r>
-            <a:r>
-              <a:rPr lang="en-US" sz="1400" i="1" dirty="0">
-                <a:latin typeface="Times New Roman" panose="02020603050405020304" pitchFamily="18" charset="0"/>
-                <a:ea typeface="Tahoma" panose="020B0604030504040204" pitchFamily="34" charset="0"/>
-                <a:cs typeface="Times New Roman" panose="02020603050405020304" pitchFamily="18" charset="0"/>
-              </a:rPr>
-              <a:t>l</a:t>
-            </a:r>
-            <a:r>
-              <a:rPr lang="en-US" sz="1400" baseline="-25000" dirty="0">
-                <a:latin typeface=""/>
-                <a:ea typeface="Tahoma" panose="020B0604030504040204" pitchFamily="34" charset="0"/>
-                <a:cs typeface="Tahoma" panose="020B0604030504040204" pitchFamily="34" charset="0"/>
-              </a:rPr>
-              <a:t>S2_M2</a:t>
-            </a:r>
-            <a:r>
-              <a:rPr lang="en-US" sz="1400" dirty="0">
-                <a:latin typeface=""/>
-                <a:ea typeface="Tahoma" panose="020B0604030504040204" pitchFamily="34" charset="0"/>
-                <a:cs typeface="Tahoma" panose="020B0604030504040204" pitchFamily="34" charset="0"/>
-              </a:rPr>
-              <a:t>,…]</a:t>
-            </a:r>
-          </a:p>
-        </p:txBody>
-      </p:sp>
-      <p:sp>
-        <p:nvSpPr>
-          <p:cNvPr id="199" name="Rectangle 198">
-            <a:extLst>
-              <a:ext uri="{FF2B5EF4-FFF2-40B4-BE49-F238E27FC236}">
-                <a16:creationId xmlns:a16="http://schemas.microsoft.com/office/drawing/2014/main" id="{18DE1EC9-B683-F262-F13E-47AB0666BFE8}"/>
+              <a:t>1</a:t>
+            </a:r>
+          </a:p>
+        </p:txBody>
+      </p:sp>
+      <p:cxnSp>
+        <p:nvCxnSpPr>
+          <p:cNvPr id="200" name="Straight Arrow Connector 199">
+            <a:extLst>
+              <a:ext uri="{FF2B5EF4-FFF2-40B4-BE49-F238E27FC236}">
+                <a16:creationId xmlns:a16="http://schemas.microsoft.com/office/drawing/2014/main" id="{C46CF357-8AD8-CC46-6F22-F10657947B70}"/>
+              </a:ext>
+            </a:extLst>
+          </p:cNvPr>
+          <p:cNvCxnSpPr>
+            <a:cxnSpLocks/>
+            <a:stCxn id="198" idx="3"/>
+            <a:endCxn id="201" idx="1"/>
+          </p:cNvCxnSpPr>
+          <p:nvPr/>
+        </p:nvCxnSpPr>
+        <p:spPr>
+          <a:xfrm flipV="1">
+            <a:off x="9402945" y="2981506"/>
+            <a:ext cx="132509" cy="1700"/>
+          </a:xfrm>
+          <a:prstGeom prst="straightConnector1">
+            <a:avLst/>
+          </a:prstGeom>
+          <a:ln w="19050" cap="flat" cmpd="sng" algn="ctr">
+            <a:solidFill>
+              <a:schemeClr val="tx1"/>
+            </a:solidFill>
+            <a:prstDash val="solid"/>
+            <a:round/>
+            <a:headEnd type="none" w="med" len="med"/>
+            <a:tailEnd type="arrow" w="med" len="med"/>
+          </a:ln>
+          <a:effectLst/>
+        </p:spPr>
+        <p:style>
+          <a:lnRef idx="2">
+            <a:schemeClr val="accent1"/>
+          </a:lnRef>
+          <a:fillRef idx="0">
+            <a:schemeClr val="accent1"/>
+          </a:fillRef>
+          <a:effectRef idx="1">
+            <a:schemeClr val="accent1"/>
+          </a:effectRef>
+          <a:fontRef idx="minor">
+            <a:schemeClr val="tx1"/>
+          </a:fontRef>
+        </p:style>
+      </p:cxnSp>
+      <p:sp>
+        <p:nvSpPr>
+          <p:cNvPr id="201" name="Rectangle 200">
+            <a:extLst>
+              <a:ext uri="{FF2B5EF4-FFF2-40B4-BE49-F238E27FC236}">
+                <a16:creationId xmlns:a16="http://schemas.microsoft.com/office/drawing/2014/main" id="{9D74EFCB-F77E-3EFA-F3F4-0938ABD321FA}"/>
               </a:ext>
             </a:extLst>
           </p:cNvPr>
@@ -6300,7 +6154,7 @@
         </p:nvSpPr>
         <p:spPr>
           <a:xfrm>
-            <a:off x="10617788" y="1778873"/>
+            <a:off x="9535454" y="2837945"/>
             <a:ext cx="396543" cy="287121"/>
           </a:xfrm>
           <a:prstGeom prst="rect">
@@ -6342,67 +6196,79 @@
                 <a:ea typeface="Tahoma" panose="020B0604030504040204" pitchFamily="34" charset="0"/>
                 <a:cs typeface="Tahoma" panose="020B0604030504040204" pitchFamily="34" charset="0"/>
               </a:rPr>
-              <a:t>1</a:t>
-            </a:r>
-          </a:p>
-        </p:txBody>
-      </p:sp>
-      <p:cxnSp>
-        <p:nvCxnSpPr>
-          <p:cNvPr id="200" name="Straight Arrow Connector 199">
-            <a:extLst>
-              <a:ext uri="{FF2B5EF4-FFF2-40B4-BE49-F238E27FC236}">
-                <a16:creationId xmlns:a16="http://schemas.microsoft.com/office/drawing/2014/main" id="{C46CF357-8AD8-CC46-6F22-F10657947B70}"/>
-              </a:ext>
-            </a:extLst>
-          </p:cNvPr>
-          <p:cNvCxnSpPr>
-            <a:cxnSpLocks/>
-            <a:stCxn id="198" idx="3"/>
-            <a:endCxn id="201" idx="1"/>
-          </p:cNvCxnSpPr>
-          <p:nvPr/>
-        </p:nvCxnSpPr>
-        <p:spPr>
-          <a:xfrm flipV="1">
-            <a:off x="10482546" y="2925626"/>
-            <a:ext cx="132509" cy="1700"/>
-          </a:xfrm>
-          <a:prstGeom prst="straightConnector1">
-            <a:avLst/>
-          </a:prstGeom>
-          <a:ln w="19050" cap="flat" cmpd="sng" algn="ctr">
+              <a:t>2</a:t>
+            </a:r>
+          </a:p>
+        </p:txBody>
+      </p:sp>
+      <p:sp>
+        <p:nvSpPr>
+          <p:cNvPr id="205" name="Can 204">
+            <a:extLst>
+              <a:ext uri="{FF2B5EF4-FFF2-40B4-BE49-F238E27FC236}">
+                <a16:creationId xmlns:a16="http://schemas.microsoft.com/office/drawing/2014/main" id="{F07E0133-6040-396E-EA8D-7115CE32F6E1}"/>
+              </a:ext>
+            </a:extLst>
+          </p:cNvPr>
+          <p:cNvSpPr>
+            <a:spLocks/>
+          </p:cNvSpPr>
+          <p:nvPr/>
+        </p:nvSpPr>
+        <p:spPr>
+          <a:xfrm>
+            <a:off x="5799053" y="1783080"/>
+            <a:ext cx="274320" cy="292608"/>
+          </a:xfrm>
+          <a:prstGeom prst="can">
+            <a:avLst/>
+          </a:prstGeom>
+          <a:solidFill>
+            <a:srgbClr val="00B0F0"/>
+          </a:solidFill>
+          <a:ln w="28575" cmpd="sng">
             <a:solidFill>
               <a:schemeClr val="tx1"/>
             </a:solidFill>
-            <a:prstDash val="solid"/>
-            <a:round/>
-            <a:headEnd type="none" w="med" len="med"/>
-            <a:tailEnd type="arrow" w="med" len="med"/>
           </a:ln>
           <a:effectLst/>
         </p:spPr>
         <p:style>
-          <a:lnRef idx="2">
+          <a:lnRef idx="1">
             <a:schemeClr val="accent1"/>
           </a:lnRef>
-          <a:fillRef idx="0">
+          <a:fillRef idx="3">
             <a:schemeClr val="accent1"/>
           </a:fillRef>
-          <a:effectRef idx="1">
+          <a:effectRef idx="2">
             <a:schemeClr val="accent1"/>
           </a:effectRef>
           <a:fontRef idx="minor">
-            <a:schemeClr val="tx1"/>
+            <a:schemeClr val="lt1"/>
           </a:fontRef>
         </p:style>
-      </p:cxnSp>
-      <p:sp>
-        <p:nvSpPr>
-          <p:cNvPr id="201" name="Rectangle 200">
-            <a:extLst>
-              <a:ext uri="{FF2B5EF4-FFF2-40B4-BE49-F238E27FC236}">
-                <a16:creationId xmlns:a16="http://schemas.microsoft.com/office/drawing/2014/main" id="{9D74EFCB-F77E-3EFA-F3F4-0938ABD321FA}"/>
+        <p:txBody>
+          <a:bodyPr rtlCol="0" anchor="ctr"/>
+          <a:lstStyle/>
+          <a:p>
+            <a:pPr algn="ctr"/>
+            <a:endParaRPr lang="en-US" sz="1400" baseline="-25000" dirty="0">
+              <a:solidFill>
+                <a:schemeClr val="bg1"/>
+              </a:solidFill>
+              <a:latin typeface=""/>
+              <a:ea typeface="Tahoma" panose="020B0604030504040204" pitchFamily="34" charset="0"/>
+              <a:cs typeface="Tahoma" panose="020B0604030504040204" pitchFamily="34" charset="0"/>
+            </a:endParaRPr>
+          </a:p>
+        </p:txBody>
+      </p:sp>
+      <p:sp>
+        <p:nvSpPr>
+          <p:cNvPr id="209" name="Rectangle 208">
+            <a:extLst>
+              <a:ext uri="{FF2B5EF4-FFF2-40B4-BE49-F238E27FC236}">
+                <a16:creationId xmlns:a16="http://schemas.microsoft.com/office/drawing/2014/main" id="{6869D400-A8E0-5AC0-42D5-11121DFE82D0}"/>
               </a:ext>
             </a:extLst>
           </p:cNvPr>
@@ -6411,8 +6277,8 @@
         </p:nvSpPr>
         <p:spPr>
           <a:xfrm>
-            <a:off x="10615055" y="2782065"/>
-            <a:ext cx="396543" cy="287121"/>
+            <a:off x="6350515" y="1803084"/>
+            <a:ext cx="405197" cy="252599"/>
           </a:xfrm>
           <a:prstGeom prst="rect">
             <a:avLst/>
@@ -6440,46 +6306,98 @@
           <a:p>
             <a:pPr algn="ctr"/>
             <a:r>
-              <a:rPr lang="en-US" sz="1600" i="1" dirty="0">
-                <a:latin typeface="Times New Roman" panose="02020603050405020304" pitchFamily="18" charset="0"/>
-                <a:ea typeface="Tahoma" panose="020B0604030504040204" pitchFamily="34" charset="0"/>
-                <a:cs typeface="Times New Roman" panose="02020603050405020304" pitchFamily="18" charset="0"/>
-              </a:rPr>
-              <a:t>l</a:t>
-            </a:r>
-            <a:r>
-              <a:rPr lang="en-US" sz="1600" i="1" baseline="-25000" dirty="0">
+              <a:rPr lang="en-US" sz="1400" dirty="0">
                 <a:latin typeface=""/>
                 <a:ea typeface="Tahoma" panose="020B0604030504040204" pitchFamily="34" charset="0"/>
                 <a:cs typeface="Tahoma" panose="020B0604030504040204" pitchFamily="34" charset="0"/>
               </a:rPr>
-              <a:t>2</a:t>
-            </a:r>
-          </a:p>
-        </p:txBody>
-      </p:sp>
-      <p:sp>
-        <p:nvSpPr>
-          <p:cNvPr id="205" name="Can 204">
-            <a:extLst>
-              <a:ext uri="{FF2B5EF4-FFF2-40B4-BE49-F238E27FC236}">
-                <a16:creationId xmlns:a16="http://schemas.microsoft.com/office/drawing/2014/main" id="{F07E0133-6040-396E-EA8D-7115CE32F6E1}"/>
-              </a:ext>
-            </a:extLst>
-          </p:cNvPr>
-          <p:cNvSpPr/>
-          <p:nvPr/>
-        </p:nvSpPr>
-        <p:spPr>
-          <a:xfrm>
-            <a:off x="6567509" y="1808671"/>
-            <a:ext cx="408700" cy="275242"/>
+              <a:t>M</a:t>
+            </a:r>
+            <a:r>
+              <a:rPr lang="en-US" sz="1400" baseline="-25000" dirty="0">
+                <a:latin typeface=""/>
+                <a:ea typeface="Tahoma" panose="020B0604030504040204" pitchFamily="34" charset="0"/>
+                <a:cs typeface="Tahoma" panose="020B0604030504040204" pitchFamily="34" charset="0"/>
+              </a:rPr>
+              <a:t>1</a:t>
+            </a:r>
+          </a:p>
+        </p:txBody>
+      </p:sp>
+      <p:cxnSp>
+        <p:nvCxnSpPr>
+          <p:cNvPr id="210" name="Straight Arrow Connector 209">
+            <a:extLst>
+              <a:ext uri="{FF2B5EF4-FFF2-40B4-BE49-F238E27FC236}">
+                <a16:creationId xmlns:a16="http://schemas.microsoft.com/office/drawing/2014/main" id="{BDA337A8-50BA-D9EA-6BDD-EFE25AEFEC77}"/>
+              </a:ext>
+            </a:extLst>
+          </p:cNvPr>
+          <p:cNvCxnSpPr>
+            <a:cxnSpLocks/>
+            <a:stCxn id="60" idx="1"/>
+            <a:endCxn id="217" idx="1"/>
+          </p:cNvCxnSpPr>
+          <p:nvPr/>
+        </p:nvCxnSpPr>
+        <p:spPr>
+          <a:xfrm>
+            <a:off x="6195852" y="2982024"/>
+            <a:ext cx="154663" cy="50"/>
+          </a:xfrm>
+          <a:prstGeom prst="straightConnector1">
+            <a:avLst/>
+          </a:prstGeom>
+          <a:ln w="19050" cap="flat" cmpd="sng" algn="ctr">
+            <a:solidFill>
+              <a:schemeClr val="tx1"/>
+            </a:solidFill>
+            <a:prstDash val="solid"/>
+            <a:round/>
+            <a:headEnd type="none" w="med" len="med"/>
+            <a:tailEnd type="arrow" w="med" len="med"/>
+          </a:ln>
+          <a:effectLst/>
+        </p:spPr>
+        <p:style>
+          <a:lnRef idx="2">
+            <a:schemeClr val="accent1"/>
+          </a:lnRef>
+          <a:fillRef idx="0">
+            <a:schemeClr val="accent1"/>
+          </a:fillRef>
+          <a:effectRef idx="1">
+            <a:schemeClr val="accent1"/>
+          </a:effectRef>
+          <a:fontRef idx="minor">
+            <a:schemeClr val="tx1"/>
+          </a:fontRef>
+        </p:style>
+      </p:cxnSp>
+      <p:sp>
+        <p:nvSpPr>
+          <p:cNvPr id="213" name="Can 212">
+            <a:extLst>
+              <a:ext uri="{FF2B5EF4-FFF2-40B4-BE49-F238E27FC236}">
+                <a16:creationId xmlns:a16="http://schemas.microsoft.com/office/drawing/2014/main" id="{948AB922-8365-1148-6D3D-5648667643BE}"/>
+              </a:ext>
+            </a:extLst>
+          </p:cNvPr>
+          <p:cNvSpPr>
+            <a:spLocks/>
+          </p:cNvSpPr>
+          <p:nvPr/>
+        </p:nvSpPr>
+        <p:spPr>
+          <a:xfrm>
+            <a:off x="5804630" y="2834640"/>
+            <a:ext cx="274320" cy="292608"/>
           </a:xfrm>
           <a:prstGeom prst="can">
             <a:avLst/>
           </a:prstGeom>
           <a:solidFill>
-            <a:srgbClr val="00B0F0"/>
+            <a:srgbClr val="0070C0"/>
           </a:solidFill>
           <a:ln w="28575" cmpd="sng">
             <a:solidFill>
@@ -6507,37 +6425,23 @@
           <a:lstStyle/>
           <a:p>
             <a:pPr algn="ctr"/>
-            <a:r>
-              <a:rPr lang="en-US" sz="1400" dirty="0">
-                <a:solidFill>
-                  <a:schemeClr val="bg1"/>
-                </a:solidFill>
-                <a:latin typeface=""/>
-                <a:ea typeface="Tahoma" panose="020B0604030504040204" pitchFamily="34" charset="0"/>
-                <a:cs typeface="Tahoma" panose="020B0604030504040204" pitchFamily="34" charset="0"/>
-              </a:rPr>
-              <a:t>S</a:t>
-            </a:r>
-            <a:r>
-              <a:rPr lang="en-US" sz="1400" baseline="-25000" dirty="0">
-                <a:solidFill>
-                  <a:schemeClr val="bg1"/>
-                </a:solidFill>
-                <a:latin typeface=""/>
-                <a:ea typeface="Tahoma" panose="020B0604030504040204" pitchFamily="34" charset="0"/>
-                <a:cs typeface="Tahoma" panose="020B0604030504040204" pitchFamily="34" charset="0"/>
-              </a:rPr>
-              <a:t>1</a:t>
-            </a:r>
-          </a:p>
-        </p:txBody>
-      </p:sp>
-      <p:sp>
-        <p:nvSpPr>
-          <p:cNvPr id="209" name="Rectangle 208">
-            <a:extLst>
-              <a:ext uri="{FF2B5EF4-FFF2-40B4-BE49-F238E27FC236}">
-                <a16:creationId xmlns:a16="http://schemas.microsoft.com/office/drawing/2014/main" id="{6869D400-A8E0-5AC0-42D5-11121DFE82D0}"/>
+            <a:endParaRPr lang="en-US" sz="1400" baseline="-25000" dirty="0">
+              <a:solidFill>
+                <a:schemeClr val="bg1"/>
+              </a:solidFill>
+              <a:latin typeface=""/>
+              <a:ea typeface="Tahoma" panose="020B0604030504040204" pitchFamily="34" charset="0"/>
+              <a:cs typeface="Tahoma" panose="020B0604030504040204" pitchFamily="34" charset="0"/>
+            </a:endParaRPr>
+          </a:p>
+        </p:txBody>
+      </p:sp>
+      <p:sp>
+        <p:nvSpPr>
+          <p:cNvPr id="217" name="Rectangle 216">
+            <a:extLst>
+              <a:ext uri="{FF2B5EF4-FFF2-40B4-BE49-F238E27FC236}">
+                <a16:creationId xmlns:a16="http://schemas.microsoft.com/office/drawing/2014/main" id="{F2183143-BB99-2894-2DE1-435397E65887}"/>
               </a:ext>
             </a:extLst>
           </p:cNvPr>
@@ -6546,8 +6450,8 @@
         </p:nvSpPr>
         <p:spPr>
           <a:xfrm>
-            <a:off x="7318356" y="1796877"/>
-            <a:ext cx="494963" cy="252599"/>
+            <a:off x="6350515" y="2856853"/>
+            <a:ext cx="405197" cy="250442"/>
           </a:xfrm>
           <a:prstGeom prst="rect">
             <a:avLst/>
@@ -6588,31 +6492,155 @@
                 <a:ea typeface="Tahoma" panose="020B0604030504040204" pitchFamily="34" charset="0"/>
                 <a:cs typeface="Tahoma" panose="020B0604030504040204" pitchFamily="34" charset="0"/>
               </a:rPr>
-              <a:t>1</a:t>
-            </a:r>
+              <a:t>2</a:t>
+            </a:r>
+          </a:p>
+        </p:txBody>
+      </p:sp>
+      <p:sp>
+        <p:nvSpPr>
+          <p:cNvPr id="218" name="Can 217">
+            <a:extLst>
+              <a:ext uri="{FF2B5EF4-FFF2-40B4-BE49-F238E27FC236}">
+                <a16:creationId xmlns:a16="http://schemas.microsoft.com/office/drawing/2014/main" id="{89283C21-F9B1-F2B9-49E7-998E7841FC9E}"/>
+              </a:ext>
+            </a:extLst>
+          </p:cNvPr>
+          <p:cNvSpPr>
+            <a:spLocks/>
+          </p:cNvSpPr>
+          <p:nvPr/>
+        </p:nvSpPr>
+        <p:spPr>
+          <a:xfrm>
+            <a:off x="7447846" y="1783080"/>
+            <a:ext cx="274320" cy="292608"/>
+          </a:xfrm>
+          <a:prstGeom prst="can">
+            <a:avLst/>
+          </a:prstGeom>
+          <a:solidFill>
+            <a:srgbClr val="00B0F0"/>
+          </a:solidFill>
+          <a:ln w="28575" cmpd="sng">
+            <a:solidFill>
+              <a:schemeClr val="tx1"/>
+            </a:solidFill>
+          </a:ln>
+          <a:effectLst/>
+        </p:spPr>
+        <p:style>
+          <a:lnRef idx="1">
+            <a:schemeClr val="accent1"/>
+          </a:lnRef>
+          <a:fillRef idx="3">
+            <a:schemeClr val="accent1"/>
+          </a:fillRef>
+          <a:effectRef idx="2">
+            <a:schemeClr val="accent1"/>
+          </a:effectRef>
+          <a:fontRef idx="minor">
+            <a:schemeClr val="lt1"/>
+          </a:fontRef>
+        </p:style>
+        <p:txBody>
+          <a:bodyPr rtlCol="0" anchor="ctr"/>
+          <a:lstStyle/>
+          <a:p>
+            <a:pPr algn="ctr"/>
+            <a:endParaRPr lang="en-US" sz="1400" baseline="-25000" dirty="0">
+              <a:solidFill>
+                <a:schemeClr val="bg1"/>
+              </a:solidFill>
+              <a:latin typeface=""/>
+              <a:ea typeface="Tahoma" panose="020B0604030504040204" pitchFamily="34" charset="0"/>
+              <a:cs typeface="Tahoma" panose="020B0604030504040204" pitchFamily="34" charset="0"/>
+            </a:endParaRPr>
+          </a:p>
+        </p:txBody>
+      </p:sp>
+      <p:sp>
+        <p:nvSpPr>
+          <p:cNvPr id="220" name="Can 219">
+            <a:extLst>
+              <a:ext uri="{FF2B5EF4-FFF2-40B4-BE49-F238E27FC236}">
+                <a16:creationId xmlns:a16="http://schemas.microsoft.com/office/drawing/2014/main" id="{9068FE81-5EBC-E381-B5C6-D1996A0AB17E}"/>
+              </a:ext>
+            </a:extLst>
+          </p:cNvPr>
+          <p:cNvSpPr>
+            <a:spLocks/>
+          </p:cNvSpPr>
+          <p:nvPr/>
+        </p:nvSpPr>
+        <p:spPr>
+          <a:xfrm>
+            <a:off x="7444296" y="2834640"/>
+            <a:ext cx="274320" cy="292608"/>
+          </a:xfrm>
+          <a:prstGeom prst="can">
+            <a:avLst/>
+          </a:prstGeom>
+          <a:solidFill>
+            <a:srgbClr val="0070C0"/>
+          </a:solidFill>
+          <a:ln w="28575" cmpd="sng">
+            <a:solidFill>
+              <a:schemeClr val="tx1"/>
+            </a:solidFill>
+          </a:ln>
+          <a:effectLst/>
+        </p:spPr>
+        <p:style>
+          <a:lnRef idx="1">
+            <a:schemeClr val="accent1"/>
+          </a:lnRef>
+          <a:fillRef idx="3">
+            <a:schemeClr val="accent1"/>
+          </a:fillRef>
+          <a:effectRef idx="2">
+            <a:schemeClr val="accent1"/>
+          </a:effectRef>
+          <a:fontRef idx="minor">
+            <a:schemeClr val="lt1"/>
+          </a:fontRef>
+        </p:style>
+        <p:txBody>
+          <a:bodyPr rtlCol="0" anchor="ctr"/>
+          <a:lstStyle/>
+          <a:p>
+            <a:pPr algn="ctr"/>
+            <a:endParaRPr lang="en-US" sz="1400" baseline="-25000" dirty="0">
+              <a:solidFill>
+                <a:schemeClr val="bg1"/>
+              </a:solidFill>
+              <a:latin typeface=""/>
+              <a:ea typeface="Tahoma" panose="020B0604030504040204" pitchFamily="34" charset="0"/>
+              <a:cs typeface="Tahoma" panose="020B0604030504040204" pitchFamily="34" charset="0"/>
+            </a:endParaRPr>
           </a:p>
         </p:txBody>
       </p:sp>
       <p:cxnSp>
         <p:nvCxnSpPr>
-          <p:cNvPr id="210" name="Straight Arrow Connector 209">
-            <a:extLst>
-              <a:ext uri="{FF2B5EF4-FFF2-40B4-BE49-F238E27FC236}">
-                <a16:creationId xmlns:a16="http://schemas.microsoft.com/office/drawing/2014/main" id="{BDA337A8-50BA-D9EA-6BDD-EFE25AEFEC77}"/>
+          <p:cNvPr id="222" name="Straight Arrow Connector 221">
+            <a:extLst>
+              <a:ext uri="{FF2B5EF4-FFF2-40B4-BE49-F238E27FC236}">
+                <a16:creationId xmlns:a16="http://schemas.microsoft.com/office/drawing/2014/main" id="{390BDDCA-FA99-8EAD-EFA2-F55702C2B8D2}"/>
               </a:ext>
             </a:extLst>
           </p:cNvPr>
           <p:cNvCxnSpPr>
             <a:cxnSpLocks/>
-            <a:stCxn id="60" idx="1"/>
-            <a:endCxn id="217" idx="1"/>
+            <a:stCxn id="209" idx="3"/>
+            <a:endCxn id="220" idx="2"/>
           </p:cNvCxnSpPr>
           <p:nvPr/>
         </p:nvCxnSpPr>
         <p:spPr>
-          <a:xfrm flipV="1">
-            <a:off x="7112705" y="2927837"/>
-            <a:ext cx="205651" cy="643"/>
+          <a:xfrm>
+            <a:off x="6755712" y="1929384"/>
+            <a:ext cx="688584" cy="1051560"/>
           </a:xfrm>
           <a:prstGeom prst="straightConnector1">
             <a:avLst/>
@@ -6643,86 +6671,360 @@
           </a:fontRef>
         </p:style>
       </p:cxnSp>
-      <p:sp>
-        <p:nvSpPr>
-          <p:cNvPr id="213" name="Can 212">
-            <a:extLst>
-              <a:ext uri="{FF2B5EF4-FFF2-40B4-BE49-F238E27FC236}">
-                <a16:creationId xmlns:a16="http://schemas.microsoft.com/office/drawing/2014/main" id="{948AB922-8365-1148-6D3D-5648667643BE}"/>
-              </a:ext>
-            </a:extLst>
-          </p:cNvPr>
-          <p:cNvSpPr/>
-          <p:nvPr/>
-        </p:nvSpPr>
-        <p:spPr>
-          <a:xfrm>
-            <a:off x="6573086" y="2810134"/>
-            <a:ext cx="408700" cy="282764"/>
-          </a:xfrm>
-          <a:prstGeom prst="can">
-            <a:avLst/>
-          </a:prstGeom>
-          <a:solidFill>
-            <a:srgbClr val="0070C0"/>
-          </a:solidFill>
-          <a:ln w="28575" cmpd="sng">
+      <p:cxnSp>
+        <p:nvCxnSpPr>
+          <p:cNvPr id="223" name="Straight Arrow Connector 222">
+            <a:extLst>
+              <a:ext uri="{FF2B5EF4-FFF2-40B4-BE49-F238E27FC236}">
+                <a16:creationId xmlns:a16="http://schemas.microsoft.com/office/drawing/2014/main" id="{EEF3FF39-F0A1-8FB6-5188-1BED4A751DE7}"/>
+              </a:ext>
+            </a:extLst>
+          </p:cNvPr>
+          <p:cNvCxnSpPr>
+            <a:cxnSpLocks/>
+            <a:stCxn id="209" idx="3"/>
+            <a:endCxn id="218" idx="2"/>
+          </p:cNvCxnSpPr>
+          <p:nvPr/>
+        </p:nvCxnSpPr>
+        <p:spPr>
+          <a:xfrm>
+            <a:off x="6755712" y="1929384"/>
+            <a:ext cx="692134" cy="0"/>
+          </a:xfrm>
+          <a:prstGeom prst="straightConnector1">
+            <a:avLst/>
+          </a:prstGeom>
+          <a:ln w="19050" cap="flat" cmpd="sng" algn="ctr">
             <a:solidFill>
               <a:schemeClr val="tx1"/>
             </a:solidFill>
+            <a:prstDash val="solid"/>
+            <a:round/>
+            <a:headEnd type="none" w="med" len="med"/>
+            <a:tailEnd type="arrow" w="med" len="med"/>
           </a:ln>
           <a:effectLst/>
         </p:spPr>
         <p:style>
-          <a:lnRef idx="1">
+          <a:lnRef idx="2">
             <a:schemeClr val="accent1"/>
           </a:lnRef>
-          <a:fillRef idx="3">
+          <a:fillRef idx="0">
             <a:schemeClr val="accent1"/>
           </a:fillRef>
-          <a:effectRef idx="2">
+          <a:effectRef idx="1">
             <a:schemeClr val="accent1"/>
           </a:effectRef>
           <a:fontRef idx="minor">
-            <a:schemeClr val="lt1"/>
+            <a:schemeClr val="tx1"/>
           </a:fontRef>
         </p:style>
-        <p:txBody>
-          <a:bodyPr rtlCol="0" anchor="ctr"/>
-          <a:lstStyle/>
-          <a:p>
-            <a:pPr algn="ctr"/>
-            <a:r>
-              <a:rPr lang="en-US" sz="1400" dirty="0">
-                <a:solidFill>
-                  <a:schemeClr val="bg1"/>
-                </a:solidFill>
-                <a:latin typeface=""/>
-                <a:ea typeface="Tahoma" panose="020B0604030504040204" pitchFamily="34" charset="0"/>
-                <a:cs typeface="Tahoma" panose="020B0604030504040204" pitchFamily="34" charset="0"/>
-              </a:rPr>
-              <a:t>S</a:t>
-            </a:r>
-            <a:r>
-              <a:rPr lang="en-US" sz="1400" baseline="-25000" dirty="0">
-                <a:solidFill>
-                  <a:schemeClr val="bg1"/>
-                </a:solidFill>
-                <a:latin typeface=""/>
-                <a:ea typeface="Tahoma" panose="020B0604030504040204" pitchFamily="34" charset="0"/>
-                <a:cs typeface="Tahoma" panose="020B0604030504040204" pitchFamily="34" charset="0"/>
-              </a:rPr>
-              <a:t>2</a:t>
-            </a:r>
-          </a:p>
-        </p:txBody>
-      </p:sp>
-      <p:sp>
-        <p:nvSpPr>
-          <p:cNvPr id="217" name="Rectangle 216">
-            <a:extLst>
-              <a:ext uri="{FF2B5EF4-FFF2-40B4-BE49-F238E27FC236}">
-                <a16:creationId xmlns:a16="http://schemas.microsoft.com/office/drawing/2014/main" id="{F2183143-BB99-2894-2DE1-435397E65887}"/>
+      </p:cxnSp>
+      <p:cxnSp>
+        <p:nvCxnSpPr>
+          <p:cNvPr id="224" name="Straight Arrow Connector 223">
+            <a:extLst>
+              <a:ext uri="{FF2B5EF4-FFF2-40B4-BE49-F238E27FC236}">
+                <a16:creationId xmlns:a16="http://schemas.microsoft.com/office/drawing/2014/main" id="{1CFA48A5-7FD3-8634-B04E-9F7CD10D3BF0}"/>
+              </a:ext>
+            </a:extLst>
+          </p:cNvPr>
+          <p:cNvCxnSpPr>
+            <a:cxnSpLocks/>
+            <a:stCxn id="217" idx="3"/>
+            <a:endCxn id="220" idx="2"/>
+          </p:cNvCxnSpPr>
+          <p:nvPr/>
+        </p:nvCxnSpPr>
+        <p:spPr>
+          <a:xfrm flipV="1">
+            <a:off x="6755712" y="2980944"/>
+            <a:ext cx="688584" cy="1130"/>
+          </a:xfrm>
+          <a:prstGeom prst="straightConnector1">
+            <a:avLst/>
+          </a:prstGeom>
+          <a:ln w="19050" cap="flat" cmpd="sng" algn="ctr">
+            <a:solidFill>
+              <a:schemeClr val="tx1"/>
+            </a:solidFill>
+            <a:prstDash val="solid"/>
+            <a:round/>
+            <a:headEnd type="none" w="med" len="med"/>
+            <a:tailEnd type="arrow" w="med" len="med"/>
+          </a:ln>
+          <a:effectLst/>
+        </p:spPr>
+        <p:style>
+          <a:lnRef idx="2">
+            <a:schemeClr val="accent1"/>
+          </a:lnRef>
+          <a:fillRef idx="0">
+            <a:schemeClr val="accent1"/>
+          </a:fillRef>
+          <a:effectRef idx="1">
+            <a:schemeClr val="accent1"/>
+          </a:effectRef>
+          <a:fontRef idx="minor">
+            <a:schemeClr val="tx1"/>
+          </a:fontRef>
+        </p:style>
+      </p:cxnSp>
+      <p:cxnSp>
+        <p:nvCxnSpPr>
+          <p:cNvPr id="225" name="Straight Arrow Connector 224">
+            <a:extLst>
+              <a:ext uri="{FF2B5EF4-FFF2-40B4-BE49-F238E27FC236}">
+                <a16:creationId xmlns:a16="http://schemas.microsoft.com/office/drawing/2014/main" id="{3A163F04-F0E5-8D80-1AF7-4342631E26F5}"/>
+              </a:ext>
+            </a:extLst>
+          </p:cNvPr>
+          <p:cNvCxnSpPr>
+            <a:cxnSpLocks/>
+            <a:stCxn id="217" idx="3"/>
+            <a:endCxn id="218" idx="2"/>
+          </p:cNvCxnSpPr>
+          <p:nvPr/>
+        </p:nvCxnSpPr>
+        <p:spPr>
+          <a:xfrm flipV="1">
+            <a:off x="6755712" y="1929384"/>
+            <a:ext cx="692134" cy="1052690"/>
+          </a:xfrm>
+          <a:prstGeom prst="straightConnector1">
+            <a:avLst/>
+          </a:prstGeom>
+          <a:ln w="19050" cap="flat" cmpd="sng" algn="ctr">
+            <a:solidFill>
+              <a:schemeClr val="tx1"/>
+            </a:solidFill>
+            <a:prstDash val="solid"/>
+            <a:round/>
+            <a:headEnd type="none" w="med" len="med"/>
+            <a:tailEnd type="arrow" w="med" len="med"/>
+          </a:ln>
+          <a:effectLst/>
+        </p:spPr>
+        <p:style>
+          <a:lnRef idx="2">
+            <a:schemeClr val="accent1"/>
+          </a:lnRef>
+          <a:fillRef idx="0">
+            <a:schemeClr val="accent1"/>
+          </a:fillRef>
+          <a:effectRef idx="1">
+            <a:schemeClr val="accent1"/>
+          </a:effectRef>
+          <a:fontRef idx="minor">
+            <a:schemeClr val="tx1"/>
+          </a:fontRef>
+        </p:style>
+      </p:cxnSp>
+      <p:cxnSp>
+        <p:nvCxnSpPr>
+          <p:cNvPr id="226" name="Straight Arrow Connector 225">
+            <a:extLst>
+              <a:ext uri="{FF2B5EF4-FFF2-40B4-BE49-F238E27FC236}">
+                <a16:creationId xmlns:a16="http://schemas.microsoft.com/office/drawing/2014/main" id="{FFDA63F1-AF9A-1624-85E2-B25A4DCA400C}"/>
+              </a:ext>
+            </a:extLst>
+          </p:cNvPr>
+          <p:cNvCxnSpPr>
+            <a:cxnSpLocks/>
+            <a:stCxn id="220" idx="4"/>
+            <a:endCxn id="198" idx="1"/>
+          </p:cNvCxnSpPr>
+          <p:nvPr/>
+        </p:nvCxnSpPr>
+        <p:spPr>
+          <a:xfrm>
+            <a:off x="7718616" y="2980944"/>
+            <a:ext cx="147385" cy="2262"/>
+          </a:xfrm>
+          <a:prstGeom prst="straightConnector1">
+            <a:avLst/>
+          </a:prstGeom>
+          <a:ln w="19050" cap="flat" cmpd="sng" algn="ctr">
+            <a:solidFill>
+              <a:schemeClr val="tx1"/>
+            </a:solidFill>
+            <a:prstDash val="solid"/>
+            <a:round/>
+            <a:headEnd type="none" w="med" len="med"/>
+            <a:tailEnd type="arrow" w="med" len="med"/>
+          </a:ln>
+          <a:effectLst/>
+        </p:spPr>
+        <p:style>
+          <a:lnRef idx="2">
+            <a:schemeClr val="accent1"/>
+          </a:lnRef>
+          <a:fillRef idx="0">
+            <a:schemeClr val="accent1"/>
+          </a:fillRef>
+          <a:effectRef idx="1">
+            <a:schemeClr val="accent1"/>
+          </a:effectRef>
+          <a:fontRef idx="minor">
+            <a:schemeClr val="tx1"/>
+          </a:fontRef>
+        </p:style>
+      </p:cxnSp>
+      <p:cxnSp>
+        <p:nvCxnSpPr>
+          <p:cNvPr id="238" name="Straight Arrow Connector 237">
+            <a:extLst>
+              <a:ext uri="{FF2B5EF4-FFF2-40B4-BE49-F238E27FC236}">
+                <a16:creationId xmlns:a16="http://schemas.microsoft.com/office/drawing/2014/main" id="{B020543D-3E2D-1FD5-0E69-921FF0111E87}"/>
+              </a:ext>
+            </a:extLst>
+          </p:cNvPr>
+          <p:cNvCxnSpPr>
+            <a:cxnSpLocks/>
+            <a:endCxn id="218" idx="2"/>
+          </p:cNvCxnSpPr>
+          <p:nvPr/>
+        </p:nvCxnSpPr>
+        <p:spPr>
+          <a:xfrm flipV="1">
+            <a:off x="6710189" y="1929384"/>
+            <a:ext cx="737657" cy="1779887"/>
+          </a:xfrm>
+          <a:prstGeom prst="straightConnector1">
+            <a:avLst/>
+          </a:prstGeom>
+          <a:ln w="19050" cap="flat" cmpd="sng" algn="ctr">
+            <a:solidFill>
+              <a:schemeClr val="tx1"/>
+            </a:solidFill>
+            <a:prstDash val="lgDash"/>
+            <a:round/>
+            <a:headEnd type="none" w="med" len="med"/>
+            <a:tailEnd type="arrow" w="med" len="med"/>
+          </a:ln>
+          <a:effectLst/>
+        </p:spPr>
+        <p:style>
+          <a:lnRef idx="2">
+            <a:schemeClr val="accent1"/>
+          </a:lnRef>
+          <a:fillRef idx="0">
+            <a:schemeClr val="accent1"/>
+          </a:fillRef>
+          <a:effectRef idx="1">
+            <a:schemeClr val="accent1"/>
+          </a:effectRef>
+          <a:fontRef idx="minor">
+            <a:schemeClr val="tx1"/>
+          </a:fontRef>
+        </p:style>
+      </p:cxnSp>
+      <p:cxnSp>
+        <p:nvCxnSpPr>
+          <p:cNvPr id="239" name="Straight Arrow Connector 238">
+            <a:extLst>
+              <a:ext uri="{FF2B5EF4-FFF2-40B4-BE49-F238E27FC236}">
+                <a16:creationId xmlns:a16="http://schemas.microsoft.com/office/drawing/2014/main" id="{FE8042C3-4B00-7BA1-E4EF-7CDB47F02DE7}"/>
+              </a:ext>
+            </a:extLst>
+          </p:cNvPr>
+          <p:cNvCxnSpPr>
+            <a:cxnSpLocks/>
+            <a:endCxn id="220" idx="2"/>
+          </p:cNvCxnSpPr>
+          <p:nvPr/>
+        </p:nvCxnSpPr>
+        <p:spPr>
+          <a:xfrm flipV="1">
+            <a:off x="6733235" y="2980944"/>
+            <a:ext cx="711061" cy="874883"/>
+          </a:xfrm>
+          <a:prstGeom prst="straightConnector1">
+            <a:avLst/>
+          </a:prstGeom>
+          <a:ln w="19050" cap="flat" cmpd="sng" algn="ctr">
+            <a:solidFill>
+              <a:schemeClr val="tx1"/>
+            </a:solidFill>
+            <a:prstDash val="lgDash"/>
+            <a:round/>
+            <a:headEnd type="none" w="med" len="med"/>
+            <a:tailEnd type="arrow" w="med" len="med"/>
+          </a:ln>
+          <a:effectLst/>
+        </p:spPr>
+        <p:style>
+          <a:lnRef idx="2">
+            <a:schemeClr val="accent1"/>
+          </a:lnRef>
+          <a:fillRef idx="0">
+            <a:schemeClr val="accent1"/>
+          </a:fillRef>
+          <a:effectRef idx="1">
+            <a:schemeClr val="accent1"/>
+          </a:effectRef>
+          <a:fontRef idx="minor">
+            <a:schemeClr val="tx1"/>
+          </a:fontRef>
+        </p:style>
+      </p:cxnSp>
+      <p:cxnSp>
+        <p:nvCxnSpPr>
+          <p:cNvPr id="240" name="Straight Arrow Connector 239">
+            <a:extLst>
+              <a:ext uri="{FF2B5EF4-FFF2-40B4-BE49-F238E27FC236}">
+                <a16:creationId xmlns:a16="http://schemas.microsoft.com/office/drawing/2014/main" id="{2D9EBBED-8436-44D0-7827-933B975A08A8}"/>
+              </a:ext>
+            </a:extLst>
+          </p:cNvPr>
+          <p:cNvCxnSpPr>
+            <a:cxnSpLocks/>
+            <a:stCxn id="197" idx="3"/>
+            <a:endCxn id="199" idx="1"/>
+          </p:cNvCxnSpPr>
+          <p:nvPr/>
+        </p:nvCxnSpPr>
+        <p:spPr>
+          <a:xfrm flipV="1">
+            <a:off x="9401751" y="1927514"/>
+            <a:ext cx="136436" cy="620"/>
+          </a:xfrm>
+          <a:prstGeom prst="straightConnector1">
+            <a:avLst/>
+          </a:prstGeom>
+          <a:ln w="19050" cap="flat" cmpd="sng" algn="ctr">
+            <a:solidFill>
+              <a:schemeClr val="tx1"/>
+            </a:solidFill>
+            <a:prstDash val="solid"/>
+            <a:round/>
+            <a:headEnd type="none" w="med" len="med"/>
+            <a:tailEnd type="arrow" w="med" len="med"/>
+          </a:ln>
+          <a:effectLst/>
+        </p:spPr>
+        <p:style>
+          <a:lnRef idx="2">
+            <a:schemeClr val="accent1"/>
+          </a:lnRef>
+          <a:fillRef idx="0">
+            <a:schemeClr val="accent1"/>
+          </a:fillRef>
+          <a:effectRef idx="1">
+            <a:schemeClr val="accent1"/>
+          </a:effectRef>
+          <a:fontRef idx="minor">
+            <a:schemeClr val="tx1"/>
+          </a:fontRef>
+        </p:style>
+      </p:cxnSp>
+      <p:sp>
+        <p:nvSpPr>
+          <p:cNvPr id="241" name="Rounded Rectangle 240">
+            <a:extLst>
+              <a:ext uri="{FF2B5EF4-FFF2-40B4-BE49-F238E27FC236}">
+                <a16:creationId xmlns:a16="http://schemas.microsoft.com/office/drawing/2014/main" id="{9CCA7D4B-CD33-B966-2932-114F4A55BACE}"/>
               </a:ext>
             </a:extLst>
           </p:cNvPr>
@@ -6731,14 +7033,16 @@
         </p:nvSpPr>
         <p:spPr>
           <a:xfrm>
-            <a:off x="7318356" y="2802616"/>
-            <a:ext cx="494963" cy="250442"/>
-          </a:xfrm>
-          <a:prstGeom prst="rect">
-            <a:avLst/>
+            <a:off x="5674648" y="894904"/>
+            <a:ext cx="4305731" cy="4835335"/>
+          </a:xfrm>
+          <a:prstGeom prst="roundRect">
+            <a:avLst>
+              <a:gd name="adj" fmla="val 7066"/>
+            </a:avLst>
           </a:prstGeom>
           <a:noFill/>
-          <a:ln w="19050"/>
+          <a:ln w="38100"/>
         </p:spPr>
         <p:style>
           <a:lnRef idx="2">
@@ -6760,615 +7064,6 @@
           <a:p>
             <a:pPr algn="ctr"/>
             <a:r>
-              <a:rPr lang="en-US" sz="1400" dirty="0">
-                <a:latin typeface=""/>
-                <a:ea typeface="Tahoma" panose="020B0604030504040204" pitchFamily="34" charset="0"/>
-                <a:cs typeface="Tahoma" panose="020B0604030504040204" pitchFamily="34" charset="0"/>
-              </a:rPr>
-              <a:t>M</a:t>
-            </a:r>
-            <a:r>
-              <a:rPr lang="en-US" sz="1400" baseline="-25000" dirty="0">
-                <a:latin typeface=""/>
-                <a:ea typeface="Tahoma" panose="020B0604030504040204" pitchFamily="34" charset="0"/>
-                <a:cs typeface="Tahoma" panose="020B0604030504040204" pitchFamily="34" charset="0"/>
-              </a:rPr>
-              <a:t>2</a:t>
-            </a:r>
-          </a:p>
-        </p:txBody>
-      </p:sp>
-      <p:sp>
-        <p:nvSpPr>
-          <p:cNvPr id="218" name="Can 217">
-            <a:extLst>
-              <a:ext uri="{FF2B5EF4-FFF2-40B4-BE49-F238E27FC236}">
-                <a16:creationId xmlns:a16="http://schemas.microsoft.com/office/drawing/2014/main" id="{89283C21-F9B1-F2B9-49E7-998E7841FC9E}"/>
-              </a:ext>
-            </a:extLst>
-          </p:cNvPr>
-          <p:cNvSpPr/>
-          <p:nvPr/>
-        </p:nvSpPr>
-        <p:spPr>
-          <a:xfrm>
-            <a:off x="8455062" y="1769507"/>
-            <a:ext cx="408700" cy="308442"/>
-          </a:xfrm>
-          <a:prstGeom prst="can">
-            <a:avLst/>
-          </a:prstGeom>
-          <a:solidFill>
-            <a:srgbClr val="00B0F0"/>
-          </a:solidFill>
-          <a:ln w="28575" cmpd="sng">
-            <a:solidFill>
-              <a:schemeClr val="tx1"/>
-            </a:solidFill>
-          </a:ln>
-          <a:effectLst/>
-        </p:spPr>
-        <p:style>
-          <a:lnRef idx="1">
-            <a:schemeClr val="accent1"/>
-          </a:lnRef>
-          <a:fillRef idx="3">
-            <a:schemeClr val="accent1"/>
-          </a:fillRef>
-          <a:effectRef idx="2">
-            <a:schemeClr val="accent1"/>
-          </a:effectRef>
-          <a:fontRef idx="minor">
-            <a:schemeClr val="lt1"/>
-          </a:fontRef>
-        </p:style>
-        <p:txBody>
-          <a:bodyPr rtlCol="0" anchor="ctr"/>
-          <a:lstStyle/>
-          <a:p>
-            <a:pPr algn="ctr"/>
-            <a:r>
-              <a:rPr lang="en-US" sz="1400" dirty="0">
-                <a:solidFill>
-                  <a:schemeClr val="bg1"/>
-                </a:solidFill>
-                <a:latin typeface=""/>
-                <a:ea typeface="Tahoma" panose="020B0604030504040204" pitchFamily="34" charset="0"/>
-                <a:cs typeface="Tahoma" panose="020B0604030504040204" pitchFamily="34" charset="0"/>
-              </a:rPr>
-              <a:t>S</a:t>
-            </a:r>
-            <a:r>
-              <a:rPr lang="en-US" sz="1400" baseline="-25000" dirty="0">
-                <a:solidFill>
-                  <a:schemeClr val="bg1"/>
-                </a:solidFill>
-                <a:latin typeface=""/>
-                <a:ea typeface="Tahoma" panose="020B0604030504040204" pitchFamily="34" charset="0"/>
-                <a:cs typeface="Tahoma" panose="020B0604030504040204" pitchFamily="34" charset="0"/>
-              </a:rPr>
-              <a:t>1</a:t>
-            </a:r>
-          </a:p>
-        </p:txBody>
-      </p:sp>
-      <p:sp>
-        <p:nvSpPr>
-          <p:cNvPr id="220" name="Can 219">
-            <a:extLst>
-              <a:ext uri="{FF2B5EF4-FFF2-40B4-BE49-F238E27FC236}">
-                <a16:creationId xmlns:a16="http://schemas.microsoft.com/office/drawing/2014/main" id="{9068FE81-5EBC-E381-B5C6-D1996A0AB17E}"/>
-              </a:ext>
-            </a:extLst>
-          </p:cNvPr>
-          <p:cNvSpPr/>
-          <p:nvPr/>
-        </p:nvSpPr>
-        <p:spPr>
-          <a:xfrm>
-            <a:off x="8451512" y="2771916"/>
-            <a:ext cx="408700" cy="308442"/>
-          </a:xfrm>
-          <a:prstGeom prst="can">
-            <a:avLst/>
-          </a:prstGeom>
-          <a:solidFill>
-            <a:srgbClr val="0070C0"/>
-          </a:solidFill>
-          <a:ln w="28575" cmpd="sng">
-            <a:solidFill>
-              <a:schemeClr val="tx1"/>
-            </a:solidFill>
-          </a:ln>
-          <a:effectLst/>
-        </p:spPr>
-        <p:style>
-          <a:lnRef idx="1">
-            <a:schemeClr val="accent1"/>
-          </a:lnRef>
-          <a:fillRef idx="3">
-            <a:schemeClr val="accent1"/>
-          </a:fillRef>
-          <a:effectRef idx="2">
-            <a:schemeClr val="accent1"/>
-          </a:effectRef>
-          <a:fontRef idx="minor">
-            <a:schemeClr val="lt1"/>
-          </a:fontRef>
-        </p:style>
-        <p:txBody>
-          <a:bodyPr rtlCol="0" anchor="ctr"/>
-          <a:lstStyle/>
-          <a:p>
-            <a:pPr algn="ctr"/>
-            <a:r>
-              <a:rPr lang="en-US" sz="1400" dirty="0">
-                <a:solidFill>
-                  <a:schemeClr val="bg1"/>
-                </a:solidFill>
-                <a:latin typeface=""/>
-                <a:ea typeface="Tahoma" panose="020B0604030504040204" pitchFamily="34" charset="0"/>
-                <a:cs typeface="Tahoma" panose="020B0604030504040204" pitchFamily="34" charset="0"/>
-              </a:rPr>
-              <a:t>S</a:t>
-            </a:r>
-            <a:r>
-              <a:rPr lang="en-US" sz="1400" baseline="-25000" dirty="0">
-                <a:solidFill>
-                  <a:schemeClr val="bg1"/>
-                </a:solidFill>
-                <a:latin typeface=""/>
-                <a:ea typeface="Tahoma" panose="020B0604030504040204" pitchFamily="34" charset="0"/>
-                <a:cs typeface="Tahoma" panose="020B0604030504040204" pitchFamily="34" charset="0"/>
-              </a:rPr>
-              <a:t>2</a:t>
-            </a:r>
-          </a:p>
-        </p:txBody>
-      </p:sp>
-      <p:cxnSp>
-        <p:nvCxnSpPr>
-          <p:cNvPr id="222" name="Straight Arrow Connector 221">
-            <a:extLst>
-              <a:ext uri="{FF2B5EF4-FFF2-40B4-BE49-F238E27FC236}">
-                <a16:creationId xmlns:a16="http://schemas.microsoft.com/office/drawing/2014/main" id="{390BDDCA-FA99-8EAD-EFA2-F55702C2B8D2}"/>
-              </a:ext>
-            </a:extLst>
-          </p:cNvPr>
-          <p:cNvCxnSpPr>
-            <a:cxnSpLocks/>
-            <a:stCxn id="209" idx="3"/>
-            <a:endCxn id="220" idx="2"/>
-          </p:cNvCxnSpPr>
-          <p:nvPr/>
-        </p:nvCxnSpPr>
-        <p:spPr>
-          <a:xfrm>
-            <a:off x="7813319" y="1923177"/>
-            <a:ext cx="638193" cy="1002960"/>
-          </a:xfrm>
-          <a:prstGeom prst="straightConnector1">
-            <a:avLst/>
-          </a:prstGeom>
-          <a:ln w="19050" cap="flat" cmpd="sng" algn="ctr">
-            <a:solidFill>
-              <a:schemeClr val="tx1"/>
-            </a:solidFill>
-            <a:prstDash val="solid"/>
-            <a:round/>
-            <a:headEnd type="none" w="med" len="med"/>
-            <a:tailEnd type="arrow" w="med" len="med"/>
-          </a:ln>
-          <a:effectLst/>
-        </p:spPr>
-        <p:style>
-          <a:lnRef idx="2">
-            <a:schemeClr val="accent1"/>
-          </a:lnRef>
-          <a:fillRef idx="0">
-            <a:schemeClr val="accent1"/>
-          </a:fillRef>
-          <a:effectRef idx="1">
-            <a:schemeClr val="accent1"/>
-          </a:effectRef>
-          <a:fontRef idx="minor">
-            <a:schemeClr val="tx1"/>
-          </a:fontRef>
-        </p:style>
-      </p:cxnSp>
-      <p:cxnSp>
-        <p:nvCxnSpPr>
-          <p:cNvPr id="223" name="Straight Arrow Connector 222">
-            <a:extLst>
-              <a:ext uri="{FF2B5EF4-FFF2-40B4-BE49-F238E27FC236}">
-                <a16:creationId xmlns:a16="http://schemas.microsoft.com/office/drawing/2014/main" id="{EEF3FF39-F0A1-8FB6-5188-1BED4A751DE7}"/>
-              </a:ext>
-            </a:extLst>
-          </p:cNvPr>
-          <p:cNvCxnSpPr>
-            <a:cxnSpLocks/>
-            <a:stCxn id="209" idx="3"/>
-            <a:endCxn id="218" idx="2"/>
-          </p:cNvCxnSpPr>
-          <p:nvPr/>
-        </p:nvCxnSpPr>
-        <p:spPr>
-          <a:xfrm>
-            <a:off x="7813319" y="1923177"/>
-            <a:ext cx="641743" cy="551"/>
-          </a:xfrm>
-          <a:prstGeom prst="straightConnector1">
-            <a:avLst/>
-          </a:prstGeom>
-          <a:ln w="19050" cap="flat" cmpd="sng" algn="ctr">
-            <a:solidFill>
-              <a:schemeClr val="tx1"/>
-            </a:solidFill>
-            <a:prstDash val="solid"/>
-            <a:round/>
-            <a:headEnd type="none" w="med" len="med"/>
-            <a:tailEnd type="arrow" w="med" len="med"/>
-          </a:ln>
-          <a:effectLst/>
-        </p:spPr>
-        <p:style>
-          <a:lnRef idx="2">
-            <a:schemeClr val="accent1"/>
-          </a:lnRef>
-          <a:fillRef idx="0">
-            <a:schemeClr val="accent1"/>
-          </a:fillRef>
-          <a:effectRef idx="1">
-            <a:schemeClr val="accent1"/>
-          </a:effectRef>
-          <a:fontRef idx="minor">
-            <a:schemeClr val="tx1"/>
-          </a:fontRef>
-        </p:style>
-      </p:cxnSp>
-      <p:cxnSp>
-        <p:nvCxnSpPr>
-          <p:cNvPr id="224" name="Straight Arrow Connector 223">
-            <a:extLst>
-              <a:ext uri="{FF2B5EF4-FFF2-40B4-BE49-F238E27FC236}">
-                <a16:creationId xmlns:a16="http://schemas.microsoft.com/office/drawing/2014/main" id="{1CFA48A5-7FD3-8634-B04E-9F7CD10D3BF0}"/>
-              </a:ext>
-            </a:extLst>
-          </p:cNvPr>
-          <p:cNvCxnSpPr>
-            <a:cxnSpLocks/>
-            <a:stCxn id="217" idx="3"/>
-            <a:endCxn id="220" idx="2"/>
-          </p:cNvCxnSpPr>
-          <p:nvPr/>
-        </p:nvCxnSpPr>
-        <p:spPr>
-          <a:xfrm flipV="1">
-            <a:off x="7813319" y="2926137"/>
-            <a:ext cx="638193" cy="1700"/>
-          </a:xfrm>
-          <a:prstGeom prst="straightConnector1">
-            <a:avLst/>
-          </a:prstGeom>
-          <a:ln w="19050" cap="flat" cmpd="sng" algn="ctr">
-            <a:solidFill>
-              <a:schemeClr val="tx1"/>
-            </a:solidFill>
-            <a:prstDash val="solid"/>
-            <a:round/>
-            <a:headEnd type="none" w="med" len="med"/>
-            <a:tailEnd type="arrow" w="med" len="med"/>
-          </a:ln>
-          <a:effectLst/>
-        </p:spPr>
-        <p:style>
-          <a:lnRef idx="2">
-            <a:schemeClr val="accent1"/>
-          </a:lnRef>
-          <a:fillRef idx="0">
-            <a:schemeClr val="accent1"/>
-          </a:fillRef>
-          <a:effectRef idx="1">
-            <a:schemeClr val="accent1"/>
-          </a:effectRef>
-          <a:fontRef idx="minor">
-            <a:schemeClr val="tx1"/>
-          </a:fontRef>
-        </p:style>
-      </p:cxnSp>
-      <p:cxnSp>
-        <p:nvCxnSpPr>
-          <p:cNvPr id="225" name="Straight Arrow Connector 224">
-            <a:extLst>
-              <a:ext uri="{FF2B5EF4-FFF2-40B4-BE49-F238E27FC236}">
-                <a16:creationId xmlns:a16="http://schemas.microsoft.com/office/drawing/2014/main" id="{3A163F04-F0E5-8D80-1AF7-4342631E26F5}"/>
-              </a:ext>
-            </a:extLst>
-          </p:cNvPr>
-          <p:cNvCxnSpPr>
-            <a:cxnSpLocks/>
-            <a:stCxn id="217" idx="3"/>
-            <a:endCxn id="218" idx="2"/>
-          </p:cNvCxnSpPr>
-          <p:nvPr/>
-        </p:nvCxnSpPr>
-        <p:spPr>
-          <a:xfrm flipV="1">
-            <a:off x="7813319" y="1923728"/>
-            <a:ext cx="641743" cy="1004109"/>
-          </a:xfrm>
-          <a:prstGeom prst="straightConnector1">
-            <a:avLst/>
-          </a:prstGeom>
-          <a:ln w="19050" cap="flat" cmpd="sng" algn="ctr">
-            <a:solidFill>
-              <a:schemeClr val="tx1"/>
-            </a:solidFill>
-            <a:prstDash val="solid"/>
-            <a:round/>
-            <a:headEnd type="none" w="med" len="med"/>
-            <a:tailEnd type="arrow" w="med" len="med"/>
-          </a:ln>
-          <a:effectLst/>
-        </p:spPr>
-        <p:style>
-          <a:lnRef idx="2">
-            <a:schemeClr val="accent1"/>
-          </a:lnRef>
-          <a:fillRef idx="0">
-            <a:schemeClr val="accent1"/>
-          </a:fillRef>
-          <a:effectRef idx="1">
-            <a:schemeClr val="accent1"/>
-          </a:effectRef>
-          <a:fontRef idx="minor">
-            <a:schemeClr val="tx1"/>
-          </a:fontRef>
-        </p:style>
-      </p:cxnSp>
-      <p:cxnSp>
-        <p:nvCxnSpPr>
-          <p:cNvPr id="226" name="Straight Arrow Connector 225">
-            <a:extLst>
-              <a:ext uri="{FF2B5EF4-FFF2-40B4-BE49-F238E27FC236}">
-                <a16:creationId xmlns:a16="http://schemas.microsoft.com/office/drawing/2014/main" id="{FFDA63F1-AF9A-1624-85E2-B25A4DCA400C}"/>
-              </a:ext>
-            </a:extLst>
-          </p:cNvPr>
-          <p:cNvCxnSpPr>
-            <a:cxnSpLocks/>
-            <a:stCxn id="220" idx="4"/>
-            <a:endCxn id="198" idx="1"/>
-          </p:cNvCxnSpPr>
-          <p:nvPr/>
-        </p:nvCxnSpPr>
-        <p:spPr>
-          <a:xfrm>
-            <a:off x="8860212" y="2926137"/>
-            <a:ext cx="85390" cy="1189"/>
-          </a:xfrm>
-          <a:prstGeom prst="straightConnector1">
-            <a:avLst/>
-          </a:prstGeom>
-          <a:ln w="19050" cap="flat" cmpd="sng" algn="ctr">
-            <a:solidFill>
-              <a:schemeClr val="tx1"/>
-            </a:solidFill>
-            <a:prstDash val="solid"/>
-            <a:round/>
-            <a:headEnd type="none" w="med" len="med"/>
-            <a:tailEnd type="arrow" w="med" len="med"/>
-          </a:ln>
-          <a:effectLst/>
-        </p:spPr>
-        <p:style>
-          <a:lnRef idx="2">
-            <a:schemeClr val="accent1"/>
-          </a:lnRef>
-          <a:fillRef idx="0">
-            <a:schemeClr val="accent1"/>
-          </a:fillRef>
-          <a:effectRef idx="1">
-            <a:schemeClr val="accent1"/>
-          </a:effectRef>
-          <a:fontRef idx="minor">
-            <a:schemeClr val="tx1"/>
-          </a:fontRef>
-        </p:style>
-      </p:cxnSp>
-      <p:cxnSp>
-        <p:nvCxnSpPr>
-          <p:cNvPr id="238" name="Straight Arrow Connector 237">
-            <a:extLst>
-              <a:ext uri="{FF2B5EF4-FFF2-40B4-BE49-F238E27FC236}">
-                <a16:creationId xmlns:a16="http://schemas.microsoft.com/office/drawing/2014/main" id="{B020543D-3E2D-1FD5-0E69-921FF0111E87}"/>
-              </a:ext>
-            </a:extLst>
-          </p:cNvPr>
-          <p:cNvCxnSpPr>
-            <a:cxnSpLocks/>
-            <a:endCxn id="218" idx="2"/>
-          </p:cNvCxnSpPr>
-          <p:nvPr/>
-        </p:nvCxnSpPr>
-        <p:spPr>
-          <a:xfrm flipV="1">
-            <a:off x="7773992" y="1923728"/>
-            <a:ext cx="681070" cy="1839387"/>
-          </a:xfrm>
-          <a:prstGeom prst="straightConnector1">
-            <a:avLst/>
-          </a:prstGeom>
-          <a:ln w="19050" cap="flat" cmpd="sng" algn="ctr">
-            <a:solidFill>
-              <a:schemeClr val="tx1"/>
-            </a:solidFill>
-            <a:prstDash val="lgDash"/>
-            <a:round/>
-            <a:headEnd type="none" w="med" len="med"/>
-            <a:tailEnd type="arrow" w="med" len="med"/>
-          </a:ln>
-          <a:effectLst/>
-        </p:spPr>
-        <p:style>
-          <a:lnRef idx="2">
-            <a:schemeClr val="accent1"/>
-          </a:lnRef>
-          <a:fillRef idx="0">
-            <a:schemeClr val="accent1"/>
-          </a:fillRef>
-          <a:effectRef idx="1">
-            <a:schemeClr val="accent1"/>
-          </a:effectRef>
-          <a:fontRef idx="minor">
-            <a:schemeClr val="tx1"/>
-          </a:fontRef>
-        </p:style>
-      </p:cxnSp>
-      <p:cxnSp>
-        <p:nvCxnSpPr>
-          <p:cNvPr id="239" name="Straight Arrow Connector 238">
-            <a:extLst>
-              <a:ext uri="{FF2B5EF4-FFF2-40B4-BE49-F238E27FC236}">
-                <a16:creationId xmlns:a16="http://schemas.microsoft.com/office/drawing/2014/main" id="{FE8042C3-4B00-7BA1-E4EF-7CDB47F02DE7}"/>
-              </a:ext>
-            </a:extLst>
-          </p:cNvPr>
-          <p:cNvCxnSpPr>
-            <a:cxnSpLocks/>
-            <a:endCxn id="220" idx="2"/>
-          </p:cNvCxnSpPr>
-          <p:nvPr/>
-        </p:nvCxnSpPr>
-        <p:spPr>
-          <a:xfrm flipV="1">
-            <a:off x="7773992" y="2926137"/>
-            <a:ext cx="677520" cy="931220"/>
-          </a:xfrm>
-          <a:prstGeom prst="straightConnector1">
-            <a:avLst/>
-          </a:prstGeom>
-          <a:ln w="19050" cap="flat" cmpd="sng" algn="ctr">
-            <a:solidFill>
-              <a:schemeClr val="tx1"/>
-            </a:solidFill>
-            <a:prstDash val="lgDash"/>
-            <a:round/>
-            <a:headEnd type="none" w="med" len="med"/>
-            <a:tailEnd type="arrow" w="med" len="med"/>
-          </a:ln>
-          <a:effectLst/>
-        </p:spPr>
-        <p:style>
-          <a:lnRef idx="2">
-            <a:schemeClr val="accent1"/>
-          </a:lnRef>
-          <a:fillRef idx="0">
-            <a:schemeClr val="accent1"/>
-          </a:fillRef>
-          <a:effectRef idx="1">
-            <a:schemeClr val="accent1"/>
-          </a:effectRef>
-          <a:fontRef idx="minor">
-            <a:schemeClr val="tx1"/>
-          </a:fontRef>
-        </p:style>
-      </p:cxnSp>
-      <p:cxnSp>
-        <p:nvCxnSpPr>
-          <p:cNvPr id="240" name="Straight Arrow Connector 239">
-            <a:extLst>
-              <a:ext uri="{FF2B5EF4-FFF2-40B4-BE49-F238E27FC236}">
-                <a16:creationId xmlns:a16="http://schemas.microsoft.com/office/drawing/2014/main" id="{2D9EBBED-8436-44D0-7827-933B975A08A8}"/>
-              </a:ext>
-            </a:extLst>
-          </p:cNvPr>
-          <p:cNvCxnSpPr>
-            <a:cxnSpLocks/>
-            <a:stCxn id="197" idx="3"/>
-            <a:endCxn id="199" idx="1"/>
-          </p:cNvCxnSpPr>
-          <p:nvPr/>
-        </p:nvCxnSpPr>
-        <p:spPr>
-          <a:xfrm flipV="1">
-            <a:off x="10481352" y="1922434"/>
-            <a:ext cx="136436" cy="620"/>
-          </a:xfrm>
-          <a:prstGeom prst="straightConnector1">
-            <a:avLst/>
-          </a:prstGeom>
-          <a:ln w="19050" cap="flat" cmpd="sng" algn="ctr">
-            <a:solidFill>
-              <a:schemeClr val="tx1"/>
-            </a:solidFill>
-            <a:prstDash val="solid"/>
-            <a:round/>
-            <a:headEnd type="none" w="med" len="med"/>
-            <a:tailEnd type="arrow" w="med" len="med"/>
-          </a:ln>
-          <a:effectLst/>
-        </p:spPr>
-        <p:style>
-          <a:lnRef idx="2">
-            <a:schemeClr val="accent1"/>
-          </a:lnRef>
-          <a:fillRef idx="0">
-            <a:schemeClr val="accent1"/>
-          </a:fillRef>
-          <a:effectRef idx="1">
-            <a:schemeClr val="accent1"/>
-          </a:effectRef>
-          <a:fontRef idx="minor">
-            <a:schemeClr val="tx1"/>
-          </a:fontRef>
-        </p:style>
-      </p:cxnSp>
-      <p:sp>
-        <p:nvSpPr>
-          <p:cNvPr id="241" name="Rounded Rectangle 240">
-            <a:extLst>
-              <a:ext uri="{FF2B5EF4-FFF2-40B4-BE49-F238E27FC236}">
-                <a16:creationId xmlns:a16="http://schemas.microsoft.com/office/drawing/2014/main" id="{9CCA7D4B-CD33-B966-2932-114F4A55BACE}"/>
-              </a:ext>
-            </a:extLst>
-          </p:cNvPr>
-          <p:cNvSpPr/>
-          <p:nvPr/>
-        </p:nvSpPr>
-        <p:spPr>
-          <a:xfrm>
-            <a:off x="6185289" y="894904"/>
-            <a:ext cx="4900283" cy="4835335"/>
-          </a:xfrm>
-          <a:prstGeom prst="roundRect">
-            <a:avLst>
-              <a:gd name="adj" fmla="val 7066"/>
-            </a:avLst>
-          </a:prstGeom>
-          <a:noFill/>
-          <a:ln w="38100"/>
-        </p:spPr>
-        <p:style>
-          <a:lnRef idx="2">
-            <a:schemeClr val="dk1"/>
-          </a:lnRef>
-          <a:fillRef idx="1">
-            <a:schemeClr val="lt1"/>
-          </a:fillRef>
-          <a:effectRef idx="0">
-            <a:schemeClr val="dk1"/>
-          </a:effectRef>
-          <a:fontRef idx="minor">
-            <a:schemeClr val="dk1"/>
-          </a:fontRef>
-        </p:style>
-        <p:txBody>
-          <a:bodyPr rtlCol="0" anchor="ctr"/>
-          <a:lstStyle/>
-          <a:p>
-            <a:pPr algn="ctr"/>
-            <a:r>
               <a:rPr lang="en-US" dirty="0">
                 <a:latin typeface=""/>
                 <a:ea typeface="Tahoma" panose="020B0604030504040204" pitchFamily="34" charset="0"/>
@@ -7393,7 +7088,7 @@
         </p:nvSpPr>
         <p:spPr>
           <a:xfrm>
-            <a:off x="1548848" y="887004"/>
+            <a:off x="1216329" y="887004"/>
             <a:ext cx="4466787" cy="307777"/>
           </a:xfrm>
           <a:prstGeom prst="rect">
@@ -7433,8 +7128,8 @@
         </p:nvSpPr>
         <p:spPr>
           <a:xfrm>
-            <a:off x="7810587" y="902156"/>
-            <a:ext cx="3274985" cy="523220"/>
+            <a:off x="7299946" y="902156"/>
+            <a:ext cx="2632051" cy="523220"/>
           </a:xfrm>
           <a:prstGeom prst="rect">
             <a:avLst/>
@@ -7468,13 +7163,15 @@
               </a:ext>
             </a:extLst>
           </p:cNvPr>
-          <p:cNvSpPr/>
-          <p:nvPr/>
-        </p:nvSpPr>
-        <p:spPr>
-          <a:xfrm>
-            <a:off x="1791372" y="4070425"/>
-            <a:ext cx="388331" cy="283781"/>
+          <p:cNvSpPr>
+            <a:spLocks/>
+          </p:cNvSpPr>
+          <p:nvPr/>
+        </p:nvSpPr>
+        <p:spPr>
+          <a:xfrm>
+            <a:off x="1591833" y="4069080"/>
+            <a:ext cx="274320" cy="292608"/>
           </a:xfrm>
           <a:prstGeom prst="can">
             <a:avLst/>
@@ -7510,28 +7207,14 @@
           <a:lstStyle/>
           <a:p>
             <a:pPr algn="ctr"/>
-            <a:r>
-              <a:rPr lang="en-US" sz="1400" dirty="0">
-                <a:solidFill>
-                  <a:schemeClr val="bg1"/>
-                </a:solidFill>
-                <a:latin typeface=""/>
-                <a:ea typeface="Tahoma" panose="020B0604030504040204" pitchFamily="34" charset="0"/>
-                <a:cs typeface="Tahoma" panose="020B0604030504040204" pitchFamily="34" charset="0"/>
-              </a:rPr>
-              <a:t>S</a:t>
-            </a:r>
-            <a:r>
-              <a:rPr lang="en-US" sz="1400" baseline="-25000" dirty="0">
-                <a:solidFill>
-                  <a:schemeClr val="bg1"/>
-                </a:solidFill>
-                <a:latin typeface=""/>
-                <a:ea typeface="Tahoma" panose="020B0604030504040204" pitchFamily="34" charset="0"/>
-                <a:cs typeface="Tahoma" panose="020B0604030504040204" pitchFamily="34" charset="0"/>
-              </a:rPr>
-              <a:t>i</a:t>
-            </a:r>
+            <a:endParaRPr lang="en-US" sz="1400" baseline="-25000" dirty="0">
+              <a:solidFill>
+                <a:schemeClr val="bg1"/>
+              </a:solidFill>
+              <a:latin typeface=""/>
+              <a:ea typeface="Tahoma" panose="020B0604030504040204" pitchFamily="34" charset="0"/>
+              <a:cs typeface="Tahoma" panose="020B0604030504040204" pitchFamily="34" charset="0"/>
+            </a:endParaRPr>
           </a:p>
         </p:txBody>
       </p:sp>
@@ -7549,8 +7232,8 @@
         </p:nvSpPr>
         <p:spPr>
           <a:xfrm flipH="1">
-            <a:off x="2432167" y="3686200"/>
-            <a:ext cx="1159347" cy="386824"/>
+            <a:off x="2023691" y="3686200"/>
+            <a:ext cx="996499" cy="386824"/>
           </a:xfrm>
           <a:prstGeom prst="flowChartPunchedCard">
             <a:avLst/>
@@ -7584,85 +7267,6 @@
           <a:lstStyle/>
           <a:p>
             <a:pPr algn="ctr"/>
-            <a:r>
-              <a:rPr lang="en-US" sz="1400" dirty="0">
-                <a:solidFill>
-                  <a:schemeClr val="tx1"/>
-                </a:solidFill>
-                <a:latin typeface=""/>
-                <a:ea typeface="Tahoma" panose="020B0604030504040204" pitchFamily="34" charset="0"/>
-                <a:cs typeface="Tahoma" panose="020B0604030504040204" pitchFamily="34" charset="0"/>
-              </a:rPr>
-              <a:t>OI </a:t>
-            </a:r>
-            <a:r>
-              <a:rPr lang="en-US" sz="1400" b="0" i="0" dirty="0">
-                <a:solidFill>
-                  <a:schemeClr val="tx1"/>
-                </a:solidFill>
-                <a:effectLst/>
-                <a:latin typeface=""/>
-                <a:ea typeface="Tahoma" panose="020B0604030504040204" pitchFamily="34" charset="0"/>
-                <a:cs typeface="Tahoma" panose="020B0604030504040204" pitchFamily="34" charset="0"/>
-              </a:rPr>
-              <a:t>⊨</a:t>
-            </a:r>
-            <a:r>
-              <a:rPr lang="en-US" sz="1400" b="0" i="0" dirty="0">
-                <a:solidFill>
-                  <a:srgbClr val="4D5156"/>
-                </a:solidFill>
-                <a:effectLst/>
-                <a:latin typeface=""/>
-                <a:ea typeface="Tahoma" panose="020B0604030504040204" pitchFamily="34" charset="0"/>
-                <a:cs typeface="Tahoma" panose="020B0604030504040204" pitchFamily="34" charset="0"/>
-              </a:rPr>
-              <a:t> </a:t>
-            </a:r>
-            <a:r>
-              <a:rPr lang="en-US" sz="1400" dirty="0" err="1">
-                <a:solidFill>
-                  <a:schemeClr val="tx1"/>
-                </a:solidFill>
-                <a:latin typeface=""/>
-                <a:ea typeface="Tahoma" panose="020B0604030504040204" pitchFamily="34" charset="0"/>
-                <a:cs typeface="Tahoma" panose="020B0604030504040204" pitchFamily="34" charset="0"/>
-              </a:rPr>
-              <a:t>P</a:t>
-            </a:r>
-            <a:r>
-              <a:rPr lang="en-US" sz="1400" baseline="-25000" dirty="0" err="1">
-                <a:solidFill>
-                  <a:schemeClr val="tx1"/>
-                </a:solidFill>
-                <a:latin typeface=""/>
-                <a:ea typeface="Tahoma" panose="020B0604030504040204" pitchFamily="34" charset="0"/>
-                <a:cs typeface="Tahoma" panose="020B0604030504040204" pitchFamily="34" charset="0"/>
-              </a:rPr>
-              <a:t>r</a:t>
-            </a:r>
-            <a:r>
-              <a:rPr lang="en-US" sz="1400" dirty="0" err="1">
-                <a:solidFill>
-                  <a:schemeClr val="tx1"/>
-                </a:solidFill>
-                <a:latin typeface=""/>
-                <a:ea typeface="Tahoma" panose="020B0604030504040204" pitchFamily="34" charset="0"/>
-                <a:cs typeface="Tahoma" panose="020B0604030504040204" pitchFamily="34" charset="0"/>
-              </a:rPr>
-              <a:t>:v</a:t>
-            </a:r>
-            <a:r>
-              <a:rPr lang="en-US" sz="1400" baseline="-25000" dirty="0" err="1">
-                <a:solidFill>
-                  <a:schemeClr val="tx1"/>
-                </a:solidFill>
-                <a:latin typeface=""/>
-                <a:ea typeface="Tahoma" panose="020B0604030504040204" pitchFamily="34" charset="0"/>
-                <a:cs typeface="Tahoma" panose="020B0604030504040204" pitchFamily="34" charset="0"/>
-              </a:rPr>
-              <a:t>r_h</a:t>
-            </a:r>
             <a:endParaRPr lang="en-US" sz="1400" baseline="-25000" dirty="0">
               <a:solidFill>
                 <a:schemeClr val="tx1"/>
@@ -7688,8 +7292,8 @@
         </p:nvSpPr>
         <p:spPr>
           <a:xfrm flipH="1">
-            <a:off x="2440748" y="4517560"/>
-            <a:ext cx="1159346" cy="300300"/>
+            <a:off x="2032273" y="4517560"/>
+            <a:ext cx="996498" cy="300300"/>
           </a:xfrm>
           <a:prstGeom prst="flowChartPunchedCard">
             <a:avLst/>
@@ -7763,11 +7367,13 @@
         </p:nvCxnSpPr>
         <p:spPr>
           <a:xfrm flipV="1">
-            <a:off x="2179703" y="3879612"/>
-            <a:ext cx="252464" cy="332704"/>
+            <a:off x="1866153" y="3879612"/>
+            <a:ext cx="157538" cy="335772"/>
           </a:xfrm>
           <a:prstGeom prst="bentConnector3">
-            <a:avLst/>
+            <a:avLst>
+              <a:gd name="adj1" fmla="val 23617"/>
+            </a:avLst>
           </a:prstGeom>
           <a:ln w="19050" cap="flat" cmpd="sng" algn="ctr">
             <a:solidFill>
@@ -7812,12 +7418,12 @@
         </p:nvCxnSpPr>
         <p:spPr>
           <a:xfrm>
-            <a:off x="2179703" y="4212316"/>
-            <a:ext cx="261045" cy="455394"/>
+            <a:off x="1866153" y="4215384"/>
+            <a:ext cx="166120" cy="452326"/>
           </a:xfrm>
           <a:prstGeom prst="bentConnector3">
             <a:avLst>
-              <a:gd name="adj1" fmla="val 50000"/>
+              <a:gd name="adj1" fmla="val 24980"/>
             </a:avLst>
           </a:prstGeom>
           <a:ln w="19050" cap="flat" cmpd="sng" algn="ctr">
@@ -7859,7 +7465,7 @@
         </p:nvSpPr>
         <p:spPr>
           <a:xfrm>
-            <a:off x="4943738" y="1341535"/>
+            <a:off x="4397463" y="1341535"/>
             <a:ext cx="827403" cy="3216635"/>
           </a:xfrm>
           <a:prstGeom prst="rect">
@@ -7915,7 +7521,7 @@
         </p:nvSpPr>
         <p:spPr>
           <a:xfrm>
-            <a:off x="5001915" y="2905227"/>
+            <a:off x="4455640" y="2905227"/>
             <a:ext cx="722611" cy="307777"/>
           </a:xfrm>
           <a:prstGeom prst="rect">
@@ -7991,7 +7597,7 @@
         </p:nvSpPr>
         <p:spPr>
           <a:xfrm>
-            <a:off x="4869443" y="1360882"/>
+            <a:off x="4323168" y="1360882"/>
             <a:ext cx="967003" cy="1384995"/>
           </a:xfrm>
           <a:prstGeom prst="rect">
@@ -8034,7 +7640,7 @@
         </p:nvSpPr>
         <p:spPr>
           <a:xfrm>
-            <a:off x="7144788" y="5146319"/>
+            <a:off x="6634147" y="5146319"/>
             <a:ext cx="867790" cy="261610"/>
           </a:xfrm>
           <a:prstGeom prst="rect">
@@ -8085,7 +7691,7 @@
         </p:nvSpPr>
         <p:spPr>
           <a:xfrm>
-            <a:off x="8942870" y="5146318"/>
+            <a:off x="7863269" y="5146318"/>
             <a:ext cx="1536944" cy="261610"/>
           </a:xfrm>
           <a:prstGeom prst="rect">
@@ -8138,7 +7744,7 @@
         </p:nvCxnSpPr>
         <p:spPr>
           <a:xfrm>
-            <a:off x="5024421" y="3441003"/>
+            <a:off x="4478146" y="3441003"/>
             <a:ext cx="650135" cy="0"/>
           </a:xfrm>
           <a:prstGeom prst="line">
@@ -8181,7 +7787,7 @@
         </p:nvCxnSpPr>
         <p:spPr>
           <a:xfrm>
-            <a:off x="5024421" y="3947110"/>
+            <a:off x="4478146" y="3947110"/>
             <a:ext cx="658749" cy="0"/>
           </a:xfrm>
           <a:prstGeom prst="line">
@@ -8222,7 +7828,7 @@
         </p:nvSpPr>
         <p:spPr>
           <a:xfrm>
-            <a:off x="5024421" y="4118285"/>
+            <a:off x="4478146" y="4118285"/>
             <a:ext cx="658749" cy="307777"/>
           </a:xfrm>
           <a:prstGeom prst="rect">
@@ -8303,7 +7909,7 @@
         </p:nvSpPr>
         <p:spPr>
           <a:xfrm>
-            <a:off x="5323212" y="3647692"/>
+            <a:off x="4776937" y="3647692"/>
             <a:ext cx="80683" cy="73581"/>
           </a:xfrm>
           <a:prstGeom prst="ellipse">
@@ -8359,7 +7965,7 @@
         </p:nvSpPr>
         <p:spPr>
           <a:xfrm>
-            <a:off x="5323212" y="3796456"/>
+            <a:off x="4776937" y="3796456"/>
             <a:ext cx="80683" cy="73581"/>
           </a:xfrm>
           <a:prstGeom prst="ellipse">
@@ -8415,7 +8021,7 @@
         </p:nvSpPr>
         <p:spPr>
           <a:xfrm>
-            <a:off x="5323212" y="3501136"/>
+            <a:off x="4776937" y="3501136"/>
             <a:ext cx="80683" cy="73581"/>
           </a:xfrm>
           <a:prstGeom prst="ellipse">
@@ -8468,19 +8074,19 @@
           </p:cNvPr>
           <p:cNvCxnSpPr>
             <a:cxnSpLocks/>
-            <a:stCxn id="94" idx="3"/>
+            <a:stCxn id="472" idx="0"/>
             <a:endCxn id="453" idx="1"/>
           </p:cNvCxnSpPr>
           <p:nvPr/>
         </p:nvCxnSpPr>
         <p:spPr>
           <a:xfrm>
-            <a:off x="4795249" y="1811385"/>
-            <a:ext cx="206666" cy="1247731"/>
+            <a:off x="4213656" y="1810639"/>
+            <a:ext cx="241984" cy="1248477"/>
           </a:xfrm>
           <a:prstGeom prst="bentConnector3">
             <a:avLst>
-              <a:gd name="adj1" fmla="val 25419"/>
+              <a:gd name="adj1" fmla="val 25462"/>
             </a:avLst>
           </a:prstGeom>
           <a:ln w="19050" cap="flat" cmpd="sng" algn="ctr">
@@ -8522,7 +8128,7 @@
         </p:nvSpPr>
         <p:spPr>
           <a:xfrm>
-            <a:off x="5026450" y="2837840"/>
+            <a:off x="4480175" y="2837840"/>
             <a:ext cx="658749" cy="1597284"/>
           </a:xfrm>
           <a:prstGeom prst="rect">
@@ -8575,15 +8181,15 @@
           </p:cNvPr>
           <p:cNvCxnSpPr>
             <a:cxnSpLocks/>
-            <a:stCxn id="510" idx="3"/>
+            <a:stCxn id="471" idx="0"/>
             <a:endCxn id="489" idx="1"/>
           </p:cNvCxnSpPr>
           <p:nvPr/>
         </p:nvCxnSpPr>
         <p:spPr>
           <a:xfrm flipV="1">
-            <a:off x="4792284" y="4272174"/>
-            <a:ext cx="232137" cy="1487"/>
+            <a:off x="4211840" y="4272174"/>
+            <a:ext cx="266306" cy="305"/>
           </a:xfrm>
           <a:prstGeom prst="bentConnector3">
             <a:avLst>
@@ -8629,8 +8235,142 @@
         </p:nvSpPr>
         <p:spPr>
           <a:xfrm flipH="1">
-            <a:off x="6364377" y="1624441"/>
-            <a:ext cx="745596" cy="598150"/>
+            <a:off x="5724894" y="1670569"/>
+            <a:ext cx="468226" cy="513921"/>
+          </a:xfrm>
+          <a:prstGeom prst="flowChartPunchedCard">
+            <a:avLst/>
+          </a:prstGeom>
+          <a:noFill/>
+          <a:ln w="19050">
+            <a:solidFill>
+              <a:schemeClr val="tx1"/>
+            </a:solidFill>
+          </a:ln>
+          <a:effectLst/>
+        </p:spPr>
+        <p:style>
+          <a:lnRef idx="1">
+            <a:schemeClr val="accent1"/>
+          </a:lnRef>
+          <a:fillRef idx="3">
+            <a:schemeClr val="accent1"/>
+          </a:fillRef>
+          <a:effectRef idx="2">
+            <a:schemeClr val="accent1"/>
+          </a:effectRef>
+          <a:fontRef idx="minor">
+            <a:schemeClr val="lt1"/>
+          </a:fontRef>
+        </p:style>
+        <p:txBody>
+          <a:bodyPr rtlCol="0" anchor="ctr"/>
+          <a:lstStyle/>
+          <a:p>
+            <a:pPr algn="ctr"/>
+            <a:r>
+              <a:rPr lang="en-US" sz="1400" dirty="0">
+                <a:solidFill>
+                  <a:schemeClr val="tx1"/>
+                </a:solidFill>
+                <a:latin typeface=""/>
+                <a:ea typeface="Tahoma" panose="020B0604030504040204" pitchFamily="34" charset="0"/>
+                <a:cs typeface="Tahoma" panose="020B0604030504040204" pitchFamily="34" charset="0"/>
+              </a:rPr>
+              <a:t>__</a:t>
+            </a:r>
+          </a:p>
+        </p:txBody>
+      </p:sp>
+      <p:sp>
+        <p:nvSpPr>
+          <p:cNvPr id="59" name="TextBox 58">
+            <a:extLst>
+              <a:ext uri="{FF2B5EF4-FFF2-40B4-BE49-F238E27FC236}">
+                <a16:creationId xmlns:a16="http://schemas.microsoft.com/office/drawing/2014/main" id="{949C4977-8E0E-33B2-9E75-30892BCEB6DD}"/>
+              </a:ext>
+            </a:extLst>
+          </p:cNvPr>
+          <p:cNvSpPr txBox="1"/>
+          <p:nvPr/>
+        </p:nvSpPr>
+        <p:spPr>
+          <a:xfrm>
+            <a:off x="5702178" y="5053987"/>
+            <a:ext cx="1013482" cy="430887"/>
+          </a:xfrm>
+          <a:prstGeom prst="rect">
+            <a:avLst/>
+          </a:prstGeom>
+          <a:noFill/>
+        </p:spPr>
+        <p:txBody>
+          <a:bodyPr wrap="square">
+            <a:spAutoFit/>
+          </a:bodyPr>
+          <a:lstStyle/>
+          <a:p>
+            <a:pPr algn="ctr"/>
+            <a:r>
+              <a:rPr lang="en-US" sz="1100" i="1" dirty="0">
+                <a:solidFill>
+                  <a:schemeClr val="tx2"/>
+                </a:solidFill>
+                <a:latin typeface=""/>
+                <a:ea typeface="Tahoma" panose="020B0604030504040204" pitchFamily="34" charset="0"/>
+                <a:cs typeface="Tahoma" panose="020B0604030504040204" pitchFamily="34" charset="0"/>
+              </a:rPr>
+              <a:t>Run OI</a:t>
+            </a:r>
+            <a:r>
+              <a:rPr lang="en-US" sz="1100" i="1" baseline="-25000" dirty="0">
+                <a:solidFill>
+                  <a:schemeClr val="tx2"/>
+                </a:solidFill>
+                <a:latin typeface=""/>
+                <a:ea typeface="Tahoma" panose="020B0604030504040204" pitchFamily="34" charset="0"/>
+                <a:cs typeface="Tahoma" panose="020B0604030504040204" pitchFamily="34" charset="0"/>
+              </a:rPr>
+              <a:t>HAPV</a:t>
+            </a:r>
+            <a:r>
+              <a:rPr lang="en-US" sz="1100" i="1" dirty="0">
+                <a:solidFill>
+                  <a:schemeClr val="tx2"/>
+                </a:solidFill>
+                <a:latin typeface=""/>
+                <a:ea typeface="Tahoma" panose="020B0604030504040204" pitchFamily="34" charset="0"/>
+                <a:cs typeface="Tahoma" panose="020B0604030504040204" pitchFamily="34" charset="0"/>
+              </a:rPr>
+              <a:t> on Partitions</a:t>
+            </a:r>
+            <a:endParaRPr lang="en-US" sz="1200" i="1" baseline="-25000" dirty="0">
+              <a:solidFill>
+                <a:schemeClr val="tx2"/>
+              </a:solidFill>
+              <a:latin typeface=""/>
+              <a:ea typeface="Tahoma" panose="020B0604030504040204" pitchFamily="34" charset="0"/>
+              <a:cs typeface="Tahoma" panose="020B0604030504040204" pitchFamily="34" charset="0"/>
+            </a:endParaRPr>
+          </a:p>
+        </p:txBody>
+      </p:sp>
+      <p:sp>
+        <p:nvSpPr>
+          <p:cNvPr id="60" name="Card 59">
+            <a:extLst>
+              <a:ext uri="{FF2B5EF4-FFF2-40B4-BE49-F238E27FC236}">
+                <a16:creationId xmlns:a16="http://schemas.microsoft.com/office/drawing/2014/main" id="{4F7631AA-BA79-CFF0-5852-ADBA63546CFC}"/>
+              </a:ext>
+            </a:extLst>
+          </p:cNvPr>
+          <p:cNvSpPr/>
+          <p:nvPr/>
+        </p:nvSpPr>
+        <p:spPr>
+          <a:xfrm flipH="1">
+            <a:off x="5727626" y="2725063"/>
+            <a:ext cx="468226" cy="513921"/>
           </a:xfrm>
           <a:prstGeom prst="flowChartPunchedCard">
             <a:avLst/>
@@ -8675,137 +8415,6 @@
       </p:sp>
       <p:sp>
         <p:nvSpPr>
-          <p:cNvPr id="59" name="TextBox 58">
-            <a:extLst>
-              <a:ext uri="{FF2B5EF4-FFF2-40B4-BE49-F238E27FC236}">
-                <a16:creationId xmlns:a16="http://schemas.microsoft.com/office/drawing/2014/main" id="{949C4977-8E0E-33B2-9E75-30892BCEB6DD}"/>
-              </a:ext>
-            </a:extLst>
-          </p:cNvPr>
-          <p:cNvSpPr txBox="1"/>
-          <p:nvPr/>
-        </p:nvSpPr>
-        <p:spPr>
-          <a:xfrm>
-            <a:off x="6212819" y="5053987"/>
-            <a:ext cx="1013482" cy="430887"/>
-          </a:xfrm>
-          <a:prstGeom prst="rect">
-            <a:avLst/>
-          </a:prstGeom>
-          <a:noFill/>
-        </p:spPr>
-        <p:txBody>
-          <a:bodyPr wrap="square">
-            <a:spAutoFit/>
-          </a:bodyPr>
-          <a:lstStyle/>
-          <a:p>
-            <a:pPr algn="ctr"/>
-            <a:r>
-              <a:rPr lang="en-US" sz="1100" i="1" dirty="0">
-                <a:solidFill>
-                  <a:schemeClr val="tx2"/>
-                </a:solidFill>
-                <a:latin typeface=""/>
-                <a:ea typeface="Tahoma" panose="020B0604030504040204" pitchFamily="34" charset="0"/>
-                <a:cs typeface="Tahoma" panose="020B0604030504040204" pitchFamily="34" charset="0"/>
-              </a:rPr>
-              <a:t>Run OI</a:t>
-            </a:r>
-            <a:r>
-              <a:rPr lang="en-US" sz="1100" i="1" baseline="-25000" dirty="0">
-                <a:solidFill>
-                  <a:schemeClr val="tx2"/>
-                </a:solidFill>
-                <a:latin typeface=""/>
-                <a:ea typeface="Tahoma" panose="020B0604030504040204" pitchFamily="34" charset="0"/>
-                <a:cs typeface="Tahoma" panose="020B0604030504040204" pitchFamily="34" charset="0"/>
-              </a:rPr>
-              <a:t>HAPV</a:t>
-            </a:r>
-            <a:r>
-              <a:rPr lang="en-US" sz="1100" i="1" dirty="0">
-                <a:solidFill>
-                  <a:schemeClr val="tx2"/>
-                </a:solidFill>
-                <a:latin typeface=""/>
-                <a:ea typeface="Tahoma" panose="020B0604030504040204" pitchFamily="34" charset="0"/>
-                <a:cs typeface="Tahoma" panose="020B0604030504040204" pitchFamily="34" charset="0"/>
-              </a:rPr>
-              <a:t> on Partitions</a:t>
-            </a:r>
-            <a:endParaRPr lang="en-US" sz="1200" i="1" baseline="-25000" dirty="0">
-              <a:solidFill>
-                <a:schemeClr val="tx2"/>
-              </a:solidFill>
-              <a:latin typeface=""/>
-              <a:ea typeface="Tahoma" panose="020B0604030504040204" pitchFamily="34" charset="0"/>
-              <a:cs typeface="Tahoma" panose="020B0604030504040204" pitchFamily="34" charset="0"/>
-            </a:endParaRPr>
-          </a:p>
-        </p:txBody>
-      </p:sp>
-      <p:sp>
-        <p:nvSpPr>
-          <p:cNvPr id="60" name="Card 59">
-            <a:extLst>
-              <a:ext uri="{FF2B5EF4-FFF2-40B4-BE49-F238E27FC236}">
-                <a16:creationId xmlns:a16="http://schemas.microsoft.com/office/drawing/2014/main" id="{4F7631AA-BA79-CFF0-5852-ADBA63546CFC}"/>
-              </a:ext>
-            </a:extLst>
-          </p:cNvPr>
-          <p:cNvSpPr/>
-          <p:nvPr/>
-        </p:nvSpPr>
-        <p:spPr>
-          <a:xfrm flipH="1">
-            <a:off x="6367109" y="2629405"/>
-            <a:ext cx="745596" cy="598150"/>
-          </a:xfrm>
-          <a:prstGeom prst="flowChartPunchedCard">
-            <a:avLst/>
-          </a:prstGeom>
-          <a:noFill/>
-          <a:ln w="19050">
-            <a:solidFill>
-              <a:schemeClr val="tx1"/>
-            </a:solidFill>
-          </a:ln>
-          <a:effectLst/>
-        </p:spPr>
-        <p:style>
-          <a:lnRef idx="1">
-            <a:schemeClr val="accent1"/>
-          </a:lnRef>
-          <a:fillRef idx="3">
-            <a:schemeClr val="accent1"/>
-          </a:fillRef>
-          <a:effectRef idx="2">
-            <a:schemeClr val="accent1"/>
-          </a:effectRef>
-          <a:fontRef idx="minor">
-            <a:schemeClr val="lt1"/>
-          </a:fontRef>
-        </p:style>
-        <p:txBody>
-          <a:bodyPr rtlCol="0" anchor="ctr"/>
-          <a:lstStyle/>
-          <a:p>
-            <a:pPr algn="ctr"/>
-            <a:endParaRPr lang="en-US" sz="1400" dirty="0">
-              <a:solidFill>
-                <a:schemeClr val="tx1"/>
-              </a:solidFill>
-              <a:latin typeface=""/>
-              <a:ea typeface="Tahoma" panose="020B0604030504040204" pitchFamily="34" charset="0"/>
-              <a:cs typeface="Tahoma" panose="020B0604030504040204" pitchFamily="34" charset="0"/>
-            </a:endParaRPr>
-          </a:p>
-        </p:txBody>
-      </p:sp>
-      <p:sp>
-        <p:nvSpPr>
           <p:cNvPr id="30" name="Can 29">
             <a:extLst>
               <a:ext uri="{FF2B5EF4-FFF2-40B4-BE49-F238E27FC236}">
@@ -8813,13 +8422,15 @@
               </a:ext>
             </a:extLst>
           </p:cNvPr>
-          <p:cNvSpPr/>
-          <p:nvPr/>
-        </p:nvSpPr>
-        <p:spPr>
-          <a:xfrm>
-            <a:off x="126464" y="3154152"/>
-            <a:ext cx="388331" cy="283781"/>
+          <p:cNvSpPr>
+            <a:spLocks/>
+          </p:cNvSpPr>
+          <p:nvPr/>
+        </p:nvSpPr>
+        <p:spPr>
+          <a:xfrm>
+            <a:off x="105059" y="3154152"/>
+            <a:ext cx="274320" cy="283781"/>
           </a:xfrm>
           <a:prstGeom prst="can">
             <a:avLst/>
@@ -8875,13 +8486,15 @@
               </a:ext>
             </a:extLst>
           </p:cNvPr>
-          <p:cNvSpPr/>
-          <p:nvPr/>
-        </p:nvSpPr>
-        <p:spPr>
-          <a:xfrm>
-            <a:off x="908883" y="4073085"/>
-            <a:ext cx="388331" cy="283781"/>
+          <p:cNvSpPr>
+            <a:spLocks/>
+          </p:cNvSpPr>
+          <p:nvPr/>
+        </p:nvSpPr>
+        <p:spPr>
+          <a:xfrm>
+            <a:off x="939144" y="4069080"/>
+            <a:ext cx="274320" cy="292608"/>
           </a:xfrm>
           <a:prstGeom prst="can">
             <a:avLst/>
@@ -8917,28 +8530,14 @@
           <a:lstStyle/>
           <a:p>
             <a:pPr algn="ctr"/>
-            <a:r>
-              <a:rPr lang="en-US" sz="1400" dirty="0">
-                <a:solidFill>
-                  <a:schemeClr val="bg1"/>
-                </a:solidFill>
-                <a:latin typeface=""/>
-                <a:ea typeface="Tahoma" panose="020B0604030504040204" pitchFamily="34" charset="0"/>
-                <a:cs typeface="Tahoma" panose="020B0604030504040204" pitchFamily="34" charset="0"/>
-              </a:rPr>
-              <a:t>S</a:t>
-            </a:r>
-            <a:r>
-              <a:rPr lang="en-US" sz="1400" baseline="-25000" dirty="0">
-                <a:solidFill>
-                  <a:schemeClr val="bg1"/>
-                </a:solidFill>
-                <a:latin typeface=""/>
-                <a:ea typeface="Tahoma" panose="020B0604030504040204" pitchFamily="34" charset="0"/>
-                <a:cs typeface="Tahoma" panose="020B0604030504040204" pitchFamily="34" charset="0"/>
-              </a:rPr>
-              <a:t>i</a:t>
-            </a:r>
+            <a:endParaRPr lang="en-US" sz="1400" baseline="-25000" dirty="0">
+              <a:solidFill>
+                <a:schemeClr val="bg1"/>
+              </a:solidFill>
+              <a:latin typeface=""/>
+              <a:ea typeface="Tahoma" panose="020B0604030504040204" pitchFamily="34" charset="0"/>
+              <a:cs typeface="Tahoma" panose="020B0604030504040204" pitchFamily="34" charset="0"/>
+            </a:endParaRPr>
           </a:p>
         </p:txBody>
       </p:sp>
@@ -8956,7 +8555,7 @@
         </p:nvSpPr>
         <p:spPr>
           <a:xfrm>
-            <a:off x="251044" y="3492980"/>
+            <a:off x="203540" y="3474720"/>
             <a:ext cx="73705" cy="73705"/>
           </a:xfrm>
           <a:prstGeom prst="ellipse">
@@ -9012,7 +8611,7 @@
         </p:nvSpPr>
         <p:spPr>
           <a:xfrm>
-            <a:off x="251044" y="3590818"/>
+            <a:off x="203540" y="3566160"/>
             <a:ext cx="73705" cy="73705"/>
           </a:xfrm>
           <a:prstGeom prst="ellipse">
@@ -9068,7 +8667,7 @@
         </p:nvSpPr>
         <p:spPr>
           <a:xfrm>
-            <a:off x="251044" y="3689410"/>
+            <a:off x="203540" y="3657600"/>
             <a:ext cx="73705" cy="73705"/>
           </a:xfrm>
           <a:prstGeom prst="ellipse">
@@ -9128,12 +8727,12 @@
         </p:nvCxnSpPr>
         <p:spPr>
           <a:xfrm>
-            <a:off x="514795" y="3296043"/>
-            <a:ext cx="394088" cy="918933"/>
+            <a:off x="379379" y="3296043"/>
+            <a:ext cx="559765" cy="919341"/>
           </a:xfrm>
           <a:prstGeom prst="bentConnector3">
             <a:avLst>
-              <a:gd name="adj1" fmla="val 63957"/>
+              <a:gd name="adj1" fmla="val 71140"/>
             </a:avLst>
           </a:prstGeom>
           <a:ln w="28575" cap="flat" cmpd="sng" algn="ctr">
@@ -9175,7 +8774,7 @@
         </p:nvSpPr>
         <p:spPr>
           <a:xfrm>
-            <a:off x="1042974" y="4478855"/>
+            <a:off x="1044443" y="4478855"/>
             <a:ext cx="66001" cy="62611"/>
           </a:xfrm>
           <a:prstGeom prst="ellipse">
@@ -9231,7 +8830,7 @@
         </p:nvSpPr>
         <p:spPr>
           <a:xfrm>
-            <a:off x="1042974" y="4564115"/>
+            <a:off x="1044443" y="4564115"/>
             <a:ext cx="65999" cy="62611"/>
           </a:xfrm>
           <a:prstGeom prst="ellipse">
@@ -9287,7 +8886,7 @@
         </p:nvSpPr>
         <p:spPr>
           <a:xfrm>
-            <a:off x="1045067" y="4394803"/>
+            <a:off x="1046536" y="4394803"/>
             <a:ext cx="63907" cy="62006"/>
           </a:xfrm>
           <a:prstGeom prst="ellipse">
@@ -9343,7 +8942,7 @@
         </p:nvSpPr>
         <p:spPr>
           <a:xfrm>
-            <a:off x="1040085" y="3555854"/>
+            <a:off x="1041554" y="3555854"/>
             <a:ext cx="60924" cy="60637"/>
           </a:xfrm>
           <a:prstGeom prst="ellipse">
@@ -9399,7 +8998,7 @@
         </p:nvSpPr>
         <p:spPr>
           <a:xfrm>
-            <a:off x="1040085" y="3640510"/>
+            <a:off x="1041554" y="3640510"/>
             <a:ext cx="62006" cy="62006"/>
           </a:xfrm>
           <a:prstGeom prst="ellipse">
@@ -9455,7 +9054,7 @@
         </p:nvSpPr>
         <p:spPr>
           <a:xfrm>
-            <a:off x="1039003" y="3471197"/>
+            <a:off x="1040472" y="3471197"/>
             <a:ext cx="62006" cy="62006"/>
           </a:xfrm>
           <a:prstGeom prst="ellipse">
@@ -9499,55 +9098,6 @@
       </p:sp>
       <p:sp>
         <p:nvSpPr>
-          <p:cNvPr id="508" name="Decision 507">
-            <a:extLst>
-              <a:ext uri="{FF2B5EF4-FFF2-40B4-BE49-F238E27FC236}">
-                <a16:creationId xmlns:a16="http://schemas.microsoft.com/office/drawing/2014/main" id="{7D8FDC50-7D13-8934-1C60-5DFD4D3A4B86}"/>
-              </a:ext>
-            </a:extLst>
-          </p:cNvPr>
-          <p:cNvSpPr/>
-          <p:nvPr/>
-        </p:nvSpPr>
-        <p:spPr>
-          <a:xfrm>
-            <a:off x="3547171" y="2651341"/>
-            <a:ext cx="1249093" cy="814427"/>
-          </a:xfrm>
-          <a:prstGeom prst="flowChartDecision">
-            <a:avLst/>
-          </a:prstGeom>
-          <a:ln w="19050"/>
-        </p:spPr>
-        <p:style>
-          <a:lnRef idx="2">
-            <a:schemeClr val="dk1"/>
-          </a:lnRef>
-          <a:fillRef idx="1">
-            <a:schemeClr val="lt1"/>
-          </a:fillRef>
-          <a:effectRef idx="0">
-            <a:schemeClr val="dk1"/>
-          </a:effectRef>
-          <a:fontRef idx="minor">
-            <a:schemeClr val="dk1"/>
-          </a:fontRef>
-        </p:style>
-        <p:txBody>
-          <a:bodyPr rtlCol="0" anchor="ctr"/>
-          <a:lstStyle/>
-          <a:p>
-            <a:pPr algn="ctr"/>
-            <a:endParaRPr lang="en-US" sz="1200" dirty="0">
-              <a:latin typeface=""/>
-              <a:ea typeface="Tahoma" panose="020B0604030504040204" pitchFamily="34" charset="0"/>
-              <a:cs typeface="Tahoma" panose="020B0604030504040204" pitchFamily="34" charset="0"/>
-            </a:endParaRPr>
-          </a:p>
-        </p:txBody>
-      </p:sp>
-      <p:sp>
-        <p:nvSpPr>
           <p:cNvPr id="509" name="TextBox 508">
             <a:extLst>
               <a:ext uri="{FF2B5EF4-FFF2-40B4-BE49-F238E27FC236}">
@@ -9560,7 +9110,7 @@
         </p:nvSpPr>
         <p:spPr>
           <a:xfrm>
-            <a:off x="3554620" y="2872777"/>
+            <a:off x="3048741" y="2897636"/>
             <a:ext cx="1247831" cy="307777"/>
           </a:xfrm>
           <a:prstGeom prst="rect">
@@ -9596,55 +9146,6 @@
       </p:sp>
       <p:sp>
         <p:nvSpPr>
-          <p:cNvPr id="510" name="Decision 509">
-            <a:extLst>
-              <a:ext uri="{FF2B5EF4-FFF2-40B4-BE49-F238E27FC236}">
-                <a16:creationId xmlns:a16="http://schemas.microsoft.com/office/drawing/2014/main" id="{0FB4308C-6BE6-BD0B-4B4A-97FB345DE2BA}"/>
-              </a:ext>
-            </a:extLst>
-          </p:cNvPr>
-          <p:cNvSpPr/>
-          <p:nvPr/>
-        </p:nvSpPr>
-        <p:spPr>
-          <a:xfrm>
-            <a:off x="3543191" y="3879613"/>
-            <a:ext cx="1249093" cy="788096"/>
-          </a:xfrm>
-          <a:prstGeom prst="flowChartDecision">
-            <a:avLst/>
-          </a:prstGeom>
-          <a:ln w="19050"/>
-        </p:spPr>
-        <p:style>
-          <a:lnRef idx="2">
-            <a:schemeClr val="dk1"/>
-          </a:lnRef>
-          <a:fillRef idx="1">
-            <a:schemeClr val="lt1"/>
-          </a:fillRef>
-          <a:effectRef idx="0">
-            <a:schemeClr val="dk1"/>
-          </a:effectRef>
-          <a:fontRef idx="minor">
-            <a:schemeClr val="dk1"/>
-          </a:fontRef>
-        </p:style>
-        <p:txBody>
-          <a:bodyPr rtlCol="0" anchor="ctr"/>
-          <a:lstStyle/>
-          <a:p>
-            <a:pPr algn="ctr"/>
-            <a:endParaRPr lang="en-US" sz="1200" dirty="0">
-              <a:latin typeface=""/>
-              <a:ea typeface="Tahoma" panose="020B0604030504040204" pitchFamily="34" charset="0"/>
-              <a:cs typeface="Tahoma" panose="020B0604030504040204" pitchFamily="34" charset="0"/>
-            </a:endParaRPr>
-          </a:p>
-        </p:txBody>
-      </p:sp>
-      <p:sp>
-        <p:nvSpPr>
           <p:cNvPr id="66" name="TextBox 65">
             <a:extLst>
               <a:ext uri="{FF2B5EF4-FFF2-40B4-BE49-F238E27FC236}">
@@ -9657,7 +9158,7 @@
         </p:nvSpPr>
         <p:spPr>
           <a:xfrm>
-            <a:off x="3551772" y="4090320"/>
+            <a:off x="3046209" y="4114613"/>
             <a:ext cx="1240512" cy="307777"/>
           </a:xfrm>
           <a:prstGeom prst="rect">
@@ -9710,7 +9211,7 @@
         </p:nvSpPr>
         <p:spPr>
           <a:xfrm>
-            <a:off x="6245388" y="899424"/>
+            <a:off x="5734747" y="899424"/>
             <a:ext cx="1498911" cy="738664"/>
           </a:xfrm>
           <a:prstGeom prst="rect">
@@ -9763,8 +9264,8 @@
         </p:nvSpPr>
         <p:spPr>
           <a:xfrm>
-            <a:off x="1724144" y="4980003"/>
-            <a:ext cx="4207043" cy="307777"/>
+            <a:off x="1546011" y="4980003"/>
+            <a:ext cx="3794836" cy="307777"/>
           </a:xfrm>
           <a:prstGeom prst="rect">
             <a:avLst/>
@@ -9811,7 +9312,7 @@
         </p:nvSpPr>
         <p:spPr>
           <a:xfrm>
-            <a:off x="6698968" y="3863242"/>
+            <a:off x="5929247" y="3863242"/>
             <a:ext cx="80683" cy="73581"/>
           </a:xfrm>
           <a:prstGeom prst="ellipse">
@@ -9867,7 +9368,7 @@
         </p:nvSpPr>
         <p:spPr>
           <a:xfrm>
-            <a:off x="6698968" y="4012006"/>
+            <a:off x="5929247" y="4012006"/>
             <a:ext cx="80683" cy="73581"/>
           </a:xfrm>
           <a:prstGeom prst="ellipse">
@@ -9923,7 +9424,7 @@
         </p:nvSpPr>
         <p:spPr>
           <a:xfrm>
-            <a:off x="6698968" y="3716686"/>
+            <a:off x="5929247" y="3716686"/>
             <a:ext cx="80683" cy="73581"/>
           </a:xfrm>
           <a:prstGeom prst="ellipse">
@@ -9979,7 +9480,7 @@
         </p:nvSpPr>
         <p:spPr>
           <a:xfrm>
-            <a:off x="7498000" y="3863242"/>
+            <a:off x="6535239" y="3863242"/>
             <a:ext cx="80683" cy="73581"/>
           </a:xfrm>
           <a:prstGeom prst="ellipse">
@@ -10035,7 +9536,7 @@
         </p:nvSpPr>
         <p:spPr>
           <a:xfrm>
-            <a:off x="7498000" y="4012006"/>
+            <a:off x="6535239" y="4012006"/>
             <a:ext cx="80683" cy="73581"/>
           </a:xfrm>
           <a:prstGeom prst="ellipse">
@@ -10091,7 +9592,7 @@
         </p:nvSpPr>
         <p:spPr>
           <a:xfrm>
-            <a:off x="7498000" y="3716686"/>
+            <a:off x="6535239" y="3716686"/>
             <a:ext cx="80683" cy="73581"/>
           </a:xfrm>
           <a:prstGeom prst="ellipse">
@@ -10147,7 +9648,7 @@
         </p:nvSpPr>
         <p:spPr>
           <a:xfrm>
-            <a:off x="8585797" y="3855827"/>
+            <a:off x="7501116" y="3855827"/>
             <a:ext cx="80683" cy="73581"/>
           </a:xfrm>
           <a:prstGeom prst="ellipse">
@@ -10203,7 +9704,7 @@
         </p:nvSpPr>
         <p:spPr>
           <a:xfrm>
-            <a:off x="8585797" y="4004591"/>
+            <a:off x="7501116" y="4004591"/>
             <a:ext cx="80683" cy="73581"/>
           </a:xfrm>
           <a:prstGeom prst="ellipse">
@@ -10259,7 +9760,7 @@
         </p:nvSpPr>
         <p:spPr>
           <a:xfrm>
-            <a:off x="8585797" y="3709271"/>
+            <a:off x="7501116" y="3709271"/>
             <a:ext cx="80683" cy="73581"/>
           </a:xfrm>
           <a:prstGeom prst="ellipse">
@@ -10315,7 +9816,7 @@
         </p:nvSpPr>
         <p:spPr>
           <a:xfrm>
-            <a:off x="9766290" y="3863242"/>
+            <a:off x="8686689" y="3863242"/>
             <a:ext cx="80683" cy="73581"/>
           </a:xfrm>
           <a:prstGeom prst="ellipse">
@@ -10371,7 +9872,7 @@
         </p:nvSpPr>
         <p:spPr>
           <a:xfrm>
-            <a:off x="9766290" y="4012006"/>
+            <a:off x="8686689" y="4012006"/>
             <a:ext cx="80683" cy="73581"/>
           </a:xfrm>
           <a:prstGeom prst="ellipse">
@@ -10427,7 +9928,7 @@
         </p:nvSpPr>
         <p:spPr>
           <a:xfrm>
-            <a:off x="9766290" y="3716686"/>
+            <a:off x="8686689" y="3716686"/>
             <a:ext cx="80683" cy="73581"/>
           </a:xfrm>
           <a:prstGeom prst="ellipse">
@@ -10483,7 +9984,7 @@
         </p:nvSpPr>
         <p:spPr>
           <a:xfrm>
-            <a:off x="8942870" y="4609043"/>
+            <a:off x="7863269" y="4644603"/>
             <a:ext cx="1536944" cy="292230"/>
           </a:xfrm>
           <a:prstGeom prst="rect">
@@ -10604,7 +10105,7 @@
         </p:nvCxnSpPr>
         <p:spPr>
           <a:xfrm>
-            <a:off x="10479814" y="4755158"/>
+            <a:off x="9400213" y="4790718"/>
             <a:ext cx="135242" cy="1475"/>
           </a:xfrm>
           <a:prstGeom prst="straightConnector1">
@@ -10650,7 +10151,7 @@
         </p:nvSpPr>
         <p:spPr>
           <a:xfrm>
-            <a:off x="10615056" y="4613072"/>
+            <a:off x="9535455" y="4648632"/>
             <a:ext cx="396543" cy="287121"/>
           </a:xfrm>
           <a:prstGeom prst="rect">
@@ -10714,9 +10215,9 @@
           <p:nvPr/>
         </p:nvCxnSpPr>
         <p:spPr>
-          <a:xfrm flipV="1">
-            <a:off x="7109973" y="4755669"/>
-            <a:ext cx="205651" cy="643"/>
+          <a:xfrm>
+            <a:off x="6193120" y="4786035"/>
+            <a:ext cx="154663" cy="1392"/>
           </a:xfrm>
           <a:prstGeom prst="straightConnector1">
             <a:avLst/>
@@ -10756,13 +10257,15 @@
               </a:ext>
             </a:extLst>
           </p:cNvPr>
-          <p:cNvSpPr/>
-          <p:nvPr/>
-        </p:nvSpPr>
-        <p:spPr>
-          <a:xfrm>
-            <a:off x="6570354" y="4637966"/>
-            <a:ext cx="408700" cy="282764"/>
+          <p:cNvSpPr>
+            <a:spLocks/>
+          </p:cNvSpPr>
+          <p:nvPr/>
+        </p:nvSpPr>
+        <p:spPr>
+          <a:xfrm>
+            <a:off x="5801898" y="4645152"/>
+            <a:ext cx="274320" cy="292608"/>
           </a:xfrm>
           <a:prstGeom prst="can">
             <a:avLst/>
@@ -10796,28 +10299,14 @@
           <a:lstStyle/>
           <a:p>
             <a:pPr algn="ctr"/>
-            <a:r>
-              <a:rPr lang="en-US" sz="1400" dirty="0">
-                <a:solidFill>
-                  <a:schemeClr val="bg1"/>
-                </a:solidFill>
-                <a:latin typeface=""/>
-                <a:ea typeface="Tahoma" panose="020B0604030504040204" pitchFamily="34" charset="0"/>
-                <a:cs typeface="Tahoma" panose="020B0604030504040204" pitchFamily="34" charset="0"/>
-              </a:rPr>
-              <a:t>S</a:t>
-            </a:r>
-            <a:r>
-              <a:rPr lang="en-US" sz="1400" baseline="-25000" dirty="0">
-                <a:solidFill>
-                  <a:schemeClr val="bg1"/>
-                </a:solidFill>
-                <a:latin typeface=""/>
-                <a:ea typeface="Tahoma" panose="020B0604030504040204" pitchFamily="34" charset="0"/>
-                <a:cs typeface="Tahoma" panose="020B0604030504040204" pitchFamily="34" charset="0"/>
-              </a:rPr>
-              <a:t>n</a:t>
-            </a:r>
+            <a:endParaRPr lang="en-US" sz="1400" baseline="-25000" dirty="0">
+              <a:solidFill>
+                <a:schemeClr val="bg1"/>
+              </a:solidFill>
+              <a:latin typeface=""/>
+              <a:ea typeface="Tahoma" panose="020B0604030504040204" pitchFamily="34" charset="0"/>
+              <a:cs typeface="Tahoma" panose="020B0604030504040204" pitchFamily="34" charset="0"/>
+            </a:endParaRPr>
           </a:p>
         </p:txBody>
       </p:sp>
@@ -10835,8 +10324,8 @@
         </p:nvSpPr>
         <p:spPr>
           <a:xfrm>
-            <a:off x="7315624" y="4630448"/>
-            <a:ext cx="494963" cy="250442"/>
+            <a:off x="6347783" y="4662206"/>
+            <a:ext cx="405197" cy="250442"/>
           </a:xfrm>
           <a:prstGeom prst="rect">
             <a:avLst/>
@@ -10891,13 +10380,15 @@
               </a:ext>
             </a:extLst>
           </p:cNvPr>
-          <p:cNvSpPr/>
-          <p:nvPr/>
-        </p:nvSpPr>
-        <p:spPr>
-          <a:xfrm>
-            <a:off x="8448780" y="4599748"/>
-            <a:ext cx="408700" cy="308442"/>
+          <p:cNvSpPr>
+            <a:spLocks/>
+          </p:cNvSpPr>
+          <p:nvPr/>
+        </p:nvSpPr>
+        <p:spPr>
+          <a:xfrm>
+            <a:off x="7441564" y="4645152"/>
+            <a:ext cx="274320" cy="292608"/>
           </a:xfrm>
           <a:prstGeom prst="can">
             <a:avLst/>
@@ -10931,28 +10422,14 @@
           <a:lstStyle/>
           <a:p>
             <a:pPr algn="ctr"/>
-            <a:r>
-              <a:rPr lang="en-US" sz="1400" dirty="0">
-                <a:solidFill>
-                  <a:schemeClr val="bg1"/>
-                </a:solidFill>
-                <a:latin typeface=""/>
-                <a:ea typeface="Tahoma" panose="020B0604030504040204" pitchFamily="34" charset="0"/>
-                <a:cs typeface="Tahoma" panose="020B0604030504040204" pitchFamily="34" charset="0"/>
-              </a:rPr>
-              <a:t>S</a:t>
-            </a:r>
-            <a:r>
-              <a:rPr lang="en-US" sz="1400" baseline="-25000" dirty="0">
-                <a:solidFill>
-                  <a:schemeClr val="bg1"/>
-                </a:solidFill>
-                <a:latin typeface=""/>
-                <a:ea typeface="Tahoma" panose="020B0604030504040204" pitchFamily="34" charset="0"/>
-                <a:cs typeface="Tahoma" panose="020B0604030504040204" pitchFamily="34" charset="0"/>
-              </a:rPr>
-              <a:t>n</a:t>
-            </a:r>
+            <a:endParaRPr lang="en-US" sz="1400" baseline="-25000" dirty="0">
+              <a:solidFill>
+                <a:schemeClr val="bg1"/>
+              </a:solidFill>
+              <a:latin typeface=""/>
+              <a:ea typeface="Tahoma" panose="020B0604030504040204" pitchFamily="34" charset="0"/>
+              <a:cs typeface="Tahoma" panose="020B0604030504040204" pitchFamily="34" charset="0"/>
+            </a:endParaRPr>
           </a:p>
         </p:txBody>
       </p:sp>
@@ -10973,9 +10450,9 @@
           <p:nvPr/>
         </p:nvCxnSpPr>
         <p:spPr>
-          <a:xfrm flipV="1">
-            <a:off x="7810587" y="4753969"/>
-            <a:ext cx="638193" cy="1700"/>
+          <a:xfrm>
+            <a:off x="6752980" y="4787427"/>
+            <a:ext cx="688584" cy="4029"/>
           </a:xfrm>
           <a:prstGeom prst="straightConnector1">
             <a:avLst/>
@@ -11023,9 +10500,9 @@
           <p:nvPr/>
         </p:nvCxnSpPr>
         <p:spPr>
-          <a:xfrm>
-            <a:off x="8857480" y="4753969"/>
-            <a:ext cx="85390" cy="1189"/>
+          <a:xfrm flipV="1">
+            <a:off x="7715884" y="4790718"/>
+            <a:ext cx="147385" cy="738"/>
           </a:xfrm>
           <a:prstGeom prst="straightConnector1">
             <a:avLst/>
@@ -11070,8 +10547,8 @@
         </p:nvSpPr>
         <p:spPr>
           <a:xfrm flipH="1">
-            <a:off x="6364377" y="4457237"/>
-            <a:ext cx="745596" cy="598150"/>
+            <a:off x="5724894" y="4529074"/>
+            <a:ext cx="468226" cy="513921"/>
           </a:xfrm>
           <a:prstGeom prst="flowChartPunchedCard">
             <a:avLst/>
@@ -11131,8 +10608,8 @@
         </p:nvCxnSpPr>
         <p:spPr>
           <a:xfrm>
-            <a:off x="7773992" y="4050694"/>
-            <a:ext cx="674788" cy="703275"/>
+            <a:off x="6703907" y="3929408"/>
+            <a:ext cx="737657" cy="862048"/>
           </a:xfrm>
           <a:prstGeom prst="straightConnector1">
             <a:avLst/>
@@ -11181,8 +10658,8 @@
         </p:nvCxnSpPr>
         <p:spPr>
           <a:xfrm>
-            <a:off x="11085572" y="3312572"/>
-            <a:ext cx="535525" cy="321716"/>
+            <a:off x="9980379" y="3312572"/>
+            <a:ext cx="479837" cy="321716"/>
           </a:xfrm>
           <a:prstGeom prst="bentConnector2">
             <a:avLst/>
@@ -11226,7 +10703,7 @@
         </p:nvSpPr>
         <p:spPr>
           <a:xfrm>
-            <a:off x="1781035" y="448362"/>
+            <a:off x="1228827" y="415704"/>
             <a:ext cx="2705589" cy="307777"/>
           </a:xfrm>
           <a:prstGeom prst="rect">
@@ -11271,7 +10748,7 @@
         </p:nvSpPr>
         <p:spPr>
           <a:xfrm>
-            <a:off x="4608591" y="446650"/>
+            <a:off x="4056383" y="413992"/>
             <a:ext cx="1153847" cy="307777"/>
           </a:xfrm>
           <a:prstGeom prst="rect">
@@ -11313,15 +10790,15 @@
           </p:cNvPr>
           <p:cNvCxnSpPr>
             <a:cxnSpLocks/>
-            <a:stCxn id="508" idx="3"/>
+            <a:stCxn id="470" idx="0"/>
             <a:endCxn id="453" idx="1"/>
           </p:cNvCxnSpPr>
           <p:nvPr/>
         </p:nvCxnSpPr>
         <p:spPr>
           <a:xfrm>
-            <a:off x="4796264" y="3058555"/>
-            <a:ext cx="205651" cy="561"/>
+            <a:off x="4210526" y="3054886"/>
+            <a:ext cx="245114" cy="4230"/>
           </a:xfrm>
           <a:prstGeom prst="straightConnector1">
             <a:avLst/>
@@ -11369,8 +10846,8 @@
         </p:nvCxnSpPr>
         <p:spPr>
           <a:xfrm>
-            <a:off x="5185515" y="754427"/>
-            <a:ext cx="0" cy="147729"/>
+            <a:off x="4633307" y="721769"/>
+            <a:ext cx="0" cy="180387"/>
           </a:xfrm>
           <a:prstGeom prst="straightConnector1">
             <a:avLst/>
@@ -11417,9 +10894,9 @@
           <p:nvPr/>
         </p:nvCxnSpPr>
         <p:spPr>
-          <a:xfrm flipH="1">
-            <a:off x="3129033" y="756139"/>
-            <a:ext cx="4797" cy="146017"/>
+          <a:xfrm>
+            <a:off x="2581622" y="723481"/>
+            <a:ext cx="0" cy="178675"/>
           </a:xfrm>
           <a:prstGeom prst="straightConnector1">
             <a:avLst/>
@@ -11464,8 +10941,8 @@
         </p:nvSpPr>
         <p:spPr>
           <a:xfrm>
-            <a:off x="1415449" y="2725068"/>
-            <a:ext cx="288796" cy="468085"/>
+            <a:off x="1278881" y="2725068"/>
+            <a:ext cx="249419" cy="468085"/>
           </a:xfrm>
           <a:prstGeom prst="rightArrow">
             <a:avLst/>
@@ -11522,7 +10999,7 @@
         </p:nvSpPr>
         <p:spPr>
           <a:xfrm>
-            <a:off x="5888315" y="2733191"/>
+            <a:off x="5371734" y="2733191"/>
             <a:ext cx="288796" cy="468085"/>
           </a:xfrm>
           <a:prstGeom prst="rightArrow">
@@ -11577,8 +11054,8 @@
         </p:nvSpPr>
         <p:spPr>
           <a:xfrm>
-            <a:off x="6185289" y="5396285"/>
-            <a:ext cx="4966571" cy="307777"/>
+            <a:off x="5674648" y="5396285"/>
+            <a:ext cx="4305731" cy="307777"/>
           </a:xfrm>
           <a:prstGeom prst="rect">
             <a:avLst/>
@@ -11611,50 +11088,1282 @@
           </a:p>
         </p:txBody>
       </p:sp>
+      <p:sp>
+        <p:nvSpPr>
+          <p:cNvPr id="17" name="TextBox 16">
+            <a:extLst>
+              <a:ext uri="{FF2B5EF4-FFF2-40B4-BE49-F238E27FC236}">
+                <a16:creationId xmlns:a16="http://schemas.microsoft.com/office/drawing/2014/main" id="{7C36D890-1A83-98D1-7952-760C4EA7E15E}"/>
+              </a:ext>
+            </a:extLst>
+          </p:cNvPr>
+          <p:cNvSpPr txBox="1"/>
+          <p:nvPr/>
+        </p:nvSpPr>
+        <p:spPr>
+          <a:xfrm>
+            <a:off x="1945655" y="1282092"/>
+            <a:ext cx="1157085" cy="307777"/>
+          </a:xfrm>
+          <a:prstGeom prst="rect">
+            <a:avLst/>
+          </a:prstGeom>
+          <a:noFill/>
+        </p:spPr>
+        <p:txBody>
+          <a:bodyPr wrap="square">
+            <a:spAutoFit/>
+          </a:bodyPr>
+          <a:lstStyle/>
+          <a:p>
+            <a:pPr algn="ctr"/>
+            <a:r>
+              <a:rPr lang="en-US" sz="1400" dirty="0">
+                <a:solidFill>
+                  <a:schemeClr val="tx1"/>
+                </a:solidFill>
+                <a:latin typeface=""/>
+                <a:ea typeface="Tahoma" panose="020B0604030504040204" pitchFamily="34" charset="0"/>
+                <a:cs typeface="Tahoma" panose="020B0604030504040204" pitchFamily="34" charset="0"/>
+              </a:rPr>
+              <a:t>OI </a:t>
+            </a:r>
+            <a:r>
+              <a:rPr lang="en-US" sz="1400" b="0" i="0" dirty="0">
+                <a:solidFill>
+                  <a:schemeClr val="tx1"/>
+                </a:solidFill>
+                <a:effectLst/>
+                <a:latin typeface=""/>
+                <a:ea typeface="Tahoma" panose="020B0604030504040204" pitchFamily="34" charset="0"/>
+                <a:cs typeface="Tahoma" panose="020B0604030504040204" pitchFamily="34" charset="0"/>
+              </a:rPr>
+              <a:t>⊨</a:t>
+            </a:r>
+            <a:r>
+              <a:rPr lang="en-US" sz="1400" b="0" i="0" dirty="0">
+                <a:solidFill>
+                  <a:srgbClr val="4D5156"/>
+                </a:solidFill>
+                <a:effectLst/>
+                <a:latin typeface=""/>
+                <a:ea typeface="Tahoma" panose="020B0604030504040204" pitchFamily="34" charset="0"/>
+                <a:cs typeface="Tahoma" panose="020B0604030504040204" pitchFamily="34" charset="0"/>
+              </a:rPr>
+              <a:t> </a:t>
+            </a:r>
+            <a:r>
+              <a:rPr lang="en-US" sz="1400" dirty="0">
+                <a:solidFill>
+                  <a:schemeClr val="tx1"/>
+                </a:solidFill>
+                <a:latin typeface=""/>
+                <a:ea typeface="Tahoma" panose="020B0604030504040204" pitchFamily="34" charset="0"/>
+                <a:cs typeface="Tahoma" panose="020B0604030504040204" pitchFamily="34" charset="0"/>
+              </a:rPr>
+              <a:t>P</a:t>
+            </a:r>
+            <a:r>
+              <a:rPr lang="en-US" sz="1400" baseline="-25000" dirty="0">
+                <a:solidFill>
+                  <a:schemeClr val="tx1"/>
+                </a:solidFill>
+                <a:latin typeface=""/>
+                <a:ea typeface="Tahoma" panose="020B0604030504040204" pitchFamily="34" charset="0"/>
+                <a:cs typeface="Tahoma" panose="020B0604030504040204" pitchFamily="34" charset="0"/>
+              </a:rPr>
+              <a:t>1</a:t>
+            </a:r>
+            <a:r>
+              <a:rPr lang="en-US" sz="1400" dirty="0">
+                <a:solidFill>
+                  <a:schemeClr val="tx1"/>
+                </a:solidFill>
+                <a:latin typeface=""/>
+                <a:ea typeface="Tahoma" panose="020B0604030504040204" pitchFamily="34" charset="0"/>
+                <a:cs typeface="Tahoma" panose="020B0604030504040204" pitchFamily="34" charset="0"/>
+              </a:rPr>
+              <a:t>:v</a:t>
+            </a:r>
+            <a:r>
+              <a:rPr lang="en-US" sz="1400" baseline="-25000" dirty="0">
+                <a:solidFill>
+                  <a:schemeClr val="tx1"/>
+                </a:solidFill>
+                <a:latin typeface=""/>
+                <a:ea typeface="Tahoma" panose="020B0604030504040204" pitchFamily="34" charset="0"/>
+                <a:cs typeface="Tahoma" panose="020B0604030504040204" pitchFamily="34" charset="0"/>
+              </a:rPr>
+              <a:t>1_1</a:t>
+            </a:r>
+          </a:p>
+        </p:txBody>
+      </p:sp>
+      <p:sp>
+        <p:nvSpPr>
+          <p:cNvPr id="26" name="TextBox 25">
+            <a:extLst>
+              <a:ext uri="{FF2B5EF4-FFF2-40B4-BE49-F238E27FC236}">
+                <a16:creationId xmlns:a16="http://schemas.microsoft.com/office/drawing/2014/main" id="{7BE111EE-A27E-FBF2-950E-0E593CDD243F}"/>
+              </a:ext>
+            </a:extLst>
+          </p:cNvPr>
+          <p:cNvSpPr txBox="1"/>
+          <p:nvPr/>
+        </p:nvSpPr>
+        <p:spPr>
+          <a:xfrm>
+            <a:off x="1962321" y="2534161"/>
+            <a:ext cx="1121297" cy="307777"/>
+          </a:xfrm>
+          <a:prstGeom prst="rect">
+            <a:avLst/>
+          </a:prstGeom>
+          <a:noFill/>
+        </p:spPr>
+        <p:txBody>
+          <a:bodyPr wrap="square">
+            <a:spAutoFit/>
+          </a:bodyPr>
+          <a:lstStyle/>
+          <a:p>
+            <a:pPr algn="ctr"/>
+            <a:r>
+              <a:rPr lang="en-US" sz="1400" dirty="0">
+                <a:solidFill>
+                  <a:schemeClr val="tx1"/>
+                </a:solidFill>
+                <a:latin typeface=""/>
+                <a:ea typeface="Tahoma" panose="020B0604030504040204" pitchFamily="34" charset="0"/>
+                <a:cs typeface="Tahoma" panose="020B0604030504040204" pitchFamily="34" charset="0"/>
+              </a:rPr>
+              <a:t>OI </a:t>
+            </a:r>
+            <a:r>
+              <a:rPr lang="en-US" sz="1400" b="0" i="0" dirty="0">
+                <a:solidFill>
+                  <a:schemeClr val="tx1"/>
+                </a:solidFill>
+                <a:effectLst/>
+                <a:latin typeface=""/>
+                <a:ea typeface="Tahoma" panose="020B0604030504040204" pitchFamily="34" charset="0"/>
+                <a:cs typeface="Tahoma" panose="020B0604030504040204" pitchFamily="34" charset="0"/>
+              </a:rPr>
+              <a:t>⊨</a:t>
+            </a:r>
+            <a:r>
+              <a:rPr lang="en-US" sz="1400" b="0" i="0" dirty="0">
+                <a:solidFill>
+                  <a:srgbClr val="4D5156"/>
+                </a:solidFill>
+                <a:effectLst/>
+                <a:latin typeface=""/>
+                <a:ea typeface="Tahoma" panose="020B0604030504040204" pitchFamily="34" charset="0"/>
+                <a:cs typeface="Tahoma" panose="020B0604030504040204" pitchFamily="34" charset="0"/>
+              </a:rPr>
+              <a:t> </a:t>
+            </a:r>
+            <a:r>
+              <a:rPr lang="en-US" sz="1400" dirty="0">
+                <a:solidFill>
+                  <a:schemeClr val="tx1"/>
+                </a:solidFill>
+                <a:latin typeface=""/>
+                <a:ea typeface="Tahoma" panose="020B0604030504040204" pitchFamily="34" charset="0"/>
+                <a:cs typeface="Tahoma" panose="020B0604030504040204" pitchFamily="34" charset="0"/>
+              </a:rPr>
+              <a:t>P</a:t>
+            </a:r>
+            <a:r>
+              <a:rPr lang="en-US" sz="1400" baseline="-25000" dirty="0">
+                <a:solidFill>
+                  <a:schemeClr val="tx1"/>
+                </a:solidFill>
+                <a:latin typeface=""/>
+                <a:ea typeface="Tahoma" panose="020B0604030504040204" pitchFamily="34" charset="0"/>
+                <a:cs typeface="Tahoma" panose="020B0604030504040204" pitchFamily="34" charset="0"/>
+              </a:rPr>
+              <a:t>1</a:t>
+            </a:r>
+            <a:r>
+              <a:rPr lang="en-US" sz="1400" dirty="0">
+                <a:solidFill>
+                  <a:schemeClr val="tx1"/>
+                </a:solidFill>
+                <a:latin typeface=""/>
+                <a:ea typeface="Tahoma" panose="020B0604030504040204" pitchFamily="34" charset="0"/>
+                <a:cs typeface="Tahoma" panose="020B0604030504040204" pitchFamily="34" charset="0"/>
+              </a:rPr>
+              <a:t>:v</a:t>
+            </a:r>
+            <a:r>
+              <a:rPr lang="en-US" sz="1400" baseline="-25000" dirty="0">
+                <a:solidFill>
+                  <a:schemeClr val="tx1"/>
+                </a:solidFill>
+                <a:latin typeface=""/>
+                <a:ea typeface="Tahoma" panose="020B0604030504040204" pitchFamily="34" charset="0"/>
+                <a:cs typeface="Tahoma" panose="020B0604030504040204" pitchFamily="34" charset="0"/>
+              </a:rPr>
+              <a:t>1_2</a:t>
+            </a:r>
+          </a:p>
+        </p:txBody>
+      </p:sp>
+      <p:sp>
+        <p:nvSpPr>
+          <p:cNvPr id="29" name="TextBox 28">
+            <a:extLst>
+              <a:ext uri="{FF2B5EF4-FFF2-40B4-BE49-F238E27FC236}">
+                <a16:creationId xmlns:a16="http://schemas.microsoft.com/office/drawing/2014/main" id="{53EE8F0D-1F00-29E2-0A0D-007E68B73C0C}"/>
+              </a:ext>
+            </a:extLst>
+          </p:cNvPr>
+          <p:cNvSpPr txBox="1"/>
+          <p:nvPr/>
+        </p:nvSpPr>
+        <p:spPr>
+          <a:xfrm>
+            <a:off x="1925049" y="3774229"/>
+            <a:ext cx="1121297" cy="307777"/>
+          </a:xfrm>
+          <a:prstGeom prst="rect">
+            <a:avLst/>
+          </a:prstGeom>
+          <a:noFill/>
+        </p:spPr>
+        <p:txBody>
+          <a:bodyPr wrap="square">
+            <a:spAutoFit/>
+          </a:bodyPr>
+          <a:lstStyle/>
+          <a:p>
+            <a:pPr algn="ctr"/>
+            <a:r>
+              <a:rPr lang="en-US" sz="1400" dirty="0">
+                <a:solidFill>
+                  <a:schemeClr val="tx1"/>
+                </a:solidFill>
+                <a:latin typeface=""/>
+                <a:ea typeface="Tahoma" panose="020B0604030504040204" pitchFamily="34" charset="0"/>
+                <a:cs typeface="Tahoma" panose="020B0604030504040204" pitchFamily="34" charset="0"/>
+              </a:rPr>
+              <a:t>OI </a:t>
+            </a:r>
+            <a:r>
+              <a:rPr lang="en-US" sz="1400" b="0" i="0" dirty="0">
+                <a:solidFill>
+                  <a:schemeClr val="tx1"/>
+                </a:solidFill>
+                <a:effectLst/>
+                <a:latin typeface=""/>
+                <a:ea typeface="Tahoma" panose="020B0604030504040204" pitchFamily="34" charset="0"/>
+                <a:cs typeface="Tahoma" panose="020B0604030504040204" pitchFamily="34" charset="0"/>
+              </a:rPr>
+              <a:t>⊨</a:t>
+            </a:r>
+            <a:r>
+              <a:rPr lang="en-US" sz="1400" b="0" i="0" dirty="0">
+                <a:solidFill>
+                  <a:srgbClr val="4D5156"/>
+                </a:solidFill>
+                <a:effectLst/>
+                <a:latin typeface=""/>
+                <a:ea typeface="Tahoma" panose="020B0604030504040204" pitchFamily="34" charset="0"/>
+                <a:cs typeface="Tahoma" panose="020B0604030504040204" pitchFamily="34" charset="0"/>
+              </a:rPr>
+              <a:t> </a:t>
+            </a:r>
+            <a:r>
+              <a:rPr lang="en-US" sz="1400" dirty="0" err="1">
+                <a:solidFill>
+                  <a:schemeClr val="tx1"/>
+                </a:solidFill>
+                <a:latin typeface=""/>
+                <a:ea typeface="Tahoma" panose="020B0604030504040204" pitchFamily="34" charset="0"/>
+                <a:cs typeface="Tahoma" panose="020B0604030504040204" pitchFamily="34" charset="0"/>
+              </a:rPr>
+              <a:t>P</a:t>
+            </a:r>
+            <a:r>
+              <a:rPr lang="en-US" sz="1400" baseline="-25000" dirty="0" err="1">
+                <a:solidFill>
+                  <a:schemeClr val="tx1"/>
+                </a:solidFill>
+                <a:latin typeface=""/>
+                <a:ea typeface="Tahoma" panose="020B0604030504040204" pitchFamily="34" charset="0"/>
+                <a:cs typeface="Tahoma" panose="020B0604030504040204" pitchFamily="34" charset="0"/>
+              </a:rPr>
+              <a:t>r</a:t>
+            </a:r>
+            <a:r>
+              <a:rPr lang="en-US" sz="1400" dirty="0" err="1">
+                <a:solidFill>
+                  <a:schemeClr val="tx1"/>
+                </a:solidFill>
+                <a:latin typeface=""/>
+                <a:ea typeface="Tahoma" panose="020B0604030504040204" pitchFamily="34" charset="0"/>
+                <a:cs typeface="Tahoma" panose="020B0604030504040204" pitchFamily="34" charset="0"/>
+              </a:rPr>
+              <a:t>:v</a:t>
+            </a:r>
+            <a:r>
+              <a:rPr lang="en-US" sz="1400" baseline="-25000" dirty="0" err="1">
+                <a:solidFill>
+                  <a:schemeClr val="tx1"/>
+                </a:solidFill>
+                <a:latin typeface=""/>
+                <a:ea typeface="Tahoma" panose="020B0604030504040204" pitchFamily="34" charset="0"/>
+                <a:cs typeface="Tahoma" panose="020B0604030504040204" pitchFamily="34" charset="0"/>
+              </a:rPr>
+              <a:t>r_h</a:t>
+            </a:r>
+            <a:endParaRPr lang="en-US" sz="1400" baseline="-25000" dirty="0">
+              <a:solidFill>
+                <a:schemeClr val="tx1"/>
+              </a:solidFill>
+              <a:latin typeface=""/>
+              <a:ea typeface="Tahoma" panose="020B0604030504040204" pitchFamily="34" charset="0"/>
+              <a:cs typeface="Tahoma" panose="020B0604030504040204" pitchFamily="34" charset="0"/>
+            </a:endParaRPr>
+          </a:p>
+        </p:txBody>
+      </p:sp>
+      <p:sp>
+        <p:nvSpPr>
+          <p:cNvPr id="470" name="Snip Diagonal Corner Rectangle 469">
+            <a:extLst>
+              <a:ext uri="{FF2B5EF4-FFF2-40B4-BE49-F238E27FC236}">
+                <a16:creationId xmlns:a16="http://schemas.microsoft.com/office/drawing/2014/main" id="{7567EF66-BD2C-9010-D41E-BC8619CE302C}"/>
+              </a:ext>
+            </a:extLst>
+          </p:cNvPr>
+          <p:cNvSpPr/>
+          <p:nvPr/>
+        </p:nvSpPr>
+        <p:spPr>
+          <a:xfrm>
+            <a:off x="3140744" y="2778103"/>
+            <a:ext cx="1069782" cy="553566"/>
+          </a:xfrm>
+          <a:prstGeom prst="snip2DiagRect">
+            <a:avLst/>
+          </a:prstGeom>
+          <a:noFill/>
+          <a:ln w="28575"/>
+        </p:spPr>
+        <p:style>
+          <a:lnRef idx="2">
+            <a:schemeClr val="dk1"/>
+          </a:lnRef>
+          <a:fillRef idx="1">
+            <a:schemeClr val="lt1"/>
+          </a:fillRef>
+          <a:effectRef idx="0">
+            <a:schemeClr val="dk1"/>
+          </a:effectRef>
+          <a:fontRef idx="minor">
+            <a:schemeClr val="dk1"/>
+          </a:fontRef>
+        </p:style>
+        <p:txBody>
+          <a:bodyPr rtlCol="0" anchor="ctr"/>
+          <a:lstStyle/>
+          <a:p>
+            <a:pPr algn="ctr"/>
+            <a:endParaRPr lang="en-US"/>
+          </a:p>
+        </p:txBody>
+      </p:sp>
+      <p:sp>
+        <p:nvSpPr>
+          <p:cNvPr id="471" name="Snip Diagonal Corner Rectangle 470">
+            <a:extLst>
+              <a:ext uri="{FF2B5EF4-FFF2-40B4-BE49-F238E27FC236}">
+                <a16:creationId xmlns:a16="http://schemas.microsoft.com/office/drawing/2014/main" id="{928437A8-0CB8-A34F-E5C1-A3C47EF81742}"/>
+              </a:ext>
+            </a:extLst>
+          </p:cNvPr>
+          <p:cNvSpPr/>
+          <p:nvPr/>
+        </p:nvSpPr>
+        <p:spPr>
+          <a:xfrm>
+            <a:off x="3142058" y="3995696"/>
+            <a:ext cx="1069782" cy="553566"/>
+          </a:xfrm>
+          <a:prstGeom prst="snip2DiagRect">
+            <a:avLst/>
+          </a:prstGeom>
+          <a:noFill/>
+          <a:ln w="28575"/>
+        </p:spPr>
+        <p:style>
+          <a:lnRef idx="2">
+            <a:schemeClr val="dk1"/>
+          </a:lnRef>
+          <a:fillRef idx="1">
+            <a:schemeClr val="lt1"/>
+          </a:fillRef>
+          <a:effectRef idx="0">
+            <a:schemeClr val="dk1"/>
+          </a:effectRef>
+          <a:fontRef idx="minor">
+            <a:schemeClr val="dk1"/>
+          </a:fontRef>
+        </p:style>
+        <p:txBody>
+          <a:bodyPr rtlCol="0" anchor="ctr"/>
+          <a:lstStyle/>
+          <a:p>
+            <a:pPr algn="ctr"/>
+            <a:endParaRPr lang="en-US"/>
+          </a:p>
+        </p:txBody>
+      </p:sp>
+      <p:sp>
+        <p:nvSpPr>
+          <p:cNvPr id="472" name="Snip Diagonal Corner Rectangle 471">
+            <a:extLst>
+              <a:ext uri="{FF2B5EF4-FFF2-40B4-BE49-F238E27FC236}">
+                <a16:creationId xmlns:a16="http://schemas.microsoft.com/office/drawing/2014/main" id="{DD2B2841-6125-84D0-903A-E864089B129F}"/>
+              </a:ext>
+            </a:extLst>
+          </p:cNvPr>
+          <p:cNvSpPr/>
+          <p:nvPr/>
+        </p:nvSpPr>
+        <p:spPr>
+          <a:xfrm>
+            <a:off x="3143874" y="1533856"/>
+            <a:ext cx="1069782" cy="553566"/>
+          </a:xfrm>
+          <a:prstGeom prst="snip2DiagRect">
+            <a:avLst/>
+          </a:prstGeom>
+          <a:noFill/>
+          <a:ln w="28575"/>
+        </p:spPr>
+        <p:style>
+          <a:lnRef idx="2">
+            <a:schemeClr val="dk1"/>
+          </a:lnRef>
+          <a:fillRef idx="1">
+            <a:schemeClr val="lt1"/>
+          </a:fillRef>
+          <a:effectRef idx="0">
+            <a:schemeClr val="dk1"/>
+          </a:effectRef>
+          <a:fontRef idx="minor">
+            <a:schemeClr val="dk1"/>
+          </a:fontRef>
+        </p:style>
+        <p:txBody>
+          <a:bodyPr rtlCol="0" anchor="ctr"/>
+          <a:lstStyle/>
+          <a:p>
+            <a:pPr algn="ctr"/>
+            <a:endParaRPr lang="en-US"/>
+          </a:p>
+        </p:txBody>
+      </p:sp>
+      <p:sp>
+        <p:nvSpPr>
+          <p:cNvPr id="474" name="TextBox 473">
+            <a:extLst>
+              <a:ext uri="{FF2B5EF4-FFF2-40B4-BE49-F238E27FC236}">
+                <a16:creationId xmlns:a16="http://schemas.microsoft.com/office/drawing/2014/main" id="{73CDEB3E-7B6F-300D-7552-B257577AB74B}"/>
+              </a:ext>
+            </a:extLst>
+          </p:cNvPr>
+          <p:cNvSpPr txBox="1"/>
+          <p:nvPr/>
+        </p:nvSpPr>
+        <p:spPr>
+          <a:xfrm>
+            <a:off x="905073" y="2860254"/>
+            <a:ext cx="377686" cy="307777"/>
+          </a:xfrm>
+          <a:prstGeom prst="rect">
+            <a:avLst/>
+          </a:prstGeom>
+          <a:noFill/>
+        </p:spPr>
+        <p:txBody>
+          <a:bodyPr wrap="square">
+            <a:spAutoFit/>
+          </a:bodyPr>
+          <a:lstStyle/>
+          <a:p>
+            <a:r>
+              <a:rPr lang="en-US" sz="1400" dirty="0">
+                <a:solidFill>
+                  <a:schemeClr val="bg1"/>
+                </a:solidFill>
+                <a:latin typeface=""/>
+                <a:ea typeface="Tahoma" panose="020B0604030504040204" pitchFamily="34" charset="0"/>
+                <a:cs typeface="Tahoma" panose="020B0604030504040204" pitchFamily="34" charset="0"/>
+              </a:rPr>
+              <a:t>S</a:t>
+            </a:r>
+            <a:r>
+              <a:rPr lang="en-US" sz="1400" baseline="-25000" dirty="0">
+                <a:solidFill>
+                  <a:schemeClr val="bg1"/>
+                </a:solidFill>
+                <a:latin typeface=""/>
+                <a:ea typeface="Tahoma" panose="020B0604030504040204" pitchFamily="34" charset="0"/>
+                <a:cs typeface="Tahoma" panose="020B0604030504040204" pitchFamily="34" charset="0"/>
+              </a:rPr>
+              <a:t>2</a:t>
+            </a:r>
+            <a:endParaRPr lang="en-US" sz="1400" dirty="0">
+              <a:solidFill>
+                <a:schemeClr val="bg1"/>
+              </a:solidFill>
+            </a:endParaRPr>
+          </a:p>
+        </p:txBody>
+      </p:sp>
+      <p:sp>
+        <p:nvSpPr>
+          <p:cNvPr id="476" name="TextBox 475">
+            <a:extLst>
+              <a:ext uri="{FF2B5EF4-FFF2-40B4-BE49-F238E27FC236}">
+                <a16:creationId xmlns:a16="http://schemas.microsoft.com/office/drawing/2014/main" id="{B0FBF410-0198-FB69-8D03-187DA86C3A8A}"/>
+              </a:ext>
+            </a:extLst>
+          </p:cNvPr>
+          <p:cNvSpPr txBox="1"/>
+          <p:nvPr/>
+        </p:nvSpPr>
+        <p:spPr>
+          <a:xfrm>
+            <a:off x="898903" y="1788561"/>
+            <a:ext cx="388505" cy="307777"/>
+          </a:xfrm>
+          <a:prstGeom prst="rect">
+            <a:avLst/>
+          </a:prstGeom>
+          <a:noFill/>
+        </p:spPr>
+        <p:txBody>
+          <a:bodyPr wrap="square">
+            <a:spAutoFit/>
+          </a:bodyPr>
+          <a:lstStyle/>
+          <a:p>
+            <a:r>
+              <a:rPr lang="en-US" sz="1400" dirty="0">
+                <a:solidFill>
+                  <a:schemeClr val="bg1"/>
+                </a:solidFill>
+                <a:latin typeface=""/>
+                <a:ea typeface="Tahoma" panose="020B0604030504040204" pitchFamily="34" charset="0"/>
+                <a:cs typeface="Tahoma" panose="020B0604030504040204" pitchFamily="34" charset="0"/>
+              </a:rPr>
+              <a:t>S</a:t>
+            </a:r>
+            <a:r>
+              <a:rPr lang="en-US" sz="1400" baseline="-25000" dirty="0">
+                <a:solidFill>
+                  <a:schemeClr val="bg1"/>
+                </a:solidFill>
+                <a:latin typeface=""/>
+                <a:ea typeface="Tahoma" panose="020B0604030504040204" pitchFamily="34" charset="0"/>
+                <a:cs typeface="Tahoma" panose="020B0604030504040204" pitchFamily="34" charset="0"/>
+              </a:rPr>
+              <a:t>1</a:t>
+            </a:r>
+            <a:endParaRPr lang="en-US" sz="1600" dirty="0">
+              <a:solidFill>
+                <a:schemeClr val="bg1"/>
+              </a:solidFill>
+            </a:endParaRPr>
+          </a:p>
+        </p:txBody>
+      </p:sp>
+      <p:sp>
+        <p:nvSpPr>
+          <p:cNvPr id="478" name="TextBox 477">
+            <a:extLst>
+              <a:ext uri="{FF2B5EF4-FFF2-40B4-BE49-F238E27FC236}">
+                <a16:creationId xmlns:a16="http://schemas.microsoft.com/office/drawing/2014/main" id="{424AEC7A-77D2-A8A9-86DB-97EEC66F5EE8}"/>
+              </a:ext>
+            </a:extLst>
+          </p:cNvPr>
+          <p:cNvSpPr txBox="1"/>
+          <p:nvPr/>
+        </p:nvSpPr>
+        <p:spPr>
+          <a:xfrm>
+            <a:off x="916643" y="4090635"/>
+            <a:ext cx="329252" cy="307777"/>
+          </a:xfrm>
+          <a:prstGeom prst="rect">
+            <a:avLst/>
+          </a:prstGeom>
+          <a:noFill/>
+        </p:spPr>
+        <p:txBody>
+          <a:bodyPr wrap="square">
+            <a:spAutoFit/>
+          </a:bodyPr>
+          <a:lstStyle/>
+          <a:p>
+            <a:r>
+              <a:rPr lang="en-US" sz="1400" dirty="0">
+                <a:solidFill>
+                  <a:schemeClr val="bg1"/>
+                </a:solidFill>
+                <a:latin typeface=""/>
+                <a:ea typeface="Tahoma" panose="020B0604030504040204" pitchFamily="34" charset="0"/>
+                <a:cs typeface="Tahoma" panose="020B0604030504040204" pitchFamily="34" charset="0"/>
+              </a:rPr>
+              <a:t>S</a:t>
+            </a:r>
+            <a:r>
+              <a:rPr lang="en-US" sz="1400" baseline="-25000" dirty="0">
+                <a:solidFill>
+                  <a:schemeClr val="bg1"/>
+                </a:solidFill>
+                <a:latin typeface=""/>
+                <a:ea typeface="Tahoma" panose="020B0604030504040204" pitchFamily="34" charset="0"/>
+                <a:cs typeface="Tahoma" panose="020B0604030504040204" pitchFamily="34" charset="0"/>
+              </a:rPr>
+              <a:t>i</a:t>
+            </a:r>
+            <a:endParaRPr lang="en-US" sz="1400" dirty="0">
+              <a:solidFill>
+                <a:schemeClr val="bg1"/>
+              </a:solidFill>
+            </a:endParaRPr>
+          </a:p>
+        </p:txBody>
+      </p:sp>
+      <p:sp>
+        <p:nvSpPr>
+          <p:cNvPr id="479" name="TextBox 478">
+            <a:extLst>
+              <a:ext uri="{FF2B5EF4-FFF2-40B4-BE49-F238E27FC236}">
+                <a16:creationId xmlns:a16="http://schemas.microsoft.com/office/drawing/2014/main" id="{E4F2C94D-F6A8-EE10-7D0F-E788EA7DA40C}"/>
+              </a:ext>
+            </a:extLst>
+          </p:cNvPr>
+          <p:cNvSpPr txBox="1"/>
+          <p:nvPr/>
+        </p:nvSpPr>
+        <p:spPr>
+          <a:xfrm>
+            <a:off x="896233" y="4668884"/>
+            <a:ext cx="377686" cy="307777"/>
+          </a:xfrm>
+          <a:prstGeom prst="rect">
+            <a:avLst/>
+          </a:prstGeom>
+          <a:noFill/>
+        </p:spPr>
+        <p:txBody>
+          <a:bodyPr wrap="square">
+            <a:spAutoFit/>
+          </a:bodyPr>
+          <a:lstStyle/>
+          <a:p>
+            <a:r>
+              <a:rPr lang="en-US" sz="1400" dirty="0">
+                <a:solidFill>
+                  <a:schemeClr val="bg1"/>
+                </a:solidFill>
+                <a:latin typeface=""/>
+                <a:ea typeface="Tahoma" panose="020B0604030504040204" pitchFamily="34" charset="0"/>
+                <a:cs typeface="Tahoma" panose="020B0604030504040204" pitchFamily="34" charset="0"/>
+              </a:rPr>
+              <a:t>S</a:t>
+            </a:r>
+            <a:r>
+              <a:rPr lang="en-US" sz="1400" baseline="-25000" dirty="0">
+                <a:solidFill>
+                  <a:schemeClr val="bg1"/>
+                </a:solidFill>
+                <a:latin typeface=""/>
+                <a:ea typeface="Tahoma" panose="020B0604030504040204" pitchFamily="34" charset="0"/>
+                <a:cs typeface="Tahoma" panose="020B0604030504040204" pitchFamily="34" charset="0"/>
+              </a:rPr>
+              <a:t>n</a:t>
+            </a:r>
+            <a:endParaRPr lang="en-US" sz="1400" dirty="0">
+              <a:solidFill>
+                <a:schemeClr val="bg1"/>
+              </a:solidFill>
+            </a:endParaRPr>
+          </a:p>
+        </p:txBody>
+      </p:sp>
+      <p:sp>
+        <p:nvSpPr>
+          <p:cNvPr id="482" name="TextBox 481">
+            <a:extLst>
+              <a:ext uri="{FF2B5EF4-FFF2-40B4-BE49-F238E27FC236}">
+                <a16:creationId xmlns:a16="http://schemas.microsoft.com/office/drawing/2014/main" id="{D0346870-A14F-C94A-1306-4A6066676879}"/>
+              </a:ext>
+            </a:extLst>
+          </p:cNvPr>
+          <p:cNvSpPr txBox="1"/>
+          <p:nvPr/>
+        </p:nvSpPr>
+        <p:spPr>
+          <a:xfrm>
+            <a:off x="1547462" y="2858556"/>
+            <a:ext cx="371704" cy="307777"/>
+          </a:xfrm>
+          <a:prstGeom prst="rect">
+            <a:avLst/>
+          </a:prstGeom>
+          <a:noFill/>
+        </p:spPr>
+        <p:txBody>
+          <a:bodyPr wrap="square">
+            <a:spAutoFit/>
+          </a:bodyPr>
+          <a:lstStyle/>
+          <a:p>
+            <a:r>
+              <a:rPr lang="en-US" sz="1400" dirty="0">
+                <a:solidFill>
+                  <a:schemeClr val="bg1"/>
+                </a:solidFill>
+                <a:latin typeface=""/>
+                <a:ea typeface="Tahoma" panose="020B0604030504040204" pitchFamily="34" charset="0"/>
+                <a:cs typeface="Tahoma" panose="020B0604030504040204" pitchFamily="34" charset="0"/>
+              </a:rPr>
+              <a:t>S</a:t>
+            </a:r>
+            <a:r>
+              <a:rPr lang="en-US" sz="1400" baseline="-25000" dirty="0">
+                <a:solidFill>
+                  <a:schemeClr val="bg1"/>
+                </a:solidFill>
+                <a:latin typeface=""/>
+                <a:ea typeface="Tahoma" panose="020B0604030504040204" pitchFamily="34" charset="0"/>
+                <a:cs typeface="Tahoma" panose="020B0604030504040204" pitchFamily="34" charset="0"/>
+              </a:rPr>
+              <a:t>2</a:t>
+            </a:r>
+            <a:endParaRPr lang="en-US" sz="1400" dirty="0">
+              <a:solidFill>
+                <a:schemeClr val="bg1"/>
+              </a:solidFill>
+            </a:endParaRPr>
+          </a:p>
+        </p:txBody>
+      </p:sp>
+      <p:sp>
+        <p:nvSpPr>
+          <p:cNvPr id="483" name="TextBox 482">
+            <a:extLst>
+              <a:ext uri="{FF2B5EF4-FFF2-40B4-BE49-F238E27FC236}">
+                <a16:creationId xmlns:a16="http://schemas.microsoft.com/office/drawing/2014/main" id="{F594A9BB-516E-800C-74E7-2A23CFA5697A}"/>
+              </a:ext>
+            </a:extLst>
+          </p:cNvPr>
+          <p:cNvSpPr txBox="1"/>
+          <p:nvPr/>
+        </p:nvSpPr>
+        <p:spPr>
+          <a:xfrm>
+            <a:off x="1553279" y="1800739"/>
+            <a:ext cx="368726" cy="307777"/>
+          </a:xfrm>
+          <a:prstGeom prst="rect">
+            <a:avLst/>
+          </a:prstGeom>
+          <a:noFill/>
+        </p:spPr>
+        <p:txBody>
+          <a:bodyPr wrap="square">
+            <a:spAutoFit/>
+          </a:bodyPr>
+          <a:lstStyle/>
+          <a:p>
+            <a:r>
+              <a:rPr lang="en-US" sz="1400" dirty="0">
+                <a:solidFill>
+                  <a:schemeClr val="bg1"/>
+                </a:solidFill>
+                <a:latin typeface=""/>
+                <a:ea typeface="Tahoma" panose="020B0604030504040204" pitchFamily="34" charset="0"/>
+                <a:cs typeface="Tahoma" panose="020B0604030504040204" pitchFamily="34" charset="0"/>
+              </a:rPr>
+              <a:t>S</a:t>
+            </a:r>
+            <a:r>
+              <a:rPr lang="en-US" sz="1400" baseline="-25000" dirty="0">
+                <a:solidFill>
+                  <a:schemeClr val="bg1"/>
+                </a:solidFill>
+                <a:latin typeface=""/>
+                <a:ea typeface="Tahoma" panose="020B0604030504040204" pitchFamily="34" charset="0"/>
+                <a:cs typeface="Tahoma" panose="020B0604030504040204" pitchFamily="34" charset="0"/>
+              </a:rPr>
+              <a:t>1</a:t>
+            </a:r>
+            <a:endParaRPr lang="en-US" sz="1600" dirty="0">
+              <a:solidFill>
+                <a:schemeClr val="bg1"/>
+              </a:solidFill>
+            </a:endParaRPr>
+          </a:p>
+        </p:txBody>
+      </p:sp>
+      <p:sp>
+        <p:nvSpPr>
+          <p:cNvPr id="484" name="TextBox 483">
+            <a:extLst>
+              <a:ext uri="{FF2B5EF4-FFF2-40B4-BE49-F238E27FC236}">
+                <a16:creationId xmlns:a16="http://schemas.microsoft.com/office/drawing/2014/main" id="{56AA260B-87C3-8CD3-B1CE-4392F971BF01}"/>
+              </a:ext>
+            </a:extLst>
+          </p:cNvPr>
+          <p:cNvSpPr txBox="1"/>
+          <p:nvPr/>
+        </p:nvSpPr>
+        <p:spPr>
+          <a:xfrm>
+            <a:off x="1559032" y="4100813"/>
+            <a:ext cx="354615" cy="307777"/>
+          </a:xfrm>
+          <a:prstGeom prst="rect">
+            <a:avLst/>
+          </a:prstGeom>
+          <a:noFill/>
+        </p:spPr>
+        <p:txBody>
+          <a:bodyPr wrap="square">
+            <a:spAutoFit/>
+          </a:bodyPr>
+          <a:lstStyle/>
+          <a:p>
+            <a:r>
+              <a:rPr lang="en-US" sz="1400" dirty="0">
+                <a:solidFill>
+                  <a:schemeClr val="bg1"/>
+                </a:solidFill>
+                <a:latin typeface=""/>
+                <a:ea typeface="Tahoma" panose="020B0604030504040204" pitchFamily="34" charset="0"/>
+                <a:cs typeface="Tahoma" panose="020B0604030504040204" pitchFamily="34" charset="0"/>
+              </a:rPr>
+              <a:t>S</a:t>
+            </a:r>
+            <a:r>
+              <a:rPr lang="en-US" sz="1400" baseline="-25000" dirty="0">
+                <a:solidFill>
+                  <a:schemeClr val="bg1"/>
+                </a:solidFill>
+                <a:latin typeface=""/>
+                <a:ea typeface="Tahoma" panose="020B0604030504040204" pitchFamily="34" charset="0"/>
+                <a:cs typeface="Tahoma" panose="020B0604030504040204" pitchFamily="34" charset="0"/>
+              </a:rPr>
+              <a:t>i</a:t>
+            </a:r>
+            <a:endParaRPr lang="en-US" sz="1400" dirty="0">
+              <a:solidFill>
+                <a:schemeClr val="bg1"/>
+              </a:solidFill>
+            </a:endParaRPr>
+          </a:p>
+        </p:txBody>
+      </p:sp>
+      <p:sp>
+        <p:nvSpPr>
+          <p:cNvPr id="485" name="TextBox 484">
+            <a:extLst>
+              <a:ext uri="{FF2B5EF4-FFF2-40B4-BE49-F238E27FC236}">
+                <a16:creationId xmlns:a16="http://schemas.microsoft.com/office/drawing/2014/main" id="{5C5F5C7C-9B2A-C556-079F-3A53C1800BE9}"/>
+              </a:ext>
+            </a:extLst>
+          </p:cNvPr>
+          <p:cNvSpPr txBox="1"/>
+          <p:nvPr/>
+        </p:nvSpPr>
+        <p:spPr>
+          <a:xfrm>
+            <a:off x="5766219" y="2844687"/>
+            <a:ext cx="384027" cy="307777"/>
+          </a:xfrm>
+          <a:prstGeom prst="rect">
+            <a:avLst/>
+          </a:prstGeom>
+          <a:noFill/>
+        </p:spPr>
+        <p:txBody>
+          <a:bodyPr wrap="square">
+            <a:spAutoFit/>
+          </a:bodyPr>
+          <a:lstStyle/>
+          <a:p>
+            <a:r>
+              <a:rPr lang="en-US" sz="1400" dirty="0">
+                <a:solidFill>
+                  <a:schemeClr val="bg1"/>
+                </a:solidFill>
+                <a:latin typeface=""/>
+                <a:ea typeface="Tahoma" panose="020B0604030504040204" pitchFamily="34" charset="0"/>
+                <a:cs typeface="Tahoma" panose="020B0604030504040204" pitchFamily="34" charset="0"/>
+              </a:rPr>
+              <a:t>S</a:t>
+            </a:r>
+            <a:r>
+              <a:rPr lang="en-US" sz="1400" baseline="-25000" dirty="0">
+                <a:solidFill>
+                  <a:schemeClr val="bg1"/>
+                </a:solidFill>
+                <a:latin typeface=""/>
+                <a:ea typeface="Tahoma" panose="020B0604030504040204" pitchFamily="34" charset="0"/>
+                <a:cs typeface="Tahoma" panose="020B0604030504040204" pitchFamily="34" charset="0"/>
+              </a:rPr>
+              <a:t>2</a:t>
+            </a:r>
+            <a:endParaRPr lang="en-US" sz="1400" dirty="0">
+              <a:solidFill>
+                <a:schemeClr val="bg1"/>
+              </a:solidFill>
+            </a:endParaRPr>
+          </a:p>
+        </p:txBody>
+      </p:sp>
+      <p:sp>
+        <p:nvSpPr>
+          <p:cNvPr id="490" name="TextBox 489">
+            <a:extLst>
+              <a:ext uri="{FF2B5EF4-FFF2-40B4-BE49-F238E27FC236}">
+                <a16:creationId xmlns:a16="http://schemas.microsoft.com/office/drawing/2014/main" id="{4B6DFA75-414A-870F-1755-D876C5B3E5B0}"/>
+              </a:ext>
+            </a:extLst>
+          </p:cNvPr>
+          <p:cNvSpPr txBox="1"/>
+          <p:nvPr/>
+        </p:nvSpPr>
+        <p:spPr>
+          <a:xfrm>
+            <a:off x="5748283" y="1792808"/>
+            <a:ext cx="403465" cy="307777"/>
+          </a:xfrm>
+          <a:prstGeom prst="rect">
+            <a:avLst/>
+          </a:prstGeom>
+          <a:noFill/>
+        </p:spPr>
+        <p:txBody>
+          <a:bodyPr wrap="square">
+            <a:spAutoFit/>
+          </a:bodyPr>
+          <a:lstStyle/>
+          <a:p>
+            <a:r>
+              <a:rPr lang="en-US" sz="1400" dirty="0">
+                <a:solidFill>
+                  <a:schemeClr val="bg1"/>
+                </a:solidFill>
+                <a:latin typeface=""/>
+                <a:ea typeface="Tahoma" panose="020B0604030504040204" pitchFamily="34" charset="0"/>
+                <a:cs typeface="Tahoma" panose="020B0604030504040204" pitchFamily="34" charset="0"/>
+              </a:rPr>
+              <a:t>S</a:t>
+            </a:r>
+            <a:r>
+              <a:rPr lang="en-US" sz="1400" baseline="-25000" dirty="0">
+                <a:solidFill>
+                  <a:schemeClr val="bg1"/>
+                </a:solidFill>
+                <a:latin typeface=""/>
+                <a:ea typeface="Tahoma" panose="020B0604030504040204" pitchFamily="34" charset="0"/>
+                <a:cs typeface="Tahoma" panose="020B0604030504040204" pitchFamily="34" charset="0"/>
+              </a:rPr>
+              <a:t>1</a:t>
+            </a:r>
+            <a:endParaRPr lang="en-US" sz="1600" dirty="0">
+              <a:solidFill>
+                <a:schemeClr val="bg1"/>
+              </a:solidFill>
+            </a:endParaRPr>
+          </a:p>
+        </p:txBody>
+      </p:sp>
+      <p:sp>
+        <p:nvSpPr>
+          <p:cNvPr id="494" name="TextBox 493">
+            <a:extLst>
+              <a:ext uri="{FF2B5EF4-FFF2-40B4-BE49-F238E27FC236}">
+                <a16:creationId xmlns:a16="http://schemas.microsoft.com/office/drawing/2014/main" id="{08A486AA-B68C-7488-8AF1-C27CEFE20092}"/>
+              </a:ext>
+            </a:extLst>
+          </p:cNvPr>
+          <p:cNvSpPr txBox="1"/>
+          <p:nvPr/>
+        </p:nvSpPr>
+        <p:spPr>
+          <a:xfrm>
+            <a:off x="5763317" y="4665193"/>
+            <a:ext cx="384407" cy="307777"/>
+          </a:xfrm>
+          <a:prstGeom prst="rect">
+            <a:avLst/>
+          </a:prstGeom>
+          <a:noFill/>
+        </p:spPr>
+        <p:txBody>
+          <a:bodyPr wrap="square">
+            <a:spAutoFit/>
+          </a:bodyPr>
+          <a:lstStyle/>
+          <a:p>
+            <a:r>
+              <a:rPr lang="en-US" sz="1400" dirty="0">
+                <a:solidFill>
+                  <a:schemeClr val="bg1"/>
+                </a:solidFill>
+                <a:latin typeface=""/>
+                <a:ea typeface="Tahoma" panose="020B0604030504040204" pitchFamily="34" charset="0"/>
+                <a:cs typeface="Tahoma" panose="020B0604030504040204" pitchFamily="34" charset="0"/>
+              </a:rPr>
+              <a:t>S</a:t>
+            </a:r>
+            <a:r>
+              <a:rPr lang="en-US" sz="1400" baseline="-25000" dirty="0">
+                <a:solidFill>
+                  <a:schemeClr val="bg1"/>
+                </a:solidFill>
+                <a:latin typeface=""/>
+                <a:ea typeface="Tahoma" panose="020B0604030504040204" pitchFamily="34" charset="0"/>
+                <a:cs typeface="Tahoma" panose="020B0604030504040204" pitchFamily="34" charset="0"/>
+              </a:rPr>
+              <a:t>n</a:t>
+            </a:r>
+            <a:endParaRPr lang="en-US" sz="1400" dirty="0">
+              <a:solidFill>
+                <a:schemeClr val="bg1"/>
+              </a:solidFill>
+            </a:endParaRPr>
+          </a:p>
+        </p:txBody>
+      </p:sp>
+      <p:sp>
+        <p:nvSpPr>
+          <p:cNvPr id="495" name="TextBox 494">
+            <a:extLst>
+              <a:ext uri="{FF2B5EF4-FFF2-40B4-BE49-F238E27FC236}">
+                <a16:creationId xmlns:a16="http://schemas.microsoft.com/office/drawing/2014/main" id="{CCEED0E5-1837-B470-4F90-A04B0279E032}"/>
+              </a:ext>
+            </a:extLst>
+          </p:cNvPr>
+          <p:cNvSpPr txBox="1"/>
+          <p:nvPr/>
+        </p:nvSpPr>
+        <p:spPr>
+          <a:xfrm>
+            <a:off x="7404571" y="2836502"/>
+            <a:ext cx="370500" cy="307777"/>
+          </a:xfrm>
+          <a:prstGeom prst="rect">
+            <a:avLst/>
+          </a:prstGeom>
+          <a:noFill/>
+        </p:spPr>
+        <p:txBody>
+          <a:bodyPr wrap="square">
+            <a:spAutoFit/>
+          </a:bodyPr>
+          <a:lstStyle/>
+          <a:p>
+            <a:r>
+              <a:rPr lang="en-US" sz="1400" dirty="0">
+                <a:solidFill>
+                  <a:schemeClr val="bg1"/>
+                </a:solidFill>
+                <a:latin typeface=""/>
+                <a:ea typeface="Tahoma" panose="020B0604030504040204" pitchFamily="34" charset="0"/>
+                <a:cs typeface="Tahoma" panose="020B0604030504040204" pitchFamily="34" charset="0"/>
+              </a:rPr>
+              <a:t>S</a:t>
+            </a:r>
+            <a:r>
+              <a:rPr lang="en-US" sz="1400" baseline="-25000" dirty="0">
+                <a:solidFill>
+                  <a:schemeClr val="bg1"/>
+                </a:solidFill>
+                <a:latin typeface=""/>
+                <a:ea typeface="Tahoma" panose="020B0604030504040204" pitchFamily="34" charset="0"/>
+                <a:cs typeface="Tahoma" panose="020B0604030504040204" pitchFamily="34" charset="0"/>
+              </a:rPr>
+              <a:t>2</a:t>
+            </a:r>
+            <a:endParaRPr lang="en-US" sz="1400" dirty="0">
+              <a:solidFill>
+                <a:schemeClr val="bg1"/>
+              </a:solidFill>
+            </a:endParaRPr>
+          </a:p>
+        </p:txBody>
+      </p:sp>
+      <p:sp>
+        <p:nvSpPr>
+          <p:cNvPr id="496" name="TextBox 495">
+            <a:extLst>
+              <a:ext uri="{FF2B5EF4-FFF2-40B4-BE49-F238E27FC236}">
+                <a16:creationId xmlns:a16="http://schemas.microsoft.com/office/drawing/2014/main" id="{B2F50A5C-C9E6-C324-C04E-C12EA542C1D7}"/>
+              </a:ext>
+            </a:extLst>
+          </p:cNvPr>
+          <p:cNvSpPr txBox="1"/>
+          <p:nvPr/>
+        </p:nvSpPr>
+        <p:spPr>
+          <a:xfrm>
+            <a:off x="7404450" y="1796499"/>
+            <a:ext cx="376898" cy="307777"/>
+          </a:xfrm>
+          <a:prstGeom prst="rect">
+            <a:avLst/>
+          </a:prstGeom>
+          <a:noFill/>
+        </p:spPr>
+        <p:txBody>
+          <a:bodyPr wrap="square">
+            <a:spAutoFit/>
+          </a:bodyPr>
+          <a:lstStyle/>
+          <a:p>
+            <a:r>
+              <a:rPr lang="en-US" sz="1400" dirty="0">
+                <a:solidFill>
+                  <a:schemeClr val="bg1"/>
+                </a:solidFill>
+                <a:latin typeface=""/>
+                <a:ea typeface="Tahoma" panose="020B0604030504040204" pitchFamily="34" charset="0"/>
+                <a:cs typeface="Tahoma" panose="020B0604030504040204" pitchFamily="34" charset="0"/>
+              </a:rPr>
+              <a:t>S</a:t>
+            </a:r>
+            <a:r>
+              <a:rPr lang="en-US" sz="1400" baseline="-25000" dirty="0">
+                <a:solidFill>
+                  <a:schemeClr val="bg1"/>
+                </a:solidFill>
+                <a:latin typeface=""/>
+                <a:ea typeface="Tahoma" panose="020B0604030504040204" pitchFamily="34" charset="0"/>
+                <a:cs typeface="Tahoma" panose="020B0604030504040204" pitchFamily="34" charset="0"/>
+              </a:rPr>
+              <a:t>1</a:t>
+            </a:r>
+            <a:endParaRPr lang="en-US" sz="1600" dirty="0">
+              <a:solidFill>
+                <a:schemeClr val="bg1"/>
+              </a:solidFill>
+            </a:endParaRPr>
+          </a:p>
+        </p:txBody>
+      </p:sp>
+      <p:sp>
+        <p:nvSpPr>
+          <p:cNvPr id="497" name="TextBox 496">
+            <a:extLst>
+              <a:ext uri="{FF2B5EF4-FFF2-40B4-BE49-F238E27FC236}">
+                <a16:creationId xmlns:a16="http://schemas.microsoft.com/office/drawing/2014/main" id="{E33A4806-877D-740D-4844-0B123FF30605}"/>
+              </a:ext>
+            </a:extLst>
+          </p:cNvPr>
+          <p:cNvSpPr txBox="1"/>
+          <p:nvPr/>
+        </p:nvSpPr>
+        <p:spPr>
+          <a:xfrm>
+            <a:off x="7395731" y="4662946"/>
+            <a:ext cx="378356" cy="307777"/>
+          </a:xfrm>
+          <a:prstGeom prst="rect">
+            <a:avLst/>
+          </a:prstGeom>
+          <a:noFill/>
+        </p:spPr>
+        <p:txBody>
+          <a:bodyPr wrap="square">
+            <a:spAutoFit/>
+          </a:bodyPr>
+          <a:lstStyle/>
+          <a:p>
+            <a:r>
+              <a:rPr lang="en-US" sz="1400" dirty="0">
+                <a:solidFill>
+                  <a:schemeClr val="bg1"/>
+                </a:solidFill>
+                <a:latin typeface=""/>
+                <a:ea typeface="Tahoma" panose="020B0604030504040204" pitchFamily="34" charset="0"/>
+                <a:cs typeface="Tahoma" panose="020B0604030504040204" pitchFamily="34" charset="0"/>
+              </a:rPr>
+              <a:t>S</a:t>
+            </a:r>
+            <a:r>
+              <a:rPr lang="en-US" sz="1400" baseline="-25000" dirty="0">
+                <a:solidFill>
+                  <a:schemeClr val="bg1"/>
+                </a:solidFill>
+                <a:latin typeface=""/>
+                <a:ea typeface="Tahoma" panose="020B0604030504040204" pitchFamily="34" charset="0"/>
+                <a:cs typeface="Tahoma" panose="020B0604030504040204" pitchFamily="34" charset="0"/>
+              </a:rPr>
+              <a:t>n</a:t>
+            </a:r>
+            <a:endParaRPr lang="en-US" sz="1400" dirty="0">
+              <a:solidFill>
+                <a:schemeClr val="bg1"/>
+              </a:solidFill>
+            </a:endParaRPr>
+          </a:p>
+        </p:txBody>
+      </p:sp>
       <p:cxnSp>
         <p:nvCxnSpPr>
-          <p:cNvPr id="468" name="Straight Arrow Connector 467">
-            <a:extLst>
-              <a:ext uri="{FF2B5EF4-FFF2-40B4-BE49-F238E27FC236}">
-                <a16:creationId xmlns:a16="http://schemas.microsoft.com/office/drawing/2014/main" id="{5F6DC0E3-80C5-24C7-17A8-DA898E7D0818}"/>
+          <p:cNvPr id="93" name="Elbow Connector 92">
+            <a:extLst>
+              <a:ext uri="{FF2B5EF4-FFF2-40B4-BE49-F238E27FC236}">
+                <a16:creationId xmlns:a16="http://schemas.microsoft.com/office/drawing/2014/main" id="{CBF3DF15-50BC-F134-AC1F-7296971E67B0}"/>
               </a:ext>
             </a:extLst>
           </p:cNvPr>
           <p:cNvCxnSpPr>
             <a:cxnSpLocks/>
-            <a:stCxn id="91" idx="1"/>
-            <a:endCxn id="94" idx="0"/>
+            <a:stCxn id="21" idx="1"/>
+            <a:endCxn id="471" idx="1"/>
           </p:cNvCxnSpPr>
           <p:nvPr/>
         </p:nvCxnSpPr>
         <p:spPr>
-          <a:xfrm>
-            <a:off x="3589000" y="1407187"/>
-            <a:ext cx="581703" cy="0"/>
-          </a:xfrm>
-          <a:prstGeom prst="straightConnector1">
+          <a:xfrm flipV="1">
+            <a:off x="3028771" y="4549262"/>
+            <a:ext cx="648178" cy="118448"/>
+          </a:xfrm>
+          <a:prstGeom prst="bentConnector2">
             <a:avLst/>
           </a:prstGeom>
           <a:ln w="19050" cap="flat" cmpd="sng" algn="ctr">
             <a:solidFill>
-              <a:schemeClr val="tx1"/>
+              <a:schemeClr val="dk1"/>
             </a:solidFill>
             <a:prstDash val="solid"/>
             <a:round/>
             <a:headEnd type="none" w="med" len="med"/>
             <a:tailEnd type="arrow" w="med" len="med"/>
           </a:ln>
-          <a:effectLst/>
         </p:spPr>
         <p:style>
-          <a:lnRef idx="2">
-            <a:schemeClr val="accent1"/>
+          <a:lnRef idx="0">
+            <a:scrgbClr r="0" g="0" b="0"/>
           </a:lnRef>
           <a:fillRef idx="0">
-            <a:schemeClr val="accent1"/>
+            <a:scrgbClr r="0" g="0" b="0"/>
           </a:fillRef>
-          <a:effectRef idx="1">
-            <a:schemeClr val="accent1"/>
+          <a:effectRef idx="0">
+            <a:scrgbClr r="0" g="0" b="0"/>
           </a:effectRef>
           <a:fontRef idx="minor">
             <a:schemeClr val="tx1"/>
@@ -11663,48 +12372,47 @@
       </p:cxnSp>
       <p:cxnSp>
         <p:nvCxnSpPr>
-          <p:cNvPr id="477" name="Straight Arrow Connector 476">
-            <a:extLst>
-              <a:ext uri="{FF2B5EF4-FFF2-40B4-BE49-F238E27FC236}">
-                <a16:creationId xmlns:a16="http://schemas.microsoft.com/office/drawing/2014/main" id="{882A3672-A134-557D-8B56-5AC62E376C77}"/>
+          <p:cNvPr id="109" name="Elbow Connector 108">
+            <a:extLst>
+              <a:ext uri="{FF2B5EF4-FFF2-40B4-BE49-F238E27FC236}">
+                <a16:creationId xmlns:a16="http://schemas.microsoft.com/office/drawing/2014/main" id="{B9767FE8-28FB-7A62-B872-E52623F72838}"/>
               </a:ext>
             </a:extLst>
           </p:cNvPr>
           <p:cNvCxnSpPr>
             <a:cxnSpLocks/>
-            <a:stCxn id="63" idx="1"/>
-            <a:endCxn id="94" idx="2"/>
+            <a:stCxn id="18" idx="1"/>
+            <a:endCxn id="471" idx="3"/>
           </p:cNvCxnSpPr>
           <p:nvPr/>
         </p:nvCxnSpPr>
         <p:spPr>
           <a:xfrm>
-            <a:off x="3593499" y="2215583"/>
-            <a:ext cx="577204" cy="0"/>
-          </a:xfrm>
-          <a:prstGeom prst="straightConnector1">
+            <a:off x="3020190" y="3879612"/>
+            <a:ext cx="656759" cy="116084"/>
+          </a:xfrm>
+          <a:prstGeom prst="bentConnector2">
             <a:avLst/>
           </a:prstGeom>
           <a:ln w="19050" cap="flat" cmpd="sng" algn="ctr">
             <a:solidFill>
-              <a:schemeClr val="tx1"/>
+              <a:schemeClr val="dk1"/>
             </a:solidFill>
             <a:prstDash val="solid"/>
             <a:round/>
             <a:headEnd type="none" w="med" len="med"/>
             <a:tailEnd type="arrow" w="med" len="med"/>
           </a:ln>
-          <a:effectLst/>
         </p:spPr>
         <p:style>
-          <a:lnRef idx="2">
-            <a:schemeClr val="accent1"/>
+          <a:lnRef idx="0">
+            <a:scrgbClr r="0" g="0" b="0"/>
           </a:lnRef>
           <a:fillRef idx="0">
-            <a:schemeClr val="accent1"/>
+            <a:scrgbClr r="0" g="0" b="0"/>
           </a:fillRef>
-          <a:effectRef idx="1">
-            <a:schemeClr val="accent1"/>
+          <a:effectRef idx="0">
+            <a:scrgbClr r="0" g="0" b="0"/>
           </a:effectRef>
           <a:fontRef idx="minor">
             <a:schemeClr val="tx1"/>
@@ -11713,48 +12421,47 @@
       </p:cxnSp>
       <p:cxnSp>
         <p:nvCxnSpPr>
-          <p:cNvPr id="486" name="Straight Arrow Connector 485">
-            <a:extLst>
-              <a:ext uri="{FF2B5EF4-FFF2-40B4-BE49-F238E27FC236}">
-                <a16:creationId xmlns:a16="http://schemas.microsoft.com/office/drawing/2014/main" id="{C08BEECF-0FEB-D290-FFB1-745DFD516C69}"/>
+          <p:cNvPr id="118" name="Elbow Connector 117">
+            <a:extLst>
+              <a:ext uri="{FF2B5EF4-FFF2-40B4-BE49-F238E27FC236}">
+                <a16:creationId xmlns:a16="http://schemas.microsoft.com/office/drawing/2014/main" id="{F5C9098D-FBBC-434D-E3A7-3A60A9D5CF6A}"/>
               </a:ext>
             </a:extLst>
           </p:cNvPr>
           <p:cNvCxnSpPr>
             <a:cxnSpLocks/>
             <a:stCxn id="64" idx="1"/>
-            <a:endCxn id="508" idx="0"/>
+            <a:endCxn id="470" idx="3"/>
           </p:cNvCxnSpPr>
           <p:nvPr/>
         </p:nvCxnSpPr>
         <p:spPr>
-          <a:xfrm flipV="1">
-            <a:off x="3607961" y="2651341"/>
-            <a:ext cx="563757" cy="1"/>
-          </a:xfrm>
-          <a:prstGeom prst="straightConnector1">
+          <a:xfrm>
+            <a:off x="3035890" y="2651342"/>
+            <a:ext cx="639745" cy="126761"/>
+          </a:xfrm>
+          <a:prstGeom prst="bentConnector2">
             <a:avLst/>
           </a:prstGeom>
           <a:ln w="19050" cap="flat" cmpd="sng" algn="ctr">
             <a:solidFill>
-              <a:schemeClr val="tx1"/>
+              <a:schemeClr val="dk1"/>
             </a:solidFill>
             <a:prstDash val="solid"/>
             <a:round/>
             <a:headEnd type="none" w="med" len="med"/>
             <a:tailEnd type="arrow" w="med" len="med"/>
           </a:ln>
-          <a:effectLst/>
         </p:spPr>
         <p:style>
-          <a:lnRef idx="2">
-            <a:schemeClr val="accent1"/>
+          <a:lnRef idx="0">
+            <a:scrgbClr r="0" g="0" b="0"/>
           </a:lnRef>
           <a:fillRef idx="0">
-            <a:schemeClr val="accent1"/>
+            <a:scrgbClr r="0" g="0" b="0"/>
           </a:fillRef>
-          <a:effectRef idx="1">
-            <a:schemeClr val="accent1"/>
+          <a:effectRef idx="0">
+            <a:scrgbClr r="0" g="0" b="0"/>
           </a:effectRef>
           <a:fontRef idx="minor">
             <a:schemeClr val="tx1"/>
@@ -11763,48 +12470,47 @@
       </p:cxnSp>
       <p:cxnSp>
         <p:nvCxnSpPr>
-          <p:cNvPr id="487" name="Straight Arrow Connector 486">
-            <a:extLst>
-              <a:ext uri="{FF2B5EF4-FFF2-40B4-BE49-F238E27FC236}">
-                <a16:creationId xmlns:a16="http://schemas.microsoft.com/office/drawing/2014/main" id="{4E8A845D-C3FC-D19E-D3ED-EA1DA55C56F2}"/>
+          <p:cNvPr id="121" name="Elbow Connector 120">
+            <a:extLst>
+              <a:ext uri="{FF2B5EF4-FFF2-40B4-BE49-F238E27FC236}">
+                <a16:creationId xmlns:a16="http://schemas.microsoft.com/office/drawing/2014/main" id="{6A0ADB8B-659F-A799-0EB7-672D25B39679}"/>
               </a:ext>
             </a:extLst>
           </p:cNvPr>
           <p:cNvCxnSpPr>
             <a:cxnSpLocks/>
             <a:stCxn id="69" idx="1"/>
-            <a:endCxn id="508" idx="2"/>
+            <a:endCxn id="470" idx="1"/>
           </p:cNvCxnSpPr>
           <p:nvPr/>
         </p:nvCxnSpPr>
         <p:spPr>
           <a:xfrm flipV="1">
-            <a:off x="3592642" y="3465768"/>
-            <a:ext cx="579076" cy="1"/>
-          </a:xfrm>
-          <a:prstGeom prst="straightConnector1">
+            <a:off x="3021319" y="3331669"/>
+            <a:ext cx="654316" cy="134100"/>
+          </a:xfrm>
+          <a:prstGeom prst="bentConnector2">
             <a:avLst/>
           </a:prstGeom>
           <a:ln w="19050" cap="flat" cmpd="sng" algn="ctr">
             <a:solidFill>
-              <a:schemeClr val="tx1"/>
+              <a:schemeClr val="dk1"/>
             </a:solidFill>
             <a:prstDash val="solid"/>
             <a:round/>
             <a:headEnd type="none" w="med" len="med"/>
             <a:tailEnd type="arrow" w="med" len="med"/>
           </a:ln>
-          <a:effectLst/>
         </p:spPr>
         <p:style>
-          <a:lnRef idx="2">
-            <a:schemeClr val="accent1"/>
+          <a:lnRef idx="0">
+            <a:scrgbClr r="0" g="0" b="0"/>
           </a:lnRef>
           <a:fillRef idx="0">
-            <a:schemeClr val="accent1"/>
+            <a:scrgbClr r="0" g="0" b="0"/>
           </a:fillRef>
-          <a:effectRef idx="1">
-            <a:schemeClr val="accent1"/>
+          <a:effectRef idx="0">
+            <a:scrgbClr r="0" g="0" b="0"/>
           </a:effectRef>
           <a:fontRef idx="minor">
             <a:schemeClr val="tx1"/>
@@ -11813,48 +12519,47 @@
       </p:cxnSp>
       <p:cxnSp>
         <p:nvCxnSpPr>
-          <p:cNvPr id="488" name="Straight Arrow Connector 487">
-            <a:extLst>
-              <a:ext uri="{FF2B5EF4-FFF2-40B4-BE49-F238E27FC236}">
-                <a16:creationId xmlns:a16="http://schemas.microsoft.com/office/drawing/2014/main" id="{F9AAB5EA-E410-C7B4-6BD9-02F84580EA53}"/>
+          <p:cNvPr id="125" name="Elbow Connector 124">
+            <a:extLst>
+              <a:ext uri="{FF2B5EF4-FFF2-40B4-BE49-F238E27FC236}">
+                <a16:creationId xmlns:a16="http://schemas.microsoft.com/office/drawing/2014/main" id="{145B474B-A342-86F5-9100-37024E3D7A68}"/>
               </a:ext>
             </a:extLst>
           </p:cNvPr>
           <p:cNvCxnSpPr>
             <a:cxnSpLocks/>
-            <a:stCxn id="18" idx="1"/>
-            <a:endCxn id="510" idx="0"/>
+            <a:stCxn id="63" idx="1"/>
+            <a:endCxn id="472" idx="1"/>
           </p:cNvCxnSpPr>
           <p:nvPr/>
         </p:nvCxnSpPr>
         <p:spPr>
-          <a:xfrm>
-            <a:off x="3591514" y="3879612"/>
-            <a:ext cx="576224" cy="1"/>
-          </a:xfrm>
-          <a:prstGeom prst="straightConnector1">
+          <a:xfrm flipV="1">
+            <a:off x="3022094" y="2087422"/>
+            <a:ext cx="656671" cy="128161"/>
+          </a:xfrm>
+          <a:prstGeom prst="bentConnector2">
             <a:avLst/>
           </a:prstGeom>
           <a:ln w="19050" cap="flat" cmpd="sng" algn="ctr">
             <a:solidFill>
-              <a:schemeClr val="tx1"/>
+              <a:schemeClr val="dk1"/>
             </a:solidFill>
             <a:prstDash val="solid"/>
             <a:round/>
             <a:headEnd type="none" w="med" len="med"/>
             <a:tailEnd type="arrow" w="med" len="med"/>
           </a:ln>
-          <a:effectLst/>
         </p:spPr>
         <p:style>
-          <a:lnRef idx="2">
-            <a:schemeClr val="accent1"/>
+          <a:lnRef idx="0">
+            <a:scrgbClr r="0" g="0" b="0"/>
           </a:lnRef>
           <a:fillRef idx="0">
-            <a:schemeClr val="accent1"/>
+            <a:scrgbClr r="0" g="0" b="0"/>
           </a:fillRef>
-          <a:effectRef idx="1">
-            <a:schemeClr val="accent1"/>
+          <a:effectRef idx="0">
+            <a:scrgbClr r="0" g="0" b="0"/>
           </a:effectRef>
           <a:fontRef idx="minor">
             <a:schemeClr val="tx1"/>
@@ -11863,48 +12568,47 @@
       </p:cxnSp>
       <p:cxnSp>
         <p:nvCxnSpPr>
-          <p:cNvPr id="500" name="Straight Arrow Connector 499">
-            <a:extLst>
-              <a:ext uri="{FF2B5EF4-FFF2-40B4-BE49-F238E27FC236}">
-                <a16:creationId xmlns:a16="http://schemas.microsoft.com/office/drawing/2014/main" id="{EA7DA790-8EFC-0332-A8F1-0CC358E759AA}"/>
+          <p:cNvPr id="128" name="Elbow Connector 127">
+            <a:extLst>
+              <a:ext uri="{FF2B5EF4-FFF2-40B4-BE49-F238E27FC236}">
+                <a16:creationId xmlns:a16="http://schemas.microsoft.com/office/drawing/2014/main" id="{5B0DF4D1-C4C5-FDBE-2285-35EEDF0645D4}"/>
               </a:ext>
             </a:extLst>
           </p:cNvPr>
           <p:cNvCxnSpPr>
             <a:cxnSpLocks/>
-            <a:stCxn id="21" idx="1"/>
-            <a:endCxn id="510" idx="2"/>
+            <a:stCxn id="91" idx="1"/>
+            <a:endCxn id="472" idx="3"/>
           </p:cNvCxnSpPr>
           <p:nvPr/>
         </p:nvCxnSpPr>
         <p:spPr>
-          <a:xfrm flipV="1">
-            <a:off x="3600094" y="4667709"/>
-            <a:ext cx="567644" cy="1"/>
-          </a:xfrm>
-          <a:prstGeom prst="straightConnector1">
+          <a:xfrm>
+            <a:off x="3020404" y="1407187"/>
+            <a:ext cx="658361" cy="126669"/>
+          </a:xfrm>
+          <a:prstGeom prst="bentConnector2">
             <a:avLst/>
           </a:prstGeom>
           <a:ln w="19050" cap="flat" cmpd="sng" algn="ctr">
             <a:solidFill>
-              <a:schemeClr val="tx1"/>
+              <a:schemeClr val="dk1"/>
             </a:solidFill>
             <a:prstDash val="solid"/>
             <a:round/>
             <a:headEnd type="none" w="med" len="med"/>
             <a:tailEnd type="arrow" w="med" len="med"/>
           </a:ln>
-          <a:effectLst/>
         </p:spPr>
         <p:style>
-          <a:lnRef idx="2">
-            <a:schemeClr val="accent1"/>
+          <a:lnRef idx="0">
+            <a:scrgbClr r="0" g="0" b="0"/>
           </a:lnRef>
           <a:fillRef idx="0">
-            <a:schemeClr val="accent1"/>
+            <a:scrgbClr r="0" g="0" b="0"/>
           </a:fillRef>
-          <a:effectRef idx="1">
-            <a:schemeClr val="accent1"/>
+          <a:effectRef idx="0">
+            <a:scrgbClr r="0" g="0" b="0"/>
           </a:effectRef>
           <a:fontRef idx="minor">
             <a:schemeClr val="tx1"/>
